--- a/02-23组会/演示文稿1.pptx
+++ b/02-23组会/演示文稿1.pptx
@@ -4,9 +4,13 @@
   <p:sldMasterIdLst>
     <p:sldMasterId id="2147483648" r:id="rId1"/>
   </p:sldMasterIdLst>
+  <p:notesMasterIdLst>
+    <p:notesMasterId r:id="rId5"/>
+  </p:notesMasterIdLst>
   <p:sldIdLst>
     <p:sldId id="256" r:id="rId2"/>
     <p:sldId id="257" r:id="rId3"/>
+    <p:sldId id="258" r:id="rId4"/>
   </p:sldIdLst>
   <p:sldSz cx="12192000" cy="6858000"/>
   <p:notesSz cx="6858000" cy="9144000"/>
@@ -105,7 +109,361 @@
       </a:defRPr>
     </a:lvl9pPr>
   </p:defaultTextStyle>
+  <p:extLst>
+    <p:ext uri="{EFAFB233-063F-42B5-8137-9DF3F51BA10A}">
+      <p15:sldGuideLst xmlns:p15="http://schemas.microsoft.com/office/powerpoint/2012/main"/>
+    </p:ext>
+  </p:extLst>
 </p:presentation>
+</file>
+
+<file path=ppt/notesMasters/notesMaster1.xml><?xml version="1.0" encoding="utf-8"?>
+<p:notesMaster xmlns:a="http://schemas.openxmlformats.org/drawingml/2006/main" xmlns:r="http://schemas.openxmlformats.org/officeDocument/2006/relationships" xmlns:p="http://schemas.openxmlformats.org/presentationml/2006/main">
+  <p:cSld>
+    <p:bg>
+      <p:bgRef idx="1001">
+        <a:schemeClr val="bg1"/>
+      </p:bgRef>
+    </p:bg>
+    <p:spTree>
+      <p:nvGrpSpPr>
+        <p:cNvPr id="1" name=""/>
+        <p:cNvGrpSpPr/>
+        <p:nvPr/>
+      </p:nvGrpSpPr>
+      <p:grpSpPr>
+        <a:xfrm>
+          <a:off x="0" y="0"/>
+          <a:ext cx="0" cy="0"/>
+          <a:chOff x="0" y="0"/>
+          <a:chExt cx="0" cy="0"/>
+        </a:xfrm>
+      </p:grpSpPr>
+      <p:sp>
+        <p:nvSpPr>
+          <p:cNvPr id="2" name="页眉占位符 1"/>
+          <p:cNvSpPr>
+            <a:spLocks noGrp="1"/>
+          </p:cNvSpPr>
+          <p:nvPr>
+            <p:ph type="hdr" sz="quarter"/>
+          </p:nvPr>
+        </p:nvSpPr>
+        <p:spPr>
+          <a:xfrm>
+            <a:off x="0" y="0"/>
+            <a:ext cx="2971800" cy="458788"/>
+          </a:xfrm>
+          <a:prstGeom prst="rect">
+            <a:avLst/>
+          </a:prstGeom>
+        </p:spPr>
+        <p:txBody>
+          <a:bodyPr vert="horz" lIns="91440" tIns="45720" rIns="91440" bIns="45720" rtlCol="0"/>
+          <a:lstStyle>
+            <a:lvl1pPr algn="l">
+              <a:defRPr sz="1200"/>
+            </a:lvl1pPr>
+          </a:lstStyle>
+          <a:p>
+            <a:endParaRPr lang="zh-CN" altLang="en-US"/>
+          </a:p>
+        </p:txBody>
+      </p:sp>
+      <p:sp>
+        <p:nvSpPr>
+          <p:cNvPr id="3" name="日期占位符 2"/>
+          <p:cNvSpPr>
+            <a:spLocks noGrp="1"/>
+          </p:cNvSpPr>
+          <p:nvPr>
+            <p:ph type="dt" idx="1"/>
+          </p:nvPr>
+        </p:nvSpPr>
+        <p:spPr>
+          <a:xfrm>
+            <a:off x="3884613" y="0"/>
+            <a:ext cx="2971800" cy="458788"/>
+          </a:xfrm>
+          <a:prstGeom prst="rect">
+            <a:avLst/>
+          </a:prstGeom>
+        </p:spPr>
+        <p:txBody>
+          <a:bodyPr vert="horz" lIns="91440" tIns="45720" rIns="91440" bIns="45720" rtlCol="0"/>
+          <a:lstStyle>
+            <a:lvl1pPr algn="r">
+              <a:defRPr sz="1200"/>
+            </a:lvl1pPr>
+          </a:lstStyle>
+          <a:p>
+            <a:fld id="{15E705EB-A84C-4057-9EB7-05EF4361C073}" type="datetimeFigureOut">
+              <a:rPr lang="zh-CN" altLang="en-US" smtClean="0"/>
+              <a:t>2024-02-21</a:t>
+            </a:fld>
+            <a:endParaRPr lang="zh-CN" altLang="en-US"/>
+          </a:p>
+        </p:txBody>
+      </p:sp>
+      <p:sp>
+        <p:nvSpPr>
+          <p:cNvPr id="4" name="幻灯片图像占位符 3"/>
+          <p:cNvSpPr>
+            <a:spLocks noGrp="1" noRot="1" noChangeAspect="1"/>
+          </p:cNvSpPr>
+          <p:nvPr>
+            <p:ph type="sldImg" idx="2"/>
+          </p:nvPr>
+        </p:nvSpPr>
+        <p:spPr>
+          <a:xfrm>
+            <a:off x="685800" y="1143000"/>
+            <a:ext cx="5486400" cy="3086100"/>
+          </a:xfrm>
+          <a:prstGeom prst="rect">
+            <a:avLst/>
+          </a:prstGeom>
+          <a:noFill/>
+          <a:ln w="12700">
+            <a:solidFill>
+              <a:prstClr val="black"/>
+            </a:solidFill>
+          </a:ln>
+        </p:spPr>
+        <p:txBody>
+          <a:bodyPr vert="horz" lIns="91440" tIns="45720" rIns="91440" bIns="45720" rtlCol="0" anchor="ctr"/>
+          <a:lstStyle/>
+          <a:p>
+            <a:endParaRPr lang="zh-CN" altLang="en-US"/>
+          </a:p>
+        </p:txBody>
+      </p:sp>
+      <p:sp>
+        <p:nvSpPr>
+          <p:cNvPr id="5" name="备注占位符 4"/>
+          <p:cNvSpPr>
+            <a:spLocks noGrp="1"/>
+          </p:cNvSpPr>
+          <p:nvPr>
+            <p:ph type="body" sz="quarter" idx="3"/>
+          </p:nvPr>
+        </p:nvSpPr>
+        <p:spPr>
+          <a:xfrm>
+            <a:off x="685800" y="4400550"/>
+            <a:ext cx="5486400" cy="3600450"/>
+          </a:xfrm>
+          <a:prstGeom prst="rect">
+            <a:avLst/>
+          </a:prstGeom>
+        </p:spPr>
+        <p:txBody>
+          <a:bodyPr vert="horz" lIns="91440" tIns="45720" rIns="91440" bIns="45720" rtlCol="0"/>
+          <a:lstStyle/>
+          <a:p>
+            <a:pPr lvl="0"/>
+            <a:r>
+              <a:rPr lang="zh-CN" altLang="en-US"/>
+              <a:t>单击此处编辑母版文本样式</a:t>
+            </a:r>
+          </a:p>
+          <a:p>
+            <a:pPr lvl="1"/>
+            <a:r>
+              <a:rPr lang="zh-CN" altLang="en-US"/>
+              <a:t>二级</a:t>
+            </a:r>
+          </a:p>
+          <a:p>
+            <a:pPr lvl="2"/>
+            <a:r>
+              <a:rPr lang="zh-CN" altLang="en-US"/>
+              <a:t>三级</a:t>
+            </a:r>
+          </a:p>
+          <a:p>
+            <a:pPr lvl="3"/>
+            <a:r>
+              <a:rPr lang="zh-CN" altLang="en-US"/>
+              <a:t>四级</a:t>
+            </a:r>
+          </a:p>
+          <a:p>
+            <a:pPr lvl="4"/>
+            <a:r>
+              <a:rPr lang="zh-CN" altLang="en-US"/>
+              <a:t>五级</a:t>
+            </a:r>
+          </a:p>
+        </p:txBody>
+      </p:sp>
+      <p:sp>
+        <p:nvSpPr>
+          <p:cNvPr id="6" name="页脚占位符 5"/>
+          <p:cNvSpPr>
+            <a:spLocks noGrp="1"/>
+          </p:cNvSpPr>
+          <p:nvPr>
+            <p:ph type="ftr" sz="quarter" idx="4"/>
+          </p:nvPr>
+        </p:nvSpPr>
+        <p:spPr>
+          <a:xfrm>
+            <a:off x="0" y="8685213"/>
+            <a:ext cx="2971800" cy="458787"/>
+          </a:xfrm>
+          <a:prstGeom prst="rect">
+            <a:avLst/>
+          </a:prstGeom>
+        </p:spPr>
+        <p:txBody>
+          <a:bodyPr vert="horz" lIns="91440" tIns="45720" rIns="91440" bIns="45720" rtlCol="0" anchor="b"/>
+          <a:lstStyle>
+            <a:lvl1pPr algn="l">
+              <a:defRPr sz="1200"/>
+            </a:lvl1pPr>
+          </a:lstStyle>
+          <a:p>
+            <a:endParaRPr lang="zh-CN" altLang="en-US"/>
+          </a:p>
+        </p:txBody>
+      </p:sp>
+      <p:sp>
+        <p:nvSpPr>
+          <p:cNvPr id="7" name="灯片编号占位符 6"/>
+          <p:cNvSpPr>
+            <a:spLocks noGrp="1"/>
+          </p:cNvSpPr>
+          <p:nvPr>
+            <p:ph type="sldNum" sz="quarter" idx="5"/>
+          </p:nvPr>
+        </p:nvSpPr>
+        <p:spPr>
+          <a:xfrm>
+            <a:off x="3884613" y="8685213"/>
+            <a:ext cx="2971800" cy="458787"/>
+          </a:xfrm>
+          <a:prstGeom prst="rect">
+            <a:avLst/>
+          </a:prstGeom>
+        </p:spPr>
+        <p:txBody>
+          <a:bodyPr vert="horz" lIns="91440" tIns="45720" rIns="91440" bIns="45720" rtlCol="0" anchor="b"/>
+          <a:lstStyle>
+            <a:lvl1pPr algn="r">
+              <a:defRPr sz="1200"/>
+            </a:lvl1pPr>
+          </a:lstStyle>
+          <a:p>
+            <a:fld id="{4BBBB985-FBE9-44AE-AD73-9F4DFFD0DFE7}" type="slidenum">
+              <a:rPr lang="zh-CN" altLang="en-US" smtClean="0"/>
+              <a:t>‹#›</a:t>
+            </a:fld>
+            <a:endParaRPr lang="zh-CN" altLang="en-US"/>
+          </a:p>
+        </p:txBody>
+      </p:sp>
+    </p:spTree>
+    <p:extLst>
+      <p:ext uri="{BB962C8B-B14F-4D97-AF65-F5344CB8AC3E}">
+        <p14:creationId xmlns:p14="http://schemas.microsoft.com/office/powerpoint/2010/main" val="1584214389"/>
+      </p:ext>
+    </p:extLst>
+  </p:cSld>
+  <p:clrMap bg1="lt1" tx1="dk1" bg2="lt2" tx2="dk2" accent1="accent1" accent2="accent2" accent3="accent3" accent4="accent4" accent5="accent5" accent6="accent6" hlink="hlink" folHlink="folHlink"/>
+  <p:notesStyle>
+    <a:lvl1pPr marL="0" algn="l" defTabSz="914400" rtl="0" eaLnBrk="1" latinLnBrk="0" hangingPunct="1">
+      <a:defRPr sz="1200" kern="1200">
+        <a:solidFill>
+          <a:schemeClr val="tx1"/>
+        </a:solidFill>
+        <a:latin typeface="+mn-lt"/>
+        <a:ea typeface="+mn-ea"/>
+        <a:cs typeface="+mn-cs"/>
+      </a:defRPr>
+    </a:lvl1pPr>
+    <a:lvl2pPr marL="457200" algn="l" defTabSz="914400" rtl="0" eaLnBrk="1" latinLnBrk="0" hangingPunct="1">
+      <a:defRPr sz="1200" kern="1200">
+        <a:solidFill>
+          <a:schemeClr val="tx1"/>
+        </a:solidFill>
+        <a:latin typeface="+mn-lt"/>
+        <a:ea typeface="+mn-ea"/>
+        <a:cs typeface="+mn-cs"/>
+      </a:defRPr>
+    </a:lvl2pPr>
+    <a:lvl3pPr marL="914400" algn="l" defTabSz="914400" rtl="0" eaLnBrk="1" latinLnBrk="0" hangingPunct="1">
+      <a:defRPr sz="1200" kern="1200">
+        <a:solidFill>
+          <a:schemeClr val="tx1"/>
+        </a:solidFill>
+        <a:latin typeface="+mn-lt"/>
+        <a:ea typeface="+mn-ea"/>
+        <a:cs typeface="+mn-cs"/>
+      </a:defRPr>
+    </a:lvl3pPr>
+    <a:lvl4pPr marL="1371600" algn="l" defTabSz="914400" rtl="0" eaLnBrk="1" latinLnBrk="0" hangingPunct="1">
+      <a:defRPr sz="1200" kern="1200">
+        <a:solidFill>
+          <a:schemeClr val="tx1"/>
+        </a:solidFill>
+        <a:latin typeface="+mn-lt"/>
+        <a:ea typeface="+mn-ea"/>
+        <a:cs typeface="+mn-cs"/>
+      </a:defRPr>
+    </a:lvl4pPr>
+    <a:lvl5pPr marL="1828800" algn="l" defTabSz="914400" rtl="0" eaLnBrk="1" latinLnBrk="0" hangingPunct="1">
+      <a:defRPr sz="1200" kern="1200">
+        <a:solidFill>
+          <a:schemeClr val="tx1"/>
+        </a:solidFill>
+        <a:latin typeface="+mn-lt"/>
+        <a:ea typeface="+mn-ea"/>
+        <a:cs typeface="+mn-cs"/>
+      </a:defRPr>
+    </a:lvl5pPr>
+    <a:lvl6pPr marL="2286000" algn="l" defTabSz="914400" rtl="0" eaLnBrk="1" latinLnBrk="0" hangingPunct="1">
+      <a:defRPr sz="1200" kern="1200">
+        <a:solidFill>
+          <a:schemeClr val="tx1"/>
+        </a:solidFill>
+        <a:latin typeface="+mn-lt"/>
+        <a:ea typeface="+mn-ea"/>
+        <a:cs typeface="+mn-cs"/>
+      </a:defRPr>
+    </a:lvl6pPr>
+    <a:lvl7pPr marL="2743200" algn="l" defTabSz="914400" rtl="0" eaLnBrk="1" latinLnBrk="0" hangingPunct="1">
+      <a:defRPr sz="1200" kern="1200">
+        <a:solidFill>
+          <a:schemeClr val="tx1"/>
+        </a:solidFill>
+        <a:latin typeface="+mn-lt"/>
+        <a:ea typeface="+mn-ea"/>
+        <a:cs typeface="+mn-cs"/>
+      </a:defRPr>
+    </a:lvl7pPr>
+    <a:lvl8pPr marL="3200400" algn="l" defTabSz="914400" rtl="0" eaLnBrk="1" latinLnBrk="0" hangingPunct="1">
+      <a:defRPr sz="1200" kern="1200">
+        <a:solidFill>
+          <a:schemeClr val="tx1"/>
+        </a:solidFill>
+        <a:latin typeface="+mn-lt"/>
+        <a:ea typeface="+mn-ea"/>
+        <a:cs typeface="+mn-cs"/>
+      </a:defRPr>
+    </a:lvl8pPr>
+    <a:lvl9pPr marL="3657600" algn="l" defTabSz="914400" rtl="0" eaLnBrk="1" latinLnBrk="0" hangingPunct="1">
+      <a:defRPr sz="1200" kern="1200">
+        <a:solidFill>
+          <a:schemeClr val="tx1"/>
+        </a:solidFill>
+        <a:latin typeface="+mn-lt"/>
+        <a:ea typeface="+mn-ea"/>
+        <a:cs typeface="+mn-cs"/>
+      </a:defRPr>
+    </a:lvl9pPr>
+  </p:notesStyle>
+</p:notesMaster>
 </file>
 
 <file path=ppt/slideLayouts/slideLayout1.xml><?xml version="1.0" encoding="utf-8"?>
@@ -255,7 +613,7 @@
           <a:p>
             <a:fld id="{82EFC0F4-9802-4B42-ABF1-01BF6CBA263D}" type="datetimeFigureOut">
               <a:rPr lang="zh-CN" altLang="en-US" smtClean="0"/>
-              <a:t>2024-02-20</a:t>
+              <a:t>2024-02-21</a:t>
             </a:fld>
             <a:endParaRPr lang="zh-CN" altLang="en-US"/>
           </a:p>
@@ -453,7 +811,7 @@
           <a:p>
             <a:fld id="{82EFC0F4-9802-4B42-ABF1-01BF6CBA263D}" type="datetimeFigureOut">
               <a:rPr lang="zh-CN" altLang="en-US" smtClean="0"/>
-              <a:t>2024-02-20</a:t>
+              <a:t>2024-02-21</a:t>
             </a:fld>
             <a:endParaRPr lang="zh-CN" altLang="en-US"/>
           </a:p>
@@ -661,7 +1019,7 @@
           <a:p>
             <a:fld id="{82EFC0F4-9802-4B42-ABF1-01BF6CBA263D}" type="datetimeFigureOut">
               <a:rPr lang="zh-CN" altLang="en-US" smtClean="0"/>
-              <a:t>2024-02-20</a:t>
+              <a:t>2024-02-21</a:t>
             </a:fld>
             <a:endParaRPr lang="zh-CN" altLang="en-US"/>
           </a:p>
@@ -859,7 +1217,7 @@
           <a:p>
             <a:fld id="{82EFC0F4-9802-4B42-ABF1-01BF6CBA263D}" type="datetimeFigureOut">
               <a:rPr lang="zh-CN" altLang="en-US" smtClean="0"/>
-              <a:t>2024-02-20</a:t>
+              <a:t>2024-02-21</a:t>
             </a:fld>
             <a:endParaRPr lang="zh-CN" altLang="en-US"/>
           </a:p>
@@ -1134,7 +1492,7 @@
           <a:p>
             <a:fld id="{82EFC0F4-9802-4B42-ABF1-01BF6CBA263D}" type="datetimeFigureOut">
               <a:rPr lang="zh-CN" altLang="en-US" smtClean="0"/>
-              <a:t>2024-02-20</a:t>
+              <a:t>2024-02-21</a:t>
             </a:fld>
             <a:endParaRPr lang="zh-CN" altLang="en-US"/>
           </a:p>
@@ -1399,7 +1757,7 @@
           <a:p>
             <a:fld id="{82EFC0F4-9802-4B42-ABF1-01BF6CBA263D}" type="datetimeFigureOut">
               <a:rPr lang="zh-CN" altLang="en-US" smtClean="0"/>
-              <a:t>2024-02-20</a:t>
+              <a:t>2024-02-21</a:t>
             </a:fld>
             <a:endParaRPr lang="zh-CN" altLang="en-US"/>
           </a:p>
@@ -1811,7 +2169,7 @@
           <a:p>
             <a:fld id="{82EFC0F4-9802-4B42-ABF1-01BF6CBA263D}" type="datetimeFigureOut">
               <a:rPr lang="zh-CN" altLang="en-US" smtClean="0"/>
-              <a:t>2024-02-20</a:t>
+              <a:t>2024-02-21</a:t>
             </a:fld>
             <a:endParaRPr lang="zh-CN" altLang="en-US"/>
           </a:p>
@@ -1952,7 +2310,7 @@
           <a:p>
             <a:fld id="{82EFC0F4-9802-4B42-ABF1-01BF6CBA263D}" type="datetimeFigureOut">
               <a:rPr lang="zh-CN" altLang="en-US" smtClean="0"/>
-              <a:t>2024-02-20</a:t>
+              <a:t>2024-02-21</a:t>
             </a:fld>
             <a:endParaRPr lang="zh-CN" altLang="en-US"/>
           </a:p>
@@ -2065,7 +2423,7 @@
           <a:p>
             <a:fld id="{82EFC0F4-9802-4B42-ABF1-01BF6CBA263D}" type="datetimeFigureOut">
               <a:rPr lang="zh-CN" altLang="en-US" smtClean="0"/>
-              <a:t>2024-02-20</a:t>
+              <a:t>2024-02-21</a:t>
             </a:fld>
             <a:endParaRPr lang="zh-CN" altLang="en-US"/>
           </a:p>
@@ -2376,7 +2734,7 @@
           <a:p>
             <a:fld id="{82EFC0F4-9802-4B42-ABF1-01BF6CBA263D}" type="datetimeFigureOut">
               <a:rPr lang="zh-CN" altLang="en-US" smtClean="0"/>
-              <a:t>2024-02-20</a:t>
+              <a:t>2024-02-21</a:t>
             </a:fld>
             <a:endParaRPr lang="zh-CN" altLang="en-US"/>
           </a:p>
@@ -2664,7 +3022,7 @@
           <a:p>
             <a:fld id="{82EFC0F4-9802-4B42-ABF1-01BF6CBA263D}" type="datetimeFigureOut">
               <a:rPr lang="zh-CN" altLang="en-US" smtClean="0"/>
-              <a:t>2024-02-20</a:t>
+              <a:t>2024-02-21</a:t>
             </a:fld>
             <a:endParaRPr lang="zh-CN" altLang="en-US"/>
           </a:p>
@@ -2905,7 +3263,7 @@
           <a:p>
             <a:fld id="{82EFC0F4-9802-4B42-ABF1-01BF6CBA263D}" type="datetimeFigureOut">
               <a:rPr lang="zh-CN" altLang="en-US" smtClean="0"/>
-              <a:t>2024-02-20</a:t>
+              <a:t>2024-02-21</a:t>
             </a:fld>
             <a:endParaRPr lang="zh-CN" altLang="en-US"/>
           </a:p>
@@ -3330,978 +3688,2337 @@
           <a:chExt cx="0" cy="0"/>
         </a:xfrm>
       </p:grpSpPr>
-      <p:pic>
-        <p:nvPicPr>
-          <p:cNvPr id="333" name="图片 332">
+      <p:grpSp>
+        <p:nvGrpSpPr>
+          <p:cNvPr id="2" name="组合 1">
             <a:extLst>
               <a:ext uri="{FF2B5EF4-FFF2-40B4-BE49-F238E27FC236}">
-                <a16:creationId xmlns:a16="http://schemas.microsoft.com/office/drawing/2014/main" id="{626ED908-7403-3963-9354-407F69ECBC5F}"/>
+                <a16:creationId xmlns:a16="http://schemas.microsoft.com/office/drawing/2014/main" id="{E4EA0C84-5077-6BF9-6273-9827F1C3EFEC}"/>
               </a:ext>
             </a:extLst>
           </p:cNvPr>
-          <p:cNvPicPr>
-            <a:picLocks noChangeAspect="1"/>
-          </p:cNvPicPr>
+          <p:cNvGrpSpPr/>
           <p:nvPr/>
-        </p:nvPicPr>
-        <p:blipFill>
-          <a:blip r:embed="rId2">
-            <a:extLst>
-              <a:ext uri="{28A0092B-C50C-407E-A947-70E740481C1C}">
-                <a14:useLocalDpi xmlns:a14="http://schemas.microsoft.com/office/drawing/2010/main" val="0"/>
-              </a:ext>
-            </a:extLst>
-          </a:blip>
-          <a:stretch>
-            <a:fillRect/>
-          </a:stretch>
-        </p:blipFill>
-        <p:spPr>
+        </p:nvGrpSpPr>
+        <p:grpSpPr>
           <a:xfrm>
-            <a:off x="190995" y="550606"/>
-            <a:ext cx="932400" cy="932400"/>
+            <a:off x="1159450" y="504794"/>
+            <a:ext cx="9341833" cy="5588845"/>
+            <a:chOff x="874314" y="308148"/>
+            <a:chExt cx="9341833" cy="5588845"/>
           </a:xfrm>
-          <a:prstGeom prst="rect">
-            <a:avLst/>
-          </a:prstGeom>
-        </p:spPr>
-      </p:pic>
-      <p:pic>
-        <p:nvPicPr>
-          <p:cNvPr id="335" name="图片 334" descr="模糊的照片&#10;&#10;描述已自动生成">
-            <a:extLst>
-              <a:ext uri="{FF2B5EF4-FFF2-40B4-BE49-F238E27FC236}">
-                <a16:creationId xmlns:a16="http://schemas.microsoft.com/office/drawing/2014/main" id="{CE21E6E5-1C5B-374C-4B0C-BC6A4193533E}"/>
-              </a:ext>
-            </a:extLst>
-          </p:cNvPr>
-          <p:cNvPicPr>
-            <a:picLocks noChangeAspect="1"/>
-          </p:cNvPicPr>
-          <p:nvPr/>
-        </p:nvPicPr>
-        <p:blipFill>
-          <a:blip r:embed="rId3">
-            <a:extLst>
-              <a:ext uri="{28A0092B-C50C-407E-A947-70E740481C1C}">
-                <a14:useLocalDpi xmlns:a14="http://schemas.microsoft.com/office/drawing/2010/main" val="0"/>
-              </a:ext>
-            </a:extLst>
-          </a:blip>
-          <a:stretch>
-            <a:fillRect/>
-          </a:stretch>
-        </p:blipFill>
-        <p:spPr>
-          <a:xfrm>
-            <a:off x="7743604" y="550606"/>
-            <a:ext cx="932400" cy="932400"/>
-          </a:xfrm>
-          <a:prstGeom prst="rect">
-            <a:avLst/>
-          </a:prstGeom>
-        </p:spPr>
-      </p:pic>
-      <p:pic>
-        <p:nvPicPr>
-          <p:cNvPr id="337" name="图片 336" descr="模糊的照片上写着字&#10;&#10;描述已自动生成">
-            <a:extLst>
-              <a:ext uri="{FF2B5EF4-FFF2-40B4-BE49-F238E27FC236}">
-                <a16:creationId xmlns:a16="http://schemas.microsoft.com/office/drawing/2014/main" id="{35B5E811-9431-A054-6405-C270E6536E6C}"/>
-              </a:ext>
-            </a:extLst>
-          </p:cNvPr>
-          <p:cNvPicPr>
-            <a:picLocks noChangeAspect="1"/>
-          </p:cNvPicPr>
-          <p:nvPr/>
-        </p:nvPicPr>
-        <p:blipFill>
-          <a:blip r:embed="rId4">
-            <a:extLst>
-              <a:ext uri="{28A0092B-C50C-407E-A947-70E740481C1C}">
-                <a14:useLocalDpi xmlns:a14="http://schemas.microsoft.com/office/drawing/2010/main" val="0"/>
-              </a:ext>
-            </a:extLst>
-          </a:blip>
-          <a:stretch>
-            <a:fillRect/>
-          </a:stretch>
-        </p:blipFill>
-        <p:spPr>
-          <a:xfrm>
-            <a:off x="8822549" y="550606"/>
-            <a:ext cx="932400" cy="932400"/>
-          </a:xfrm>
-          <a:prstGeom prst="rect">
-            <a:avLst/>
-          </a:prstGeom>
-        </p:spPr>
-      </p:pic>
-      <p:pic>
-        <p:nvPicPr>
-          <p:cNvPr id="339" name="图片 338" descr="模糊的动物的修图&#10;&#10;描述已自动生成">
-            <a:extLst>
-              <a:ext uri="{FF2B5EF4-FFF2-40B4-BE49-F238E27FC236}">
-                <a16:creationId xmlns:a16="http://schemas.microsoft.com/office/drawing/2014/main" id="{C1C445FA-729C-776D-81E8-51D19A7A9D15}"/>
-              </a:ext>
-            </a:extLst>
-          </p:cNvPr>
-          <p:cNvPicPr>
-            <a:picLocks noChangeAspect="1"/>
-          </p:cNvPicPr>
-          <p:nvPr/>
-        </p:nvPicPr>
-        <p:blipFill>
-          <a:blip r:embed="rId5">
-            <a:extLst>
-              <a:ext uri="{28A0092B-C50C-407E-A947-70E740481C1C}">
-                <a14:useLocalDpi xmlns:a14="http://schemas.microsoft.com/office/drawing/2010/main" val="0"/>
-              </a:ext>
-            </a:extLst>
-          </a:blip>
-          <a:stretch>
-            <a:fillRect/>
-          </a:stretch>
-        </p:blipFill>
-        <p:spPr>
-          <a:xfrm>
-            <a:off x="1269939" y="550606"/>
-            <a:ext cx="932400" cy="932400"/>
-          </a:xfrm>
-          <a:prstGeom prst="rect">
-            <a:avLst/>
-          </a:prstGeom>
-        </p:spPr>
-      </p:pic>
-      <p:pic>
-        <p:nvPicPr>
-          <p:cNvPr id="343" name="图片 342" descr="模糊的照片上写着字&#10;&#10;中度可信度描述已自动生成">
-            <a:extLst>
-              <a:ext uri="{FF2B5EF4-FFF2-40B4-BE49-F238E27FC236}">
-                <a16:creationId xmlns:a16="http://schemas.microsoft.com/office/drawing/2014/main" id="{122A88FA-3526-0BA2-AFD7-EBCEA95761D0}"/>
-              </a:ext>
-            </a:extLst>
-          </p:cNvPr>
-          <p:cNvPicPr>
-            <a:picLocks noChangeAspect="1"/>
-          </p:cNvPicPr>
-          <p:nvPr/>
-        </p:nvPicPr>
-        <p:blipFill>
-          <a:blip r:embed="rId6">
-            <a:extLst>
-              <a:ext uri="{28A0092B-C50C-407E-A947-70E740481C1C}">
-                <a14:useLocalDpi xmlns:a14="http://schemas.microsoft.com/office/drawing/2010/main" val="0"/>
-              </a:ext>
-            </a:extLst>
-          </a:blip>
-          <a:stretch>
-            <a:fillRect/>
-          </a:stretch>
-        </p:blipFill>
-        <p:spPr>
-          <a:xfrm>
-            <a:off x="2348884" y="550606"/>
-            <a:ext cx="932400" cy="932400"/>
-          </a:xfrm>
-          <a:prstGeom prst="rect">
-            <a:avLst/>
-          </a:prstGeom>
-        </p:spPr>
-      </p:pic>
-      <p:pic>
-        <p:nvPicPr>
-          <p:cNvPr id="345" name="图片 344" descr="绿色的模糊照片&#10;&#10;描述已自动生成">
-            <a:extLst>
-              <a:ext uri="{FF2B5EF4-FFF2-40B4-BE49-F238E27FC236}">
-                <a16:creationId xmlns:a16="http://schemas.microsoft.com/office/drawing/2014/main" id="{960781A2-8D37-AD30-54E2-4073239BCCFF}"/>
-              </a:ext>
-            </a:extLst>
-          </p:cNvPr>
-          <p:cNvPicPr>
-            <a:picLocks noChangeAspect="1"/>
-          </p:cNvPicPr>
-          <p:nvPr/>
-        </p:nvPicPr>
-        <p:blipFill>
-          <a:blip r:embed="rId7">
-            <a:extLst>
-              <a:ext uri="{28A0092B-C50C-407E-A947-70E740481C1C}">
-                <a14:useLocalDpi xmlns:a14="http://schemas.microsoft.com/office/drawing/2010/main" val="0"/>
-              </a:ext>
-            </a:extLst>
-          </a:blip>
-          <a:stretch>
-            <a:fillRect/>
-          </a:stretch>
-        </p:blipFill>
-        <p:spPr>
-          <a:xfrm>
-            <a:off x="5585716" y="550606"/>
-            <a:ext cx="932400" cy="932400"/>
-          </a:xfrm>
-          <a:prstGeom prst="rect">
-            <a:avLst/>
-          </a:prstGeom>
-        </p:spPr>
-      </p:pic>
-      <p:pic>
-        <p:nvPicPr>
-          <p:cNvPr id="351" name="图片 350" descr="图标&#10;&#10;中度可信度描述已自动生成">
-            <a:extLst>
-              <a:ext uri="{FF2B5EF4-FFF2-40B4-BE49-F238E27FC236}">
-                <a16:creationId xmlns:a16="http://schemas.microsoft.com/office/drawing/2014/main" id="{32504D32-3C25-2758-DAEE-C53D028F10F7}"/>
-              </a:ext>
-            </a:extLst>
-          </p:cNvPr>
-          <p:cNvPicPr>
-            <a:picLocks noChangeAspect="1"/>
-          </p:cNvPicPr>
-          <p:nvPr/>
-        </p:nvPicPr>
-        <p:blipFill>
-          <a:blip r:embed="rId8">
-            <a:extLst>
-              <a:ext uri="{28A0092B-C50C-407E-A947-70E740481C1C}">
-                <a14:useLocalDpi xmlns:a14="http://schemas.microsoft.com/office/drawing/2010/main" val="0"/>
-              </a:ext>
-            </a:extLst>
-          </a:blip>
-          <a:stretch>
-            <a:fillRect/>
-          </a:stretch>
-        </p:blipFill>
-        <p:spPr>
-          <a:xfrm>
-            <a:off x="9901494" y="550606"/>
-            <a:ext cx="932400" cy="932400"/>
-          </a:xfrm>
-          <a:prstGeom prst="rect">
-            <a:avLst/>
-          </a:prstGeom>
-        </p:spPr>
-      </p:pic>
-      <p:pic>
-        <p:nvPicPr>
-          <p:cNvPr id="357" name="图片 356" descr="模糊的动物的修图&#10;&#10;中度可信度描述已自动生成">
-            <a:extLst>
-              <a:ext uri="{FF2B5EF4-FFF2-40B4-BE49-F238E27FC236}">
-                <a16:creationId xmlns:a16="http://schemas.microsoft.com/office/drawing/2014/main" id="{3F282DE7-6811-0048-838D-64573C8501E6}"/>
-              </a:ext>
-            </a:extLst>
-          </p:cNvPr>
-          <p:cNvPicPr>
-            <a:picLocks noChangeAspect="1"/>
-          </p:cNvPicPr>
-          <p:nvPr/>
-        </p:nvPicPr>
-        <p:blipFill>
-          <a:blip r:embed="rId9">
-            <a:extLst>
-              <a:ext uri="{28A0092B-C50C-407E-A947-70E740481C1C}">
-                <a14:useLocalDpi xmlns:a14="http://schemas.microsoft.com/office/drawing/2010/main" val="0"/>
-              </a:ext>
-            </a:extLst>
-          </a:blip>
-          <a:stretch>
-            <a:fillRect/>
-          </a:stretch>
-        </p:blipFill>
-        <p:spPr>
-          <a:xfrm>
-            <a:off x="1426397" y="1764385"/>
-            <a:ext cx="932400" cy="932400"/>
-          </a:xfrm>
-          <a:prstGeom prst="rect">
-            <a:avLst/>
-          </a:prstGeom>
-        </p:spPr>
-      </p:pic>
-      <p:pic>
-        <p:nvPicPr>
-          <p:cNvPr id="361" name="图片 360" descr="图片包含 游戏机, 建筑, 桌子&#10;&#10;描述已自动生成">
-            <a:extLst>
-              <a:ext uri="{FF2B5EF4-FFF2-40B4-BE49-F238E27FC236}">
-                <a16:creationId xmlns:a16="http://schemas.microsoft.com/office/drawing/2014/main" id="{3D8BF327-0BB9-3EE7-0544-4487B0E0FF86}"/>
-              </a:ext>
-            </a:extLst>
-          </p:cNvPr>
-          <p:cNvPicPr>
-            <a:picLocks noChangeAspect="1"/>
-          </p:cNvPicPr>
-          <p:nvPr/>
-        </p:nvPicPr>
-        <p:blipFill>
-          <a:blip r:embed="rId10">
-            <a:extLst>
-              <a:ext uri="{28A0092B-C50C-407E-A947-70E740481C1C}">
-                <a14:useLocalDpi xmlns:a14="http://schemas.microsoft.com/office/drawing/2010/main" val="0"/>
-              </a:ext>
-            </a:extLst>
-          </a:blip>
-          <a:stretch>
-            <a:fillRect/>
-          </a:stretch>
-        </p:blipFill>
-        <p:spPr>
-          <a:xfrm>
-            <a:off x="3583569" y="1764383"/>
-            <a:ext cx="932400" cy="932400"/>
-          </a:xfrm>
-          <a:prstGeom prst="rect">
-            <a:avLst/>
-          </a:prstGeom>
-        </p:spPr>
-      </p:pic>
-      <p:pic>
-        <p:nvPicPr>
-          <p:cNvPr id="363" name="图片 362" descr="模糊的图片&#10;&#10;描述已自动生成">
-            <a:extLst>
-              <a:ext uri="{FF2B5EF4-FFF2-40B4-BE49-F238E27FC236}">
-                <a16:creationId xmlns:a16="http://schemas.microsoft.com/office/drawing/2014/main" id="{4ED48452-665D-0382-453D-23B901CEF830}"/>
-              </a:ext>
-            </a:extLst>
-          </p:cNvPr>
-          <p:cNvPicPr>
-            <a:picLocks noChangeAspect="1"/>
-          </p:cNvPicPr>
-          <p:nvPr/>
-        </p:nvPicPr>
-        <p:blipFill>
-          <a:blip r:embed="rId11">
-            <a:extLst>
-              <a:ext uri="{28A0092B-C50C-407E-A947-70E740481C1C}">
-                <a14:useLocalDpi xmlns:a14="http://schemas.microsoft.com/office/drawing/2010/main" val="0"/>
-              </a:ext>
-            </a:extLst>
-          </a:blip>
-          <a:stretch>
-            <a:fillRect/>
-          </a:stretch>
-        </p:blipFill>
-        <p:spPr>
-          <a:xfrm>
-            <a:off x="4662155" y="1764383"/>
-            <a:ext cx="932400" cy="932400"/>
-          </a:xfrm>
-          <a:prstGeom prst="rect">
-            <a:avLst/>
-          </a:prstGeom>
-        </p:spPr>
-      </p:pic>
-      <p:pic>
-        <p:nvPicPr>
-          <p:cNvPr id="369" name="图片 368" descr="图标&#10;&#10;中度可信度描述已自动生成">
-            <a:extLst>
-              <a:ext uri="{FF2B5EF4-FFF2-40B4-BE49-F238E27FC236}">
-                <a16:creationId xmlns:a16="http://schemas.microsoft.com/office/drawing/2014/main" id="{02C153B8-7171-CED8-4D09-2E9878F4F4B4}"/>
-              </a:ext>
-            </a:extLst>
-          </p:cNvPr>
-          <p:cNvPicPr>
-            <a:picLocks noChangeAspect="1"/>
-          </p:cNvPicPr>
-          <p:nvPr/>
-        </p:nvPicPr>
-        <p:blipFill>
-          <a:blip r:embed="rId12">
-            <a:extLst>
-              <a:ext uri="{28A0092B-C50C-407E-A947-70E740481C1C}">
-                <a14:useLocalDpi xmlns:a14="http://schemas.microsoft.com/office/drawing/2010/main" val="0"/>
-              </a:ext>
-            </a:extLst>
-          </a:blip>
-          <a:stretch>
-            <a:fillRect/>
-          </a:stretch>
-        </p:blipFill>
-        <p:spPr>
-          <a:xfrm>
-            <a:off x="7897913" y="1764382"/>
-            <a:ext cx="932400" cy="932400"/>
-          </a:xfrm>
-          <a:prstGeom prst="rect">
-            <a:avLst/>
-          </a:prstGeom>
-        </p:spPr>
-      </p:pic>
-      <p:pic>
-        <p:nvPicPr>
-          <p:cNvPr id="371" name="图片 370" descr="图标&#10;&#10;描述已自动生成">
-            <a:extLst>
-              <a:ext uri="{FF2B5EF4-FFF2-40B4-BE49-F238E27FC236}">
-                <a16:creationId xmlns:a16="http://schemas.microsoft.com/office/drawing/2014/main" id="{0442F207-4E00-70D0-8CFA-A6E69567751D}"/>
-              </a:ext>
-            </a:extLst>
-          </p:cNvPr>
-          <p:cNvPicPr>
-            <a:picLocks noChangeAspect="1"/>
-          </p:cNvPicPr>
-          <p:nvPr/>
-        </p:nvPicPr>
-        <p:blipFill>
-          <a:blip r:embed="rId13">
-            <a:extLst>
-              <a:ext uri="{28A0092B-C50C-407E-A947-70E740481C1C}">
-                <a14:useLocalDpi xmlns:a14="http://schemas.microsoft.com/office/drawing/2010/main" val="0"/>
-              </a:ext>
-            </a:extLst>
-          </a:blip>
-          <a:stretch>
-            <a:fillRect/>
-          </a:stretch>
-        </p:blipFill>
-        <p:spPr>
-          <a:xfrm>
-            <a:off x="8976499" y="1764382"/>
-            <a:ext cx="932400" cy="932400"/>
-          </a:xfrm>
-          <a:prstGeom prst="rect">
-            <a:avLst/>
-          </a:prstGeom>
-        </p:spPr>
-      </p:pic>
-      <p:pic>
-        <p:nvPicPr>
-          <p:cNvPr id="373" name="图片 372" descr="绿色的卡通人物&#10;&#10;中度可信度描述已自动生成">
-            <a:extLst>
-              <a:ext uri="{FF2B5EF4-FFF2-40B4-BE49-F238E27FC236}">
-                <a16:creationId xmlns:a16="http://schemas.microsoft.com/office/drawing/2014/main" id="{1F0B3CDB-F6FC-9CA5-D3C4-CF35008AB152}"/>
-              </a:ext>
-            </a:extLst>
-          </p:cNvPr>
-          <p:cNvPicPr>
-            <a:picLocks noChangeAspect="1"/>
-          </p:cNvPicPr>
-          <p:nvPr/>
-        </p:nvPicPr>
-        <p:blipFill>
-          <a:blip r:embed="rId14">
-            <a:extLst>
-              <a:ext uri="{28A0092B-C50C-407E-A947-70E740481C1C}">
-                <a14:useLocalDpi xmlns:a14="http://schemas.microsoft.com/office/drawing/2010/main" val="0"/>
-              </a:ext>
-            </a:extLst>
-          </a:blip>
-          <a:stretch>
-            <a:fillRect/>
-          </a:stretch>
-        </p:blipFill>
-        <p:spPr>
-          <a:xfrm>
-            <a:off x="10055085" y="1764382"/>
-            <a:ext cx="932400" cy="932400"/>
-          </a:xfrm>
-          <a:prstGeom prst="rect">
-            <a:avLst/>
-          </a:prstGeom>
-        </p:spPr>
-      </p:pic>
-      <p:pic>
-        <p:nvPicPr>
-          <p:cNvPr id="383" name="图片 382" descr="模糊的照片上写着字&#10;&#10;描述已自动生成">
-            <a:extLst>
-              <a:ext uri="{FF2B5EF4-FFF2-40B4-BE49-F238E27FC236}">
-                <a16:creationId xmlns:a16="http://schemas.microsoft.com/office/drawing/2014/main" id="{329F3FD7-56F9-227D-6751-35FEA505670B}"/>
-              </a:ext>
-            </a:extLst>
-          </p:cNvPr>
-          <p:cNvPicPr>
-            <a:picLocks noChangeAspect="1"/>
-          </p:cNvPicPr>
-          <p:nvPr/>
-        </p:nvPicPr>
-        <p:blipFill>
-          <a:blip r:embed="rId15">
-            <a:extLst>
-              <a:ext uri="{28A0092B-C50C-407E-A947-70E740481C1C}">
-                <a14:useLocalDpi xmlns:a14="http://schemas.microsoft.com/office/drawing/2010/main" val="0"/>
-              </a:ext>
-            </a:extLst>
-          </a:blip>
-          <a:stretch>
-            <a:fillRect/>
-          </a:stretch>
-        </p:blipFill>
-        <p:spPr>
-          <a:xfrm>
-            <a:off x="4750068" y="2756396"/>
-            <a:ext cx="932400" cy="932400"/>
-          </a:xfrm>
-          <a:prstGeom prst="rect">
-            <a:avLst/>
-          </a:prstGeom>
-        </p:spPr>
-      </p:pic>
-      <p:pic>
-        <p:nvPicPr>
-          <p:cNvPr id="385" name="图片 384">
-            <a:extLst>
-              <a:ext uri="{FF2B5EF4-FFF2-40B4-BE49-F238E27FC236}">
-                <a16:creationId xmlns:a16="http://schemas.microsoft.com/office/drawing/2014/main" id="{EB55F0FA-2CFA-733C-2B81-380A0834DBC1}"/>
-              </a:ext>
-            </a:extLst>
-          </p:cNvPr>
-          <p:cNvPicPr>
-            <a:picLocks noChangeAspect="1"/>
-          </p:cNvPicPr>
-          <p:nvPr/>
-        </p:nvPicPr>
-        <p:blipFill>
-          <a:blip r:embed="rId16">
-            <a:extLst>
-              <a:ext uri="{28A0092B-C50C-407E-A947-70E740481C1C}">
-                <a14:useLocalDpi xmlns:a14="http://schemas.microsoft.com/office/drawing/2010/main" val="0"/>
-              </a:ext>
-            </a:extLst>
-          </a:blip>
-          <a:stretch>
-            <a:fillRect/>
-          </a:stretch>
-        </p:blipFill>
-        <p:spPr>
-          <a:xfrm>
-            <a:off x="5827298" y="2756396"/>
-            <a:ext cx="932400" cy="932400"/>
-          </a:xfrm>
-          <a:prstGeom prst="rect">
-            <a:avLst/>
-          </a:prstGeom>
-        </p:spPr>
-      </p:pic>
-      <p:pic>
-        <p:nvPicPr>
-          <p:cNvPr id="389" name="图片 388">
-            <a:extLst>
-              <a:ext uri="{FF2B5EF4-FFF2-40B4-BE49-F238E27FC236}">
-                <a16:creationId xmlns:a16="http://schemas.microsoft.com/office/drawing/2014/main" id="{50C536EC-EB59-9CB6-7111-DE7C57B8510D}"/>
-              </a:ext>
-            </a:extLst>
-          </p:cNvPr>
-          <p:cNvPicPr>
-            <a:picLocks noChangeAspect="1"/>
-          </p:cNvPicPr>
-          <p:nvPr/>
-        </p:nvPicPr>
-        <p:blipFill>
-          <a:blip r:embed="rId17">
-            <a:extLst>
-              <a:ext uri="{28A0092B-C50C-407E-A947-70E740481C1C}">
-                <a14:useLocalDpi xmlns:a14="http://schemas.microsoft.com/office/drawing/2010/main" val="0"/>
-              </a:ext>
-            </a:extLst>
-          </a:blip>
-          <a:stretch>
-            <a:fillRect/>
-          </a:stretch>
-        </p:blipFill>
-        <p:spPr>
-          <a:xfrm>
-            <a:off x="7981758" y="2756396"/>
-            <a:ext cx="932400" cy="932400"/>
-          </a:xfrm>
-          <a:prstGeom prst="rect">
-            <a:avLst/>
-          </a:prstGeom>
-        </p:spPr>
-      </p:pic>
-      <p:pic>
-        <p:nvPicPr>
-          <p:cNvPr id="403" name="图片 402" descr="模糊的照片上写着字&#10;&#10;描述已自动生成">
-            <a:extLst>
-              <a:ext uri="{FF2B5EF4-FFF2-40B4-BE49-F238E27FC236}">
-                <a16:creationId xmlns:a16="http://schemas.microsoft.com/office/drawing/2014/main" id="{DF60C6DC-0291-9BDC-7494-D8598BF0BB0E}"/>
-              </a:ext>
-            </a:extLst>
-          </p:cNvPr>
-          <p:cNvPicPr>
-            <a:picLocks noChangeAspect="1"/>
-          </p:cNvPicPr>
-          <p:nvPr/>
-        </p:nvPicPr>
-        <p:blipFill>
-          <a:blip r:embed="rId18">
-            <a:extLst>
-              <a:ext uri="{28A0092B-C50C-407E-A947-70E740481C1C}">
-                <a14:useLocalDpi xmlns:a14="http://schemas.microsoft.com/office/drawing/2010/main" val="0"/>
-              </a:ext>
-            </a:extLst>
-          </a:blip>
-          <a:stretch>
-            <a:fillRect/>
-          </a:stretch>
-        </p:blipFill>
-        <p:spPr>
-          <a:xfrm>
-            <a:off x="6226362" y="3926512"/>
-            <a:ext cx="932400" cy="932400"/>
-          </a:xfrm>
-          <a:prstGeom prst="rect">
-            <a:avLst/>
-          </a:prstGeom>
-        </p:spPr>
-      </p:pic>
-      <p:pic>
-        <p:nvPicPr>
-          <p:cNvPr id="407" name="图片 406">
-            <a:extLst>
-              <a:ext uri="{FF2B5EF4-FFF2-40B4-BE49-F238E27FC236}">
-                <a16:creationId xmlns:a16="http://schemas.microsoft.com/office/drawing/2014/main" id="{8CD1285F-7B35-C0D0-7D36-7ABE354A20C3}"/>
-              </a:ext>
-            </a:extLst>
-          </p:cNvPr>
-          <p:cNvPicPr>
-            <a:picLocks noChangeAspect="1"/>
-          </p:cNvPicPr>
-          <p:nvPr/>
-        </p:nvPicPr>
-        <p:blipFill>
-          <a:blip r:embed="rId19">
-            <a:extLst>
-              <a:ext uri="{28A0092B-C50C-407E-A947-70E740481C1C}">
-                <a14:useLocalDpi xmlns:a14="http://schemas.microsoft.com/office/drawing/2010/main" val="0"/>
-              </a:ext>
-            </a:extLst>
-          </a:blip>
-          <a:stretch>
-            <a:fillRect/>
-          </a:stretch>
-        </p:blipFill>
-        <p:spPr>
-          <a:xfrm>
-            <a:off x="8612616" y="3926512"/>
-            <a:ext cx="932400" cy="932400"/>
-          </a:xfrm>
-          <a:prstGeom prst="rect">
-            <a:avLst/>
-          </a:prstGeom>
-        </p:spPr>
-      </p:pic>
-      <p:pic>
-        <p:nvPicPr>
-          <p:cNvPr id="409" name="图片 408" descr="模糊的动物的修图&#10;&#10;描述已自动生成">
-            <a:extLst>
-              <a:ext uri="{FF2B5EF4-FFF2-40B4-BE49-F238E27FC236}">
-                <a16:creationId xmlns:a16="http://schemas.microsoft.com/office/drawing/2014/main" id="{B3D99FB6-9524-6389-DC7D-E046F6BD3976}"/>
-              </a:ext>
-            </a:extLst>
-          </p:cNvPr>
-          <p:cNvPicPr>
-            <a:picLocks noChangeAspect="1"/>
-          </p:cNvPicPr>
-          <p:nvPr/>
-        </p:nvPicPr>
-        <p:blipFill>
-          <a:blip r:embed="rId20">
-            <a:extLst>
-              <a:ext uri="{28A0092B-C50C-407E-A947-70E740481C1C}">
-                <a14:useLocalDpi xmlns:a14="http://schemas.microsoft.com/office/drawing/2010/main" val="0"/>
-              </a:ext>
-            </a:extLst>
-          </a:blip>
-          <a:stretch>
-            <a:fillRect/>
-          </a:stretch>
-        </p:blipFill>
-        <p:spPr>
-          <a:xfrm>
-            <a:off x="9805743" y="3926512"/>
-            <a:ext cx="932400" cy="932400"/>
-          </a:xfrm>
-          <a:prstGeom prst="rect">
-            <a:avLst/>
-          </a:prstGeom>
-        </p:spPr>
-      </p:pic>
-      <p:pic>
-        <p:nvPicPr>
-          <p:cNvPr id="411" name="图片 410" descr="模糊的照片&#10;&#10;描述已自动生成">
-            <a:extLst>
-              <a:ext uri="{FF2B5EF4-FFF2-40B4-BE49-F238E27FC236}">
-                <a16:creationId xmlns:a16="http://schemas.microsoft.com/office/drawing/2014/main" id="{CA1CFE62-2249-22B8-5EEF-BC0129B8E7FA}"/>
-              </a:ext>
-            </a:extLst>
-          </p:cNvPr>
-          <p:cNvPicPr>
-            <a:picLocks noChangeAspect="1"/>
-          </p:cNvPicPr>
-          <p:nvPr/>
-        </p:nvPicPr>
-        <p:blipFill>
-          <a:blip r:embed="rId21">
-            <a:extLst>
-              <a:ext uri="{28A0092B-C50C-407E-A947-70E740481C1C}">
-                <a14:useLocalDpi xmlns:a14="http://schemas.microsoft.com/office/drawing/2010/main" val="0"/>
-              </a:ext>
-            </a:extLst>
-          </a:blip>
-          <a:stretch>
-            <a:fillRect/>
-          </a:stretch>
-        </p:blipFill>
-        <p:spPr>
-          <a:xfrm>
-            <a:off x="1255000" y="5523120"/>
-            <a:ext cx="932400" cy="932400"/>
-          </a:xfrm>
-          <a:prstGeom prst="rect">
-            <a:avLst/>
-          </a:prstGeom>
-        </p:spPr>
-      </p:pic>
-      <p:pic>
-        <p:nvPicPr>
-          <p:cNvPr id="417" name="图片 416" descr="图片包含 文本&#10;&#10;描述已自动生成">
-            <a:extLst>
-              <a:ext uri="{FF2B5EF4-FFF2-40B4-BE49-F238E27FC236}">
-                <a16:creationId xmlns:a16="http://schemas.microsoft.com/office/drawing/2014/main" id="{B7FA02CF-7F6D-D016-C7FA-9484BD214A3D}"/>
-              </a:ext>
-            </a:extLst>
-          </p:cNvPr>
-          <p:cNvPicPr>
-            <a:picLocks noChangeAspect="1"/>
-          </p:cNvPicPr>
-          <p:nvPr/>
-        </p:nvPicPr>
-        <p:blipFill>
-          <a:blip r:embed="rId22">
-            <a:extLst>
-              <a:ext uri="{28A0092B-C50C-407E-A947-70E740481C1C}">
-                <a14:useLocalDpi xmlns:a14="http://schemas.microsoft.com/office/drawing/2010/main" val="0"/>
-              </a:ext>
-            </a:extLst>
-          </a:blip>
-          <a:stretch>
-            <a:fillRect/>
-          </a:stretch>
-        </p:blipFill>
-        <p:spPr>
-          <a:xfrm>
-            <a:off x="3442400" y="5523120"/>
-            <a:ext cx="932400" cy="932400"/>
-          </a:xfrm>
-          <a:prstGeom prst="rect">
-            <a:avLst/>
-          </a:prstGeom>
-        </p:spPr>
-      </p:pic>
-      <p:pic>
-        <p:nvPicPr>
-          <p:cNvPr id="421" name="图片 420" descr="模糊的动物的修图&#10;&#10;低可信度描述已自动生成">
-            <a:extLst>
-              <a:ext uri="{FF2B5EF4-FFF2-40B4-BE49-F238E27FC236}">
-                <a16:creationId xmlns:a16="http://schemas.microsoft.com/office/drawing/2014/main" id="{A9C3968A-143F-D7AF-E944-FC47E652D71A}"/>
-              </a:ext>
-            </a:extLst>
-          </p:cNvPr>
-          <p:cNvPicPr>
-            <a:picLocks noChangeAspect="1"/>
-          </p:cNvPicPr>
-          <p:nvPr/>
-        </p:nvPicPr>
-        <p:blipFill>
-          <a:blip r:embed="rId23">
-            <a:extLst>
-              <a:ext uri="{28A0092B-C50C-407E-A947-70E740481C1C}">
-                <a14:useLocalDpi xmlns:a14="http://schemas.microsoft.com/office/drawing/2010/main" val="0"/>
-              </a:ext>
-            </a:extLst>
-          </a:blip>
-          <a:stretch>
-            <a:fillRect/>
-          </a:stretch>
-        </p:blipFill>
-        <p:spPr>
-          <a:xfrm>
-            <a:off x="6723500" y="5523120"/>
-            <a:ext cx="932400" cy="932400"/>
-          </a:xfrm>
-          <a:prstGeom prst="rect">
-            <a:avLst/>
-          </a:prstGeom>
-        </p:spPr>
-      </p:pic>
-      <p:pic>
-        <p:nvPicPr>
-          <p:cNvPr id="423" name="图片 422" descr="模糊的照片上写着字&#10;&#10;描述已自动生成">
-            <a:extLst>
-              <a:ext uri="{FF2B5EF4-FFF2-40B4-BE49-F238E27FC236}">
-                <a16:creationId xmlns:a16="http://schemas.microsoft.com/office/drawing/2014/main" id="{1924E4AB-085B-E89B-E85C-EDFE23A91A3B}"/>
-              </a:ext>
-            </a:extLst>
-          </p:cNvPr>
-          <p:cNvPicPr>
-            <a:picLocks noChangeAspect="1"/>
-          </p:cNvPicPr>
-          <p:nvPr/>
-        </p:nvPicPr>
-        <p:blipFill>
-          <a:blip r:embed="rId24">
-            <a:extLst>
-              <a:ext uri="{28A0092B-C50C-407E-A947-70E740481C1C}">
-                <a14:useLocalDpi xmlns:a14="http://schemas.microsoft.com/office/drawing/2010/main" val="0"/>
-              </a:ext>
-            </a:extLst>
-          </a:blip>
-          <a:stretch>
-            <a:fillRect/>
-          </a:stretch>
-        </p:blipFill>
-        <p:spPr>
-          <a:xfrm>
-            <a:off x="8910900" y="5523120"/>
-            <a:ext cx="932400" cy="932400"/>
-          </a:xfrm>
-          <a:prstGeom prst="rect">
-            <a:avLst/>
-          </a:prstGeom>
-        </p:spPr>
-      </p:pic>
-      <p:pic>
-        <p:nvPicPr>
-          <p:cNvPr id="425" name="图片 424" descr="模糊的图片&#10;&#10;描述已自动生成">
-            <a:extLst>
-              <a:ext uri="{FF2B5EF4-FFF2-40B4-BE49-F238E27FC236}">
-                <a16:creationId xmlns:a16="http://schemas.microsoft.com/office/drawing/2014/main" id="{7E6DA1E4-0450-2DE7-4803-5525AC6C23D8}"/>
-              </a:ext>
-            </a:extLst>
-          </p:cNvPr>
-          <p:cNvPicPr>
-            <a:picLocks noChangeAspect="1"/>
-          </p:cNvPicPr>
-          <p:nvPr/>
-        </p:nvPicPr>
-        <p:blipFill>
-          <a:blip r:embed="rId25">
-            <a:extLst>
-              <a:ext uri="{28A0092B-C50C-407E-A947-70E740481C1C}">
-                <a14:useLocalDpi xmlns:a14="http://schemas.microsoft.com/office/drawing/2010/main" val="0"/>
-              </a:ext>
-            </a:extLst>
-          </a:blip>
-          <a:stretch>
-            <a:fillRect/>
-          </a:stretch>
-        </p:blipFill>
-        <p:spPr>
-          <a:xfrm>
-            <a:off x="10004600" y="5523120"/>
-            <a:ext cx="932400" cy="932400"/>
-          </a:xfrm>
-          <a:prstGeom prst="rect">
-            <a:avLst/>
-          </a:prstGeom>
-        </p:spPr>
-      </p:pic>
-      <p:pic>
-        <p:nvPicPr>
-          <p:cNvPr id="429" name="图片 428" descr="图片包含 文本&#10;&#10;描述已自动生成">
-            <a:extLst>
-              <a:ext uri="{FF2B5EF4-FFF2-40B4-BE49-F238E27FC236}">
-                <a16:creationId xmlns:a16="http://schemas.microsoft.com/office/drawing/2014/main" id="{713E6B49-D927-F2CA-9969-D42ED2766079}"/>
-              </a:ext>
-            </a:extLst>
-          </p:cNvPr>
-          <p:cNvPicPr>
-            <a:picLocks noChangeAspect="1"/>
-          </p:cNvPicPr>
-          <p:nvPr/>
-        </p:nvPicPr>
-        <p:blipFill>
-          <a:blip r:embed="rId26">
-            <a:extLst>
-              <a:ext uri="{28A0092B-C50C-407E-A947-70E740481C1C}">
-                <a14:useLocalDpi xmlns:a14="http://schemas.microsoft.com/office/drawing/2010/main" val="0"/>
-              </a:ext>
-            </a:extLst>
-          </a:blip>
-          <a:stretch>
-            <a:fillRect/>
-          </a:stretch>
-        </p:blipFill>
-        <p:spPr>
-          <a:xfrm>
-            <a:off x="7817200" y="5523120"/>
-            <a:ext cx="932400" cy="932400"/>
-          </a:xfrm>
-          <a:prstGeom prst="rect">
-            <a:avLst/>
-          </a:prstGeom>
-        </p:spPr>
-      </p:pic>
-      <p:pic>
-        <p:nvPicPr>
-          <p:cNvPr id="432" name="图片 431">
-            <a:extLst>
-              <a:ext uri="{FF2B5EF4-FFF2-40B4-BE49-F238E27FC236}">
-                <a16:creationId xmlns:a16="http://schemas.microsoft.com/office/drawing/2014/main" id="{7297FFE2-0C9F-790C-CB07-62FA5FB69D6A}"/>
-              </a:ext>
-            </a:extLst>
-          </p:cNvPr>
-          <p:cNvPicPr>
-            <a:picLocks noChangeAspect="1"/>
-          </p:cNvPicPr>
-          <p:nvPr/>
-        </p:nvPicPr>
-        <p:blipFill>
-          <a:blip r:embed="rId27">
-            <a:extLst>
-              <a:ext uri="{28A0092B-C50C-407E-A947-70E740481C1C}">
-                <a14:useLocalDpi xmlns:a14="http://schemas.microsoft.com/office/drawing/2010/main" val="0"/>
-              </a:ext>
-            </a:extLst>
-          </a:blip>
-          <a:stretch>
-            <a:fillRect/>
-          </a:stretch>
-        </p:blipFill>
-        <p:spPr>
-          <a:xfrm>
-            <a:off x="2038783" y="2894791"/>
-            <a:ext cx="932400" cy="932400"/>
-          </a:xfrm>
-          <a:prstGeom prst="rect">
-            <a:avLst/>
-          </a:prstGeom>
-        </p:spPr>
-      </p:pic>
-      <p:pic>
-        <p:nvPicPr>
-          <p:cNvPr id="433" name="图片 432" descr="模糊的照片&#10;&#10;描述已自动生成">
-            <a:extLst>
-              <a:ext uri="{FF2B5EF4-FFF2-40B4-BE49-F238E27FC236}">
-                <a16:creationId xmlns:a16="http://schemas.microsoft.com/office/drawing/2014/main" id="{58B3FFD1-C9F2-E1CC-7B67-FCDA2662466B}"/>
-              </a:ext>
-            </a:extLst>
-          </p:cNvPr>
-          <p:cNvPicPr>
-            <a:picLocks noChangeAspect="1"/>
-          </p:cNvPicPr>
-          <p:nvPr/>
-        </p:nvPicPr>
-        <p:blipFill>
-          <a:blip r:embed="rId28">
-            <a:extLst>
-              <a:ext uri="{28A0092B-C50C-407E-A947-70E740481C1C}">
-                <a14:useLocalDpi xmlns:a14="http://schemas.microsoft.com/office/drawing/2010/main" val="0"/>
-              </a:ext>
-            </a:extLst>
-          </a:blip>
-          <a:stretch>
-            <a:fillRect/>
-          </a:stretch>
-        </p:blipFill>
-        <p:spPr>
-          <a:xfrm>
-            <a:off x="3116013" y="2894791"/>
-            <a:ext cx="932400" cy="932400"/>
-          </a:xfrm>
-          <a:prstGeom prst="rect">
-            <a:avLst/>
-          </a:prstGeom>
-        </p:spPr>
-      </p:pic>
+        </p:grpSpPr>
+        <p:grpSp>
+          <p:nvGrpSpPr>
+            <p:cNvPr id="3" name="组合 2">
+              <a:extLst>
+                <a:ext uri="{FF2B5EF4-FFF2-40B4-BE49-F238E27FC236}">
+                  <a16:creationId xmlns:a16="http://schemas.microsoft.com/office/drawing/2014/main" id="{C0BEBBD6-B176-9827-4827-5426A7215504}"/>
+                </a:ext>
+              </a:extLst>
+            </p:cNvPr>
+            <p:cNvGrpSpPr/>
+            <p:nvPr/>
+          </p:nvGrpSpPr>
+          <p:grpSpPr>
+            <a:xfrm>
+              <a:off x="7414981" y="308148"/>
+              <a:ext cx="932400" cy="5580555"/>
+              <a:chOff x="7414983" y="316438"/>
+              <a:chExt cx="932400" cy="5580555"/>
+            </a:xfrm>
+          </p:grpSpPr>
+          <p:pic>
+            <p:nvPicPr>
+              <p:cNvPr id="323" name="图片 322">
+                <a:extLst>
+                  <a:ext uri="{FF2B5EF4-FFF2-40B4-BE49-F238E27FC236}">
+                    <a16:creationId xmlns:a16="http://schemas.microsoft.com/office/drawing/2014/main" id="{6C4D443A-8CF4-A4F7-58F4-30E301C1128F}"/>
+                  </a:ext>
+                </a:extLst>
+              </p:cNvPr>
+              <p:cNvPicPr>
+                <a:picLocks noChangeAspect="1"/>
+              </p:cNvPicPr>
+              <p:nvPr/>
+            </p:nvPicPr>
+            <p:blipFill>
+              <a:blip r:embed="rId2">
+                <a:extLst>
+                  <a:ext uri="{28A0092B-C50C-407E-A947-70E740481C1C}">
+                    <a14:useLocalDpi xmlns:a14="http://schemas.microsoft.com/office/drawing/2010/main" val="0"/>
+                  </a:ext>
+                </a:extLst>
+              </a:blip>
+              <a:srcRect/>
+              <a:stretch/>
+            </p:blipFill>
+            <p:spPr>
+              <a:xfrm>
+                <a:off x="7414983" y="1246069"/>
+                <a:ext cx="932400" cy="932400"/>
+              </a:xfrm>
+              <a:prstGeom prst="rect">
+                <a:avLst/>
+              </a:prstGeom>
+            </p:spPr>
+          </p:pic>
+          <p:pic>
+            <p:nvPicPr>
+              <p:cNvPr id="324" name="图片 323">
+                <a:extLst>
+                  <a:ext uri="{FF2B5EF4-FFF2-40B4-BE49-F238E27FC236}">
+                    <a16:creationId xmlns:a16="http://schemas.microsoft.com/office/drawing/2014/main" id="{4BCFCF9E-4F52-BA06-D82C-C1A573BAA71A}"/>
+                  </a:ext>
+                </a:extLst>
+              </p:cNvPr>
+              <p:cNvPicPr>
+                <a:picLocks noChangeAspect="1"/>
+              </p:cNvPicPr>
+              <p:nvPr/>
+            </p:nvPicPr>
+            <p:blipFill>
+              <a:blip r:embed="rId3">
+                <a:extLst>
+                  <a:ext uri="{28A0092B-C50C-407E-A947-70E740481C1C}">
+                    <a14:useLocalDpi xmlns:a14="http://schemas.microsoft.com/office/drawing/2010/main" val="0"/>
+                  </a:ext>
+                </a:extLst>
+              </a:blip>
+              <a:srcRect/>
+              <a:stretch/>
+            </p:blipFill>
+            <p:spPr>
+              <a:xfrm>
+                <a:off x="7414983" y="316438"/>
+                <a:ext cx="932400" cy="932400"/>
+              </a:xfrm>
+              <a:prstGeom prst="rect">
+                <a:avLst/>
+              </a:prstGeom>
+            </p:spPr>
+          </p:pic>
+          <p:pic>
+            <p:nvPicPr>
+              <p:cNvPr id="325" name="图片 324">
+                <a:extLst>
+                  <a:ext uri="{FF2B5EF4-FFF2-40B4-BE49-F238E27FC236}">
+                    <a16:creationId xmlns:a16="http://schemas.microsoft.com/office/drawing/2014/main" id="{D4877AEE-2480-F2A3-D015-79FA8A526C89}"/>
+                  </a:ext>
+                </a:extLst>
+              </p:cNvPr>
+              <p:cNvPicPr>
+                <a:picLocks noChangeAspect="1"/>
+              </p:cNvPicPr>
+              <p:nvPr/>
+            </p:nvPicPr>
+            <p:blipFill>
+              <a:blip r:embed="rId4">
+                <a:extLst>
+                  <a:ext uri="{28A0092B-C50C-407E-A947-70E740481C1C}">
+                    <a14:useLocalDpi xmlns:a14="http://schemas.microsoft.com/office/drawing/2010/main" val="0"/>
+                  </a:ext>
+                </a:extLst>
+              </a:blip>
+              <a:srcRect/>
+              <a:stretch/>
+            </p:blipFill>
+            <p:spPr>
+              <a:xfrm>
+                <a:off x="7414983" y="3105331"/>
+                <a:ext cx="932400" cy="932400"/>
+              </a:xfrm>
+              <a:prstGeom prst="rect">
+                <a:avLst/>
+              </a:prstGeom>
+            </p:spPr>
+          </p:pic>
+          <p:pic>
+            <p:nvPicPr>
+              <p:cNvPr id="326" name="图片 325">
+                <a:extLst>
+                  <a:ext uri="{FF2B5EF4-FFF2-40B4-BE49-F238E27FC236}">
+                    <a16:creationId xmlns:a16="http://schemas.microsoft.com/office/drawing/2014/main" id="{201D5BA8-C9D5-C728-7540-43E30EBF2A99}"/>
+                  </a:ext>
+                </a:extLst>
+              </p:cNvPr>
+              <p:cNvPicPr>
+                <a:picLocks noChangeAspect="1"/>
+              </p:cNvPicPr>
+              <p:nvPr/>
+            </p:nvPicPr>
+            <p:blipFill>
+              <a:blip r:embed="rId5">
+                <a:extLst>
+                  <a:ext uri="{28A0092B-C50C-407E-A947-70E740481C1C}">
+                    <a14:useLocalDpi xmlns:a14="http://schemas.microsoft.com/office/drawing/2010/main" val="0"/>
+                  </a:ext>
+                </a:extLst>
+              </a:blip>
+              <a:srcRect/>
+              <a:stretch/>
+            </p:blipFill>
+            <p:spPr>
+              <a:xfrm>
+                <a:off x="7414983" y="4034962"/>
+                <a:ext cx="932400" cy="932400"/>
+              </a:xfrm>
+              <a:prstGeom prst="rect">
+                <a:avLst/>
+              </a:prstGeom>
+            </p:spPr>
+          </p:pic>
+          <p:pic>
+            <p:nvPicPr>
+              <p:cNvPr id="327" name="图片 326">
+                <a:extLst>
+                  <a:ext uri="{FF2B5EF4-FFF2-40B4-BE49-F238E27FC236}">
+                    <a16:creationId xmlns:a16="http://schemas.microsoft.com/office/drawing/2014/main" id="{6342FCDA-F367-CCA6-A186-C3878B4BFF4B}"/>
+                  </a:ext>
+                </a:extLst>
+              </p:cNvPr>
+              <p:cNvPicPr>
+                <a:picLocks noChangeAspect="1"/>
+              </p:cNvPicPr>
+              <p:nvPr/>
+            </p:nvPicPr>
+            <p:blipFill>
+              <a:blip r:embed="rId6">
+                <a:extLst>
+                  <a:ext uri="{28A0092B-C50C-407E-A947-70E740481C1C}">
+                    <a14:useLocalDpi xmlns:a14="http://schemas.microsoft.com/office/drawing/2010/main" val="0"/>
+                  </a:ext>
+                </a:extLst>
+              </a:blip>
+              <a:srcRect/>
+              <a:stretch/>
+            </p:blipFill>
+            <p:spPr>
+              <a:xfrm>
+                <a:off x="7414983" y="2175700"/>
+                <a:ext cx="932400" cy="932400"/>
+              </a:xfrm>
+              <a:prstGeom prst="rect">
+                <a:avLst/>
+              </a:prstGeom>
+            </p:spPr>
+          </p:pic>
+          <p:pic>
+            <p:nvPicPr>
+              <p:cNvPr id="328" name="图片 327">
+                <a:extLst>
+                  <a:ext uri="{FF2B5EF4-FFF2-40B4-BE49-F238E27FC236}">
+                    <a16:creationId xmlns:a16="http://schemas.microsoft.com/office/drawing/2014/main" id="{86EAEE01-6249-DEDE-1F55-5D03945FAA55}"/>
+                  </a:ext>
+                </a:extLst>
+              </p:cNvPr>
+              <p:cNvPicPr>
+                <a:picLocks noChangeAspect="1"/>
+              </p:cNvPicPr>
+              <p:nvPr/>
+            </p:nvPicPr>
+            <p:blipFill>
+              <a:blip r:embed="rId7">
+                <a:extLst>
+                  <a:ext uri="{28A0092B-C50C-407E-A947-70E740481C1C}">
+                    <a14:useLocalDpi xmlns:a14="http://schemas.microsoft.com/office/drawing/2010/main" val="0"/>
+                  </a:ext>
+                </a:extLst>
+              </a:blip>
+              <a:srcRect/>
+              <a:stretch/>
+            </p:blipFill>
+            <p:spPr>
+              <a:xfrm>
+                <a:off x="7414983" y="4964593"/>
+                <a:ext cx="932400" cy="932400"/>
+              </a:xfrm>
+              <a:prstGeom prst="rect">
+                <a:avLst/>
+              </a:prstGeom>
+            </p:spPr>
+          </p:pic>
+        </p:grpSp>
+        <p:grpSp>
+          <p:nvGrpSpPr>
+            <p:cNvPr id="4" name="组合 3">
+              <a:extLst>
+                <a:ext uri="{FF2B5EF4-FFF2-40B4-BE49-F238E27FC236}">
+                  <a16:creationId xmlns:a16="http://schemas.microsoft.com/office/drawing/2014/main" id="{58B11BC0-B02F-6379-01B1-3B065A7F6726}"/>
+                </a:ext>
+              </a:extLst>
+            </p:cNvPr>
+            <p:cNvGrpSpPr/>
+            <p:nvPr/>
+          </p:nvGrpSpPr>
+          <p:grpSpPr>
+            <a:xfrm>
+              <a:off x="1808695" y="308148"/>
+              <a:ext cx="932400" cy="5580555"/>
+              <a:chOff x="1808697" y="316438"/>
+              <a:chExt cx="932400" cy="5580555"/>
+            </a:xfrm>
+          </p:grpSpPr>
+          <p:pic>
+            <p:nvPicPr>
+              <p:cNvPr id="61" name="图片 60">
+                <a:extLst>
+                  <a:ext uri="{FF2B5EF4-FFF2-40B4-BE49-F238E27FC236}">
+                    <a16:creationId xmlns:a16="http://schemas.microsoft.com/office/drawing/2014/main" id="{4E08885F-2D84-B71B-55C0-8E75D2B1A1A8}"/>
+                  </a:ext>
+                </a:extLst>
+              </p:cNvPr>
+              <p:cNvPicPr>
+                <a:picLocks noChangeAspect="1"/>
+              </p:cNvPicPr>
+              <p:nvPr/>
+            </p:nvPicPr>
+            <p:blipFill>
+              <a:blip r:embed="rId8">
+                <a:extLst>
+                  <a:ext uri="{28A0092B-C50C-407E-A947-70E740481C1C}">
+                    <a14:useLocalDpi xmlns:a14="http://schemas.microsoft.com/office/drawing/2010/main" val="0"/>
+                  </a:ext>
+                </a:extLst>
+              </a:blip>
+              <a:srcRect/>
+              <a:stretch/>
+            </p:blipFill>
+            <p:spPr>
+              <a:xfrm>
+                <a:off x="1808697" y="1246069"/>
+                <a:ext cx="932400" cy="932400"/>
+              </a:xfrm>
+              <a:prstGeom prst="rect">
+                <a:avLst/>
+              </a:prstGeom>
+            </p:spPr>
+          </p:pic>
+          <p:pic>
+            <p:nvPicPr>
+              <p:cNvPr id="62" name="图片 61">
+                <a:extLst>
+                  <a:ext uri="{FF2B5EF4-FFF2-40B4-BE49-F238E27FC236}">
+                    <a16:creationId xmlns:a16="http://schemas.microsoft.com/office/drawing/2014/main" id="{AA69C063-AAB2-B43E-3026-30EF72434B65}"/>
+                  </a:ext>
+                </a:extLst>
+              </p:cNvPr>
+              <p:cNvPicPr>
+                <a:picLocks noChangeAspect="1"/>
+              </p:cNvPicPr>
+              <p:nvPr/>
+            </p:nvPicPr>
+            <p:blipFill>
+              <a:blip r:embed="rId9">
+                <a:extLst>
+                  <a:ext uri="{28A0092B-C50C-407E-A947-70E740481C1C}">
+                    <a14:useLocalDpi xmlns:a14="http://schemas.microsoft.com/office/drawing/2010/main" val="0"/>
+                  </a:ext>
+                </a:extLst>
+              </a:blip>
+              <a:srcRect/>
+              <a:stretch/>
+            </p:blipFill>
+            <p:spPr>
+              <a:xfrm>
+                <a:off x="1808697" y="316438"/>
+                <a:ext cx="932400" cy="932400"/>
+              </a:xfrm>
+              <a:prstGeom prst="rect">
+                <a:avLst/>
+              </a:prstGeom>
+            </p:spPr>
+          </p:pic>
+          <p:pic>
+            <p:nvPicPr>
+              <p:cNvPr id="63" name="图片 62">
+                <a:extLst>
+                  <a:ext uri="{FF2B5EF4-FFF2-40B4-BE49-F238E27FC236}">
+                    <a16:creationId xmlns:a16="http://schemas.microsoft.com/office/drawing/2014/main" id="{DFBB6919-4C84-900C-1167-A19DCFF141A6}"/>
+                  </a:ext>
+                </a:extLst>
+              </p:cNvPr>
+              <p:cNvPicPr>
+                <a:picLocks noChangeAspect="1"/>
+              </p:cNvPicPr>
+              <p:nvPr/>
+            </p:nvPicPr>
+            <p:blipFill>
+              <a:blip r:embed="rId10">
+                <a:extLst>
+                  <a:ext uri="{28A0092B-C50C-407E-A947-70E740481C1C}">
+                    <a14:useLocalDpi xmlns:a14="http://schemas.microsoft.com/office/drawing/2010/main" val="0"/>
+                  </a:ext>
+                </a:extLst>
+              </a:blip>
+              <a:srcRect/>
+              <a:stretch/>
+            </p:blipFill>
+            <p:spPr>
+              <a:xfrm>
+                <a:off x="1808697" y="3105331"/>
+                <a:ext cx="932400" cy="932400"/>
+              </a:xfrm>
+              <a:prstGeom prst="rect">
+                <a:avLst/>
+              </a:prstGeom>
+            </p:spPr>
+          </p:pic>
+          <p:pic>
+            <p:nvPicPr>
+              <p:cNvPr id="320" name="图片 319">
+                <a:extLst>
+                  <a:ext uri="{FF2B5EF4-FFF2-40B4-BE49-F238E27FC236}">
+                    <a16:creationId xmlns:a16="http://schemas.microsoft.com/office/drawing/2014/main" id="{0C10A867-43CC-CD05-8514-52F37C2AC5E3}"/>
+                  </a:ext>
+                </a:extLst>
+              </p:cNvPr>
+              <p:cNvPicPr>
+                <a:picLocks noChangeAspect="1"/>
+              </p:cNvPicPr>
+              <p:nvPr/>
+            </p:nvPicPr>
+            <p:blipFill>
+              <a:blip r:embed="rId11">
+                <a:extLst>
+                  <a:ext uri="{28A0092B-C50C-407E-A947-70E740481C1C}">
+                    <a14:useLocalDpi xmlns:a14="http://schemas.microsoft.com/office/drawing/2010/main" val="0"/>
+                  </a:ext>
+                </a:extLst>
+              </a:blip>
+              <a:srcRect/>
+              <a:stretch/>
+            </p:blipFill>
+            <p:spPr>
+              <a:xfrm>
+                <a:off x="1808697" y="4034962"/>
+                <a:ext cx="932400" cy="932400"/>
+              </a:xfrm>
+              <a:prstGeom prst="rect">
+                <a:avLst/>
+              </a:prstGeom>
+            </p:spPr>
+          </p:pic>
+          <p:pic>
+            <p:nvPicPr>
+              <p:cNvPr id="321" name="图片 320">
+                <a:extLst>
+                  <a:ext uri="{FF2B5EF4-FFF2-40B4-BE49-F238E27FC236}">
+                    <a16:creationId xmlns:a16="http://schemas.microsoft.com/office/drawing/2014/main" id="{9FA5B86C-D23B-785C-5A1B-902E6C39163B}"/>
+                  </a:ext>
+                </a:extLst>
+              </p:cNvPr>
+              <p:cNvPicPr>
+                <a:picLocks noChangeAspect="1"/>
+              </p:cNvPicPr>
+              <p:nvPr/>
+            </p:nvPicPr>
+            <p:blipFill>
+              <a:blip r:embed="rId12">
+                <a:extLst>
+                  <a:ext uri="{28A0092B-C50C-407E-A947-70E740481C1C}">
+                    <a14:useLocalDpi xmlns:a14="http://schemas.microsoft.com/office/drawing/2010/main" val="0"/>
+                  </a:ext>
+                </a:extLst>
+              </a:blip>
+              <a:srcRect/>
+              <a:stretch/>
+            </p:blipFill>
+            <p:spPr>
+              <a:xfrm>
+                <a:off x="1808697" y="2175700"/>
+                <a:ext cx="932400" cy="932400"/>
+              </a:xfrm>
+              <a:prstGeom prst="rect">
+                <a:avLst/>
+              </a:prstGeom>
+            </p:spPr>
+          </p:pic>
+          <p:pic>
+            <p:nvPicPr>
+              <p:cNvPr id="322" name="图片 321">
+                <a:extLst>
+                  <a:ext uri="{FF2B5EF4-FFF2-40B4-BE49-F238E27FC236}">
+                    <a16:creationId xmlns:a16="http://schemas.microsoft.com/office/drawing/2014/main" id="{B22B70A0-2B27-F7FC-9762-CEE3FF9C80FB}"/>
+                  </a:ext>
+                </a:extLst>
+              </p:cNvPr>
+              <p:cNvPicPr>
+                <a:picLocks noChangeAspect="1"/>
+              </p:cNvPicPr>
+              <p:nvPr/>
+            </p:nvPicPr>
+            <p:blipFill>
+              <a:blip r:embed="rId13">
+                <a:extLst>
+                  <a:ext uri="{28A0092B-C50C-407E-A947-70E740481C1C}">
+                    <a14:useLocalDpi xmlns:a14="http://schemas.microsoft.com/office/drawing/2010/main" val="0"/>
+                  </a:ext>
+                </a:extLst>
+              </a:blip>
+              <a:srcRect/>
+              <a:stretch/>
+            </p:blipFill>
+            <p:spPr>
+              <a:xfrm>
+                <a:off x="1808697" y="4964593"/>
+                <a:ext cx="932400" cy="932400"/>
+              </a:xfrm>
+              <a:prstGeom prst="rect">
+                <a:avLst/>
+              </a:prstGeom>
+            </p:spPr>
+          </p:pic>
+        </p:grpSp>
+        <p:grpSp>
+          <p:nvGrpSpPr>
+            <p:cNvPr id="5" name="组合 4">
+              <a:extLst>
+                <a:ext uri="{FF2B5EF4-FFF2-40B4-BE49-F238E27FC236}">
+                  <a16:creationId xmlns:a16="http://schemas.microsoft.com/office/drawing/2014/main" id="{C6728F17-7357-059B-E7E4-4F061A0C0085}"/>
+                </a:ext>
+              </a:extLst>
+            </p:cNvPr>
+            <p:cNvGrpSpPr/>
+            <p:nvPr/>
+          </p:nvGrpSpPr>
+          <p:grpSpPr>
+            <a:xfrm>
+              <a:off x="3677457" y="308148"/>
+              <a:ext cx="932400" cy="5580555"/>
+              <a:chOff x="3677459" y="316438"/>
+              <a:chExt cx="932400" cy="5580555"/>
+            </a:xfrm>
+          </p:grpSpPr>
+          <p:pic>
+            <p:nvPicPr>
+              <p:cNvPr id="55" name="图片 54">
+                <a:extLst>
+                  <a:ext uri="{FF2B5EF4-FFF2-40B4-BE49-F238E27FC236}">
+                    <a16:creationId xmlns:a16="http://schemas.microsoft.com/office/drawing/2014/main" id="{70101A60-C873-8F7D-DAC1-B0AB076D215E}"/>
+                  </a:ext>
+                </a:extLst>
+              </p:cNvPr>
+              <p:cNvPicPr>
+                <a:picLocks noChangeAspect="1"/>
+              </p:cNvPicPr>
+              <p:nvPr/>
+            </p:nvPicPr>
+            <p:blipFill>
+              <a:blip r:embed="rId14">
+                <a:extLst>
+                  <a:ext uri="{28A0092B-C50C-407E-A947-70E740481C1C}">
+                    <a14:useLocalDpi xmlns:a14="http://schemas.microsoft.com/office/drawing/2010/main" val="0"/>
+                  </a:ext>
+                </a:extLst>
+              </a:blip>
+              <a:srcRect/>
+              <a:stretch/>
+            </p:blipFill>
+            <p:spPr>
+              <a:xfrm>
+                <a:off x="3677459" y="1246069"/>
+                <a:ext cx="932400" cy="932400"/>
+              </a:xfrm>
+              <a:prstGeom prst="rect">
+                <a:avLst/>
+              </a:prstGeom>
+            </p:spPr>
+          </p:pic>
+          <p:pic>
+            <p:nvPicPr>
+              <p:cNvPr id="56" name="图片 55">
+                <a:extLst>
+                  <a:ext uri="{FF2B5EF4-FFF2-40B4-BE49-F238E27FC236}">
+                    <a16:creationId xmlns:a16="http://schemas.microsoft.com/office/drawing/2014/main" id="{DA4F4BBF-1C59-ED0F-18FD-63C48C42BB22}"/>
+                  </a:ext>
+                </a:extLst>
+              </p:cNvPr>
+              <p:cNvPicPr>
+                <a:picLocks noChangeAspect="1"/>
+              </p:cNvPicPr>
+              <p:nvPr/>
+            </p:nvPicPr>
+            <p:blipFill>
+              <a:blip r:embed="rId15">
+                <a:extLst>
+                  <a:ext uri="{28A0092B-C50C-407E-A947-70E740481C1C}">
+                    <a14:useLocalDpi xmlns:a14="http://schemas.microsoft.com/office/drawing/2010/main" val="0"/>
+                  </a:ext>
+                </a:extLst>
+              </a:blip>
+              <a:srcRect/>
+              <a:stretch/>
+            </p:blipFill>
+            <p:spPr>
+              <a:xfrm>
+                <a:off x="3677459" y="316438"/>
+                <a:ext cx="932400" cy="932400"/>
+              </a:xfrm>
+              <a:prstGeom prst="rect">
+                <a:avLst/>
+              </a:prstGeom>
+            </p:spPr>
+          </p:pic>
+          <p:pic>
+            <p:nvPicPr>
+              <p:cNvPr id="57" name="图片 56">
+                <a:extLst>
+                  <a:ext uri="{FF2B5EF4-FFF2-40B4-BE49-F238E27FC236}">
+                    <a16:creationId xmlns:a16="http://schemas.microsoft.com/office/drawing/2014/main" id="{5F6FEC34-B3AC-0504-80AB-2FD81A31F0FD}"/>
+                  </a:ext>
+                </a:extLst>
+              </p:cNvPr>
+              <p:cNvPicPr>
+                <a:picLocks noChangeAspect="1"/>
+              </p:cNvPicPr>
+              <p:nvPr/>
+            </p:nvPicPr>
+            <p:blipFill>
+              <a:blip r:embed="rId16">
+                <a:extLst>
+                  <a:ext uri="{28A0092B-C50C-407E-A947-70E740481C1C}">
+                    <a14:useLocalDpi xmlns:a14="http://schemas.microsoft.com/office/drawing/2010/main" val="0"/>
+                  </a:ext>
+                </a:extLst>
+              </a:blip>
+              <a:srcRect/>
+              <a:stretch/>
+            </p:blipFill>
+            <p:spPr>
+              <a:xfrm>
+                <a:off x="3677459" y="3105331"/>
+                <a:ext cx="932400" cy="932400"/>
+              </a:xfrm>
+              <a:prstGeom prst="rect">
+                <a:avLst/>
+              </a:prstGeom>
+            </p:spPr>
+          </p:pic>
+          <p:pic>
+            <p:nvPicPr>
+              <p:cNvPr id="58" name="图片 57">
+                <a:extLst>
+                  <a:ext uri="{FF2B5EF4-FFF2-40B4-BE49-F238E27FC236}">
+                    <a16:creationId xmlns:a16="http://schemas.microsoft.com/office/drawing/2014/main" id="{1819A65E-4754-D303-9E29-EE76F6E2A1DB}"/>
+                  </a:ext>
+                </a:extLst>
+              </p:cNvPr>
+              <p:cNvPicPr>
+                <a:picLocks noChangeAspect="1"/>
+              </p:cNvPicPr>
+              <p:nvPr/>
+            </p:nvPicPr>
+            <p:blipFill>
+              <a:blip r:embed="rId17">
+                <a:extLst>
+                  <a:ext uri="{28A0092B-C50C-407E-A947-70E740481C1C}">
+                    <a14:useLocalDpi xmlns:a14="http://schemas.microsoft.com/office/drawing/2010/main" val="0"/>
+                  </a:ext>
+                </a:extLst>
+              </a:blip>
+              <a:srcRect/>
+              <a:stretch/>
+            </p:blipFill>
+            <p:spPr>
+              <a:xfrm>
+                <a:off x="3677459" y="4034962"/>
+                <a:ext cx="932400" cy="932400"/>
+              </a:xfrm>
+              <a:prstGeom prst="rect">
+                <a:avLst/>
+              </a:prstGeom>
+            </p:spPr>
+          </p:pic>
+          <p:pic>
+            <p:nvPicPr>
+              <p:cNvPr id="59" name="图片 58">
+                <a:extLst>
+                  <a:ext uri="{FF2B5EF4-FFF2-40B4-BE49-F238E27FC236}">
+                    <a16:creationId xmlns:a16="http://schemas.microsoft.com/office/drawing/2014/main" id="{399F47AE-64DF-76BC-CFDE-719E40CD8CEE}"/>
+                  </a:ext>
+                </a:extLst>
+              </p:cNvPr>
+              <p:cNvPicPr>
+                <a:picLocks noChangeAspect="1"/>
+              </p:cNvPicPr>
+              <p:nvPr/>
+            </p:nvPicPr>
+            <p:blipFill>
+              <a:blip r:embed="rId18">
+                <a:extLst>
+                  <a:ext uri="{28A0092B-C50C-407E-A947-70E740481C1C}">
+                    <a14:useLocalDpi xmlns:a14="http://schemas.microsoft.com/office/drawing/2010/main" val="0"/>
+                  </a:ext>
+                </a:extLst>
+              </a:blip>
+              <a:srcRect/>
+              <a:stretch/>
+            </p:blipFill>
+            <p:spPr>
+              <a:xfrm>
+                <a:off x="3677459" y="2175700"/>
+                <a:ext cx="932400" cy="932400"/>
+              </a:xfrm>
+              <a:prstGeom prst="rect">
+                <a:avLst/>
+              </a:prstGeom>
+            </p:spPr>
+          </p:pic>
+          <p:pic>
+            <p:nvPicPr>
+              <p:cNvPr id="60" name="图片 59">
+                <a:extLst>
+                  <a:ext uri="{FF2B5EF4-FFF2-40B4-BE49-F238E27FC236}">
+                    <a16:creationId xmlns:a16="http://schemas.microsoft.com/office/drawing/2014/main" id="{079BCE05-C308-68DC-7210-3BC338322460}"/>
+                  </a:ext>
+                </a:extLst>
+              </p:cNvPr>
+              <p:cNvPicPr>
+                <a:picLocks noChangeAspect="1"/>
+              </p:cNvPicPr>
+              <p:nvPr/>
+            </p:nvPicPr>
+            <p:blipFill>
+              <a:blip r:embed="rId19">
+                <a:extLst>
+                  <a:ext uri="{28A0092B-C50C-407E-A947-70E740481C1C}">
+                    <a14:useLocalDpi xmlns:a14="http://schemas.microsoft.com/office/drawing/2010/main" val="0"/>
+                  </a:ext>
+                </a:extLst>
+              </a:blip>
+              <a:srcRect/>
+              <a:stretch/>
+            </p:blipFill>
+            <p:spPr>
+              <a:xfrm>
+                <a:off x="3677459" y="4964593"/>
+                <a:ext cx="932400" cy="932400"/>
+              </a:xfrm>
+              <a:prstGeom prst="rect">
+                <a:avLst/>
+              </a:prstGeom>
+            </p:spPr>
+          </p:pic>
+        </p:grpSp>
+        <p:grpSp>
+          <p:nvGrpSpPr>
+            <p:cNvPr id="6" name="组合 5">
+              <a:extLst>
+                <a:ext uri="{FF2B5EF4-FFF2-40B4-BE49-F238E27FC236}">
+                  <a16:creationId xmlns:a16="http://schemas.microsoft.com/office/drawing/2014/main" id="{3002B724-C44E-CA34-DAF2-2E41AB322E17}"/>
+                </a:ext>
+              </a:extLst>
+            </p:cNvPr>
+            <p:cNvGrpSpPr/>
+            <p:nvPr/>
+          </p:nvGrpSpPr>
+          <p:grpSpPr>
+            <a:xfrm>
+              <a:off x="5546219" y="308148"/>
+              <a:ext cx="932400" cy="5580555"/>
+              <a:chOff x="5546221" y="316438"/>
+              <a:chExt cx="932400" cy="5580555"/>
+            </a:xfrm>
+          </p:grpSpPr>
+          <p:pic>
+            <p:nvPicPr>
+              <p:cNvPr id="49" name="图片 48">
+                <a:extLst>
+                  <a:ext uri="{FF2B5EF4-FFF2-40B4-BE49-F238E27FC236}">
+                    <a16:creationId xmlns:a16="http://schemas.microsoft.com/office/drawing/2014/main" id="{724A8AD7-799C-A539-DBDC-1115638200EB}"/>
+                  </a:ext>
+                </a:extLst>
+              </p:cNvPr>
+              <p:cNvPicPr>
+                <a:picLocks noChangeAspect="1"/>
+              </p:cNvPicPr>
+              <p:nvPr/>
+            </p:nvPicPr>
+            <p:blipFill>
+              <a:blip r:embed="rId20">
+                <a:extLst>
+                  <a:ext uri="{28A0092B-C50C-407E-A947-70E740481C1C}">
+                    <a14:useLocalDpi xmlns:a14="http://schemas.microsoft.com/office/drawing/2010/main" val="0"/>
+                  </a:ext>
+                </a:extLst>
+              </a:blip>
+              <a:srcRect/>
+              <a:stretch/>
+            </p:blipFill>
+            <p:spPr>
+              <a:xfrm>
+                <a:off x="5546221" y="1246069"/>
+                <a:ext cx="932400" cy="932400"/>
+              </a:xfrm>
+              <a:prstGeom prst="rect">
+                <a:avLst/>
+              </a:prstGeom>
+            </p:spPr>
+          </p:pic>
+          <p:pic>
+            <p:nvPicPr>
+              <p:cNvPr id="50" name="图片 49">
+                <a:extLst>
+                  <a:ext uri="{FF2B5EF4-FFF2-40B4-BE49-F238E27FC236}">
+                    <a16:creationId xmlns:a16="http://schemas.microsoft.com/office/drawing/2014/main" id="{908C4AE3-BA43-0112-857F-19699171AA81}"/>
+                  </a:ext>
+                </a:extLst>
+              </p:cNvPr>
+              <p:cNvPicPr>
+                <a:picLocks noChangeAspect="1"/>
+              </p:cNvPicPr>
+              <p:nvPr/>
+            </p:nvPicPr>
+            <p:blipFill>
+              <a:blip r:embed="rId21">
+                <a:extLst>
+                  <a:ext uri="{28A0092B-C50C-407E-A947-70E740481C1C}">
+                    <a14:useLocalDpi xmlns:a14="http://schemas.microsoft.com/office/drawing/2010/main" val="0"/>
+                  </a:ext>
+                </a:extLst>
+              </a:blip>
+              <a:srcRect/>
+              <a:stretch/>
+            </p:blipFill>
+            <p:spPr>
+              <a:xfrm>
+                <a:off x="5546221" y="316438"/>
+                <a:ext cx="932400" cy="932400"/>
+              </a:xfrm>
+              <a:prstGeom prst="rect">
+                <a:avLst/>
+              </a:prstGeom>
+            </p:spPr>
+          </p:pic>
+          <p:pic>
+            <p:nvPicPr>
+              <p:cNvPr id="51" name="图片 50">
+                <a:extLst>
+                  <a:ext uri="{FF2B5EF4-FFF2-40B4-BE49-F238E27FC236}">
+                    <a16:creationId xmlns:a16="http://schemas.microsoft.com/office/drawing/2014/main" id="{822C6307-469A-9256-A645-BD0703275F5B}"/>
+                  </a:ext>
+                </a:extLst>
+              </p:cNvPr>
+              <p:cNvPicPr>
+                <a:picLocks noChangeAspect="1"/>
+              </p:cNvPicPr>
+              <p:nvPr/>
+            </p:nvPicPr>
+            <p:blipFill>
+              <a:blip r:embed="rId22">
+                <a:extLst>
+                  <a:ext uri="{28A0092B-C50C-407E-A947-70E740481C1C}">
+                    <a14:useLocalDpi xmlns:a14="http://schemas.microsoft.com/office/drawing/2010/main" val="0"/>
+                  </a:ext>
+                </a:extLst>
+              </a:blip>
+              <a:srcRect/>
+              <a:stretch/>
+            </p:blipFill>
+            <p:spPr>
+              <a:xfrm>
+                <a:off x="5546221" y="3105331"/>
+                <a:ext cx="932400" cy="932400"/>
+              </a:xfrm>
+              <a:prstGeom prst="rect">
+                <a:avLst/>
+              </a:prstGeom>
+            </p:spPr>
+          </p:pic>
+          <p:pic>
+            <p:nvPicPr>
+              <p:cNvPr id="52" name="图片 51">
+                <a:extLst>
+                  <a:ext uri="{FF2B5EF4-FFF2-40B4-BE49-F238E27FC236}">
+                    <a16:creationId xmlns:a16="http://schemas.microsoft.com/office/drawing/2014/main" id="{5F92BA62-C45B-C07D-609F-7D7FAF86092A}"/>
+                  </a:ext>
+                </a:extLst>
+              </p:cNvPr>
+              <p:cNvPicPr>
+                <a:picLocks noChangeAspect="1"/>
+              </p:cNvPicPr>
+              <p:nvPr/>
+            </p:nvPicPr>
+            <p:blipFill>
+              <a:blip r:embed="rId23">
+                <a:extLst>
+                  <a:ext uri="{28A0092B-C50C-407E-A947-70E740481C1C}">
+                    <a14:useLocalDpi xmlns:a14="http://schemas.microsoft.com/office/drawing/2010/main" val="0"/>
+                  </a:ext>
+                </a:extLst>
+              </a:blip>
+              <a:srcRect/>
+              <a:stretch/>
+            </p:blipFill>
+            <p:spPr>
+              <a:xfrm>
+                <a:off x="5546221" y="4034962"/>
+                <a:ext cx="932400" cy="932400"/>
+              </a:xfrm>
+              <a:prstGeom prst="rect">
+                <a:avLst/>
+              </a:prstGeom>
+            </p:spPr>
+          </p:pic>
+          <p:pic>
+            <p:nvPicPr>
+              <p:cNvPr id="53" name="图片 52">
+                <a:extLst>
+                  <a:ext uri="{FF2B5EF4-FFF2-40B4-BE49-F238E27FC236}">
+                    <a16:creationId xmlns:a16="http://schemas.microsoft.com/office/drawing/2014/main" id="{CAA9518A-C54E-0C70-CBE5-E29958BE3DB6}"/>
+                  </a:ext>
+                </a:extLst>
+              </p:cNvPr>
+              <p:cNvPicPr>
+                <a:picLocks noChangeAspect="1"/>
+              </p:cNvPicPr>
+              <p:nvPr/>
+            </p:nvPicPr>
+            <p:blipFill>
+              <a:blip r:embed="rId24">
+                <a:extLst>
+                  <a:ext uri="{28A0092B-C50C-407E-A947-70E740481C1C}">
+                    <a14:useLocalDpi xmlns:a14="http://schemas.microsoft.com/office/drawing/2010/main" val="0"/>
+                  </a:ext>
+                </a:extLst>
+              </a:blip>
+              <a:srcRect/>
+              <a:stretch/>
+            </p:blipFill>
+            <p:spPr>
+              <a:xfrm>
+                <a:off x="5546221" y="2175700"/>
+                <a:ext cx="932400" cy="932400"/>
+              </a:xfrm>
+              <a:prstGeom prst="rect">
+                <a:avLst/>
+              </a:prstGeom>
+            </p:spPr>
+          </p:pic>
+          <p:pic>
+            <p:nvPicPr>
+              <p:cNvPr id="54" name="图片 53">
+                <a:extLst>
+                  <a:ext uri="{FF2B5EF4-FFF2-40B4-BE49-F238E27FC236}">
+                    <a16:creationId xmlns:a16="http://schemas.microsoft.com/office/drawing/2014/main" id="{8EC935D7-B44A-DC0C-85EA-B649F80DA1F8}"/>
+                  </a:ext>
+                </a:extLst>
+              </p:cNvPr>
+              <p:cNvPicPr>
+                <a:picLocks noChangeAspect="1"/>
+              </p:cNvPicPr>
+              <p:nvPr/>
+            </p:nvPicPr>
+            <p:blipFill>
+              <a:blip r:embed="rId25">
+                <a:extLst>
+                  <a:ext uri="{28A0092B-C50C-407E-A947-70E740481C1C}">
+                    <a14:useLocalDpi xmlns:a14="http://schemas.microsoft.com/office/drawing/2010/main" val="0"/>
+                  </a:ext>
+                </a:extLst>
+              </a:blip>
+              <a:srcRect/>
+              <a:stretch/>
+            </p:blipFill>
+            <p:spPr>
+              <a:xfrm>
+                <a:off x="5546221" y="4964593"/>
+                <a:ext cx="932400" cy="932400"/>
+              </a:xfrm>
+              <a:prstGeom prst="rect">
+                <a:avLst/>
+              </a:prstGeom>
+            </p:spPr>
+          </p:pic>
+        </p:grpSp>
+        <p:grpSp>
+          <p:nvGrpSpPr>
+            <p:cNvPr id="7" name="组合 6">
+              <a:extLst>
+                <a:ext uri="{FF2B5EF4-FFF2-40B4-BE49-F238E27FC236}">
+                  <a16:creationId xmlns:a16="http://schemas.microsoft.com/office/drawing/2014/main" id="{1D9ED53A-CB17-D17C-2765-057B5610DDE5}"/>
+                </a:ext>
+              </a:extLst>
+            </p:cNvPr>
+            <p:cNvGrpSpPr/>
+            <p:nvPr/>
+          </p:nvGrpSpPr>
+          <p:grpSpPr>
+            <a:xfrm>
+              <a:off x="2743076" y="308148"/>
+              <a:ext cx="932400" cy="5580555"/>
+              <a:chOff x="2743078" y="316438"/>
+              <a:chExt cx="932400" cy="5580555"/>
+            </a:xfrm>
+          </p:grpSpPr>
+          <p:pic>
+            <p:nvPicPr>
+              <p:cNvPr id="43" name="图片 42">
+                <a:extLst>
+                  <a:ext uri="{FF2B5EF4-FFF2-40B4-BE49-F238E27FC236}">
+                    <a16:creationId xmlns:a16="http://schemas.microsoft.com/office/drawing/2014/main" id="{E0F0242C-59DD-BD9B-D2A1-AB31DFB04B88}"/>
+                  </a:ext>
+                </a:extLst>
+              </p:cNvPr>
+              <p:cNvPicPr>
+                <a:picLocks noChangeAspect="1"/>
+              </p:cNvPicPr>
+              <p:nvPr/>
+            </p:nvPicPr>
+            <p:blipFill>
+              <a:blip r:embed="rId26">
+                <a:extLst>
+                  <a:ext uri="{28A0092B-C50C-407E-A947-70E740481C1C}">
+                    <a14:useLocalDpi xmlns:a14="http://schemas.microsoft.com/office/drawing/2010/main" val="0"/>
+                  </a:ext>
+                </a:extLst>
+              </a:blip>
+              <a:srcRect/>
+              <a:stretch/>
+            </p:blipFill>
+            <p:spPr>
+              <a:xfrm>
+                <a:off x="2743078" y="1246069"/>
+                <a:ext cx="932400" cy="932400"/>
+              </a:xfrm>
+              <a:prstGeom prst="rect">
+                <a:avLst/>
+              </a:prstGeom>
+            </p:spPr>
+          </p:pic>
+          <p:pic>
+            <p:nvPicPr>
+              <p:cNvPr id="44" name="图片 43">
+                <a:extLst>
+                  <a:ext uri="{FF2B5EF4-FFF2-40B4-BE49-F238E27FC236}">
+                    <a16:creationId xmlns:a16="http://schemas.microsoft.com/office/drawing/2014/main" id="{CBE82392-CED3-E4D6-ABF6-7C6728A08EC0}"/>
+                  </a:ext>
+                </a:extLst>
+              </p:cNvPr>
+              <p:cNvPicPr>
+                <a:picLocks noChangeAspect="1"/>
+              </p:cNvPicPr>
+              <p:nvPr/>
+            </p:nvPicPr>
+            <p:blipFill>
+              <a:blip r:embed="rId27">
+                <a:extLst>
+                  <a:ext uri="{28A0092B-C50C-407E-A947-70E740481C1C}">
+                    <a14:useLocalDpi xmlns:a14="http://schemas.microsoft.com/office/drawing/2010/main" val="0"/>
+                  </a:ext>
+                </a:extLst>
+              </a:blip>
+              <a:srcRect/>
+              <a:stretch/>
+            </p:blipFill>
+            <p:spPr>
+              <a:xfrm>
+                <a:off x="2743078" y="316438"/>
+                <a:ext cx="932400" cy="932400"/>
+              </a:xfrm>
+              <a:prstGeom prst="rect">
+                <a:avLst/>
+              </a:prstGeom>
+            </p:spPr>
+          </p:pic>
+          <p:pic>
+            <p:nvPicPr>
+              <p:cNvPr id="45" name="图片 44">
+                <a:extLst>
+                  <a:ext uri="{FF2B5EF4-FFF2-40B4-BE49-F238E27FC236}">
+                    <a16:creationId xmlns:a16="http://schemas.microsoft.com/office/drawing/2014/main" id="{3A0DF6B3-9367-7889-0331-8AA27829574F}"/>
+                  </a:ext>
+                </a:extLst>
+              </p:cNvPr>
+              <p:cNvPicPr>
+                <a:picLocks noChangeAspect="1"/>
+              </p:cNvPicPr>
+              <p:nvPr/>
+            </p:nvPicPr>
+            <p:blipFill>
+              <a:blip r:embed="rId28">
+                <a:extLst>
+                  <a:ext uri="{28A0092B-C50C-407E-A947-70E740481C1C}">
+                    <a14:useLocalDpi xmlns:a14="http://schemas.microsoft.com/office/drawing/2010/main" val="0"/>
+                  </a:ext>
+                </a:extLst>
+              </a:blip>
+              <a:srcRect/>
+              <a:stretch/>
+            </p:blipFill>
+            <p:spPr>
+              <a:xfrm>
+                <a:off x="2743078" y="3105331"/>
+                <a:ext cx="932400" cy="932400"/>
+              </a:xfrm>
+              <a:prstGeom prst="rect">
+                <a:avLst/>
+              </a:prstGeom>
+            </p:spPr>
+          </p:pic>
+          <p:pic>
+            <p:nvPicPr>
+              <p:cNvPr id="46" name="图片 45">
+                <a:extLst>
+                  <a:ext uri="{FF2B5EF4-FFF2-40B4-BE49-F238E27FC236}">
+                    <a16:creationId xmlns:a16="http://schemas.microsoft.com/office/drawing/2014/main" id="{CD968FB6-C175-C5FD-A66B-25BBDBCB61A0}"/>
+                  </a:ext>
+                </a:extLst>
+              </p:cNvPr>
+              <p:cNvPicPr>
+                <a:picLocks noChangeAspect="1"/>
+              </p:cNvPicPr>
+              <p:nvPr/>
+            </p:nvPicPr>
+            <p:blipFill>
+              <a:blip r:embed="rId29">
+                <a:extLst>
+                  <a:ext uri="{28A0092B-C50C-407E-A947-70E740481C1C}">
+                    <a14:useLocalDpi xmlns:a14="http://schemas.microsoft.com/office/drawing/2010/main" val="0"/>
+                  </a:ext>
+                </a:extLst>
+              </a:blip>
+              <a:srcRect/>
+              <a:stretch/>
+            </p:blipFill>
+            <p:spPr>
+              <a:xfrm>
+                <a:off x="2743078" y="4034962"/>
+                <a:ext cx="932400" cy="932400"/>
+              </a:xfrm>
+              <a:prstGeom prst="rect">
+                <a:avLst/>
+              </a:prstGeom>
+            </p:spPr>
+          </p:pic>
+          <p:pic>
+            <p:nvPicPr>
+              <p:cNvPr id="47" name="图片 46">
+                <a:extLst>
+                  <a:ext uri="{FF2B5EF4-FFF2-40B4-BE49-F238E27FC236}">
+                    <a16:creationId xmlns:a16="http://schemas.microsoft.com/office/drawing/2014/main" id="{7A4BF08C-803E-1CBB-16CA-10748541F861}"/>
+                  </a:ext>
+                </a:extLst>
+              </p:cNvPr>
+              <p:cNvPicPr>
+                <a:picLocks noChangeAspect="1"/>
+              </p:cNvPicPr>
+              <p:nvPr/>
+            </p:nvPicPr>
+            <p:blipFill>
+              <a:blip r:embed="rId30">
+                <a:extLst>
+                  <a:ext uri="{28A0092B-C50C-407E-A947-70E740481C1C}">
+                    <a14:useLocalDpi xmlns:a14="http://schemas.microsoft.com/office/drawing/2010/main" val="0"/>
+                  </a:ext>
+                </a:extLst>
+              </a:blip>
+              <a:srcRect/>
+              <a:stretch/>
+            </p:blipFill>
+            <p:spPr>
+              <a:xfrm>
+                <a:off x="2743078" y="2175700"/>
+                <a:ext cx="932400" cy="932400"/>
+              </a:xfrm>
+              <a:prstGeom prst="rect">
+                <a:avLst/>
+              </a:prstGeom>
+            </p:spPr>
+          </p:pic>
+          <p:pic>
+            <p:nvPicPr>
+              <p:cNvPr id="48" name="图片 47">
+                <a:extLst>
+                  <a:ext uri="{FF2B5EF4-FFF2-40B4-BE49-F238E27FC236}">
+                    <a16:creationId xmlns:a16="http://schemas.microsoft.com/office/drawing/2014/main" id="{DE310A4C-D5FE-423F-17A2-0512237DCEDE}"/>
+                  </a:ext>
+                </a:extLst>
+              </p:cNvPr>
+              <p:cNvPicPr>
+                <a:picLocks noChangeAspect="1"/>
+              </p:cNvPicPr>
+              <p:nvPr/>
+            </p:nvPicPr>
+            <p:blipFill>
+              <a:blip r:embed="rId31">
+                <a:extLst>
+                  <a:ext uri="{28A0092B-C50C-407E-A947-70E740481C1C}">
+                    <a14:useLocalDpi xmlns:a14="http://schemas.microsoft.com/office/drawing/2010/main" val="0"/>
+                  </a:ext>
+                </a:extLst>
+              </a:blip>
+              <a:srcRect/>
+              <a:stretch/>
+            </p:blipFill>
+            <p:spPr>
+              <a:xfrm>
+                <a:off x="2743078" y="4964593"/>
+                <a:ext cx="932400" cy="932400"/>
+              </a:xfrm>
+              <a:prstGeom prst="rect">
+                <a:avLst/>
+              </a:prstGeom>
+            </p:spPr>
+          </p:pic>
+        </p:grpSp>
+        <p:grpSp>
+          <p:nvGrpSpPr>
+            <p:cNvPr id="8" name="组合 7">
+              <a:extLst>
+                <a:ext uri="{FF2B5EF4-FFF2-40B4-BE49-F238E27FC236}">
+                  <a16:creationId xmlns:a16="http://schemas.microsoft.com/office/drawing/2014/main" id="{6858D84F-0D96-3C6F-FC3A-94881567099B}"/>
+                </a:ext>
+              </a:extLst>
+            </p:cNvPr>
+            <p:cNvGrpSpPr/>
+            <p:nvPr/>
+          </p:nvGrpSpPr>
+          <p:grpSpPr>
+            <a:xfrm>
+              <a:off x="8349362" y="308148"/>
+              <a:ext cx="932400" cy="5580555"/>
+              <a:chOff x="8349364" y="316438"/>
+              <a:chExt cx="932400" cy="5580555"/>
+            </a:xfrm>
+          </p:grpSpPr>
+          <p:pic>
+            <p:nvPicPr>
+              <p:cNvPr id="37" name="图片 36">
+                <a:extLst>
+                  <a:ext uri="{FF2B5EF4-FFF2-40B4-BE49-F238E27FC236}">
+                    <a16:creationId xmlns:a16="http://schemas.microsoft.com/office/drawing/2014/main" id="{8A21D34A-8837-8F3C-C66F-073A3D46FE3E}"/>
+                  </a:ext>
+                </a:extLst>
+              </p:cNvPr>
+              <p:cNvPicPr>
+                <a:picLocks noChangeAspect="1"/>
+              </p:cNvPicPr>
+              <p:nvPr/>
+            </p:nvPicPr>
+            <p:blipFill>
+              <a:blip r:embed="rId32">
+                <a:extLst>
+                  <a:ext uri="{28A0092B-C50C-407E-A947-70E740481C1C}">
+                    <a14:useLocalDpi xmlns:a14="http://schemas.microsoft.com/office/drawing/2010/main" val="0"/>
+                  </a:ext>
+                </a:extLst>
+              </a:blip>
+              <a:srcRect/>
+              <a:stretch/>
+            </p:blipFill>
+            <p:spPr>
+              <a:xfrm>
+                <a:off x="8349364" y="1246069"/>
+                <a:ext cx="932400" cy="932400"/>
+              </a:xfrm>
+              <a:prstGeom prst="rect">
+                <a:avLst/>
+              </a:prstGeom>
+            </p:spPr>
+          </p:pic>
+          <p:pic>
+            <p:nvPicPr>
+              <p:cNvPr id="38" name="图片 37">
+                <a:extLst>
+                  <a:ext uri="{FF2B5EF4-FFF2-40B4-BE49-F238E27FC236}">
+                    <a16:creationId xmlns:a16="http://schemas.microsoft.com/office/drawing/2014/main" id="{80A2152D-1416-A817-95F6-98BD9DFB66B8}"/>
+                  </a:ext>
+                </a:extLst>
+              </p:cNvPr>
+              <p:cNvPicPr>
+                <a:picLocks noChangeAspect="1"/>
+              </p:cNvPicPr>
+              <p:nvPr/>
+            </p:nvPicPr>
+            <p:blipFill>
+              <a:blip r:embed="rId33">
+                <a:extLst>
+                  <a:ext uri="{28A0092B-C50C-407E-A947-70E740481C1C}">
+                    <a14:useLocalDpi xmlns:a14="http://schemas.microsoft.com/office/drawing/2010/main" val="0"/>
+                  </a:ext>
+                </a:extLst>
+              </a:blip>
+              <a:srcRect/>
+              <a:stretch/>
+            </p:blipFill>
+            <p:spPr>
+              <a:xfrm>
+                <a:off x="8349364" y="316438"/>
+                <a:ext cx="932400" cy="932400"/>
+              </a:xfrm>
+              <a:prstGeom prst="rect">
+                <a:avLst/>
+              </a:prstGeom>
+            </p:spPr>
+          </p:pic>
+          <p:pic>
+            <p:nvPicPr>
+              <p:cNvPr id="39" name="图片 38">
+                <a:extLst>
+                  <a:ext uri="{FF2B5EF4-FFF2-40B4-BE49-F238E27FC236}">
+                    <a16:creationId xmlns:a16="http://schemas.microsoft.com/office/drawing/2014/main" id="{F2D30719-C6CF-F525-1CAD-5039FF2D2E18}"/>
+                  </a:ext>
+                </a:extLst>
+              </p:cNvPr>
+              <p:cNvPicPr>
+                <a:picLocks noChangeAspect="1"/>
+              </p:cNvPicPr>
+              <p:nvPr/>
+            </p:nvPicPr>
+            <p:blipFill>
+              <a:blip r:embed="rId34">
+                <a:extLst>
+                  <a:ext uri="{28A0092B-C50C-407E-A947-70E740481C1C}">
+                    <a14:useLocalDpi xmlns:a14="http://schemas.microsoft.com/office/drawing/2010/main" val="0"/>
+                  </a:ext>
+                </a:extLst>
+              </a:blip>
+              <a:srcRect/>
+              <a:stretch/>
+            </p:blipFill>
+            <p:spPr>
+              <a:xfrm>
+                <a:off x="8349364" y="3105331"/>
+                <a:ext cx="932400" cy="932400"/>
+              </a:xfrm>
+              <a:prstGeom prst="rect">
+                <a:avLst/>
+              </a:prstGeom>
+            </p:spPr>
+          </p:pic>
+          <p:pic>
+            <p:nvPicPr>
+              <p:cNvPr id="40" name="图片 39">
+                <a:extLst>
+                  <a:ext uri="{FF2B5EF4-FFF2-40B4-BE49-F238E27FC236}">
+                    <a16:creationId xmlns:a16="http://schemas.microsoft.com/office/drawing/2014/main" id="{C648362D-F169-A40B-B92B-0C567DF5FBB2}"/>
+                  </a:ext>
+                </a:extLst>
+              </p:cNvPr>
+              <p:cNvPicPr>
+                <a:picLocks noChangeAspect="1"/>
+              </p:cNvPicPr>
+              <p:nvPr/>
+            </p:nvPicPr>
+            <p:blipFill>
+              <a:blip r:embed="rId35">
+                <a:extLst>
+                  <a:ext uri="{28A0092B-C50C-407E-A947-70E740481C1C}">
+                    <a14:useLocalDpi xmlns:a14="http://schemas.microsoft.com/office/drawing/2010/main" val="0"/>
+                  </a:ext>
+                </a:extLst>
+              </a:blip>
+              <a:srcRect/>
+              <a:stretch/>
+            </p:blipFill>
+            <p:spPr>
+              <a:xfrm>
+                <a:off x="8349364" y="4034962"/>
+                <a:ext cx="932400" cy="932400"/>
+              </a:xfrm>
+              <a:prstGeom prst="rect">
+                <a:avLst/>
+              </a:prstGeom>
+            </p:spPr>
+          </p:pic>
+          <p:pic>
+            <p:nvPicPr>
+              <p:cNvPr id="41" name="图片 40">
+                <a:extLst>
+                  <a:ext uri="{FF2B5EF4-FFF2-40B4-BE49-F238E27FC236}">
+                    <a16:creationId xmlns:a16="http://schemas.microsoft.com/office/drawing/2014/main" id="{01B8F7FC-4EEA-7B7F-EAEA-8B6C94B6FA89}"/>
+                  </a:ext>
+                </a:extLst>
+              </p:cNvPr>
+              <p:cNvPicPr>
+                <a:picLocks noChangeAspect="1"/>
+              </p:cNvPicPr>
+              <p:nvPr/>
+            </p:nvPicPr>
+            <p:blipFill>
+              <a:blip r:embed="rId36">
+                <a:extLst>
+                  <a:ext uri="{28A0092B-C50C-407E-A947-70E740481C1C}">
+                    <a14:useLocalDpi xmlns:a14="http://schemas.microsoft.com/office/drawing/2010/main" val="0"/>
+                  </a:ext>
+                </a:extLst>
+              </a:blip>
+              <a:srcRect/>
+              <a:stretch/>
+            </p:blipFill>
+            <p:spPr>
+              <a:xfrm>
+                <a:off x="8349364" y="2175700"/>
+                <a:ext cx="932400" cy="932400"/>
+              </a:xfrm>
+              <a:prstGeom prst="rect">
+                <a:avLst/>
+              </a:prstGeom>
+            </p:spPr>
+          </p:pic>
+          <p:pic>
+            <p:nvPicPr>
+              <p:cNvPr id="42" name="图片 41">
+                <a:extLst>
+                  <a:ext uri="{FF2B5EF4-FFF2-40B4-BE49-F238E27FC236}">
+                    <a16:creationId xmlns:a16="http://schemas.microsoft.com/office/drawing/2014/main" id="{460DD6F2-F1C5-BE17-F569-D2F6A20052FA}"/>
+                  </a:ext>
+                </a:extLst>
+              </p:cNvPr>
+              <p:cNvPicPr>
+                <a:picLocks noChangeAspect="1"/>
+              </p:cNvPicPr>
+              <p:nvPr/>
+            </p:nvPicPr>
+            <p:blipFill>
+              <a:blip r:embed="rId37">
+                <a:extLst>
+                  <a:ext uri="{28A0092B-C50C-407E-A947-70E740481C1C}">
+                    <a14:useLocalDpi xmlns:a14="http://schemas.microsoft.com/office/drawing/2010/main" val="0"/>
+                  </a:ext>
+                </a:extLst>
+              </a:blip>
+              <a:srcRect/>
+              <a:stretch/>
+            </p:blipFill>
+            <p:spPr>
+              <a:xfrm>
+                <a:off x="8349364" y="4964593"/>
+                <a:ext cx="932400" cy="932400"/>
+              </a:xfrm>
+              <a:prstGeom prst="rect">
+                <a:avLst/>
+              </a:prstGeom>
+            </p:spPr>
+          </p:pic>
+        </p:grpSp>
+        <p:grpSp>
+          <p:nvGrpSpPr>
+            <p:cNvPr id="9" name="组合 8">
+              <a:extLst>
+                <a:ext uri="{FF2B5EF4-FFF2-40B4-BE49-F238E27FC236}">
+                  <a16:creationId xmlns:a16="http://schemas.microsoft.com/office/drawing/2014/main" id="{684C6083-82FD-134E-C97A-136D84B9B947}"/>
+                </a:ext>
+              </a:extLst>
+            </p:cNvPr>
+            <p:cNvGrpSpPr/>
+            <p:nvPr/>
+          </p:nvGrpSpPr>
+          <p:grpSpPr>
+            <a:xfrm>
+              <a:off x="9283747" y="308148"/>
+              <a:ext cx="932400" cy="5580555"/>
+              <a:chOff x="9283747" y="316438"/>
+              <a:chExt cx="932400" cy="5580555"/>
+            </a:xfrm>
+          </p:grpSpPr>
+          <p:pic>
+            <p:nvPicPr>
+              <p:cNvPr id="31" name="图片 30">
+                <a:extLst>
+                  <a:ext uri="{FF2B5EF4-FFF2-40B4-BE49-F238E27FC236}">
+                    <a16:creationId xmlns:a16="http://schemas.microsoft.com/office/drawing/2014/main" id="{2BDF0C8F-3CB0-4DCF-5D3F-201C62A48A67}"/>
+                  </a:ext>
+                </a:extLst>
+              </p:cNvPr>
+              <p:cNvPicPr>
+                <a:picLocks noChangeAspect="1"/>
+              </p:cNvPicPr>
+              <p:nvPr/>
+            </p:nvPicPr>
+            <p:blipFill>
+              <a:blip r:embed="rId38">
+                <a:extLst>
+                  <a:ext uri="{28A0092B-C50C-407E-A947-70E740481C1C}">
+                    <a14:useLocalDpi xmlns:a14="http://schemas.microsoft.com/office/drawing/2010/main" val="0"/>
+                  </a:ext>
+                </a:extLst>
+              </a:blip>
+              <a:srcRect/>
+              <a:stretch/>
+            </p:blipFill>
+            <p:spPr>
+              <a:xfrm>
+                <a:off x="9283747" y="1246069"/>
+                <a:ext cx="932400" cy="932400"/>
+              </a:xfrm>
+              <a:prstGeom prst="rect">
+                <a:avLst/>
+              </a:prstGeom>
+            </p:spPr>
+          </p:pic>
+          <p:pic>
+            <p:nvPicPr>
+              <p:cNvPr id="32" name="图片 31">
+                <a:extLst>
+                  <a:ext uri="{FF2B5EF4-FFF2-40B4-BE49-F238E27FC236}">
+                    <a16:creationId xmlns:a16="http://schemas.microsoft.com/office/drawing/2014/main" id="{5B1D7229-B526-63AA-DEA3-BD690EF44917}"/>
+                  </a:ext>
+                </a:extLst>
+              </p:cNvPr>
+              <p:cNvPicPr>
+                <a:picLocks noChangeAspect="1"/>
+              </p:cNvPicPr>
+              <p:nvPr/>
+            </p:nvPicPr>
+            <p:blipFill>
+              <a:blip r:embed="rId39">
+                <a:extLst>
+                  <a:ext uri="{28A0092B-C50C-407E-A947-70E740481C1C}">
+                    <a14:useLocalDpi xmlns:a14="http://schemas.microsoft.com/office/drawing/2010/main" val="0"/>
+                  </a:ext>
+                </a:extLst>
+              </a:blip>
+              <a:srcRect/>
+              <a:stretch/>
+            </p:blipFill>
+            <p:spPr>
+              <a:xfrm>
+                <a:off x="9283747" y="316438"/>
+                <a:ext cx="932400" cy="932400"/>
+              </a:xfrm>
+              <a:prstGeom prst="rect">
+                <a:avLst/>
+              </a:prstGeom>
+            </p:spPr>
+          </p:pic>
+          <p:pic>
+            <p:nvPicPr>
+              <p:cNvPr id="33" name="图片 32">
+                <a:extLst>
+                  <a:ext uri="{FF2B5EF4-FFF2-40B4-BE49-F238E27FC236}">
+                    <a16:creationId xmlns:a16="http://schemas.microsoft.com/office/drawing/2014/main" id="{07AA1ECA-64EC-2735-4FCF-D918DEC77B3F}"/>
+                  </a:ext>
+                </a:extLst>
+              </p:cNvPr>
+              <p:cNvPicPr>
+                <a:picLocks noChangeAspect="1"/>
+              </p:cNvPicPr>
+              <p:nvPr/>
+            </p:nvPicPr>
+            <p:blipFill>
+              <a:blip r:embed="rId40">
+                <a:extLst>
+                  <a:ext uri="{28A0092B-C50C-407E-A947-70E740481C1C}">
+                    <a14:useLocalDpi xmlns:a14="http://schemas.microsoft.com/office/drawing/2010/main" val="0"/>
+                  </a:ext>
+                </a:extLst>
+              </a:blip>
+              <a:srcRect/>
+              <a:stretch/>
+            </p:blipFill>
+            <p:spPr>
+              <a:xfrm>
+                <a:off x="9283747" y="3105331"/>
+                <a:ext cx="932400" cy="932400"/>
+              </a:xfrm>
+              <a:prstGeom prst="rect">
+                <a:avLst/>
+              </a:prstGeom>
+            </p:spPr>
+          </p:pic>
+          <p:pic>
+            <p:nvPicPr>
+              <p:cNvPr id="34" name="图片 33">
+                <a:extLst>
+                  <a:ext uri="{FF2B5EF4-FFF2-40B4-BE49-F238E27FC236}">
+                    <a16:creationId xmlns:a16="http://schemas.microsoft.com/office/drawing/2014/main" id="{F1242E7A-C252-AFF6-390E-6FF1D1C24DE5}"/>
+                  </a:ext>
+                </a:extLst>
+              </p:cNvPr>
+              <p:cNvPicPr>
+                <a:picLocks noChangeAspect="1"/>
+              </p:cNvPicPr>
+              <p:nvPr/>
+            </p:nvPicPr>
+            <p:blipFill>
+              <a:blip r:embed="rId41">
+                <a:extLst>
+                  <a:ext uri="{28A0092B-C50C-407E-A947-70E740481C1C}">
+                    <a14:useLocalDpi xmlns:a14="http://schemas.microsoft.com/office/drawing/2010/main" val="0"/>
+                  </a:ext>
+                </a:extLst>
+              </a:blip>
+              <a:srcRect/>
+              <a:stretch/>
+            </p:blipFill>
+            <p:spPr>
+              <a:xfrm>
+                <a:off x="9283747" y="4034962"/>
+                <a:ext cx="932400" cy="932400"/>
+              </a:xfrm>
+              <a:prstGeom prst="rect">
+                <a:avLst/>
+              </a:prstGeom>
+            </p:spPr>
+          </p:pic>
+          <p:pic>
+            <p:nvPicPr>
+              <p:cNvPr id="35" name="图片 34">
+                <a:extLst>
+                  <a:ext uri="{FF2B5EF4-FFF2-40B4-BE49-F238E27FC236}">
+                    <a16:creationId xmlns:a16="http://schemas.microsoft.com/office/drawing/2014/main" id="{9614639A-1B94-64CB-360A-0173599B4C5B}"/>
+                  </a:ext>
+                </a:extLst>
+              </p:cNvPr>
+              <p:cNvPicPr>
+                <a:picLocks noChangeAspect="1"/>
+              </p:cNvPicPr>
+              <p:nvPr/>
+            </p:nvPicPr>
+            <p:blipFill>
+              <a:blip r:embed="rId42">
+                <a:extLst>
+                  <a:ext uri="{28A0092B-C50C-407E-A947-70E740481C1C}">
+                    <a14:useLocalDpi xmlns:a14="http://schemas.microsoft.com/office/drawing/2010/main" val="0"/>
+                  </a:ext>
+                </a:extLst>
+              </a:blip>
+              <a:srcRect/>
+              <a:stretch/>
+            </p:blipFill>
+            <p:spPr>
+              <a:xfrm>
+                <a:off x="9283747" y="2175700"/>
+                <a:ext cx="932400" cy="932400"/>
+              </a:xfrm>
+              <a:prstGeom prst="rect">
+                <a:avLst/>
+              </a:prstGeom>
+            </p:spPr>
+          </p:pic>
+          <p:pic>
+            <p:nvPicPr>
+              <p:cNvPr id="36" name="图片 35">
+                <a:extLst>
+                  <a:ext uri="{FF2B5EF4-FFF2-40B4-BE49-F238E27FC236}">
+                    <a16:creationId xmlns:a16="http://schemas.microsoft.com/office/drawing/2014/main" id="{03AB4771-B972-9C1D-B5C7-05A919BB4B47}"/>
+                  </a:ext>
+                </a:extLst>
+              </p:cNvPr>
+              <p:cNvPicPr>
+                <a:picLocks noChangeAspect="1"/>
+              </p:cNvPicPr>
+              <p:nvPr/>
+            </p:nvPicPr>
+            <p:blipFill>
+              <a:blip r:embed="rId43">
+                <a:extLst>
+                  <a:ext uri="{28A0092B-C50C-407E-A947-70E740481C1C}">
+                    <a14:useLocalDpi xmlns:a14="http://schemas.microsoft.com/office/drawing/2010/main" val="0"/>
+                  </a:ext>
+                </a:extLst>
+              </a:blip>
+              <a:srcRect/>
+              <a:stretch/>
+            </p:blipFill>
+            <p:spPr>
+              <a:xfrm>
+                <a:off x="9283747" y="4964593"/>
+                <a:ext cx="932400" cy="932400"/>
+              </a:xfrm>
+              <a:prstGeom prst="rect">
+                <a:avLst/>
+              </a:prstGeom>
+            </p:spPr>
+          </p:pic>
+        </p:grpSp>
+        <p:grpSp>
+          <p:nvGrpSpPr>
+            <p:cNvPr id="10" name="组合 9">
+              <a:extLst>
+                <a:ext uri="{FF2B5EF4-FFF2-40B4-BE49-F238E27FC236}">
+                  <a16:creationId xmlns:a16="http://schemas.microsoft.com/office/drawing/2014/main" id="{F0C72964-9A9C-9616-475D-EC7F3C6666BD}"/>
+                </a:ext>
+              </a:extLst>
+            </p:cNvPr>
+            <p:cNvGrpSpPr/>
+            <p:nvPr/>
+          </p:nvGrpSpPr>
+          <p:grpSpPr>
+            <a:xfrm>
+              <a:off x="4611838" y="308148"/>
+              <a:ext cx="932400" cy="5580555"/>
+              <a:chOff x="4611840" y="316438"/>
+              <a:chExt cx="932400" cy="5580555"/>
+            </a:xfrm>
+          </p:grpSpPr>
+          <p:pic>
+            <p:nvPicPr>
+              <p:cNvPr id="25" name="图片 24">
+                <a:extLst>
+                  <a:ext uri="{FF2B5EF4-FFF2-40B4-BE49-F238E27FC236}">
+                    <a16:creationId xmlns:a16="http://schemas.microsoft.com/office/drawing/2014/main" id="{CE20E641-0F0F-A3A6-E186-C5D21ADF0DA6}"/>
+                  </a:ext>
+                </a:extLst>
+              </p:cNvPr>
+              <p:cNvPicPr>
+                <a:picLocks noChangeAspect="1"/>
+              </p:cNvPicPr>
+              <p:nvPr/>
+            </p:nvPicPr>
+            <p:blipFill>
+              <a:blip r:embed="rId44">
+                <a:extLst>
+                  <a:ext uri="{28A0092B-C50C-407E-A947-70E740481C1C}">
+                    <a14:useLocalDpi xmlns:a14="http://schemas.microsoft.com/office/drawing/2010/main" val="0"/>
+                  </a:ext>
+                </a:extLst>
+              </a:blip>
+              <a:srcRect/>
+              <a:stretch/>
+            </p:blipFill>
+            <p:spPr>
+              <a:xfrm>
+                <a:off x="4611840" y="1246069"/>
+                <a:ext cx="932400" cy="932400"/>
+              </a:xfrm>
+              <a:prstGeom prst="rect">
+                <a:avLst/>
+              </a:prstGeom>
+            </p:spPr>
+          </p:pic>
+          <p:pic>
+            <p:nvPicPr>
+              <p:cNvPr id="26" name="图片 25">
+                <a:extLst>
+                  <a:ext uri="{FF2B5EF4-FFF2-40B4-BE49-F238E27FC236}">
+                    <a16:creationId xmlns:a16="http://schemas.microsoft.com/office/drawing/2014/main" id="{DEA156DB-B00E-2C2F-2FC9-9BCD99E453B6}"/>
+                  </a:ext>
+                </a:extLst>
+              </p:cNvPr>
+              <p:cNvPicPr>
+                <a:picLocks noChangeAspect="1"/>
+              </p:cNvPicPr>
+              <p:nvPr/>
+            </p:nvPicPr>
+            <p:blipFill>
+              <a:blip r:embed="rId45">
+                <a:extLst>
+                  <a:ext uri="{28A0092B-C50C-407E-A947-70E740481C1C}">
+                    <a14:useLocalDpi xmlns:a14="http://schemas.microsoft.com/office/drawing/2010/main" val="0"/>
+                  </a:ext>
+                </a:extLst>
+              </a:blip>
+              <a:srcRect/>
+              <a:stretch/>
+            </p:blipFill>
+            <p:spPr>
+              <a:xfrm>
+                <a:off x="4611840" y="316438"/>
+                <a:ext cx="932400" cy="932400"/>
+              </a:xfrm>
+              <a:prstGeom prst="rect">
+                <a:avLst/>
+              </a:prstGeom>
+            </p:spPr>
+          </p:pic>
+          <p:pic>
+            <p:nvPicPr>
+              <p:cNvPr id="27" name="图片 26">
+                <a:extLst>
+                  <a:ext uri="{FF2B5EF4-FFF2-40B4-BE49-F238E27FC236}">
+                    <a16:creationId xmlns:a16="http://schemas.microsoft.com/office/drawing/2014/main" id="{3663DA33-817C-F2F0-BD30-2FD8D38A923D}"/>
+                  </a:ext>
+                </a:extLst>
+              </p:cNvPr>
+              <p:cNvPicPr>
+                <a:picLocks noChangeAspect="1"/>
+              </p:cNvPicPr>
+              <p:nvPr/>
+            </p:nvPicPr>
+            <p:blipFill>
+              <a:blip r:embed="rId46">
+                <a:extLst>
+                  <a:ext uri="{28A0092B-C50C-407E-A947-70E740481C1C}">
+                    <a14:useLocalDpi xmlns:a14="http://schemas.microsoft.com/office/drawing/2010/main" val="0"/>
+                  </a:ext>
+                </a:extLst>
+              </a:blip>
+              <a:srcRect/>
+              <a:stretch/>
+            </p:blipFill>
+            <p:spPr>
+              <a:xfrm>
+                <a:off x="4611840" y="3105331"/>
+                <a:ext cx="932400" cy="932400"/>
+              </a:xfrm>
+              <a:prstGeom prst="rect">
+                <a:avLst/>
+              </a:prstGeom>
+            </p:spPr>
+          </p:pic>
+          <p:pic>
+            <p:nvPicPr>
+              <p:cNvPr id="28" name="图片 27">
+                <a:extLst>
+                  <a:ext uri="{FF2B5EF4-FFF2-40B4-BE49-F238E27FC236}">
+                    <a16:creationId xmlns:a16="http://schemas.microsoft.com/office/drawing/2014/main" id="{DDBEBF4B-4C7B-1FA0-F576-801F6576EA8F}"/>
+                  </a:ext>
+                </a:extLst>
+              </p:cNvPr>
+              <p:cNvPicPr>
+                <a:picLocks noChangeAspect="1"/>
+              </p:cNvPicPr>
+              <p:nvPr/>
+            </p:nvPicPr>
+            <p:blipFill>
+              <a:blip r:embed="rId47">
+                <a:extLst>
+                  <a:ext uri="{28A0092B-C50C-407E-A947-70E740481C1C}">
+                    <a14:useLocalDpi xmlns:a14="http://schemas.microsoft.com/office/drawing/2010/main" val="0"/>
+                  </a:ext>
+                </a:extLst>
+              </a:blip>
+              <a:srcRect/>
+              <a:stretch/>
+            </p:blipFill>
+            <p:spPr>
+              <a:xfrm>
+                <a:off x="4611840" y="4034962"/>
+                <a:ext cx="932400" cy="932400"/>
+              </a:xfrm>
+              <a:prstGeom prst="rect">
+                <a:avLst/>
+              </a:prstGeom>
+            </p:spPr>
+          </p:pic>
+          <p:pic>
+            <p:nvPicPr>
+              <p:cNvPr id="29" name="图片 28">
+                <a:extLst>
+                  <a:ext uri="{FF2B5EF4-FFF2-40B4-BE49-F238E27FC236}">
+                    <a16:creationId xmlns:a16="http://schemas.microsoft.com/office/drawing/2014/main" id="{9FF4910D-4038-C8C4-1B87-3F50A558D7CA}"/>
+                  </a:ext>
+                </a:extLst>
+              </p:cNvPr>
+              <p:cNvPicPr>
+                <a:picLocks noChangeAspect="1"/>
+              </p:cNvPicPr>
+              <p:nvPr/>
+            </p:nvPicPr>
+            <p:blipFill>
+              <a:blip r:embed="rId48">
+                <a:extLst>
+                  <a:ext uri="{28A0092B-C50C-407E-A947-70E740481C1C}">
+                    <a14:useLocalDpi xmlns:a14="http://schemas.microsoft.com/office/drawing/2010/main" val="0"/>
+                  </a:ext>
+                </a:extLst>
+              </a:blip>
+              <a:srcRect/>
+              <a:stretch/>
+            </p:blipFill>
+            <p:spPr>
+              <a:xfrm>
+                <a:off x="4611840" y="2175700"/>
+                <a:ext cx="932400" cy="932400"/>
+              </a:xfrm>
+              <a:prstGeom prst="rect">
+                <a:avLst/>
+              </a:prstGeom>
+            </p:spPr>
+          </p:pic>
+          <p:pic>
+            <p:nvPicPr>
+              <p:cNvPr id="30" name="图片 29">
+                <a:extLst>
+                  <a:ext uri="{FF2B5EF4-FFF2-40B4-BE49-F238E27FC236}">
+                    <a16:creationId xmlns:a16="http://schemas.microsoft.com/office/drawing/2014/main" id="{F470F4EF-57B7-2D2B-B277-F9B31DB756E2}"/>
+                  </a:ext>
+                </a:extLst>
+              </p:cNvPr>
+              <p:cNvPicPr>
+                <a:picLocks noChangeAspect="1"/>
+              </p:cNvPicPr>
+              <p:nvPr/>
+            </p:nvPicPr>
+            <p:blipFill>
+              <a:blip r:embed="rId49">
+                <a:extLst>
+                  <a:ext uri="{28A0092B-C50C-407E-A947-70E740481C1C}">
+                    <a14:useLocalDpi xmlns:a14="http://schemas.microsoft.com/office/drawing/2010/main" val="0"/>
+                  </a:ext>
+                </a:extLst>
+              </a:blip>
+              <a:srcRect/>
+              <a:stretch/>
+            </p:blipFill>
+            <p:spPr>
+              <a:xfrm>
+                <a:off x="4611840" y="4964593"/>
+                <a:ext cx="932400" cy="932400"/>
+              </a:xfrm>
+              <a:prstGeom prst="rect">
+                <a:avLst/>
+              </a:prstGeom>
+            </p:spPr>
+          </p:pic>
+        </p:grpSp>
+        <p:grpSp>
+          <p:nvGrpSpPr>
+            <p:cNvPr id="11" name="组合 10">
+              <a:extLst>
+                <a:ext uri="{FF2B5EF4-FFF2-40B4-BE49-F238E27FC236}">
+                  <a16:creationId xmlns:a16="http://schemas.microsoft.com/office/drawing/2014/main" id="{E00CA3E3-7C5D-2133-8C45-A6123D7488D0}"/>
+                </a:ext>
+              </a:extLst>
+            </p:cNvPr>
+            <p:cNvGrpSpPr/>
+            <p:nvPr/>
+          </p:nvGrpSpPr>
+          <p:grpSpPr>
+            <a:xfrm>
+              <a:off x="6480600" y="308148"/>
+              <a:ext cx="932400" cy="5580555"/>
+              <a:chOff x="6480602" y="316438"/>
+              <a:chExt cx="932400" cy="5580555"/>
+            </a:xfrm>
+          </p:grpSpPr>
+          <p:pic>
+            <p:nvPicPr>
+              <p:cNvPr id="19" name="图片 18">
+                <a:extLst>
+                  <a:ext uri="{FF2B5EF4-FFF2-40B4-BE49-F238E27FC236}">
+                    <a16:creationId xmlns:a16="http://schemas.microsoft.com/office/drawing/2014/main" id="{23703A76-A459-2DA4-D010-17A8D120D950}"/>
+                  </a:ext>
+                </a:extLst>
+              </p:cNvPr>
+              <p:cNvPicPr>
+                <a:picLocks noChangeAspect="1"/>
+              </p:cNvPicPr>
+              <p:nvPr/>
+            </p:nvPicPr>
+            <p:blipFill>
+              <a:blip r:embed="rId50">
+                <a:extLst>
+                  <a:ext uri="{28A0092B-C50C-407E-A947-70E740481C1C}">
+                    <a14:useLocalDpi xmlns:a14="http://schemas.microsoft.com/office/drawing/2010/main" val="0"/>
+                  </a:ext>
+                </a:extLst>
+              </a:blip>
+              <a:srcRect/>
+              <a:stretch/>
+            </p:blipFill>
+            <p:spPr>
+              <a:xfrm>
+                <a:off x="6480602" y="1246069"/>
+                <a:ext cx="932400" cy="932400"/>
+              </a:xfrm>
+              <a:prstGeom prst="rect">
+                <a:avLst/>
+              </a:prstGeom>
+            </p:spPr>
+          </p:pic>
+          <p:pic>
+            <p:nvPicPr>
+              <p:cNvPr id="20" name="图片 19">
+                <a:extLst>
+                  <a:ext uri="{FF2B5EF4-FFF2-40B4-BE49-F238E27FC236}">
+                    <a16:creationId xmlns:a16="http://schemas.microsoft.com/office/drawing/2014/main" id="{2A59CE8A-710E-88A8-1E14-DF2DF3EA2711}"/>
+                  </a:ext>
+                </a:extLst>
+              </p:cNvPr>
+              <p:cNvPicPr>
+                <a:picLocks noChangeAspect="1"/>
+              </p:cNvPicPr>
+              <p:nvPr/>
+            </p:nvPicPr>
+            <p:blipFill>
+              <a:blip r:embed="rId51">
+                <a:extLst>
+                  <a:ext uri="{28A0092B-C50C-407E-A947-70E740481C1C}">
+                    <a14:useLocalDpi xmlns:a14="http://schemas.microsoft.com/office/drawing/2010/main" val="0"/>
+                  </a:ext>
+                </a:extLst>
+              </a:blip>
+              <a:srcRect/>
+              <a:stretch/>
+            </p:blipFill>
+            <p:spPr>
+              <a:xfrm>
+                <a:off x="6480602" y="316438"/>
+                <a:ext cx="932400" cy="932400"/>
+              </a:xfrm>
+              <a:prstGeom prst="rect">
+                <a:avLst/>
+              </a:prstGeom>
+            </p:spPr>
+          </p:pic>
+          <p:pic>
+            <p:nvPicPr>
+              <p:cNvPr id="21" name="图片 20">
+                <a:extLst>
+                  <a:ext uri="{FF2B5EF4-FFF2-40B4-BE49-F238E27FC236}">
+                    <a16:creationId xmlns:a16="http://schemas.microsoft.com/office/drawing/2014/main" id="{E79F33A3-9573-79CF-26D6-35ECB3A2161F}"/>
+                  </a:ext>
+                </a:extLst>
+              </p:cNvPr>
+              <p:cNvPicPr>
+                <a:picLocks noChangeAspect="1"/>
+              </p:cNvPicPr>
+              <p:nvPr/>
+            </p:nvPicPr>
+            <p:blipFill>
+              <a:blip r:embed="rId52">
+                <a:extLst>
+                  <a:ext uri="{28A0092B-C50C-407E-A947-70E740481C1C}">
+                    <a14:useLocalDpi xmlns:a14="http://schemas.microsoft.com/office/drawing/2010/main" val="0"/>
+                  </a:ext>
+                </a:extLst>
+              </a:blip>
+              <a:srcRect/>
+              <a:stretch/>
+            </p:blipFill>
+            <p:spPr>
+              <a:xfrm>
+                <a:off x="6480602" y="3105331"/>
+                <a:ext cx="932400" cy="932400"/>
+              </a:xfrm>
+              <a:prstGeom prst="rect">
+                <a:avLst/>
+              </a:prstGeom>
+            </p:spPr>
+          </p:pic>
+          <p:pic>
+            <p:nvPicPr>
+              <p:cNvPr id="22" name="图片 21">
+                <a:extLst>
+                  <a:ext uri="{FF2B5EF4-FFF2-40B4-BE49-F238E27FC236}">
+                    <a16:creationId xmlns:a16="http://schemas.microsoft.com/office/drawing/2014/main" id="{C8627D9C-4B0E-1489-B9F2-446A1A1FE329}"/>
+                  </a:ext>
+                </a:extLst>
+              </p:cNvPr>
+              <p:cNvPicPr>
+                <a:picLocks noChangeAspect="1"/>
+              </p:cNvPicPr>
+              <p:nvPr/>
+            </p:nvPicPr>
+            <p:blipFill>
+              <a:blip r:embed="rId53">
+                <a:extLst>
+                  <a:ext uri="{28A0092B-C50C-407E-A947-70E740481C1C}">
+                    <a14:useLocalDpi xmlns:a14="http://schemas.microsoft.com/office/drawing/2010/main" val="0"/>
+                  </a:ext>
+                </a:extLst>
+              </a:blip>
+              <a:srcRect/>
+              <a:stretch/>
+            </p:blipFill>
+            <p:spPr>
+              <a:xfrm>
+                <a:off x="6480602" y="4034962"/>
+                <a:ext cx="932400" cy="932400"/>
+              </a:xfrm>
+              <a:prstGeom prst="rect">
+                <a:avLst/>
+              </a:prstGeom>
+            </p:spPr>
+          </p:pic>
+          <p:pic>
+            <p:nvPicPr>
+              <p:cNvPr id="23" name="图片 22">
+                <a:extLst>
+                  <a:ext uri="{FF2B5EF4-FFF2-40B4-BE49-F238E27FC236}">
+                    <a16:creationId xmlns:a16="http://schemas.microsoft.com/office/drawing/2014/main" id="{4F9D7382-548D-A570-8B37-E9BBA2BD82F0}"/>
+                  </a:ext>
+                </a:extLst>
+              </p:cNvPr>
+              <p:cNvPicPr>
+                <a:picLocks noChangeAspect="1"/>
+              </p:cNvPicPr>
+              <p:nvPr/>
+            </p:nvPicPr>
+            <p:blipFill>
+              <a:blip r:embed="rId54">
+                <a:extLst>
+                  <a:ext uri="{28A0092B-C50C-407E-A947-70E740481C1C}">
+                    <a14:useLocalDpi xmlns:a14="http://schemas.microsoft.com/office/drawing/2010/main" val="0"/>
+                  </a:ext>
+                </a:extLst>
+              </a:blip>
+              <a:srcRect/>
+              <a:stretch/>
+            </p:blipFill>
+            <p:spPr>
+              <a:xfrm>
+                <a:off x="6480602" y="2175700"/>
+                <a:ext cx="932400" cy="932400"/>
+              </a:xfrm>
+              <a:prstGeom prst="rect">
+                <a:avLst/>
+              </a:prstGeom>
+            </p:spPr>
+          </p:pic>
+          <p:pic>
+            <p:nvPicPr>
+              <p:cNvPr id="24" name="图片 23">
+                <a:extLst>
+                  <a:ext uri="{FF2B5EF4-FFF2-40B4-BE49-F238E27FC236}">
+                    <a16:creationId xmlns:a16="http://schemas.microsoft.com/office/drawing/2014/main" id="{658E0F7B-7446-9150-7366-59E2B843773A}"/>
+                  </a:ext>
+                </a:extLst>
+              </p:cNvPr>
+              <p:cNvPicPr>
+                <a:picLocks noChangeAspect="1"/>
+              </p:cNvPicPr>
+              <p:nvPr/>
+            </p:nvPicPr>
+            <p:blipFill>
+              <a:blip r:embed="rId55">
+                <a:extLst>
+                  <a:ext uri="{28A0092B-C50C-407E-A947-70E740481C1C}">
+                    <a14:useLocalDpi xmlns:a14="http://schemas.microsoft.com/office/drawing/2010/main" val="0"/>
+                  </a:ext>
+                </a:extLst>
+              </a:blip>
+              <a:srcRect/>
+              <a:stretch/>
+            </p:blipFill>
+            <p:spPr>
+              <a:xfrm>
+                <a:off x="6480602" y="4964593"/>
+                <a:ext cx="932400" cy="932400"/>
+              </a:xfrm>
+              <a:prstGeom prst="rect">
+                <a:avLst/>
+              </a:prstGeom>
+            </p:spPr>
+          </p:pic>
+        </p:grpSp>
+        <p:grpSp>
+          <p:nvGrpSpPr>
+            <p:cNvPr id="12" name="组合 11">
+              <a:extLst>
+                <a:ext uri="{FF2B5EF4-FFF2-40B4-BE49-F238E27FC236}">
+                  <a16:creationId xmlns:a16="http://schemas.microsoft.com/office/drawing/2014/main" id="{2046D4A9-C777-84EF-BEA1-9626D5DE021E}"/>
+                </a:ext>
+              </a:extLst>
+            </p:cNvPr>
+            <p:cNvGrpSpPr/>
+            <p:nvPr/>
+          </p:nvGrpSpPr>
+          <p:grpSpPr>
+            <a:xfrm>
+              <a:off x="874314" y="308148"/>
+              <a:ext cx="932400" cy="5588845"/>
+              <a:chOff x="874314" y="308148"/>
+              <a:chExt cx="932400" cy="5588845"/>
+            </a:xfrm>
+          </p:grpSpPr>
+          <p:pic>
+            <p:nvPicPr>
+              <p:cNvPr id="13" name="图片 12">
+                <a:extLst>
+                  <a:ext uri="{FF2B5EF4-FFF2-40B4-BE49-F238E27FC236}">
+                    <a16:creationId xmlns:a16="http://schemas.microsoft.com/office/drawing/2014/main" id="{7B5114B3-F847-A66C-0FBD-6DB9D853A463}"/>
+                  </a:ext>
+                </a:extLst>
+              </p:cNvPr>
+              <p:cNvPicPr>
+                <a:picLocks noChangeAspect="1"/>
+              </p:cNvPicPr>
+              <p:nvPr/>
+            </p:nvPicPr>
+            <p:blipFill>
+              <a:blip r:embed="rId56">
+                <a:extLst>
+                  <a:ext uri="{28A0092B-C50C-407E-A947-70E740481C1C}">
+                    <a14:useLocalDpi xmlns:a14="http://schemas.microsoft.com/office/drawing/2010/main" val="0"/>
+                  </a:ext>
+                </a:extLst>
+              </a:blip>
+              <a:srcRect/>
+              <a:stretch/>
+            </p:blipFill>
+            <p:spPr>
+              <a:xfrm>
+                <a:off x="874314" y="1239437"/>
+                <a:ext cx="932400" cy="932400"/>
+              </a:xfrm>
+              <a:prstGeom prst="rect">
+                <a:avLst/>
+              </a:prstGeom>
+            </p:spPr>
+          </p:pic>
+          <p:pic>
+            <p:nvPicPr>
+              <p:cNvPr id="14" name="图片 13">
+                <a:extLst>
+                  <a:ext uri="{FF2B5EF4-FFF2-40B4-BE49-F238E27FC236}">
+                    <a16:creationId xmlns:a16="http://schemas.microsoft.com/office/drawing/2014/main" id="{8B1D780D-B5B9-0CE0-5858-57DF53B15236}"/>
+                  </a:ext>
+                </a:extLst>
+              </p:cNvPr>
+              <p:cNvPicPr>
+                <a:picLocks noChangeAspect="1"/>
+              </p:cNvPicPr>
+              <p:nvPr/>
+            </p:nvPicPr>
+            <p:blipFill>
+              <a:blip r:embed="rId57">
+                <a:extLst>
+                  <a:ext uri="{28A0092B-C50C-407E-A947-70E740481C1C}">
+                    <a14:useLocalDpi xmlns:a14="http://schemas.microsoft.com/office/drawing/2010/main" val="0"/>
+                  </a:ext>
+                </a:extLst>
+              </a:blip>
+              <a:srcRect/>
+              <a:stretch/>
+            </p:blipFill>
+            <p:spPr>
+              <a:xfrm>
+                <a:off x="874314" y="3102015"/>
+                <a:ext cx="932400" cy="932400"/>
+              </a:xfrm>
+              <a:prstGeom prst="rect">
+                <a:avLst/>
+              </a:prstGeom>
+            </p:spPr>
+          </p:pic>
+          <p:pic>
+            <p:nvPicPr>
+              <p:cNvPr id="15" name="图片 14">
+                <a:extLst>
+                  <a:ext uri="{FF2B5EF4-FFF2-40B4-BE49-F238E27FC236}">
+                    <a16:creationId xmlns:a16="http://schemas.microsoft.com/office/drawing/2014/main" id="{62BD6EEC-C0C1-7936-2882-92E4D6CC1489}"/>
+                  </a:ext>
+                </a:extLst>
+              </p:cNvPr>
+              <p:cNvPicPr>
+                <a:picLocks noChangeAspect="1"/>
+              </p:cNvPicPr>
+              <p:nvPr/>
+            </p:nvPicPr>
+            <p:blipFill>
+              <a:blip r:embed="rId50">
+                <a:extLst>
+                  <a:ext uri="{28A0092B-C50C-407E-A947-70E740481C1C}">
+                    <a14:useLocalDpi xmlns:a14="http://schemas.microsoft.com/office/drawing/2010/main" val="0"/>
+                  </a:ext>
+                </a:extLst>
+              </a:blip>
+              <a:srcRect/>
+              <a:stretch/>
+            </p:blipFill>
+            <p:spPr>
+              <a:xfrm>
+                <a:off x="874314" y="4033304"/>
+                <a:ext cx="932400" cy="932400"/>
+              </a:xfrm>
+              <a:prstGeom prst="rect">
+                <a:avLst/>
+              </a:prstGeom>
+            </p:spPr>
+          </p:pic>
+          <p:pic>
+            <p:nvPicPr>
+              <p:cNvPr id="16" name="图片 15">
+                <a:extLst>
+                  <a:ext uri="{FF2B5EF4-FFF2-40B4-BE49-F238E27FC236}">
+                    <a16:creationId xmlns:a16="http://schemas.microsoft.com/office/drawing/2014/main" id="{B727797C-E4C4-C9B0-FDC9-FF0210168BDB}"/>
+                  </a:ext>
+                </a:extLst>
+              </p:cNvPr>
+              <p:cNvPicPr>
+                <a:picLocks noChangeAspect="1"/>
+              </p:cNvPicPr>
+              <p:nvPr/>
+            </p:nvPicPr>
+            <p:blipFill>
+              <a:blip r:embed="rId58">
+                <a:extLst>
+                  <a:ext uri="{28A0092B-C50C-407E-A947-70E740481C1C}">
+                    <a14:useLocalDpi xmlns:a14="http://schemas.microsoft.com/office/drawing/2010/main" val="0"/>
+                  </a:ext>
+                </a:extLst>
+              </a:blip>
+              <a:srcRect/>
+              <a:stretch/>
+            </p:blipFill>
+            <p:spPr>
+              <a:xfrm>
+                <a:off x="874314" y="2170726"/>
+                <a:ext cx="932400" cy="932400"/>
+              </a:xfrm>
+              <a:prstGeom prst="rect">
+                <a:avLst/>
+              </a:prstGeom>
+            </p:spPr>
+          </p:pic>
+          <p:pic>
+            <p:nvPicPr>
+              <p:cNvPr id="17" name="图片 16">
+                <a:extLst>
+                  <a:ext uri="{FF2B5EF4-FFF2-40B4-BE49-F238E27FC236}">
+                    <a16:creationId xmlns:a16="http://schemas.microsoft.com/office/drawing/2014/main" id="{0D68C684-7FB6-C947-3FC4-08725F1E89A9}"/>
+                  </a:ext>
+                </a:extLst>
+              </p:cNvPr>
+              <p:cNvPicPr>
+                <a:picLocks noChangeAspect="1"/>
+              </p:cNvPicPr>
+              <p:nvPr/>
+            </p:nvPicPr>
+            <p:blipFill>
+              <a:blip r:embed="rId59">
+                <a:extLst>
+                  <a:ext uri="{28A0092B-C50C-407E-A947-70E740481C1C}">
+                    <a14:useLocalDpi xmlns:a14="http://schemas.microsoft.com/office/drawing/2010/main" val="0"/>
+                  </a:ext>
+                </a:extLst>
+              </a:blip>
+              <a:srcRect/>
+              <a:stretch/>
+            </p:blipFill>
+            <p:spPr>
+              <a:xfrm>
+                <a:off x="874314" y="4964593"/>
+                <a:ext cx="932400" cy="932400"/>
+              </a:xfrm>
+              <a:prstGeom prst="rect">
+                <a:avLst/>
+              </a:prstGeom>
+            </p:spPr>
+          </p:pic>
+          <p:pic>
+            <p:nvPicPr>
+              <p:cNvPr id="18" name="图片 17">
+                <a:extLst>
+                  <a:ext uri="{FF2B5EF4-FFF2-40B4-BE49-F238E27FC236}">
+                    <a16:creationId xmlns:a16="http://schemas.microsoft.com/office/drawing/2014/main" id="{E70C46AC-32EE-0C83-04BC-FA515A0E1136}"/>
+                  </a:ext>
+                </a:extLst>
+              </p:cNvPr>
+              <p:cNvPicPr>
+                <a:picLocks noChangeAspect="1"/>
+              </p:cNvPicPr>
+              <p:nvPr/>
+            </p:nvPicPr>
+            <p:blipFill>
+              <a:blip r:embed="rId60">
+                <a:extLst>
+                  <a:ext uri="{28A0092B-C50C-407E-A947-70E740481C1C}">
+                    <a14:useLocalDpi xmlns:a14="http://schemas.microsoft.com/office/drawing/2010/main" val="0"/>
+                  </a:ext>
+                </a:extLst>
+              </a:blip>
+              <a:srcRect/>
+              <a:stretch/>
+            </p:blipFill>
+            <p:spPr>
+              <a:xfrm>
+                <a:off x="874314" y="308148"/>
+                <a:ext cx="932400" cy="932400"/>
+              </a:xfrm>
+              <a:prstGeom prst="rect">
+                <a:avLst/>
+              </a:prstGeom>
+            </p:spPr>
+          </p:pic>
+        </p:grpSp>
+      </p:grpSp>
     </p:spTree>
     <p:extLst>
       <p:ext uri="{BB962C8B-B14F-4D97-AF65-F5344CB8AC3E}">
@@ -4334,10 +6051,10 @@
       </p:grpSpPr>
       <p:grpSp>
         <p:nvGrpSpPr>
-          <p:cNvPr id="327" name="组合 326">
+          <p:cNvPr id="57" name="组合 56">
             <a:extLst>
               <a:ext uri="{FF2B5EF4-FFF2-40B4-BE49-F238E27FC236}">
-                <a16:creationId xmlns:a16="http://schemas.microsoft.com/office/drawing/2014/main" id="{A36F706F-D61D-31FC-2B63-BB037A973100}"/>
+                <a16:creationId xmlns:a16="http://schemas.microsoft.com/office/drawing/2014/main" id="{881283F0-7EE0-C669-B96C-9653840CAA8B}"/>
               </a:ext>
             </a:extLst>
           </p:cNvPr>
@@ -4346,18 +6063,18 @@
         </p:nvGrpSpPr>
         <p:grpSpPr>
           <a:xfrm>
-            <a:off x="862024" y="559837"/>
-            <a:ext cx="9341831" cy="3741812"/>
-            <a:chOff x="862024" y="559837"/>
-            <a:chExt cx="9341831" cy="3741812"/>
+            <a:off x="1788716" y="573620"/>
+            <a:ext cx="9341833" cy="5588845"/>
+            <a:chOff x="874314" y="308148"/>
+            <a:chExt cx="9341833" cy="5588845"/>
           </a:xfrm>
         </p:grpSpPr>
         <p:grpSp>
           <p:nvGrpSpPr>
-            <p:cNvPr id="324" name="组合 323">
+            <p:cNvPr id="53" name="组合 52">
               <a:extLst>
                 <a:ext uri="{FF2B5EF4-FFF2-40B4-BE49-F238E27FC236}">
-                  <a16:creationId xmlns:a16="http://schemas.microsoft.com/office/drawing/2014/main" id="{016B9365-A7BA-6E11-E4DA-4F7438C2A9BC}"/>
+                  <a16:creationId xmlns:a16="http://schemas.microsoft.com/office/drawing/2014/main" id="{50212A21-9312-82F7-DEFE-C17F2B2BA188}"/>
                 </a:ext>
               </a:extLst>
             </p:cNvPr>
@@ -4366,10 +6083,10 @@
           </p:nvGrpSpPr>
           <p:grpSpPr>
             <a:xfrm>
-              <a:off x="7402691" y="559837"/>
-              <a:ext cx="932400" cy="3741812"/>
-              <a:chOff x="7356508" y="559837"/>
-              <a:chExt cx="932400" cy="3741812"/>
+              <a:off x="7414981" y="308148"/>
+              <a:ext cx="932400" cy="5580555"/>
+              <a:chOff x="7414983" y="316438"/>
+              <a:chExt cx="932400" cy="5580555"/>
             </a:xfrm>
           </p:grpSpPr>
           <p:pic>
@@ -4388,6 +6105,76 @@
             </p:nvPicPr>
             <p:blipFill>
               <a:blip r:embed="rId2">
+                <a:extLst>
+                  <a:ext uri="{28A0092B-C50C-407E-A947-70E740481C1C}">
+                    <a14:useLocalDpi xmlns:a14="http://schemas.microsoft.com/office/drawing/2010/main" val="0"/>
+                  </a:ext>
+                </a:extLst>
+              </a:blip>
+              <a:srcRect/>
+              <a:stretch/>
+            </p:blipFill>
+            <p:spPr>
+              <a:xfrm>
+                <a:off x="7414983" y="1246069"/>
+                <a:ext cx="932400" cy="932400"/>
+              </a:xfrm>
+              <a:prstGeom prst="rect">
+                <a:avLst/>
+              </a:prstGeom>
+            </p:spPr>
+          </p:pic>
+          <p:pic>
+            <p:nvPicPr>
+              <p:cNvPr id="399" name="图片 398">
+                <a:extLst>
+                  <a:ext uri="{FF2B5EF4-FFF2-40B4-BE49-F238E27FC236}">
+                    <a16:creationId xmlns:a16="http://schemas.microsoft.com/office/drawing/2014/main" id="{97F15A3F-B554-86B3-1BDF-CFA88671B132}"/>
+                  </a:ext>
+                </a:extLst>
+              </p:cNvPr>
+              <p:cNvPicPr>
+                <a:picLocks noChangeAspect="1"/>
+              </p:cNvPicPr>
+              <p:nvPr/>
+            </p:nvPicPr>
+            <p:blipFill>
+              <a:blip r:embed="rId3">
+                <a:extLst>
+                  <a:ext uri="{28A0092B-C50C-407E-A947-70E740481C1C}">
+                    <a14:useLocalDpi xmlns:a14="http://schemas.microsoft.com/office/drawing/2010/main" val="0"/>
+                  </a:ext>
+                </a:extLst>
+              </a:blip>
+              <a:srcRect/>
+              <a:stretch/>
+            </p:blipFill>
+            <p:spPr>
+              <a:xfrm>
+                <a:off x="7414983" y="316438"/>
+                <a:ext cx="932400" cy="932400"/>
+              </a:xfrm>
+              <a:prstGeom prst="rect">
+                <a:avLst/>
+              </a:prstGeom>
+            </p:spPr>
+          </p:pic>
+          <p:pic>
+            <p:nvPicPr>
+              <p:cNvPr id="413" name="图片 412">
+                <a:extLst>
+                  <a:ext uri="{FF2B5EF4-FFF2-40B4-BE49-F238E27FC236}">
+                    <a16:creationId xmlns:a16="http://schemas.microsoft.com/office/drawing/2014/main" id="{5B159CE7-CAED-10A9-6070-A7E5F2688162}"/>
+                  </a:ext>
+                </a:extLst>
+              </p:cNvPr>
+              <p:cNvPicPr>
+                <a:picLocks noChangeAspect="1"/>
+              </p:cNvPicPr>
+              <p:nvPr/>
+            </p:nvPicPr>
+            <p:blipFill>
+              <a:blip r:embed="rId4">
                 <a:extLst>
                   <a:ext uri="{28A0092B-C50C-407E-A947-70E740481C1C}">
                     <a14:useLocalDpi xmlns:a14="http://schemas.microsoft.com/office/drawing/2010/main" val="0"/>
@@ -4400,30 +6187,30 @@
             </p:blipFill>
             <p:spPr>
               <a:xfrm>
-                <a:off x="7356508" y="559837"/>
-                <a:ext cx="932400" cy="932400"/>
-              </a:xfrm>
-              <a:prstGeom prst="rect">
-                <a:avLst/>
-              </a:prstGeom>
-            </p:spPr>
-          </p:pic>
-          <p:pic>
-            <p:nvPicPr>
-              <p:cNvPr id="399" name="图片 398" descr="人在草地上&#10;&#10;低可信度描述已自动生成">
-                <a:extLst>
-                  <a:ext uri="{FF2B5EF4-FFF2-40B4-BE49-F238E27FC236}">
-                    <a16:creationId xmlns:a16="http://schemas.microsoft.com/office/drawing/2014/main" id="{97F15A3F-B554-86B3-1BDF-CFA88671B132}"/>
-                  </a:ext>
-                </a:extLst>
-              </p:cNvPr>
-              <p:cNvPicPr>
-                <a:picLocks noChangeAspect="1"/>
-              </p:cNvPicPr>
-              <p:nvPr/>
-            </p:nvPicPr>
-            <p:blipFill>
-              <a:blip r:embed="rId3">
+                <a:off x="7414983" y="3105331"/>
+                <a:ext cx="932400" cy="932400"/>
+              </a:xfrm>
+              <a:prstGeom prst="rect">
+                <a:avLst/>
+              </a:prstGeom>
+            </p:spPr>
+          </p:pic>
+          <p:pic>
+            <p:nvPicPr>
+              <p:cNvPr id="24" name="图片 23" descr="图片包含 华美, 手, 彩色, 绿色&#10;&#10;描述已自动生成">
+                <a:extLst>
+                  <a:ext uri="{FF2B5EF4-FFF2-40B4-BE49-F238E27FC236}">
+                    <a16:creationId xmlns:a16="http://schemas.microsoft.com/office/drawing/2014/main" id="{DBF807FC-7921-1C85-5DBD-6FDE1D230095}"/>
+                  </a:ext>
+                </a:extLst>
+              </p:cNvPr>
+              <p:cNvPicPr>
+                <a:picLocks noChangeAspect="1"/>
+              </p:cNvPicPr>
+              <p:nvPr/>
+            </p:nvPicPr>
+            <p:blipFill>
+              <a:blip r:embed="rId5">
                 <a:extLst>
                   <a:ext uri="{28A0092B-C50C-407E-A947-70E740481C1C}">
                     <a14:useLocalDpi xmlns:a14="http://schemas.microsoft.com/office/drawing/2010/main" val="0"/>
@@ -4436,79 +6223,77 @@
             </p:blipFill>
             <p:spPr>
               <a:xfrm>
-                <a:off x="7356508" y="1496308"/>
-                <a:ext cx="932400" cy="932400"/>
-              </a:xfrm>
-              <a:prstGeom prst="rect">
-                <a:avLst/>
-              </a:prstGeom>
-            </p:spPr>
-          </p:pic>
-          <p:pic>
-            <p:nvPicPr>
-              <p:cNvPr id="413" name="图片 412">
-                <a:extLst>
-                  <a:ext uri="{FF2B5EF4-FFF2-40B4-BE49-F238E27FC236}">
-                    <a16:creationId xmlns:a16="http://schemas.microsoft.com/office/drawing/2014/main" id="{5B159CE7-CAED-10A9-6070-A7E5F2688162}"/>
-                  </a:ext>
-                </a:extLst>
-              </p:cNvPr>
-              <p:cNvPicPr>
-                <a:picLocks noChangeAspect="1"/>
-              </p:cNvPicPr>
-              <p:nvPr/>
-            </p:nvPicPr>
-            <p:blipFill>
-              <a:blip r:embed="rId4">
-                <a:extLst>
-                  <a:ext uri="{28A0092B-C50C-407E-A947-70E740481C1C}">
-                    <a14:useLocalDpi xmlns:a14="http://schemas.microsoft.com/office/drawing/2010/main" val="0"/>
-                  </a:ext>
-                </a:extLst>
-              </a:blip>
-              <a:stretch>
-                <a:fillRect/>
-              </a:stretch>
-            </p:blipFill>
-            <p:spPr>
-              <a:xfrm>
-                <a:off x="7356508" y="3369249"/>
-                <a:ext cx="932400" cy="932400"/>
-              </a:xfrm>
-              <a:prstGeom prst="rect">
-                <a:avLst/>
-              </a:prstGeom>
-            </p:spPr>
-          </p:pic>
-          <p:pic>
-            <p:nvPicPr>
-              <p:cNvPr id="24" name="图片 23" descr="图片包含 华美, 手, 彩色, 绿色&#10;&#10;描述已自动生成">
-                <a:extLst>
-                  <a:ext uri="{FF2B5EF4-FFF2-40B4-BE49-F238E27FC236}">
-                    <a16:creationId xmlns:a16="http://schemas.microsoft.com/office/drawing/2014/main" id="{DBF807FC-7921-1C85-5DBD-6FDE1D230095}"/>
-                  </a:ext>
-                </a:extLst>
-              </p:cNvPr>
-              <p:cNvPicPr>
-                <a:picLocks noChangeAspect="1"/>
-              </p:cNvPicPr>
-              <p:nvPr/>
-            </p:nvPicPr>
-            <p:blipFill>
-              <a:blip r:embed="rId5">
-                <a:extLst>
-                  <a:ext uri="{28A0092B-C50C-407E-A947-70E740481C1C}">
-                    <a14:useLocalDpi xmlns:a14="http://schemas.microsoft.com/office/drawing/2010/main" val="0"/>
-                  </a:ext>
-                </a:extLst>
-              </a:blip>
-              <a:stretch>
-                <a:fillRect/>
-              </a:stretch>
-            </p:blipFill>
-            <p:spPr>
-              <a:xfrm>
-                <a:off x="7356508" y="2432779"/>
+                <a:off x="7414983" y="4034962"/>
+                <a:ext cx="932400" cy="932400"/>
+              </a:xfrm>
+              <a:prstGeom prst="rect">
+                <a:avLst/>
+              </a:prstGeom>
+            </p:spPr>
+          </p:pic>
+          <p:pic>
+            <p:nvPicPr>
+              <p:cNvPr id="2" name="图片 1">
+                <a:extLst>
+                  <a:ext uri="{FF2B5EF4-FFF2-40B4-BE49-F238E27FC236}">
+                    <a16:creationId xmlns:a16="http://schemas.microsoft.com/office/drawing/2014/main" id="{3F1018F5-C66F-6F80-6581-79E92E662AA8}"/>
+                  </a:ext>
+                </a:extLst>
+              </p:cNvPr>
+              <p:cNvPicPr>
+                <a:picLocks noChangeAspect="1"/>
+              </p:cNvPicPr>
+              <p:nvPr/>
+            </p:nvPicPr>
+            <p:blipFill>
+              <a:blip r:embed="rId3">
+                <a:extLst>
+                  <a:ext uri="{28A0092B-C50C-407E-A947-70E740481C1C}">
+                    <a14:useLocalDpi xmlns:a14="http://schemas.microsoft.com/office/drawing/2010/main" val="0"/>
+                  </a:ext>
+                </a:extLst>
+              </a:blip>
+              <a:srcRect/>
+              <a:stretch/>
+            </p:blipFill>
+            <p:spPr>
+              <a:xfrm>
+                <a:off x="7414983" y="2175700"/>
+                <a:ext cx="932400" cy="932400"/>
+              </a:xfrm>
+              <a:prstGeom prst="rect">
+                <a:avLst/>
+              </a:prstGeom>
+            </p:spPr>
+          </p:pic>
+          <p:pic>
+            <p:nvPicPr>
+              <p:cNvPr id="17" name="图片 16">
+                <a:extLst>
+                  <a:ext uri="{FF2B5EF4-FFF2-40B4-BE49-F238E27FC236}">
+                    <a16:creationId xmlns:a16="http://schemas.microsoft.com/office/drawing/2014/main" id="{E545FAF5-C8B0-27DF-216F-19486E365336}"/>
+                  </a:ext>
+                </a:extLst>
+              </p:cNvPr>
+              <p:cNvPicPr>
+                <a:picLocks noChangeAspect="1"/>
+              </p:cNvPicPr>
+              <p:nvPr/>
+            </p:nvPicPr>
+            <p:blipFill>
+              <a:blip r:embed="rId6">
+                <a:extLst>
+                  <a:ext uri="{28A0092B-C50C-407E-A947-70E740481C1C}">
+                    <a14:useLocalDpi xmlns:a14="http://schemas.microsoft.com/office/drawing/2010/main" val="0"/>
+                  </a:ext>
+                </a:extLst>
+              </a:blip>
+              <a:srcRect/>
+              <a:stretch/>
+            </p:blipFill>
+            <p:spPr>
+              <a:xfrm>
+                <a:off x="7414983" y="4964593"/>
                 <a:ext cx="932400" cy="932400"/>
               </a:xfrm>
               <a:prstGeom prst="rect">
@@ -4519,10 +6304,10 @@
         </p:grpSp>
         <p:grpSp>
           <p:nvGrpSpPr>
-            <p:cNvPr id="62" name="组合 61">
+            <p:cNvPr id="43" name="组合 42">
               <a:extLst>
                 <a:ext uri="{FF2B5EF4-FFF2-40B4-BE49-F238E27FC236}">
-                  <a16:creationId xmlns:a16="http://schemas.microsoft.com/office/drawing/2014/main" id="{2E46B969-9D43-A38F-BEB5-AFADC7BB6C76}"/>
+                  <a16:creationId xmlns:a16="http://schemas.microsoft.com/office/drawing/2014/main" id="{F248716D-5460-BBAF-6E8D-1780650B7AA6}"/>
                 </a:ext>
               </a:extLst>
             </p:cNvPr>
@@ -4531,10 +6316,10 @@
           </p:nvGrpSpPr>
           <p:grpSpPr>
             <a:xfrm>
-              <a:off x="1796405" y="559837"/>
-              <a:ext cx="932400" cy="3741812"/>
-              <a:chOff x="1611676" y="559837"/>
-              <a:chExt cx="932400" cy="3741812"/>
+              <a:off x="1808695" y="308148"/>
+              <a:ext cx="932400" cy="5580555"/>
+              <a:chOff x="1808697" y="316438"/>
+              <a:chExt cx="932400" cy="5580555"/>
             </a:xfrm>
           </p:grpSpPr>
           <p:pic>
@@ -4552,7 +6337,7 @@
               <p:nvPr/>
             </p:nvPicPr>
             <p:blipFill>
-              <a:blip r:embed="rId6">
+              <a:blip r:embed="rId7">
                 <a:extLst>
                   <a:ext uri="{28A0092B-C50C-407E-A947-70E740481C1C}">
                     <a14:useLocalDpi xmlns:a14="http://schemas.microsoft.com/office/drawing/2010/main" val="0"/>
@@ -4564,7 +6349,7 @@
             </p:blipFill>
             <p:spPr>
               <a:xfrm>
-                <a:off x="1611676" y="559837"/>
+                <a:off x="1808697" y="1246069"/>
                 <a:ext cx="932400" cy="932400"/>
               </a:xfrm>
               <a:prstGeom prst="rect">
@@ -4587,7 +6372,7 @@
               <p:nvPr/>
             </p:nvPicPr>
             <p:blipFill>
-              <a:blip r:embed="rId7">
+              <a:blip r:embed="rId8">
                 <a:extLst>
                   <a:ext uri="{28A0092B-C50C-407E-A947-70E740481C1C}">
                     <a14:useLocalDpi xmlns:a14="http://schemas.microsoft.com/office/drawing/2010/main" val="0"/>
@@ -4599,7 +6384,7 @@
             </p:blipFill>
             <p:spPr>
               <a:xfrm>
-                <a:off x="1611676" y="1496308"/>
+                <a:off x="1808697" y="316438"/>
                 <a:ext cx="932400" cy="932400"/>
               </a:xfrm>
               <a:prstGeom prst="rect">
@@ -4622,7 +6407,7 @@
               <p:nvPr/>
             </p:nvPicPr>
             <p:blipFill>
-              <a:blip r:embed="rId8">
+              <a:blip r:embed="rId9">
                 <a:extLst>
                   <a:ext uri="{28A0092B-C50C-407E-A947-70E740481C1C}">
                     <a14:useLocalDpi xmlns:a14="http://schemas.microsoft.com/office/drawing/2010/main" val="0"/>
@@ -4635,7 +6420,7 @@
             </p:blipFill>
             <p:spPr>
               <a:xfrm>
-                <a:off x="1611676" y="3369249"/>
+                <a:off x="1808697" y="3105331"/>
                 <a:ext cx="932400" cy="932400"/>
               </a:xfrm>
               <a:prstGeom prst="rect">
@@ -4658,7 +6443,7 @@
               <p:nvPr/>
             </p:nvPicPr>
             <p:blipFill>
-              <a:blip r:embed="rId9">
+              <a:blip r:embed="rId10">
                 <a:extLst>
                   <a:ext uri="{28A0092B-C50C-407E-A947-70E740481C1C}">
                     <a14:useLocalDpi xmlns:a14="http://schemas.microsoft.com/office/drawing/2010/main" val="0"/>
@@ -4671,7 +6456,77 @@
             </p:blipFill>
             <p:spPr>
               <a:xfrm>
-                <a:off x="1611676" y="2432779"/>
+                <a:off x="1808697" y="4034962"/>
+                <a:ext cx="932400" cy="932400"/>
+              </a:xfrm>
+              <a:prstGeom prst="rect">
+                <a:avLst/>
+              </a:prstGeom>
+            </p:spPr>
+          </p:pic>
+          <p:pic>
+            <p:nvPicPr>
+              <p:cNvPr id="4" name="图片 3">
+                <a:extLst>
+                  <a:ext uri="{FF2B5EF4-FFF2-40B4-BE49-F238E27FC236}">
+                    <a16:creationId xmlns:a16="http://schemas.microsoft.com/office/drawing/2014/main" id="{5E447E38-B96C-4A5D-2757-7CF1983B42A1}"/>
+                  </a:ext>
+                </a:extLst>
+              </p:cNvPr>
+              <p:cNvPicPr>
+                <a:picLocks noChangeAspect="1"/>
+              </p:cNvPicPr>
+              <p:nvPr/>
+            </p:nvPicPr>
+            <p:blipFill>
+              <a:blip r:embed="rId11">
+                <a:extLst>
+                  <a:ext uri="{28A0092B-C50C-407E-A947-70E740481C1C}">
+                    <a14:useLocalDpi xmlns:a14="http://schemas.microsoft.com/office/drawing/2010/main" val="0"/>
+                  </a:ext>
+                </a:extLst>
+              </a:blip>
+              <a:srcRect/>
+              <a:stretch/>
+            </p:blipFill>
+            <p:spPr>
+              <a:xfrm>
+                <a:off x="1808697" y="2175700"/>
+                <a:ext cx="932400" cy="932400"/>
+              </a:xfrm>
+              <a:prstGeom prst="rect">
+                <a:avLst/>
+              </a:prstGeom>
+            </p:spPr>
+          </p:pic>
+          <p:pic>
+            <p:nvPicPr>
+              <p:cNvPr id="19" name="图片 18">
+                <a:extLst>
+                  <a:ext uri="{FF2B5EF4-FFF2-40B4-BE49-F238E27FC236}">
+                    <a16:creationId xmlns:a16="http://schemas.microsoft.com/office/drawing/2014/main" id="{54061B3D-71F8-DA9B-BF23-1D6808D964FF}"/>
+                  </a:ext>
+                </a:extLst>
+              </p:cNvPr>
+              <p:cNvPicPr>
+                <a:picLocks noChangeAspect="1"/>
+              </p:cNvPicPr>
+              <p:nvPr/>
+            </p:nvPicPr>
+            <p:blipFill>
+              <a:blip r:embed="rId12">
+                <a:extLst>
+                  <a:ext uri="{28A0092B-C50C-407E-A947-70E740481C1C}">
+                    <a14:useLocalDpi xmlns:a14="http://schemas.microsoft.com/office/drawing/2010/main" val="0"/>
+                  </a:ext>
+                </a:extLst>
+              </a:blip>
+              <a:srcRect/>
+              <a:stretch/>
+            </p:blipFill>
+            <p:spPr>
+              <a:xfrm>
+                <a:off x="1808697" y="4964593"/>
                 <a:ext cx="932400" cy="932400"/>
               </a:xfrm>
               <a:prstGeom prst="rect">
@@ -4682,10 +6537,10 @@
         </p:grpSp>
         <p:grpSp>
           <p:nvGrpSpPr>
-            <p:cNvPr id="320" name="组合 319">
+            <p:cNvPr id="47" name="组合 46">
               <a:extLst>
                 <a:ext uri="{FF2B5EF4-FFF2-40B4-BE49-F238E27FC236}">
-                  <a16:creationId xmlns:a16="http://schemas.microsoft.com/office/drawing/2014/main" id="{5973C8D9-5E43-2397-C11B-961CED7B2D12}"/>
+                  <a16:creationId xmlns:a16="http://schemas.microsoft.com/office/drawing/2014/main" id="{8D1E8984-5575-8DD9-A317-A1B8D11890C6}"/>
                 </a:ext>
               </a:extLst>
             </p:cNvPr>
@@ -4694,10 +6549,10 @@
           </p:nvGrpSpPr>
           <p:grpSpPr>
             <a:xfrm>
-              <a:off x="3665167" y="559837"/>
-              <a:ext cx="932400" cy="3741812"/>
-              <a:chOff x="3526620" y="559837"/>
-              <a:chExt cx="932400" cy="3741812"/>
+              <a:off x="3677457" y="308148"/>
+              <a:ext cx="932400" cy="5580555"/>
+              <a:chOff x="3677459" y="316438"/>
+              <a:chExt cx="932400" cy="5580555"/>
             </a:xfrm>
           </p:grpSpPr>
           <p:pic>
@@ -4715,7 +6570,7 @@
               <p:nvPr/>
             </p:nvPicPr>
             <p:blipFill>
-              <a:blip r:embed="rId10">
+              <a:blip r:embed="rId13">
                 <a:extLst>
                   <a:ext uri="{28A0092B-C50C-407E-A947-70E740481C1C}">
                     <a14:useLocalDpi xmlns:a14="http://schemas.microsoft.com/office/drawing/2010/main" val="0"/>
@@ -4728,7 +6583,7 @@
             </p:blipFill>
             <p:spPr>
               <a:xfrm>
-                <a:off x="3526620" y="559837"/>
+                <a:off x="3677459" y="1246069"/>
                 <a:ext cx="932400" cy="932400"/>
               </a:xfrm>
               <a:prstGeom prst="rect">
@@ -4751,7 +6606,7 @@
               <p:nvPr/>
             </p:nvPicPr>
             <p:blipFill>
-              <a:blip r:embed="rId11">
+              <a:blip r:embed="rId14">
                 <a:extLst>
                   <a:ext uri="{28A0092B-C50C-407E-A947-70E740481C1C}">
                     <a14:useLocalDpi xmlns:a14="http://schemas.microsoft.com/office/drawing/2010/main" val="0"/>
@@ -4764,17 +6619,17 @@
             </p:blipFill>
             <p:spPr>
               <a:xfrm>
-                <a:off x="3526620" y="1496308"/>
-                <a:ext cx="932400" cy="932400"/>
-              </a:xfrm>
-              <a:prstGeom prst="rect">
-                <a:avLst/>
-              </a:prstGeom>
-            </p:spPr>
-          </p:pic>
-          <p:pic>
-            <p:nvPicPr>
-              <p:cNvPr id="367" name="图片 366" descr="模糊的图&#10;&#10;描述已自动生成">
+                <a:off x="3677459" y="316438"/>
+                <a:ext cx="932400" cy="932400"/>
+              </a:xfrm>
+              <a:prstGeom prst="rect">
+                <a:avLst/>
+              </a:prstGeom>
+            </p:spPr>
+          </p:pic>
+          <p:pic>
+            <p:nvPicPr>
+              <p:cNvPr id="367" name="图片 366">
                 <a:extLst>
                   <a:ext uri="{FF2B5EF4-FFF2-40B4-BE49-F238E27FC236}">
                     <a16:creationId xmlns:a16="http://schemas.microsoft.com/office/drawing/2014/main" id="{673BAC9C-2F95-DB75-C6B0-8FAA1A55D1A2}"/>
@@ -4787,30 +6642,29 @@
               <p:nvPr/>
             </p:nvPicPr>
             <p:blipFill>
-              <a:blip r:embed="rId12">
-                <a:extLst>
-                  <a:ext uri="{28A0092B-C50C-407E-A947-70E740481C1C}">
-                    <a14:useLocalDpi xmlns:a14="http://schemas.microsoft.com/office/drawing/2010/main" val="0"/>
-                  </a:ext>
-                </a:extLst>
-              </a:blip>
-              <a:stretch>
-                <a:fillRect/>
-              </a:stretch>
-            </p:blipFill>
-            <p:spPr>
-              <a:xfrm>
-                <a:off x="3526620" y="3369249"/>
-                <a:ext cx="932400" cy="932400"/>
-              </a:xfrm>
-              <a:prstGeom prst="rect">
-                <a:avLst/>
-              </a:prstGeom>
-            </p:spPr>
-          </p:pic>
-          <p:pic>
-            <p:nvPicPr>
-              <p:cNvPr id="32" name="图片 31" descr="手机屏幕的截图&#10;&#10;低可信度描述已自动生成">
+              <a:blip r:embed="rId15">
+                <a:extLst>
+                  <a:ext uri="{28A0092B-C50C-407E-A947-70E740481C1C}">
+                    <a14:useLocalDpi xmlns:a14="http://schemas.microsoft.com/office/drawing/2010/main" val="0"/>
+                  </a:ext>
+                </a:extLst>
+              </a:blip>
+              <a:srcRect/>
+              <a:stretch/>
+            </p:blipFill>
+            <p:spPr>
+              <a:xfrm>
+                <a:off x="3677459" y="3105331"/>
+                <a:ext cx="932400" cy="932400"/>
+              </a:xfrm>
+              <a:prstGeom prst="rect">
+                <a:avLst/>
+              </a:prstGeom>
+            </p:spPr>
+          </p:pic>
+          <p:pic>
+            <p:nvPicPr>
+              <p:cNvPr id="32" name="图片 31">
                 <a:extLst>
                   <a:ext uri="{FF2B5EF4-FFF2-40B4-BE49-F238E27FC236}">
                     <a16:creationId xmlns:a16="http://schemas.microsoft.com/office/drawing/2014/main" id="{BE3E5C65-A0D2-CF03-E89D-93B4FFE59A3F}"/>
@@ -4823,20 +6677,89 @@
               <p:nvPr/>
             </p:nvPicPr>
             <p:blipFill>
-              <a:blip r:embed="rId13">
-                <a:extLst>
-                  <a:ext uri="{28A0092B-C50C-407E-A947-70E740481C1C}">
-                    <a14:useLocalDpi xmlns:a14="http://schemas.microsoft.com/office/drawing/2010/main" val="0"/>
-                  </a:ext>
-                </a:extLst>
-              </a:blip>
-              <a:stretch>
-                <a:fillRect/>
-              </a:stretch>
-            </p:blipFill>
-            <p:spPr>
-              <a:xfrm>
-                <a:off x="3526620" y="2432779"/>
+              <a:blip r:embed="rId16">
+                <a:extLst>
+                  <a:ext uri="{28A0092B-C50C-407E-A947-70E740481C1C}">
+                    <a14:useLocalDpi xmlns:a14="http://schemas.microsoft.com/office/drawing/2010/main" val="0"/>
+                  </a:ext>
+                </a:extLst>
+              </a:blip>
+              <a:srcRect/>
+              <a:stretch/>
+            </p:blipFill>
+            <p:spPr>
+              <a:xfrm>
+                <a:off x="3677459" y="4034962"/>
+                <a:ext cx="932400" cy="932400"/>
+              </a:xfrm>
+              <a:prstGeom prst="rect">
+                <a:avLst/>
+              </a:prstGeom>
+            </p:spPr>
+          </p:pic>
+          <p:pic>
+            <p:nvPicPr>
+              <p:cNvPr id="5" name="图片 4">
+                <a:extLst>
+                  <a:ext uri="{FF2B5EF4-FFF2-40B4-BE49-F238E27FC236}">
+                    <a16:creationId xmlns:a16="http://schemas.microsoft.com/office/drawing/2014/main" id="{7380B6B0-D176-07A8-9E67-FB50C2204C0F}"/>
+                  </a:ext>
+                </a:extLst>
+              </p:cNvPr>
+              <p:cNvPicPr>
+                <a:picLocks noChangeAspect="1"/>
+              </p:cNvPicPr>
+              <p:nvPr/>
+            </p:nvPicPr>
+            <p:blipFill>
+              <a:blip r:embed="rId17">
+                <a:extLst>
+                  <a:ext uri="{28A0092B-C50C-407E-A947-70E740481C1C}">
+                    <a14:useLocalDpi xmlns:a14="http://schemas.microsoft.com/office/drawing/2010/main" val="0"/>
+                  </a:ext>
+                </a:extLst>
+              </a:blip>
+              <a:srcRect/>
+              <a:stretch/>
+            </p:blipFill>
+            <p:spPr>
+              <a:xfrm>
+                <a:off x="3677459" y="2175700"/>
+                <a:ext cx="932400" cy="932400"/>
+              </a:xfrm>
+              <a:prstGeom prst="rect">
+                <a:avLst/>
+              </a:prstGeom>
+            </p:spPr>
+          </p:pic>
+          <p:pic>
+            <p:nvPicPr>
+              <p:cNvPr id="20" name="图片 19">
+                <a:extLst>
+                  <a:ext uri="{FF2B5EF4-FFF2-40B4-BE49-F238E27FC236}">
+                    <a16:creationId xmlns:a16="http://schemas.microsoft.com/office/drawing/2014/main" id="{D5CAFE65-C349-52DA-3B9E-A089A4CDFA39}"/>
+                  </a:ext>
+                </a:extLst>
+              </p:cNvPr>
+              <p:cNvPicPr>
+                <a:picLocks noChangeAspect="1"/>
+              </p:cNvPicPr>
+              <p:nvPr/>
+            </p:nvPicPr>
+            <p:blipFill>
+              <a:blip r:embed="rId18">
+                <a:extLst>
+                  <a:ext uri="{28A0092B-C50C-407E-A947-70E740481C1C}">
+                    <a14:useLocalDpi xmlns:a14="http://schemas.microsoft.com/office/drawing/2010/main" val="0"/>
+                  </a:ext>
+                </a:extLst>
+              </a:blip>
+              <a:srcRect/>
+              <a:stretch/>
+            </p:blipFill>
+            <p:spPr>
+              <a:xfrm>
+                <a:off x="3677459" y="4964593"/>
                 <a:ext cx="932400" cy="932400"/>
               </a:xfrm>
               <a:prstGeom prst="rect">
@@ -4847,10 +6770,10 @@
         </p:grpSp>
         <p:grpSp>
           <p:nvGrpSpPr>
-            <p:cNvPr id="61" name="组合 60">
+            <p:cNvPr id="49" name="组合 48">
               <a:extLst>
                 <a:ext uri="{FF2B5EF4-FFF2-40B4-BE49-F238E27FC236}">
-                  <a16:creationId xmlns:a16="http://schemas.microsoft.com/office/drawing/2014/main" id="{2F680C58-6893-4119-7648-A42AB56C6753}"/>
+                  <a16:creationId xmlns:a16="http://schemas.microsoft.com/office/drawing/2014/main" id="{C2045CFD-0CE2-69C6-CF98-8794EF01DD17}"/>
                 </a:ext>
               </a:extLst>
             </p:cNvPr>
@@ -4859,28 +6782,28 @@
           </p:nvGrpSpPr>
           <p:grpSpPr>
             <a:xfrm>
-              <a:off x="862024" y="559837"/>
-              <a:ext cx="932400" cy="3741812"/>
-              <a:chOff x="654204" y="559837"/>
-              <a:chExt cx="932400" cy="3741812"/>
+              <a:off x="5546219" y="308148"/>
+              <a:ext cx="932400" cy="5580555"/>
+              <a:chOff x="5546221" y="316438"/>
+              <a:chExt cx="932400" cy="5580555"/>
             </a:xfrm>
           </p:grpSpPr>
           <p:pic>
             <p:nvPicPr>
-              <p:cNvPr id="3" name="图片 2" descr="图片包含 游戏机, 手, 画, 华美&#10;&#10;描述已自动生成">
-                <a:extLst>
-                  <a:ext uri="{FF2B5EF4-FFF2-40B4-BE49-F238E27FC236}">
-                    <a16:creationId xmlns:a16="http://schemas.microsoft.com/office/drawing/2014/main" id="{2D8D6ED6-14C4-B32A-41CC-50F718173F02}"/>
-                  </a:ext>
-                </a:extLst>
-              </p:cNvPr>
-              <p:cNvPicPr>
-                <a:picLocks noChangeAspect="1"/>
-              </p:cNvPicPr>
-              <p:nvPr/>
-            </p:nvPicPr>
-            <p:blipFill>
-              <a:blip r:embed="rId14">
+              <p:cNvPr id="16" name="图片 15" descr="彩色的方块&#10;&#10;低可信度描述已自动生成">
+                <a:extLst>
+                  <a:ext uri="{FF2B5EF4-FFF2-40B4-BE49-F238E27FC236}">
+                    <a16:creationId xmlns:a16="http://schemas.microsoft.com/office/drawing/2014/main" id="{E7650ACA-1883-1F32-4AE4-B0301B57616F}"/>
+                  </a:ext>
+                </a:extLst>
+              </p:cNvPr>
+              <p:cNvPicPr>
+                <a:picLocks noChangeAspect="1"/>
+              </p:cNvPicPr>
+              <p:nvPr/>
+            </p:nvPicPr>
+            <p:blipFill>
+              <a:blip r:embed="rId19">
                 <a:extLst>
                   <a:ext uri="{28A0092B-C50C-407E-A947-70E740481C1C}">
                     <a14:useLocalDpi xmlns:a14="http://schemas.microsoft.com/office/drawing/2010/main" val="0"/>
@@ -4893,30 +6816,30 @@
             </p:blipFill>
             <p:spPr>
               <a:xfrm>
-                <a:off x="654204" y="559837"/>
-                <a:ext cx="932400" cy="932400"/>
-              </a:xfrm>
-              <a:prstGeom prst="rect">
-                <a:avLst/>
-              </a:prstGeom>
-            </p:spPr>
-          </p:pic>
-          <p:pic>
-            <p:nvPicPr>
-              <p:cNvPr id="341" name="图片 340" descr="模糊的照片上写着字&#10;&#10;描述已自动生成">
-                <a:extLst>
-                  <a:ext uri="{FF2B5EF4-FFF2-40B4-BE49-F238E27FC236}">
-                    <a16:creationId xmlns:a16="http://schemas.microsoft.com/office/drawing/2014/main" id="{D5901C8E-D591-8BB6-5971-AF428E7F2C42}"/>
-                  </a:ext>
-                </a:extLst>
-              </p:cNvPr>
-              <p:cNvPicPr>
-                <a:picLocks noChangeAspect="1"/>
-              </p:cNvPicPr>
-              <p:nvPr/>
-            </p:nvPicPr>
-            <p:blipFill>
-              <a:blip r:embed="rId15">
+                <a:off x="5546221" y="1246069"/>
+                <a:ext cx="932400" cy="932400"/>
+              </a:xfrm>
+              <a:prstGeom prst="rect">
+                <a:avLst/>
+              </a:prstGeom>
+            </p:spPr>
+          </p:pic>
+          <p:pic>
+            <p:nvPicPr>
+              <p:cNvPr id="375" name="图片 374" descr="徽标&#10;&#10;中度可信度描述已自动生成">
+                <a:extLst>
+                  <a:ext uri="{FF2B5EF4-FFF2-40B4-BE49-F238E27FC236}">
+                    <a16:creationId xmlns:a16="http://schemas.microsoft.com/office/drawing/2014/main" id="{37338AC4-408E-BA76-8E90-3EBAB272A4AF}"/>
+                  </a:ext>
+                </a:extLst>
+              </p:cNvPr>
+              <p:cNvPicPr>
+                <a:picLocks noChangeAspect="1"/>
+              </p:cNvPicPr>
+              <p:nvPr/>
+            </p:nvPicPr>
+            <p:blipFill>
+              <a:blip r:embed="rId20">
                 <a:extLst>
                   <a:ext uri="{28A0092B-C50C-407E-A947-70E740481C1C}">
                     <a14:useLocalDpi xmlns:a14="http://schemas.microsoft.com/office/drawing/2010/main" val="0"/>
@@ -4929,79 +6852,147 @@
             </p:blipFill>
             <p:spPr>
               <a:xfrm>
-                <a:off x="654204" y="1496308"/>
-                <a:ext cx="932400" cy="932400"/>
-              </a:xfrm>
-              <a:prstGeom prst="rect">
-                <a:avLst/>
-              </a:prstGeom>
-            </p:spPr>
-          </p:pic>
-          <p:pic>
-            <p:nvPicPr>
-              <p:cNvPr id="365" name="图片 364" descr="图片包含 图标&#10;&#10;描述已自动生成">
-                <a:extLst>
-                  <a:ext uri="{FF2B5EF4-FFF2-40B4-BE49-F238E27FC236}">
-                    <a16:creationId xmlns:a16="http://schemas.microsoft.com/office/drawing/2014/main" id="{DE48C7F8-B089-1355-C87D-C6D4BBBD78FE}"/>
-                  </a:ext>
-                </a:extLst>
-              </p:cNvPr>
-              <p:cNvPicPr>
-                <a:picLocks noChangeAspect="1"/>
-              </p:cNvPicPr>
-              <p:nvPr/>
-            </p:nvPicPr>
-            <p:blipFill>
-              <a:blip r:embed="rId16">
-                <a:extLst>
-                  <a:ext uri="{28A0092B-C50C-407E-A947-70E740481C1C}">
-                    <a14:useLocalDpi xmlns:a14="http://schemas.microsoft.com/office/drawing/2010/main" val="0"/>
-                  </a:ext>
-                </a:extLst>
-              </a:blip>
-              <a:stretch>
-                <a:fillRect/>
-              </a:stretch>
-            </p:blipFill>
-            <p:spPr>
-              <a:xfrm>
-                <a:off x="654204" y="3369249"/>
-                <a:ext cx="932400" cy="932400"/>
-              </a:xfrm>
-              <a:prstGeom prst="rect">
-                <a:avLst/>
-              </a:prstGeom>
-            </p:spPr>
-          </p:pic>
-          <p:pic>
-            <p:nvPicPr>
-              <p:cNvPr id="34" name="图片 33" descr="图片包含 游戏机, 画, 食物&#10;&#10;描述已自动生成">
-                <a:extLst>
-                  <a:ext uri="{FF2B5EF4-FFF2-40B4-BE49-F238E27FC236}">
-                    <a16:creationId xmlns:a16="http://schemas.microsoft.com/office/drawing/2014/main" id="{246E8FFF-249A-E692-3243-168D2D4CFEDA}"/>
-                  </a:ext>
-                </a:extLst>
-              </p:cNvPr>
-              <p:cNvPicPr>
-                <a:picLocks noChangeAspect="1"/>
-              </p:cNvPicPr>
-              <p:nvPr/>
-            </p:nvPicPr>
-            <p:blipFill>
-              <a:blip r:embed="rId17">
-                <a:extLst>
-                  <a:ext uri="{28A0092B-C50C-407E-A947-70E740481C1C}">
-                    <a14:useLocalDpi xmlns:a14="http://schemas.microsoft.com/office/drawing/2010/main" val="0"/>
-                  </a:ext>
-                </a:extLst>
-              </a:blip>
-              <a:stretch>
-                <a:fillRect/>
-              </a:stretch>
-            </p:blipFill>
-            <p:spPr>
-              <a:xfrm>
-                <a:off x="654204" y="2432779"/>
+                <a:off x="5546221" y="316438"/>
+                <a:ext cx="932400" cy="932400"/>
+              </a:xfrm>
+              <a:prstGeom prst="rect">
+                <a:avLst/>
+              </a:prstGeom>
+            </p:spPr>
+          </p:pic>
+          <p:pic>
+            <p:nvPicPr>
+              <p:cNvPr id="415" name="图片 414">
+                <a:extLst>
+                  <a:ext uri="{FF2B5EF4-FFF2-40B4-BE49-F238E27FC236}">
+                    <a16:creationId xmlns:a16="http://schemas.microsoft.com/office/drawing/2014/main" id="{37546D9F-20FA-9457-7AD9-6E078183CD55}"/>
+                  </a:ext>
+                </a:extLst>
+              </p:cNvPr>
+              <p:cNvPicPr>
+                <a:picLocks noChangeAspect="1"/>
+              </p:cNvPicPr>
+              <p:nvPr/>
+            </p:nvPicPr>
+            <p:blipFill>
+              <a:blip r:embed="rId21">
+                <a:extLst>
+                  <a:ext uri="{28A0092B-C50C-407E-A947-70E740481C1C}">
+                    <a14:useLocalDpi xmlns:a14="http://schemas.microsoft.com/office/drawing/2010/main" val="0"/>
+                  </a:ext>
+                </a:extLst>
+              </a:blip>
+              <a:srcRect/>
+              <a:stretch/>
+            </p:blipFill>
+            <p:spPr>
+              <a:xfrm>
+                <a:off x="5546221" y="3105331"/>
+                <a:ext cx="932400" cy="932400"/>
+              </a:xfrm>
+              <a:prstGeom prst="rect">
+                <a:avLst/>
+              </a:prstGeom>
+            </p:spPr>
+          </p:pic>
+          <p:pic>
+            <p:nvPicPr>
+              <p:cNvPr id="38" name="图片 37">
+                <a:extLst>
+                  <a:ext uri="{FF2B5EF4-FFF2-40B4-BE49-F238E27FC236}">
+                    <a16:creationId xmlns:a16="http://schemas.microsoft.com/office/drawing/2014/main" id="{7BD64D77-8434-4323-D006-36D0974F4FA4}"/>
+                  </a:ext>
+                </a:extLst>
+              </p:cNvPr>
+              <p:cNvPicPr>
+                <a:picLocks noChangeAspect="1"/>
+              </p:cNvPicPr>
+              <p:nvPr/>
+            </p:nvPicPr>
+            <p:blipFill>
+              <a:blip r:embed="rId22">
+                <a:extLst>
+                  <a:ext uri="{28A0092B-C50C-407E-A947-70E740481C1C}">
+                    <a14:useLocalDpi xmlns:a14="http://schemas.microsoft.com/office/drawing/2010/main" val="0"/>
+                  </a:ext>
+                </a:extLst>
+              </a:blip>
+              <a:srcRect/>
+              <a:stretch/>
+            </p:blipFill>
+            <p:spPr>
+              <a:xfrm>
+                <a:off x="5546221" y="4034962"/>
+                <a:ext cx="932400" cy="932400"/>
+              </a:xfrm>
+              <a:prstGeom prst="rect">
+                <a:avLst/>
+              </a:prstGeom>
+            </p:spPr>
+          </p:pic>
+          <p:pic>
+            <p:nvPicPr>
+              <p:cNvPr id="7" name="图片 6">
+                <a:extLst>
+                  <a:ext uri="{FF2B5EF4-FFF2-40B4-BE49-F238E27FC236}">
+                    <a16:creationId xmlns:a16="http://schemas.microsoft.com/office/drawing/2014/main" id="{06A92517-A353-3598-93E8-2858F0AF88AB}"/>
+                  </a:ext>
+                </a:extLst>
+              </p:cNvPr>
+              <p:cNvPicPr>
+                <a:picLocks noChangeAspect="1"/>
+              </p:cNvPicPr>
+              <p:nvPr/>
+            </p:nvPicPr>
+            <p:blipFill>
+              <a:blip r:embed="rId23">
+                <a:extLst>
+                  <a:ext uri="{28A0092B-C50C-407E-A947-70E740481C1C}">
+                    <a14:useLocalDpi xmlns:a14="http://schemas.microsoft.com/office/drawing/2010/main" val="0"/>
+                  </a:ext>
+                </a:extLst>
+              </a:blip>
+              <a:srcRect/>
+              <a:stretch/>
+            </p:blipFill>
+            <p:spPr>
+              <a:xfrm>
+                <a:off x="5546221" y="2175700"/>
+                <a:ext cx="932400" cy="932400"/>
+              </a:xfrm>
+              <a:prstGeom prst="rect">
+                <a:avLst/>
+              </a:prstGeom>
+            </p:spPr>
+          </p:pic>
+          <p:pic>
+            <p:nvPicPr>
+              <p:cNvPr id="23" name="图片 22">
+                <a:extLst>
+                  <a:ext uri="{FF2B5EF4-FFF2-40B4-BE49-F238E27FC236}">
+                    <a16:creationId xmlns:a16="http://schemas.microsoft.com/office/drawing/2014/main" id="{6520C43B-454D-0989-E260-AD78950771EE}"/>
+                  </a:ext>
+                </a:extLst>
+              </p:cNvPr>
+              <p:cNvPicPr>
+                <a:picLocks noChangeAspect="1"/>
+              </p:cNvPicPr>
+              <p:nvPr/>
+            </p:nvPicPr>
+            <p:blipFill>
+              <a:blip r:embed="rId24">
+                <a:extLst>
+                  <a:ext uri="{28A0092B-C50C-407E-A947-70E740481C1C}">
+                    <a14:useLocalDpi xmlns:a14="http://schemas.microsoft.com/office/drawing/2010/main" val="0"/>
+                  </a:ext>
+                </a:extLst>
+              </a:blip>
+              <a:srcRect/>
+              <a:stretch/>
+            </p:blipFill>
+            <p:spPr>
+              <a:xfrm>
+                <a:off x="5546221" y="4964593"/>
                 <a:ext cx="932400" cy="932400"/>
               </a:xfrm>
               <a:prstGeom prst="rect">
@@ -5012,10 +7003,10 @@
         </p:grpSp>
         <p:grpSp>
           <p:nvGrpSpPr>
-            <p:cNvPr id="322" name="组合 321">
+            <p:cNvPr id="45" name="组合 44">
               <a:extLst>
                 <a:ext uri="{FF2B5EF4-FFF2-40B4-BE49-F238E27FC236}">
-                  <a16:creationId xmlns:a16="http://schemas.microsoft.com/office/drawing/2014/main" id="{C49873CA-82BF-7F23-715C-98300005C336}"/>
+                  <a16:creationId xmlns:a16="http://schemas.microsoft.com/office/drawing/2014/main" id="{69E4C57E-5150-202C-704D-8459A3EB5845}"/>
                 </a:ext>
               </a:extLst>
             </p:cNvPr>
@@ -5024,28 +7015,28 @@
           </p:nvGrpSpPr>
           <p:grpSpPr>
             <a:xfrm>
-              <a:off x="5533929" y="559837"/>
-              <a:ext cx="932400" cy="3741812"/>
-              <a:chOff x="5441564" y="559837"/>
-              <a:chExt cx="932400" cy="3741812"/>
+              <a:off x="2743076" y="308148"/>
+              <a:ext cx="932400" cy="5580555"/>
+              <a:chOff x="2743078" y="316438"/>
+              <a:chExt cx="932400" cy="5580555"/>
             </a:xfrm>
           </p:grpSpPr>
           <p:pic>
             <p:nvPicPr>
-              <p:cNvPr id="16" name="图片 15" descr="彩色的方块&#10;&#10;低可信度描述已自动生成">
-                <a:extLst>
-                  <a:ext uri="{FF2B5EF4-FFF2-40B4-BE49-F238E27FC236}">
-                    <a16:creationId xmlns:a16="http://schemas.microsoft.com/office/drawing/2014/main" id="{E7650ACA-1883-1F32-4AE4-B0301B57616F}"/>
-                  </a:ext>
-                </a:extLst>
-              </p:cNvPr>
-              <p:cNvPicPr>
-                <a:picLocks noChangeAspect="1"/>
-              </p:cNvPicPr>
-              <p:nvPr/>
-            </p:nvPicPr>
-            <p:blipFill>
-              <a:blip r:embed="rId18">
+              <p:cNvPr id="10" name="图片 9" descr="手机屏幕截图&#10;&#10;低可信度描述已自动生成">
+                <a:extLst>
+                  <a:ext uri="{FF2B5EF4-FFF2-40B4-BE49-F238E27FC236}">
+                    <a16:creationId xmlns:a16="http://schemas.microsoft.com/office/drawing/2014/main" id="{3762DBF6-DA6B-C63E-B22E-9E577E84E897}"/>
+                  </a:ext>
+                </a:extLst>
+              </p:cNvPr>
+              <p:cNvPicPr>
+                <a:picLocks noChangeAspect="1"/>
+              </p:cNvPicPr>
+              <p:nvPr/>
+            </p:nvPicPr>
+            <p:blipFill>
+              <a:blip r:embed="rId25">
                 <a:extLst>
                   <a:ext uri="{28A0092B-C50C-407E-A947-70E740481C1C}">
                     <a14:useLocalDpi xmlns:a14="http://schemas.microsoft.com/office/drawing/2010/main" val="0"/>
@@ -5058,30 +7049,30 @@
             </p:blipFill>
             <p:spPr>
               <a:xfrm>
-                <a:off x="5441564" y="559837"/>
-                <a:ext cx="932400" cy="932400"/>
-              </a:xfrm>
-              <a:prstGeom prst="rect">
-                <a:avLst/>
-              </a:prstGeom>
-            </p:spPr>
-          </p:pic>
-          <p:pic>
-            <p:nvPicPr>
-              <p:cNvPr id="375" name="图片 374" descr="徽标&#10;&#10;中度可信度描述已自动生成">
-                <a:extLst>
-                  <a:ext uri="{FF2B5EF4-FFF2-40B4-BE49-F238E27FC236}">
-                    <a16:creationId xmlns:a16="http://schemas.microsoft.com/office/drawing/2014/main" id="{37338AC4-408E-BA76-8E90-3EBAB272A4AF}"/>
-                  </a:ext>
-                </a:extLst>
-              </p:cNvPr>
-              <p:cNvPicPr>
-                <a:picLocks noChangeAspect="1"/>
-              </p:cNvPicPr>
-              <p:nvPr/>
-            </p:nvPicPr>
-            <p:blipFill>
-              <a:blip r:embed="rId19">
+                <a:off x="2743078" y="1246069"/>
+                <a:ext cx="932400" cy="932400"/>
+              </a:xfrm>
+              <a:prstGeom prst="rect">
+                <a:avLst/>
+              </a:prstGeom>
+            </p:spPr>
+          </p:pic>
+          <p:pic>
+            <p:nvPicPr>
+              <p:cNvPr id="349" name="图片 348" descr="模糊的图片&#10;&#10;描述已自动生成">
+                <a:extLst>
+                  <a:ext uri="{FF2B5EF4-FFF2-40B4-BE49-F238E27FC236}">
+                    <a16:creationId xmlns:a16="http://schemas.microsoft.com/office/drawing/2014/main" id="{A579FFD6-EF53-9F17-BC89-5712B8781BF3}"/>
+                  </a:ext>
+                </a:extLst>
+              </p:cNvPr>
+              <p:cNvPicPr>
+                <a:picLocks noChangeAspect="1"/>
+              </p:cNvPicPr>
+              <p:nvPr/>
+            </p:nvPicPr>
+            <p:blipFill>
+              <a:blip r:embed="rId26">
                 <a:extLst>
                   <a:ext uri="{28A0092B-C50C-407E-A947-70E740481C1C}">
                     <a14:useLocalDpi xmlns:a14="http://schemas.microsoft.com/office/drawing/2010/main" val="0"/>
@@ -5094,79 +7085,147 @@
             </p:blipFill>
             <p:spPr>
               <a:xfrm>
-                <a:off x="5441564" y="1496308"/>
-                <a:ext cx="932400" cy="932400"/>
-              </a:xfrm>
-              <a:prstGeom prst="rect">
-                <a:avLst/>
-              </a:prstGeom>
-            </p:spPr>
-          </p:pic>
-          <p:pic>
-            <p:nvPicPr>
-              <p:cNvPr id="415" name="图片 414" descr="模糊的照片&#10;&#10;描述已自动生成">
-                <a:extLst>
-                  <a:ext uri="{FF2B5EF4-FFF2-40B4-BE49-F238E27FC236}">
-                    <a16:creationId xmlns:a16="http://schemas.microsoft.com/office/drawing/2014/main" id="{37546D9F-20FA-9457-7AD9-6E078183CD55}"/>
-                  </a:ext>
-                </a:extLst>
-              </p:cNvPr>
-              <p:cNvPicPr>
-                <a:picLocks noChangeAspect="1"/>
-              </p:cNvPicPr>
-              <p:nvPr/>
-            </p:nvPicPr>
-            <p:blipFill>
-              <a:blip r:embed="rId20">
-                <a:extLst>
-                  <a:ext uri="{28A0092B-C50C-407E-A947-70E740481C1C}">
-                    <a14:useLocalDpi xmlns:a14="http://schemas.microsoft.com/office/drawing/2010/main" val="0"/>
-                  </a:ext>
-                </a:extLst>
-              </a:blip>
-              <a:stretch>
-                <a:fillRect/>
-              </a:stretch>
-            </p:blipFill>
-            <p:spPr>
-              <a:xfrm>
-                <a:off x="5441564" y="3369249"/>
-                <a:ext cx="932400" cy="932400"/>
-              </a:xfrm>
-              <a:prstGeom prst="rect">
-                <a:avLst/>
-              </a:prstGeom>
-            </p:spPr>
-          </p:pic>
-          <p:pic>
-            <p:nvPicPr>
-              <p:cNvPr id="38" name="图片 37" descr="图片包含 华美, 手, 彩色, 小&#10;&#10;描述已自动生成">
-                <a:extLst>
-                  <a:ext uri="{FF2B5EF4-FFF2-40B4-BE49-F238E27FC236}">
-                    <a16:creationId xmlns:a16="http://schemas.microsoft.com/office/drawing/2014/main" id="{7BD64D77-8434-4323-D006-36D0974F4FA4}"/>
-                  </a:ext>
-                </a:extLst>
-              </p:cNvPr>
-              <p:cNvPicPr>
-                <a:picLocks noChangeAspect="1"/>
-              </p:cNvPicPr>
-              <p:nvPr/>
-            </p:nvPicPr>
-            <p:blipFill>
-              <a:blip r:embed="rId21">
-                <a:extLst>
-                  <a:ext uri="{28A0092B-C50C-407E-A947-70E740481C1C}">
-                    <a14:useLocalDpi xmlns:a14="http://schemas.microsoft.com/office/drawing/2010/main" val="0"/>
-                  </a:ext>
-                </a:extLst>
-              </a:blip>
-              <a:stretch>
-                <a:fillRect/>
-              </a:stretch>
-            </p:blipFill>
-            <p:spPr>
-              <a:xfrm>
-                <a:off x="5441564" y="2432779"/>
+                <a:off x="2743078" y="316438"/>
+                <a:ext cx="932400" cy="932400"/>
+              </a:xfrm>
+              <a:prstGeom prst="rect">
+                <a:avLst/>
+              </a:prstGeom>
+            </p:spPr>
+          </p:pic>
+          <p:pic>
+            <p:nvPicPr>
+              <p:cNvPr id="391" name="图片 390">
+                <a:extLst>
+                  <a:ext uri="{FF2B5EF4-FFF2-40B4-BE49-F238E27FC236}">
+                    <a16:creationId xmlns:a16="http://schemas.microsoft.com/office/drawing/2014/main" id="{C2B8A575-5EFA-6C10-C9F8-06B0713E6B6F}"/>
+                  </a:ext>
+                </a:extLst>
+              </p:cNvPr>
+              <p:cNvPicPr>
+                <a:picLocks noChangeAspect="1"/>
+              </p:cNvPicPr>
+              <p:nvPr/>
+            </p:nvPicPr>
+            <p:blipFill>
+              <a:blip r:embed="rId27">
+                <a:extLst>
+                  <a:ext uri="{28A0092B-C50C-407E-A947-70E740481C1C}">
+                    <a14:useLocalDpi xmlns:a14="http://schemas.microsoft.com/office/drawing/2010/main" val="0"/>
+                  </a:ext>
+                </a:extLst>
+              </a:blip>
+              <a:srcRect/>
+              <a:stretch/>
+            </p:blipFill>
+            <p:spPr>
+              <a:xfrm>
+                <a:off x="2743078" y="3105331"/>
+                <a:ext cx="932400" cy="932400"/>
+              </a:xfrm>
+              <a:prstGeom prst="rect">
+                <a:avLst/>
+              </a:prstGeom>
+            </p:spPr>
+          </p:pic>
+          <p:pic>
+            <p:nvPicPr>
+              <p:cNvPr id="42" name="图片 41">
+                <a:extLst>
+                  <a:ext uri="{FF2B5EF4-FFF2-40B4-BE49-F238E27FC236}">
+                    <a16:creationId xmlns:a16="http://schemas.microsoft.com/office/drawing/2014/main" id="{7C04073B-7DA3-96FD-6503-0947E8D15F8F}"/>
+                  </a:ext>
+                </a:extLst>
+              </p:cNvPr>
+              <p:cNvPicPr>
+                <a:picLocks noChangeAspect="1"/>
+              </p:cNvPicPr>
+              <p:nvPr/>
+            </p:nvPicPr>
+            <p:blipFill>
+              <a:blip r:embed="rId28">
+                <a:extLst>
+                  <a:ext uri="{28A0092B-C50C-407E-A947-70E740481C1C}">
+                    <a14:useLocalDpi xmlns:a14="http://schemas.microsoft.com/office/drawing/2010/main" val="0"/>
+                  </a:ext>
+                </a:extLst>
+              </a:blip>
+              <a:srcRect/>
+              <a:stretch/>
+            </p:blipFill>
+            <p:spPr>
+              <a:xfrm>
+                <a:off x="2743078" y="4034962"/>
+                <a:ext cx="932400" cy="932400"/>
+              </a:xfrm>
+              <a:prstGeom prst="rect">
+                <a:avLst/>
+              </a:prstGeom>
+            </p:spPr>
+          </p:pic>
+          <p:pic>
+            <p:nvPicPr>
+              <p:cNvPr id="8" name="图片 7">
+                <a:extLst>
+                  <a:ext uri="{FF2B5EF4-FFF2-40B4-BE49-F238E27FC236}">
+                    <a16:creationId xmlns:a16="http://schemas.microsoft.com/office/drawing/2014/main" id="{6821F4E4-941C-F03B-B2D5-7EFE307615C3}"/>
+                  </a:ext>
+                </a:extLst>
+              </p:cNvPr>
+              <p:cNvPicPr>
+                <a:picLocks noChangeAspect="1"/>
+              </p:cNvPicPr>
+              <p:nvPr/>
+            </p:nvPicPr>
+            <p:blipFill>
+              <a:blip r:embed="rId29">
+                <a:extLst>
+                  <a:ext uri="{28A0092B-C50C-407E-A947-70E740481C1C}">
+                    <a14:useLocalDpi xmlns:a14="http://schemas.microsoft.com/office/drawing/2010/main" val="0"/>
+                  </a:ext>
+                </a:extLst>
+              </a:blip>
+              <a:srcRect/>
+              <a:stretch/>
+            </p:blipFill>
+            <p:spPr>
+              <a:xfrm>
+                <a:off x="2743078" y="2175700"/>
+                <a:ext cx="932400" cy="932400"/>
+              </a:xfrm>
+              <a:prstGeom prst="rect">
+                <a:avLst/>
+              </a:prstGeom>
+            </p:spPr>
+          </p:pic>
+          <p:pic>
+            <p:nvPicPr>
+              <p:cNvPr id="25" name="图片 24">
+                <a:extLst>
+                  <a:ext uri="{FF2B5EF4-FFF2-40B4-BE49-F238E27FC236}">
+                    <a16:creationId xmlns:a16="http://schemas.microsoft.com/office/drawing/2014/main" id="{FCF02066-EA2D-F176-76AC-C69559007002}"/>
+                  </a:ext>
+                </a:extLst>
+              </p:cNvPr>
+              <p:cNvPicPr>
+                <a:picLocks noChangeAspect="1"/>
+              </p:cNvPicPr>
+              <p:nvPr/>
+            </p:nvPicPr>
+            <p:blipFill>
+              <a:blip r:embed="rId30">
+                <a:extLst>
+                  <a:ext uri="{28A0092B-C50C-407E-A947-70E740481C1C}">
+                    <a14:useLocalDpi xmlns:a14="http://schemas.microsoft.com/office/drawing/2010/main" val="0"/>
+                  </a:ext>
+                </a:extLst>
+              </a:blip>
+              <a:srcRect/>
+              <a:stretch/>
+            </p:blipFill>
+            <p:spPr>
+              <a:xfrm>
+                <a:off x="2743078" y="4964593"/>
                 <a:ext cx="932400" cy="932400"/>
               </a:xfrm>
               <a:prstGeom prst="rect">
@@ -5177,10 +7236,10 @@
         </p:grpSp>
         <p:grpSp>
           <p:nvGrpSpPr>
-            <p:cNvPr id="63" name="组合 62">
+            <p:cNvPr id="55" name="组合 54">
               <a:extLst>
                 <a:ext uri="{FF2B5EF4-FFF2-40B4-BE49-F238E27FC236}">
-                  <a16:creationId xmlns:a16="http://schemas.microsoft.com/office/drawing/2014/main" id="{C586F3F9-26BE-A9B4-C19F-8C7DC1E03519}"/>
+                  <a16:creationId xmlns:a16="http://schemas.microsoft.com/office/drawing/2014/main" id="{83FB88F4-81D4-DCDE-6E77-3FE520A0383A}"/>
                 </a:ext>
               </a:extLst>
             </p:cNvPr>
@@ -5189,28 +7248,28 @@
           </p:nvGrpSpPr>
           <p:grpSpPr>
             <a:xfrm>
-              <a:off x="2730786" y="559837"/>
-              <a:ext cx="932400" cy="3741812"/>
-              <a:chOff x="2569148" y="559837"/>
-              <a:chExt cx="932400" cy="3741812"/>
+              <a:off x="8349362" y="308148"/>
+              <a:ext cx="932400" cy="5580555"/>
+              <a:chOff x="8349364" y="316438"/>
+              <a:chExt cx="932400" cy="5580555"/>
             </a:xfrm>
           </p:grpSpPr>
           <p:pic>
             <p:nvPicPr>
-              <p:cNvPr id="10" name="图片 9" descr="手机屏幕截图&#10;&#10;低可信度描述已自动生成">
-                <a:extLst>
-                  <a:ext uri="{FF2B5EF4-FFF2-40B4-BE49-F238E27FC236}">
-                    <a16:creationId xmlns:a16="http://schemas.microsoft.com/office/drawing/2014/main" id="{3762DBF6-DA6B-C63E-B22E-9E577E84E897}"/>
-                  </a:ext>
-                </a:extLst>
-              </p:cNvPr>
-              <p:cNvPicPr>
-                <a:picLocks noChangeAspect="1"/>
-              </p:cNvPicPr>
-              <p:nvPr/>
-            </p:nvPicPr>
-            <p:blipFill>
-              <a:blip r:embed="rId22">
+              <p:cNvPr id="22" name="图片 21">
+                <a:extLst>
+                  <a:ext uri="{FF2B5EF4-FFF2-40B4-BE49-F238E27FC236}">
+                    <a16:creationId xmlns:a16="http://schemas.microsoft.com/office/drawing/2014/main" id="{02E684D9-5692-D5EE-CAD6-DFAD68E2D76A}"/>
+                  </a:ext>
+                </a:extLst>
+              </p:cNvPr>
+              <p:cNvPicPr>
+                <a:picLocks noChangeAspect="1"/>
+              </p:cNvPicPr>
+              <p:nvPr/>
+            </p:nvPicPr>
+            <p:blipFill>
+              <a:blip r:embed="rId31">
                 <a:extLst>
                   <a:ext uri="{28A0092B-C50C-407E-A947-70E740481C1C}">
                     <a14:useLocalDpi xmlns:a14="http://schemas.microsoft.com/office/drawing/2010/main" val="0"/>
@@ -5223,30 +7282,30 @@
             </p:blipFill>
             <p:spPr>
               <a:xfrm>
-                <a:off x="2569148" y="559837"/>
-                <a:ext cx="932400" cy="932400"/>
-              </a:xfrm>
-              <a:prstGeom prst="rect">
-                <a:avLst/>
-              </a:prstGeom>
-            </p:spPr>
-          </p:pic>
-          <p:pic>
-            <p:nvPicPr>
-              <p:cNvPr id="349" name="图片 348" descr="模糊的图片&#10;&#10;描述已自动生成">
-                <a:extLst>
-                  <a:ext uri="{FF2B5EF4-FFF2-40B4-BE49-F238E27FC236}">
-                    <a16:creationId xmlns:a16="http://schemas.microsoft.com/office/drawing/2014/main" id="{A579FFD6-EF53-9F17-BC89-5712B8781BF3}"/>
-                  </a:ext>
-                </a:extLst>
-              </p:cNvPr>
-              <p:cNvPicPr>
-                <a:picLocks noChangeAspect="1"/>
-              </p:cNvPicPr>
-              <p:nvPr/>
-            </p:nvPicPr>
-            <p:blipFill>
-              <a:blip r:embed="rId23">
+                <a:off x="8349364" y="1246069"/>
+                <a:ext cx="932400" cy="932400"/>
+              </a:xfrm>
+              <a:prstGeom prst="rect">
+                <a:avLst/>
+              </a:prstGeom>
+            </p:spPr>
+          </p:pic>
+          <p:pic>
+            <p:nvPicPr>
+              <p:cNvPr id="405" name="图片 404" descr="图片包含 表面图&#10;&#10;描述已自动生成">
+                <a:extLst>
+                  <a:ext uri="{FF2B5EF4-FFF2-40B4-BE49-F238E27FC236}">
+                    <a16:creationId xmlns:a16="http://schemas.microsoft.com/office/drawing/2014/main" id="{CC390FB8-4F3F-7A98-9C36-2E5AEE456B53}"/>
+                  </a:ext>
+                </a:extLst>
+              </p:cNvPr>
+              <p:cNvPicPr>
+                <a:picLocks noChangeAspect="1"/>
+              </p:cNvPicPr>
+              <p:nvPr/>
+            </p:nvPicPr>
+            <p:blipFill>
+              <a:blip r:embed="rId32">
                 <a:extLst>
                   <a:ext uri="{28A0092B-C50C-407E-A947-70E740481C1C}">
                     <a14:useLocalDpi xmlns:a14="http://schemas.microsoft.com/office/drawing/2010/main" val="0"/>
@@ -5259,30 +7318,30 @@
             </p:blipFill>
             <p:spPr>
               <a:xfrm>
-                <a:off x="2569148" y="1496308"/>
-                <a:ext cx="932400" cy="932400"/>
-              </a:xfrm>
-              <a:prstGeom prst="rect">
-                <a:avLst/>
-              </a:prstGeom>
-            </p:spPr>
-          </p:pic>
-          <p:pic>
-            <p:nvPicPr>
-              <p:cNvPr id="391" name="图片 390">
-                <a:extLst>
-                  <a:ext uri="{FF2B5EF4-FFF2-40B4-BE49-F238E27FC236}">
-                    <a16:creationId xmlns:a16="http://schemas.microsoft.com/office/drawing/2014/main" id="{C2B8A575-5EFA-6C10-C9F8-06B0713E6B6F}"/>
-                  </a:ext>
-                </a:extLst>
-              </p:cNvPr>
-              <p:cNvPicPr>
-                <a:picLocks noChangeAspect="1"/>
-              </p:cNvPicPr>
-              <p:nvPr/>
-            </p:nvPicPr>
-            <p:blipFill>
-              <a:blip r:embed="rId24">
+                <a:off x="8349364" y="316438"/>
+                <a:ext cx="932400" cy="932400"/>
+              </a:xfrm>
+              <a:prstGeom prst="rect">
+                <a:avLst/>
+              </a:prstGeom>
+            </p:spPr>
+          </p:pic>
+          <p:pic>
+            <p:nvPicPr>
+              <p:cNvPr id="377" name="图片 376">
+                <a:extLst>
+                  <a:ext uri="{FF2B5EF4-FFF2-40B4-BE49-F238E27FC236}">
+                    <a16:creationId xmlns:a16="http://schemas.microsoft.com/office/drawing/2014/main" id="{E8CAF9B9-6D99-321B-AD21-31E0DA15F63B}"/>
+                  </a:ext>
+                </a:extLst>
+              </p:cNvPr>
+              <p:cNvPicPr>
+                <a:picLocks noChangeAspect="1"/>
+              </p:cNvPicPr>
+              <p:nvPr/>
+            </p:nvPicPr>
+            <p:blipFill>
+              <a:blip r:embed="rId33">
                 <a:extLst>
                   <a:ext uri="{28A0092B-C50C-407E-A947-70E740481C1C}">
                     <a14:useLocalDpi xmlns:a14="http://schemas.microsoft.com/office/drawing/2010/main" val="0"/>
@@ -5295,30 +7354,30 @@
             </p:blipFill>
             <p:spPr>
               <a:xfrm>
-                <a:off x="2569148" y="3369249"/>
-                <a:ext cx="932400" cy="932400"/>
-              </a:xfrm>
-              <a:prstGeom prst="rect">
-                <a:avLst/>
-              </a:prstGeom>
-            </p:spPr>
-          </p:pic>
-          <p:pic>
-            <p:nvPicPr>
-              <p:cNvPr id="42" name="图片 41" descr="彩色的墙&#10;&#10;低可信度描述已自动生成">
-                <a:extLst>
-                  <a:ext uri="{FF2B5EF4-FFF2-40B4-BE49-F238E27FC236}">
-                    <a16:creationId xmlns:a16="http://schemas.microsoft.com/office/drawing/2014/main" id="{7C04073B-7DA3-96FD-6503-0947E8D15F8F}"/>
-                  </a:ext>
-                </a:extLst>
-              </p:cNvPr>
-              <p:cNvPicPr>
-                <a:picLocks noChangeAspect="1"/>
-              </p:cNvPicPr>
-              <p:nvPr/>
-            </p:nvPicPr>
-            <p:blipFill>
-              <a:blip r:embed="rId25">
+                <a:off x="8349364" y="3105331"/>
+                <a:ext cx="932400" cy="932400"/>
+              </a:xfrm>
+              <a:prstGeom prst="rect">
+                <a:avLst/>
+              </a:prstGeom>
+            </p:spPr>
+          </p:pic>
+          <p:pic>
+            <p:nvPicPr>
+              <p:cNvPr id="44" name="图片 43" descr="彩色的墙&#10;&#10;低可信度描述已自动生成">
+                <a:extLst>
+                  <a:ext uri="{FF2B5EF4-FFF2-40B4-BE49-F238E27FC236}">
+                    <a16:creationId xmlns:a16="http://schemas.microsoft.com/office/drawing/2014/main" id="{C22C3AFE-D206-D539-E13D-ECB1690661F7}"/>
+                  </a:ext>
+                </a:extLst>
+              </p:cNvPr>
+              <p:cNvPicPr>
+                <a:picLocks noChangeAspect="1"/>
+              </p:cNvPicPr>
+              <p:nvPr/>
+            </p:nvPicPr>
+            <p:blipFill>
+              <a:blip r:embed="rId34">
                 <a:extLst>
                   <a:ext uri="{28A0092B-C50C-407E-A947-70E740481C1C}">
                     <a14:useLocalDpi xmlns:a14="http://schemas.microsoft.com/office/drawing/2010/main" val="0"/>
@@ -5331,7 +7390,77 @@
             </p:blipFill>
             <p:spPr>
               <a:xfrm>
-                <a:off x="2569148" y="2432779"/>
+                <a:off x="8349364" y="4034962"/>
+                <a:ext cx="932400" cy="932400"/>
+              </a:xfrm>
+              <a:prstGeom prst="rect">
+                <a:avLst/>
+              </a:prstGeom>
+            </p:spPr>
+          </p:pic>
+          <p:pic>
+            <p:nvPicPr>
+              <p:cNvPr id="9" name="图片 8">
+                <a:extLst>
+                  <a:ext uri="{FF2B5EF4-FFF2-40B4-BE49-F238E27FC236}">
+                    <a16:creationId xmlns:a16="http://schemas.microsoft.com/office/drawing/2014/main" id="{4B01FD10-9A37-3C7F-1C40-105057512851}"/>
+                  </a:ext>
+                </a:extLst>
+              </p:cNvPr>
+              <p:cNvPicPr>
+                <a:picLocks noChangeAspect="1"/>
+              </p:cNvPicPr>
+              <p:nvPr/>
+            </p:nvPicPr>
+            <p:blipFill>
+              <a:blip r:embed="rId35">
+                <a:extLst>
+                  <a:ext uri="{28A0092B-C50C-407E-A947-70E740481C1C}">
+                    <a14:useLocalDpi xmlns:a14="http://schemas.microsoft.com/office/drawing/2010/main" val="0"/>
+                  </a:ext>
+                </a:extLst>
+              </a:blip>
+              <a:srcRect/>
+              <a:stretch/>
+            </p:blipFill>
+            <p:spPr>
+              <a:xfrm>
+                <a:off x="8349364" y="2175700"/>
+                <a:ext cx="932400" cy="932400"/>
+              </a:xfrm>
+              <a:prstGeom prst="rect">
+                <a:avLst/>
+              </a:prstGeom>
+            </p:spPr>
+          </p:pic>
+          <p:pic>
+            <p:nvPicPr>
+              <p:cNvPr id="27" name="图片 26">
+                <a:extLst>
+                  <a:ext uri="{FF2B5EF4-FFF2-40B4-BE49-F238E27FC236}">
+                    <a16:creationId xmlns:a16="http://schemas.microsoft.com/office/drawing/2014/main" id="{036C86CD-F97D-5B0C-F953-3BCC9596EB66}"/>
+                  </a:ext>
+                </a:extLst>
+              </p:cNvPr>
+              <p:cNvPicPr>
+                <a:picLocks noChangeAspect="1"/>
+              </p:cNvPicPr>
+              <p:nvPr/>
+            </p:nvPicPr>
+            <p:blipFill>
+              <a:blip r:embed="rId36">
+                <a:extLst>
+                  <a:ext uri="{28A0092B-C50C-407E-A947-70E740481C1C}">
+                    <a14:useLocalDpi xmlns:a14="http://schemas.microsoft.com/office/drawing/2010/main" val="0"/>
+                  </a:ext>
+                </a:extLst>
+              </a:blip>
+              <a:srcRect/>
+              <a:stretch/>
+            </p:blipFill>
+            <p:spPr>
+              <a:xfrm>
+                <a:off x="8349364" y="4964593"/>
                 <a:ext cx="932400" cy="932400"/>
               </a:xfrm>
               <a:prstGeom prst="rect">
@@ -5342,10 +7471,10 @@
         </p:grpSp>
         <p:grpSp>
           <p:nvGrpSpPr>
-            <p:cNvPr id="325" name="组合 324">
+            <p:cNvPr id="56" name="组合 55">
               <a:extLst>
                 <a:ext uri="{FF2B5EF4-FFF2-40B4-BE49-F238E27FC236}">
-                  <a16:creationId xmlns:a16="http://schemas.microsoft.com/office/drawing/2014/main" id="{3F6B10E2-99F0-541D-9FDA-3FDA61B01C5C}"/>
+                  <a16:creationId xmlns:a16="http://schemas.microsoft.com/office/drawing/2014/main" id="{5892B209-55BD-F9D9-18FD-D713AC2C6DAE}"/>
                 </a:ext>
               </a:extLst>
             </p:cNvPr>
@@ -5354,28 +7483,28 @@
           </p:nvGrpSpPr>
           <p:grpSpPr>
             <a:xfrm>
-              <a:off x="8337072" y="559837"/>
-              <a:ext cx="932400" cy="3741812"/>
-              <a:chOff x="8313980" y="559837"/>
-              <a:chExt cx="932400" cy="3741812"/>
+              <a:off x="9283747" y="308148"/>
+              <a:ext cx="932400" cy="5580555"/>
+              <a:chOff x="9283747" y="316438"/>
+              <a:chExt cx="932400" cy="5580555"/>
             </a:xfrm>
           </p:grpSpPr>
           <p:pic>
             <p:nvPicPr>
-              <p:cNvPr id="22" name="图片 21">
-                <a:extLst>
-                  <a:ext uri="{FF2B5EF4-FFF2-40B4-BE49-F238E27FC236}">
-                    <a16:creationId xmlns:a16="http://schemas.microsoft.com/office/drawing/2014/main" id="{02E684D9-5692-D5EE-CAD6-DFAD68E2D76A}"/>
-                  </a:ext>
-                </a:extLst>
-              </p:cNvPr>
-              <p:cNvPicPr>
-                <a:picLocks noChangeAspect="1"/>
-              </p:cNvPicPr>
-              <p:nvPr/>
-            </p:nvPicPr>
-            <p:blipFill>
-              <a:blip r:embed="rId26">
+              <p:cNvPr id="26" name="图片 25" descr="手捂着脸&#10;&#10;低可信度描述已自动生成">
+                <a:extLst>
+                  <a:ext uri="{FF2B5EF4-FFF2-40B4-BE49-F238E27FC236}">
+                    <a16:creationId xmlns:a16="http://schemas.microsoft.com/office/drawing/2014/main" id="{E19E3D1C-AA2E-55AF-79B8-1F07EC2A2945}"/>
+                  </a:ext>
+                </a:extLst>
+              </p:cNvPr>
+              <p:cNvPicPr>
+                <a:picLocks noChangeAspect="1"/>
+              </p:cNvPicPr>
+              <p:nvPr/>
+            </p:nvPicPr>
+            <p:blipFill>
+              <a:blip r:embed="rId37">
                 <a:extLst>
                   <a:ext uri="{28A0092B-C50C-407E-A947-70E740481C1C}">
                     <a14:useLocalDpi xmlns:a14="http://schemas.microsoft.com/office/drawing/2010/main" val="0"/>
@@ -5388,30 +7517,30 @@
             </p:blipFill>
             <p:spPr>
               <a:xfrm>
-                <a:off x="8313980" y="559837"/>
-                <a:ext cx="932400" cy="932400"/>
-              </a:xfrm>
-              <a:prstGeom prst="rect">
-                <a:avLst/>
-              </a:prstGeom>
-            </p:spPr>
-          </p:pic>
-          <p:pic>
-            <p:nvPicPr>
-              <p:cNvPr id="405" name="图片 404" descr="图片包含 表面图&#10;&#10;描述已自动生成">
-                <a:extLst>
-                  <a:ext uri="{FF2B5EF4-FFF2-40B4-BE49-F238E27FC236}">
-                    <a16:creationId xmlns:a16="http://schemas.microsoft.com/office/drawing/2014/main" id="{CC390FB8-4F3F-7A98-9C36-2E5AEE456B53}"/>
-                  </a:ext>
-                </a:extLst>
-              </p:cNvPr>
-              <p:cNvPicPr>
-                <a:picLocks noChangeAspect="1"/>
-              </p:cNvPicPr>
-              <p:nvPr/>
-            </p:nvPicPr>
-            <p:blipFill>
-              <a:blip r:embed="rId27">
+                <a:off x="9283747" y="1246069"/>
+                <a:ext cx="932400" cy="932400"/>
+              </a:xfrm>
+              <a:prstGeom prst="rect">
+                <a:avLst/>
+              </a:prstGeom>
+            </p:spPr>
+          </p:pic>
+          <p:pic>
+            <p:nvPicPr>
+              <p:cNvPr id="431" name="图片 430" descr="模糊的图片&#10;&#10;描述已自动生成">
+                <a:extLst>
+                  <a:ext uri="{FF2B5EF4-FFF2-40B4-BE49-F238E27FC236}">
+                    <a16:creationId xmlns:a16="http://schemas.microsoft.com/office/drawing/2014/main" id="{7308DB3C-69CF-8B08-A95A-55D323CC7095}"/>
+                  </a:ext>
+                </a:extLst>
+              </p:cNvPr>
+              <p:cNvPicPr>
+                <a:picLocks noChangeAspect="1"/>
+              </p:cNvPicPr>
+              <p:nvPr/>
+            </p:nvPicPr>
+            <p:blipFill>
+              <a:blip r:embed="rId38">
                 <a:extLst>
                   <a:ext uri="{28A0092B-C50C-407E-A947-70E740481C1C}">
                     <a14:useLocalDpi xmlns:a14="http://schemas.microsoft.com/office/drawing/2010/main" val="0"/>
@@ -5424,30 +7553,30 @@
             </p:blipFill>
             <p:spPr>
               <a:xfrm>
-                <a:off x="8313980" y="1496308"/>
-                <a:ext cx="932400" cy="932400"/>
-              </a:xfrm>
-              <a:prstGeom prst="rect">
-                <a:avLst/>
-              </a:prstGeom>
-            </p:spPr>
-          </p:pic>
-          <p:pic>
-            <p:nvPicPr>
-              <p:cNvPr id="377" name="图片 376">
-                <a:extLst>
-                  <a:ext uri="{FF2B5EF4-FFF2-40B4-BE49-F238E27FC236}">
-                    <a16:creationId xmlns:a16="http://schemas.microsoft.com/office/drawing/2014/main" id="{E8CAF9B9-6D99-321B-AD21-31E0DA15F63B}"/>
-                  </a:ext>
-                </a:extLst>
-              </p:cNvPr>
-              <p:cNvPicPr>
-                <a:picLocks noChangeAspect="1"/>
-              </p:cNvPicPr>
-              <p:nvPr/>
-            </p:nvPicPr>
-            <p:blipFill>
-              <a:blip r:embed="rId28">
+                <a:off x="9283747" y="316438"/>
+                <a:ext cx="932400" cy="932400"/>
+              </a:xfrm>
+              <a:prstGeom prst="rect">
+                <a:avLst/>
+              </a:prstGeom>
+            </p:spPr>
+          </p:pic>
+          <p:pic>
+            <p:nvPicPr>
+              <p:cNvPr id="387" name="图片 386">
+                <a:extLst>
+                  <a:ext uri="{FF2B5EF4-FFF2-40B4-BE49-F238E27FC236}">
+                    <a16:creationId xmlns:a16="http://schemas.microsoft.com/office/drawing/2014/main" id="{A5C8B8E8-5237-21CE-83A9-686BDB76C600}"/>
+                  </a:ext>
+                </a:extLst>
+              </p:cNvPr>
+              <p:cNvPicPr>
+                <a:picLocks noChangeAspect="1"/>
+              </p:cNvPicPr>
+              <p:nvPr/>
+            </p:nvPicPr>
+            <p:blipFill>
+              <a:blip r:embed="rId39">
                 <a:extLst>
                   <a:ext uri="{28A0092B-C50C-407E-A947-70E740481C1C}">
                     <a14:useLocalDpi xmlns:a14="http://schemas.microsoft.com/office/drawing/2010/main" val="0"/>
@@ -5460,30 +7589,30 @@
             </p:blipFill>
             <p:spPr>
               <a:xfrm>
-                <a:off x="8313980" y="3369249"/>
-                <a:ext cx="932400" cy="932400"/>
-              </a:xfrm>
-              <a:prstGeom prst="rect">
-                <a:avLst/>
-              </a:prstGeom>
-            </p:spPr>
-          </p:pic>
-          <p:pic>
-            <p:nvPicPr>
-              <p:cNvPr id="44" name="图片 43" descr="彩色的墙&#10;&#10;低可信度描述已自动生成">
-                <a:extLst>
-                  <a:ext uri="{FF2B5EF4-FFF2-40B4-BE49-F238E27FC236}">
-                    <a16:creationId xmlns:a16="http://schemas.microsoft.com/office/drawing/2014/main" id="{C22C3AFE-D206-D539-E13D-ECB1690661F7}"/>
-                  </a:ext>
-                </a:extLst>
-              </p:cNvPr>
-              <p:cNvPicPr>
-                <a:picLocks noChangeAspect="1"/>
-              </p:cNvPicPr>
-              <p:nvPr/>
-            </p:nvPicPr>
-            <p:blipFill>
-              <a:blip r:embed="rId29">
+                <a:off x="9283747" y="3105331"/>
+                <a:ext cx="932400" cy="932400"/>
+              </a:xfrm>
+              <a:prstGeom prst="rect">
+                <a:avLst/>
+              </a:prstGeom>
+            </p:spPr>
+          </p:pic>
+          <p:pic>
+            <p:nvPicPr>
+              <p:cNvPr id="50" name="图片 49" descr="图片包含 华美, 手, 彩色, 小&#10;&#10;描述已自动生成">
+                <a:extLst>
+                  <a:ext uri="{FF2B5EF4-FFF2-40B4-BE49-F238E27FC236}">
+                    <a16:creationId xmlns:a16="http://schemas.microsoft.com/office/drawing/2014/main" id="{B0994111-4E1B-1E6E-F829-FEC0D1109243}"/>
+                  </a:ext>
+                </a:extLst>
+              </p:cNvPr>
+              <p:cNvPicPr>
+                <a:picLocks noChangeAspect="1"/>
+              </p:cNvPicPr>
+              <p:nvPr/>
+            </p:nvPicPr>
+            <p:blipFill>
+              <a:blip r:embed="rId40">
                 <a:extLst>
                   <a:ext uri="{28A0092B-C50C-407E-A947-70E740481C1C}">
                     <a14:useLocalDpi xmlns:a14="http://schemas.microsoft.com/office/drawing/2010/main" val="0"/>
@@ -5496,7 +7625,77 @@
             </p:blipFill>
             <p:spPr>
               <a:xfrm>
-                <a:off x="8313980" y="2432779"/>
+                <a:off x="9283747" y="4034962"/>
+                <a:ext cx="932400" cy="932400"/>
+              </a:xfrm>
+              <a:prstGeom prst="rect">
+                <a:avLst/>
+              </a:prstGeom>
+            </p:spPr>
+          </p:pic>
+          <p:pic>
+            <p:nvPicPr>
+              <p:cNvPr id="11" name="图片 10">
+                <a:extLst>
+                  <a:ext uri="{FF2B5EF4-FFF2-40B4-BE49-F238E27FC236}">
+                    <a16:creationId xmlns:a16="http://schemas.microsoft.com/office/drawing/2014/main" id="{694F1C70-9D36-6542-04F3-00C00B7808D8}"/>
+                  </a:ext>
+                </a:extLst>
+              </p:cNvPr>
+              <p:cNvPicPr>
+                <a:picLocks noChangeAspect="1"/>
+              </p:cNvPicPr>
+              <p:nvPr/>
+            </p:nvPicPr>
+            <p:blipFill>
+              <a:blip r:embed="rId41">
+                <a:extLst>
+                  <a:ext uri="{28A0092B-C50C-407E-A947-70E740481C1C}">
+                    <a14:useLocalDpi xmlns:a14="http://schemas.microsoft.com/office/drawing/2010/main" val="0"/>
+                  </a:ext>
+                </a:extLst>
+              </a:blip>
+              <a:srcRect/>
+              <a:stretch/>
+            </p:blipFill>
+            <p:spPr>
+              <a:xfrm>
+                <a:off x="9283747" y="2175700"/>
+                <a:ext cx="932400" cy="932400"/>
+              </a:xfrm>
+              <a:prstGeom prst="rect">
+                <a:avLst/>
+              </a:prstGeom>
+            </p:spPr>
+          </p:pic>
+          <p:pic>
+            <p:nvPicPr>
+              <p:cNvPr id="28" name="图片 27">
+                <a:extLst>
+                  <a:ext uri="{FF2B5EF4-FFF2-40B4-BE49-F238E27FC236}">
+                    <a16:creationId xmlns:a16="http://schemas.microsoft.com/office/drawing/2014/main" id="{C46375C9-4A7D-7683-1405-80560DB41FD9}"/>
+                  </a:ext>
+                </a:extLst>
+              </p:cNvPr>
+              <p:cNvPicPr>
+                <a:picLocks noChangeAspect="1"/>
+              </p:cNvPicPr>
+              <p:nvPr/>
+            </p:nvPicPr>
+            <p:blipFill>
+              <a:blip r:embed="rId42">
+                <a:extLst>
+                  <a:ext uri="{28A0092B-C50C-407E-A947-70E740481C1C}">
+                    <a14:useLocalDpi xmlns:a14="http://schemas.microsoft.com/office/drawing/2010/main" val="0"/>
+                  </a:ext>
+                </a:extLst>
+              </a:blip>
+              <a:srcRect/>
+              <a:stretch/>
+            </p:blipFill>
+            <p:spPr>
+              <a:xfrm>
+                <a:off x="9283747" y="4964593"/>
                 <a:ext cx="932400" cy="932400"/>
               </a:xfrm>
               <a:prstGeom prst="rect">
@@ -5507,10 +7706,10 @@
         </p:grpSp>
         <p:grpSp>
           <p:nvGrpSpPr>
-            <p:cNvPr id="59" name="组合 58">
+            <p:cNvPr id="48" name="组合 47">
               <a:extLst>
                 <a:ext uri="{FF2B5EF4-FFF2-40B4-BE49-F238E27FC236}">
-                  <a16:creationId xmlns:a16="http://schemas.microsoft.com/office/drawing/2014/main" id="{E8302B3E-49E4-6084-F3FE-9A7D7326DFA4}"/>
+                  <a16:creationId xmlns:a16="http://schemas.microsoft.com/office/drawing/2014/main" id="{EBEF9B60-71E3-B2CE-4C43-C6889F3FFA5A}"/>
                 </a:ext>
               </a:extLst>
             </p:cNvPr>
@@ -5519,28 +7718,28 @@
           </p:nvGrpSpPr>
           <p:grpSpPr>
             <a:xfrm>
-              <a:off x="9271455" y="559837"/>
-              <a:ext cx="932400" cy="3741812"/>
-              <a:chOff x="9271455" y="559837"/>
-              <a:chExt cx="932400" cy="3741812"/>
+              <a:off x="4611838" y="308148"/>
+              <a:ext cx="932400" cy="5580555"/>
+              <a:chOff x="4611840" y="316438"/>
+              <a:chExt cx="932400" cy="5580555"/>
             </a:xfrm>
           </p:grpSpPr>
           <p:pic>
             <p:nvPicPr>
-              <p:cNvPr id="26" name="图片 25" descr="手捂着脸&#10;&#10;低可信度描述已自动生成">
-                <a:extLst>
-                  <a:ext uri="{FF2B5EF4-FFF2-40B4-BE49-F238E27FC236}">
-                    <a16:creationId xmlns:a16="http://schemas.microsoft.com/office/drawing/2014/main" id="{E19E3D1C-AA2E-55AF-79B8-1F07EC2A2945}"/>
-                  </a:ext>
-                </a:extLst>
-              </p:cNvPr>
-              <p:cNvPicPr>
-                <a:picLocks noChangeAspect="1"/>
-              </p:cNvPicPr>
-              <p:nvPr/>
-            </p:nvPicPr>
-            <p:blipFill>
-              <a:blip r:embed="rId30">
+              <p:cNvPr id="14" name="图片 13" descr="图片包含 手, 游戏机, 画, 华美&#10;&#10;描述已自动生成">
+                <a:extLst>
+                  <a:ext uri="{FF2B5EF4-FFF2-40B4-BE49-F238E27FC236}">
+                    <a16:creationId xmlns:a16="http://schemas.microsoft.com/office/drawing/2014/main" id="{5C9A13AC-C3CC-ACC5-9BF4-0570F2DB6284}"/>
+                  </a:ext>
+                </a:extLst>
+              </p:cNvPr>
+              <p:cNvPicPr>
+                <a:picLocks noChangeAspect="1"/>
+              </p:cNvPicPr>
+              <p:nvPr/>
+            </p:nvPicPr>
+            <p:blipFill>
+              <a:blip r:embed="rId43">
                 <a:extLst>
                   <a:ext uri="{28A0092B-C50C-407E-A947-70E740481C1C}">
                     <a14:useLocalDpi xmlns:a14="http://schemas.microsoft.com/office/drawing/2010/main" val="0"/>
@@ -5553,30 +7752,30 @@
             </p:blipFill>
             <p:spPr>
               <a:xfrm>
-                <a:off x="9271455" y="559837"/>
-                <a:ext cx="932400" cy="932400"/>
-              </a:xfrm>
-              <a:prstGeom prst="rect">
-                <a:avLst/>
-              </a:prstGeom>
-            </p:spPr>
-          </p:pic>
-          <p:pic>
-            <p:nvPicPr>
-              <p:cNvPr id="431" name="图片 430" descr="模糊的图片&#10;&#10;描述已自动生成">
-                <a:extLst>
-                  <a:ext uri="{FF2B5EF4-FFF2-40B4-BE49-F238E27FC236}">
-                    <a16:creationId xmlns:a16="http://schemas.microsoft.com/office/drawing/2014/main" id="{7308DB3C-69CF-8B08-A95A-55D323CC7095}"/>
-                  </a:ext>
-                </a:extLst>
-              </p:cNvPr>
-              <p:cNvPicPr>
-                <a:picLocks noChangeAspect="1"/>
-              </p:cNvPicPr>
-              <p:nvPr/>
-            </p:nvPicPr>
-            <p:blipFill>
-              <a:blip r:embed="rId31">
+                <a:off x="4611840" y="1246069"/>
+                <a:ext cx="932400" cy="932400"/>
+              </a:xfrm>
+              <a:prstGeom prst="rect">
+                <a:avLst/>
+              </a:prstGeom>
+            </p:spPr>
+          </p:pic>
+          <p:pic>
+            <p:nvPicPr>
+              <p:cNvPr id="355" name="图片 354" descr="图片包含 应用程序&#10;&#10;描述已自动生成">
+                <a:extLst>
+                  <a:ext uri="{FF2B5EF4-FFF2-40B4-BE49-F238E27FC236}">
+                    <a16:creationId xmlns:a16="http://schemas.microsoft.com/office/drawing/2014/main" id="{D9D36620-8CA5-02A0-150B-53EE9D18B1B3}"/>
+                  </a:ext>
+                </a:extLst>
+              </p:cNvPr>
+              <p:cNvPicPr>
+                <a:picLocks noChangeAspect="1"/>
+              </p:cNvPicPr>
+              <p:nvPr/>
+            </p:nvPicPr>
+            <p:blipFill>
+              <a:blip r:embed="rId44">
                 <a:extLst>
                   <a:ext uri="{28A0092B-C50C-407E-A947-70E740481C1C}">
                     <a14:useLocalDpi xmlns:a14="http://schemas.microsoft.com/office/drawing/2010/main" val="0"/>
@@ -5589,30 +7788,30 @@
             </p:blipFill>
             <p:spPr>
               <a:xfrm>
-                <a:off x="9271455" y="1496308"/>
-                <a:ext cx="932400" cy="932400"/>
-              </a:xfrm>
-              <a:prstGeom prst="rect">
-                <a:avLst/>
-              </a:prstGeom>
-            </p:spPr>
-          </p:pic>
-          <p:pic>
-            <p:nvPicPr>
-              <p:cNvPr id="387" name="图片 386">
-                <a:extLst>
-                  <a:ext uri="{FF2B5EF4-FFF2-40B4-BE49-F238E27FC236}">
-                    <a16:creationId xmlns:a16="http://schemas.microsoft.com/office/drawing/2014/main" id="{A5C8B8E8-5237-21CE-83A9-686BDB76C600}"/>
-                  </a:ext>
-                </a:extLst>
-              </p:cNvPr>
-              <p:cNvPicPr>
-                <a:picLocks noChangeAspect="1"/>
-              </p:cNvPicPr>
-              <p:nvPr/>
-            </p:nvPicPr>
-            <p:blipFill>
-              <a:blip r:embed="rId32">
+                <a:off x="4611840" y="316438"/>
+                <a:ext cx="932400" cy="932400"/>
+              </a:xfrm>
+              <a:prstGeom prst="rect">
+                <a:avLst/>
+              </a:prstGeom>
+            </p:spPr>
+          </p:pic>
+          <p:pic>
+            <p:nvPicPr>
+              <p:cNvPr id="397" name="图片 396">
+                <a:extLst>
+                  <a:ext uri="{FF2B5EF4-FFF2-40B4-BE49-F238E27FC236}">
+                    <a16:creationId xmlns:a16="http://schemas.microsoft.com/office/drawing/2014/main" id="{B78CFC18-4651-9FCE-6BE1-F64CD5728328}"/>
+                  </a:ext>
+                </a:extLst>
+              </p:cNvPr>
+              <p:cNvPicPr>
+                <a:picLocks noChangeAspect="1"/>
+              </p:cNvPicPr>
+              <p:nvPr/>
+            </p:nvPicPr>
+            <p:blipFill>
+              <a:blip r:embed="rId45">
                 <a:extLst>
                   <a:ext uri="{28A0092B-C50C-407E-A947-70E740481C1C}">
                     <a14:useLocalDpi xmlns:a14="http://schemas.microsoft.com/office/drawing/2010/main" val="0"/>
@@ -5625,30 +7824,30 @@
             </p:blipFill>
             <p:spPr>
               <a:xfrm>
-                <a:off x="9271455" y="3369249"/>
-                <a:ext cx="932400" cy="932400"/>
-              </a:xfrm>
-              <a:prstGeom prst="rect">
-                <a:avLst/>
-              </a:prstGeom>
-            </p:spPr>
-          </p:pic>
-          <p:pic>
-            <p:nvPicPr>
-              <p:cNvPr id="50" name="图片 49" descr="图片包含 华美, 手, 彩色, 小&#10;&#10;描述已自动生成">
-                <a:extLst>
-                  <a:ext uri="{FF2B5EF4-FFF2-40B4-BE49-F238E27FC236}">
-                    <a16:creationId xmlns:a16="http://schemas.microsoft.com/office/drawing/2014/main" id="{B0994111-4E1B-1E6E-F829-FEC0D1109243}"/>
-                  </a:ext>
-                </a:extLst>
-              </p:cNvPr>
-              <p:cNvPicPr>
-                <a:picLocks noChangeAspect="1"/>
-              </p:cNvPicPr>
-              <p:nvPr/>
-            </p:nvPicPr>
-            <p:blipFill>
-              <a:blip r:embed="rId33">
+                <a:off x="4611840" y="3105331"/>
+                <a:ext cx="932400" cy="932400"/>
+              </a:xfrm>
+              <a:prstGeom prst="rect">
+                <a:avLst/>
+              </a:prstGeom>
+            </p:spPr>
+          </p:pic>
+          <p:pic>
+            <p:nvPicPr>
+              <p:cNvPr id="52" name="图片 51" descr="手机屏幕的截图&#10;&#10;低可信度描述已自动生成">
+                <a:extLst>
+                  <a:ext uri="{FF2B5EF4-FFF2-40B4-BE49-F238E27FC236}">
+                    <a16:creationId xmlns:a16="http://schemas.microsoft.com/office/drawing/2014/main" id="{7FEB6DA3-ECA8-56B2-6C7E-C907B91486F2}"/>
+                  </a:ext>
+                </a:extLst>
+              </p:cNvPr>
+              <p:cNvPicPr>
+                <a:picLocks noChangeAspect="1"/>
+              </p:cNvPicPr>
+              <p:nvPr/>
+            </p:nvPicPr>
+            <p:blipFill>
+              <a:blip r:embed="rId46">
                 <a:extLst>
                   <a:ext uri="{28A0092B-C50C-407E-A947-70E740481C1C}">
                     <a14:useLocalDpi xmlns:a14="http://schemas.microsoft.com/office/drawing/2010/main" val="0"/>
@@ -5661,7 +7860,77 @@
             </p:blipFill>
             <p:spPr>
               <a:xfrm>
-                <a:off x="9271455" y="2432779"/>
+                <a:off x="4611840" y="4034962"/>
+                <a:ext cx="932400" cy="932400"/>
+              </a:xfrm>
+              <a:prstGeom prst="rect">
+                <a:avLst/>
+              </a:prstGeom>
+            </p:spPr>
+          </p:pic>
+          <p:pic>
+            <p:nvPicPr>
+              <p:cNvPr id="13" name="图片 12">
+                <a:extLst>
+                  <a:ext uri="{FF2B5EF4-FFF2-40B4-BE49-F238E27FC236}">
+                    <a16:creationId xmlns:a16="http://schemas.microsoft.com/office/drawing/2014/main" id="{4ABC8750-E55E-3970-BEF7-E72BE7D3D34D}"/>
+                  </a:ext>
+                </a:extLst>
+              </p:cNvPr>
+              <p:cNvPicPr>
+                <a:picLocks noChangeAspect="1"/>
+              </p:cNvPicPr>
+              <p:nvPr/>
+            </p:nvPicPr>
+            <p:blipFill>
+              <a:blip r:embed="rId47">
+                <a:extLst>
+                  <a:ext uri="{28A0092B-C50C-407E-A947-70E740481C1C}">
+                    <a14:useLocalDpi xmlns:a14="http://schemas.microsoft.com/office/drawing/2010/main" val="0"/>
+                  </a:ext>
+                </a:extLst>
+              </a:blip>
+              <a:srcRect/>
+              <a:stretch/>
+            </p:blipFill>
+            <p:spPr>
+              <a:xfrm>
+                <a:off x="4611840" y="2175700"/>
+                <a:ext cx="932400" cy="932400"/>
+              </a:xfrm>
+              <a:prstGeom prst="rect">
+                <a:avLst/>
+              </a:prstGeom>
+            </p:spPr>
+          </p:pic>
+          <p:pic>
+            <p:nvPicPr>
+              <p:cNvPr id="29" name="图片 28">
+                <a:extLst>
+                  <a:ext uri="{FF2B5EF4-FFF2-40B4-BE49-F238E27FC236}">
+                    <a16:creationId xmlns:a16="http://schemas.microsoft.com/office/drawing/2014/main" id="{84480C38-5C18-09FC-DB86-DCF3FD133124}"/>
+                  </a:ext>
+                </a:extLst>
+              </p:cNvPr>
+              <p:cNvPicPr>
+                <a:picLocks noChangeAspect="1"/>
+              </p:cNvPicPr>
+              <p:nvPr/>
+            </p:nvPicPr>
+            <p:blipFill>
+              <a:blip r:embed="rId48">
+                <a:extLst>
+                  <a:ext uri="{28A0092B-C50C-407E-A947-70E740481C1C}">
+                    <a14:useLocalDpi xmlns:a14="http://schemas.microsoft.com/office/drawing/2010/main" val="0"/>
+                  </a:ext>
+                </a:extLst>
+              </a:blip>
+              <a:srcRect/>
+              <a:stretch/>
+            </p:blipFill>
+            <p:spPr>
+              <a:xfrm>
+                <a:off x="4611840" y="4964593"/>
                 <a:ext cx="932400" cy="932400"/>
               </a:xfrm>
               <a:prstGeom prst="rect">
@@ -5672,10 +7941,10 @@
         </p:grpSp>
         <p:grpSp>
           <p:nvGrpSpPr>
-            <p:cNvPr id="321" name="组合 320">
+            <p:cNvPr id="51" name="组合 50">
               <a:extLst>
                 <a:ext uri="{FF2B5EF4-FFF2-40B4-BE49-F238E27FC236}">
-                  <a16:creationId xmlns:a16="http://schemas.microsoft.com/office/drawing/2014/main" id="{E7A95376-5D56-C755-9929-D93B79C7162D}"/>
+                  <a16:creationId xmlns:a16="http://schemas.microsoft.com/office/drawing/2014/main" id="{B8D03460-8DF2-D412-15B2-53EDE1968442}"/>
                 </a:ext>
               </a:extLst>
             </p:cNvPr>
@@ -5684,28 +7953,28 @@
           </p:nvGrpSpPr>
           <p:grpSpPr>
             <a:xfrm>
-              <a:off x="4599548" y="559837"/>
-              <a:ext cx="932400" cy="3741812"/>
-              <a:chOff x="4484092" y="559837"/>
-              <a:chExt cx="932400" cy="3741812"/>
+              <a:off x="6480600" y="308148"/>
+              <a:ext cx="932400" cy="5580555"/>
+              <a:chOff x="6480602" y="316438"/>
+              <a:chExt cx="932400" cy="5580555"/>
             </a:xfrm>
           </p:grpSpPr>
           <p:pic>
             <p:nvPicPr>
-              <p:cNvPr id="14" name="图片 13" descr="图片包含 手, 游戏机, 画, 华美&#10;&#10;描述已自动生成">
-                <a:extLst>
-                  <a:ext uri="{FF2B5EF4-FFF2-40B4-BE49-F238E27FC236}">
-                    <a16:creationId xmlns:a16="http://schemas.microsoft.com/office/drawing/2014/main" id="{5C9A13AC-C3CC-ACC5-9BF4-0570F2DB6284}"/>
-                  </a:ext>
-                </a:extLst>
-              </p:cNvPr>
-              <p:cNvPicPr>
-                <a:picLocks noChangeAspect="1"/>
-              </p:cNvPicPr>
-              <p:nvPr/>
-            </p:nvPicPr>
-            <p:blipFill>
-              <a:blip r:embed="rId34">
+              <p:cNvPr id="12" name="图片 11" descr="手机屏幕的截图&#10;&#10;中度可信度描述已自动生成">
+                <a:extLst>
+                  <a:ext uri="{FF2B5EF4-FFF2-40B4-BE49-F238E27FC236}">
+                    <a16:creationId xmlns:a16="http://schemas.microsoft.com/office/drawing/2014/main" id="{9356EA8B-FC59-ECC5-06E9-7C9720B12168}"/>
+                  </a:ext>
+                </a:extLst>
+              </p:cNvPr>
+              <p:cNvPicPr>
+                <a:picLocks noChangeAspect="1"/>
+              </p:cNvPicPr>
+              <p:nvPr/>
+            </p:nvPicPr>
+            <p:blipFill>
+              <a:blip r:embed="rId49">
                 <a:extLst>
                   <a:ext uri="{28A0092B-C50C-407E-A947-70E740481C1C}">
                     <a14:useLocalDpi xmlns:a14="http://schemas.microsoft.com/office/drawing/2010/main" val="0"/>
@@ -5718,30 +7987,30 @@
             </p:blipFill>
             <p:spPr>
               <a:xfrm>
-                <a:off x="4484092" y="559837"/>
-                <a:ext cx="932400" cy="932400"/>
-              </a:xfrm>
-              <a:prstGeom prst="rect">
-                <a:avLst/>
-              </a:prstGeom>
-            </p:spPr>
-          </p:pic>
-          <p:pic>
-            <p:nvPicPr>
-              <p:cNvPr id="355" name="图片 354" descr="图片包含 应用程序&#10;&#10;描述已自动生成">
-                <a:extLst>
-                  <a:ext uri="{FF2B5EF4-FFF2-40B4-BE49-F238E27FC236}">
-                    <a16:creationId xmlns:a16="http://schemas.microsoft.com/office/drawing/2014/main" id="{D9D36620-8CA5-02A0-150B-53EE9D18B1B3}"/>
-                  </a:ext>
-                </a:extLst>
-              </p:cNvPr>
-              <p:cNvPicPr>
-                <a:picLocks noChangeAspect="1"/>
-              </p:cNvPicPr>
-              <p:nvPr/>
-            </p:nvPicPr>
-            <p:blipFill>
-              <a:blip r:embed="rId35">
+                <a:off x="6480602" y="1246069"/>
+                <a:ext cx="932400" cy="932400"/>
+              </a:xfrm>
+              <a:prstGeom prst="rect">
+                <a:avLst/>
+              </a:prstGeom>
+            </p:spPr>
+          </p:pic>
+          <p:pic>
+            <p:nvPicPr>
+              <p:cNvPr id="353" name="图片 352" descr="徽标&#10;&#10;低可信度描述已自动生成">
+                <a:extLst>
+                  <a:ext uri="{FF2B5EF4-FFF2-40B4-BE49-F238E27FC236}">
+                    <a16:creationId xmlns:a16="http://schemas.microsoft.com/office/drawing/2014/main" id="{B117A075-04F3-DD46-25F3-84319375420A}"/>
+                  </a:ext>
+                </a:extLst>
+              </p:cNvPr>
+              <p:cNvPicPr>
+                <a:picLocks noChangeAspect="1"/>
+              </p:cNvPicPr>
+              <p:nvPr/>
+            </p:nvPicPr>
+            <p:blipFill>
+              <a:blip r:embed="rId50">
                 <a:extLst>
                   <a:ext uri="{28A0092B-C50C-407E-A947-70E740481C1C}">
                     <a14:useLocalDpi xmlns:a14="http://schemas.microsoft.com/office/drawing/2010/main" val="0"/>
@@ -5754,79 +8023,147 @@
             </p:blipFill>
             <p:spPr>
               <a:xfrm>
-                <a:off x="4484092" y="1496308"/>
-                <a:ext cx="932400" cy="932400"/>
-              </a:xfrm>
-              <a:prstGeom prst="rect">
-                <a:avLst/>
-              </a:prstGeom>
-            </p:spPr>
-          </p:pic>
-          <p:pic>
-            <p:nvPicPr>
-              <p:cNvPr id="397" name="图片 396">
-                <a:extLst>
-                  <a:ext uri="{FF2B5EF4-FFF2-40B4-BE49-F238E27FC236}">
-                    <a16:creationId xmlns:a16="http://schemas.microsoft.com/office/drawing/2014/main" id="{B78CFC18-4651-9FCE-6BE1-F64CD5728328}"/>
-                  </a:ext>
-                </a:extLst>
-              </p:cNvPr>
-              <p:cNvPicPr>
-                <a:picLocks noChangeAspect="1"/>
-              </p:cNvPicPr>
-              <p:nvPr/>
-            </p:nvPicPr>
-            <p:blipFill>
-              <a:blip r:embed="rId36">
-                <a:extLst>
-                  <a:ext uri="{28A0092B-C50C-407E-A947-70E740481C1C}">
-                    <a14:useLocalDpi xmlns:a14="http://schemas.microsoft.com/office/drawing/2010/main" val="0"/>
-                  </a:ext>
-                </a:extLst>
-              </a:blip>
-              <a:stretch>
-                <a:fillRect/>
-              </a:stretch>
-            </p:blipFill>
-            <p:spPr>
-              <a:xfrm>
-                <a:off x="4484092" y="3369249"/>
-                <a:ext cx="932400" cy="932400"/>
-              </a:xfrm>
-              <a:prstGeom prst="rect">
-                <a:avLst/>
-              </a:prstGeom>
-            </p:spPr>
-          </p:pic>
-          <p:pic>
-            <p:nvPicPr>
-              <p:cNvPr id="52" name="图片 51" descr="手机屏幕的截图&#10;&#10;低可信度描述已自动生成">
-                <a:extLst>
-                  <a:ext uri="{FF2B5EF4-FFF2-40B4-BE49-F238E27FC236}">
-                    <a16:creationId xmlns:a16="http://schemas.microsoft.com/office/drawing/2014/main" id="{7FEB6DA3-ECA8-56B2-6C7E-C907B91486F2}"/>
-                  </a:ext>
-                </a:extLst>
-              </p:cNvPr>
-              <p:cNvPicPr>
-                <a:picLocks noChangeAspect="1"/>
-              </p:cNvPicPr>
-              <p:nvPr/>
-            </p:nvPicPr>
-            <p:blipFill>
-              <a:blip r:embed="rId37">
-                <a:extLst>
-                  <a:ext uri="{28A0092B-C50C-407E-A947-70E740481C1C}">
-                    <a14:useLocalDpi xmlns:a14="http://schemas.microsoft.com/office/drawing/2010/main" val="0"/>
-                  </a:ext>
-                </a:extLst>
-              </a:blip>
-              <a:stretch>
-                <a:fillRect/>
-              </a:stretch>
-            </p:blipFill>
-            <p:spPr>
-              <a:xfrm>
-                <a:off x="4484092" y="2432779"/>
+                <a:off x="6480602" y="316438"/>
+                <a:ext cx="932400" cy="932400"/>
+              </a:xfrm>
+              <a:prstGeom prst="rect">
+                <a:avLst/>
+              </a:prstGeom>
+            </p:spPr>
+          </p:pic>
+          <p:pic>
+            <p:nvPicPr>
+              <p:cNvPr id="359" name="图片 358">
+                <a:extLst>
+                  <a:ext uri="{FF2B5EF4-FFF2-40B4-BE49-F238E27FC236}">
+                    <a16:creationId xmlns:a16="http://schemas.microsoft.com/office/drawing/2014/main" id="{D86F1323-1877-17DF-DA77-E7EBE95DA38D}"/>
+                  </a:ext>
+                </a:extLst>
+              </p:cNvPr>
+              <p:cNvPicPr>
+                <a:picLocks noChangeAspect="1"/>
+              </p:cNvPicPr>
+              <p:nvPr/>
+            </p:nvPicPr>
+            <p:blipFill>
+              <a:blip r:embed="rId51">
+                <a:extLst>
+                  <a:ext uri="{28A0092B-C50C-407E-A947-70E740481C1C}">
+                    <a14:useLocalDpi xmlns:a14="http://schemas.microsoft.com/office/drawing/2010/main" val="0"/>
+                  </a:ext>
+                </a:extLst>
+              </a:blip>
+              <a:srcRect/>
+              <a:stretch/>
+            </p:blipFill>
+            <p:spPr>
+              <a:xfrm>
+                <a:off x="6480602" y="3105331"/>
+                <a:ext cx="932400" cy="932400"/>
+              </a:xfrm>
+              <a:prstGeom prst="rect">
+                <a:avLst/>
+              </a:prstGeom>
+            </p:spPr>
+          </p:pic>
+          <p:pic>
+            <p:nvPicPr>
+              <p:cNvPr id="54" name="图片 53">
+                <a:extLst>
+                  <a:ext uri="{FF2B5EF4-FFF2-40B4-BE49-F238E27FC236}">
+                    <a16:creationId xmlns:a16="http://schemas.microsoft.com/office/drawing/2014/main" id="{1808CF1F-08F3-186E-7A79-90062EB35AED}"/>
+                  </a:ext>
+                </a:extLst>
+              </p:cNvPr>
+              <p:cNvPicPr>
+                <a:picLocks noChangeAspect="1"/>
+              </p:cNvPicPr>
+              <p:nvPr/>
+            </p:nvPicPr>
+            <p:blipFill>
+              <a:blip r:embed="rId52">
+                <a:extLst>
+                  <a:ext uri="{28A0092B-C50C-407E-A947-70E740481C1C}">
+                    <a14:useLocalDpi xmlns:a14="http://schemas.microsoft.com/office/drawing/2010/main" val="0"/>
+                  </a:ext>
+                </a:extLst>
+              </a:blip>
+              <a:srcRect/>
+              <a:stretch/>
+            </p:blipFill>
+            <p:spPr>
+              <a:xfrm>
+                <a:off x="6480602" y="4034962"/>
+                <a:ext cx="932400" cy="932400"/>
+              </a:xfrm>
+              <a:prstGeom prst="rect">
+                <a:avLst/>
+              </a:prstGeom>
+            </p:spPr>
+          </p:pic>
+          <p:pic>
+            <p:nvPicPr>
+              <p:cNvPr id="15" name="图片 14">
+                <a:extLst>
+                  <a:ext uri="{FF2B5EF4-FFF2-40B4-BE49-F238E27FC236}">
+                    <a16:creationId xmlns:a16="http://schemas.microsoft.com/office/drawing/2014/main" id="{CF8CEF13-E166-A69A-7A5F-89E21C261740}"/>
+                  </a:ext>
+                </a:extLst>
+              </p:cNvPr>
+              <p:cNvPicPr>
+                <a:picLocks noChangeAspect="1"/>
+              </p:cNvPicPr>
+              <p:nvPr/>
+            </p:nvPicPr>
+            <p:blipFill>
+              <a:blip r:embed="rId53">
+                <a:extLst>
+                  <a:ext uri="{28A0092B-C50C-407E-A947-70E740481C1C}">
+                    <a14:useLocalDpi xmlns:a14="http://schemas.microsoft.com/office/drawing/2010/main" val="0"/>
+                  </a:ext>
+                </a:extLst>
+              </a:blip>
+              <a:srcRect/>
+              <a:stretch/>
+            </p:blipFill>
+            <p:spPr>
+              <a:xfrm>
+                <a:off x="6480602" y="2175700"/>
+                <a:ext cx="932400" cy="932400"/>
+              </a:xfrm>
+              <a:prstGeom prst="rect">
+                <a:avLst/>
+              </a:prstGeom>
+            </p:spPr>
+          </p:pic>
+          <p:pic>
+            <p:nvPicPr>
+              <p:cNvPr id="31" name="图片 30">
+                <a:extLst>
+                  <a:ext uri="{FF2B5EF4-FFF2-40B4-BE49-F238E27FC236}">
+                    <a16:creationId xmlns:a16="http://schemas.microsoft.com/office/drawing/2014/main" id="{FA7C8392-279D-ECCE-69FD-FBE198321BD1}"/>
+                  </a:ext>
+                </a:extLst>
+              </p:cNvPr>
+              <p:cNvPicPr>
+                <a:picLocks noChangeAspect="1"/>
+              </p:cNvPicPr>
+              <p:nvPr/>
+            </p:nvPicPr>
+            <p:blipFill>
+              <a:blip r:embed="rId54">
+                <a:extLst>
+                  <a:ext uri="{28A0092B-C50C-407E-A947-70E740481C1C}">
+                    <a14:useLocalDpi xmlns:a14="http://schemas.microsoft.com/office/drawing/2010/main" val="0"/>
+                  </a:ext>
+                </a:extLst>
+              </a:blip>
+              <a:srcRect/>
+              <a:stretch/>
+            </p:blipFill>
+            <p:spPr>
+              <a:xfrm>
+                <a:off x="6480602" y="4964593"/>
                 <a:ext cx="932400" cy="932400"/>
               </a:xfrm>
               <a:prstGeom prst="rect">
@@ -5837,10 +8174,10 @@
         </p:grpSp>
         <p:grpSp>
           <p:nvGrpSpPr>
-            <p:cNvPr id="323" name="组合 322">
+            <p:cNvPr id="41" name="组合 40">
               <a:extLst>
                 <a:ext uri="{FF2B5EF4-FFF2-40B4-BE49-F238E27FC236}">
-                  <a16:creationId xmlns:a16="http://schemas.microsoft.com/office/drawing/2014/main" id="{D8279C27-1316-244D-E40C-0A94FD8FE149}"/>
+                  <a16:creationId xmlns:a16="http://schemas.microsoft.com/office/drawing/2014/main" id="{764081AB-7071-6C11-D192-73C48A7AE716}"/>
                 </a:ext>
               </a:extLst>
             </p:cNvPr>
@@ -5849,28 +8186,28 @@
           </p:nvGrpSpPr>
           <p:grpSpPr>
             <a:xfrm>
-              <a:off x="6468310" y="559837"/>
-              <a:ext cx="932400" cy="3741812"/>
-              <a:chOff x="6399036" y="559837"/>
-              <a:chExt cx="932400" cy="3741812"/>
+              <a:off x="874314" y="308148"/>
+              <a:ext cx="932400" cy="5588845"/>
+              <a:chOff x="874314" y="308148"/>
+              <a:chExt cx="932400" cy="5588845"/>
             </a:xfrm>
           </p:grpSpPr>
           <p:pic>
             <p:nvPicPr>
-              <p:cNvPr id="12" name="图片 11" descr="手机屏幕的截图&#10;&#10;中度可信度描述已自动生成">
-                <a:extLst>
-                  <a:ext uri="{FF2B5EF4-FFF2-40B4-BE49-F238E27FC236}">
-                    <a16:creationId xmlns:a16="http://schemas.microsoft.com/office/drawing/2014/main" id="{9356EA8B-FC59-ECC5-06E9-7C9720B12168}"/>
-                  </a:ext>
-                </a:extLst>
-              </p:cNvPr>
-              <p:cNvPicPr>
-                <a:picLocks noChangeAspect="1"/>
-              </p:cNvPicPr>
-              <p:nvPr/>
-            </p:nvPicPr>
-            <p:blipFill>
-              <a:blip r:embed="rId38">
+              <p:cNvPr id="3" name="图片 2" descr="图片包含 游戏机, 手, 画, 华美&#10;&#10;描述已自动生成">
+                <a:extLst>
+                  <a:ext uri="{FF2B5EF4-FFF2-40B4-BE49-F238E27FC236}">
+                    <a16:creationId xmlns:a16="http://schemas.microsoft.com/office/drawing/2014/main" id="{2D8D6ED6-14C4-B32A-41CC-50F718173F02}"/>
+                  </a:ext>
+                </a:extLst>
+              </p:cNvPr>
+              <p:cNvPicPr>
+                <a:picLocks noChangeAspect="1"/>
+              </p:cNvPicPr>
+              <p:nvPr/>
+            </p:nvPicPr>
+            <p:blipFill>
+              <a:blip r:embed="rId55">
                 <a:extLst>
                   <a:ext uri="{28A0092B-C50C-407E-A947-70E740481C1C}">
                     <a14:useLocalDpi xmlns:a14="http://schemas.microsoft.com/office/drawing/2010/main" val="0"/>
@@ -5883,30 +8220,30 @@
             </p:blipFill>
             <p:spPr>
               <a:xfrm>
-                <a:off x="6399036" y="559837"/>
-                <a:ext cx="932400" cy="932400"/>
-              </a:xfrm>
-              <a:prstGeom prst="rect">
-                <a:avLst/>
-              </a:prstGeom>
-            </p:spPr>
-          </p:pic>
-          <p:pic>
-            <p:nvPicPr>
-              <p:cNvPr id="353" name="图片 352" descr="徽标&#10;&#10;低可信度描述已自动生成">
-                <a:extLst>
-                  <a:ext uri="{FF2B5EF4-FFF2-40B4-BE49-F238E27FC236}">
-                    <a16:creationId xmlns:a16="http://schemas.microsoft.com/office/drawing/2014/main" id="{B117A075-04F3-DD46-25F3-84319375420A}"/>
-                  </a:ext>
-                </a:extLst>
-              </p:cNvPr>
-              <p:cNvPicPr>
-                <a:picLocks noChangeAspect="1"/>
-              </p:cNvPicPr>
-              <p:nvPr/>
-            </p:nvPicPr>
-            <p:blipFill>
-              <a:blip r:embed="rId39">
+                <a:off x="874314" y="1239437"/>
+                <a:ext cx="932400" cy="932400"/>
+              </a:xfrm>
+              <a:prstGeom prst="rect">
+                <a:avLst/>
+              </a:prstGeom>
+            </p:spPr>
+          </p:pic>
+          <p:pic>
+            <p:nvPicPr>
+              <p:cNvPr id="365" name="图片 364" descr="图片包含 图标&#10;&#10;描述已自动生成">
+                <a:extLst>
+                  <a:ext uri="{FF2B5EF4-FFF2-40B4-BE49-F238E27FC236}">
+                    <a16:creationId xmlns:a16="http://schemas.microsoft.com/office/drawing/2014/main" id="{DE48C7F8-B089-1355-C87D-C6D4BBBD78FE}"/>
+                  </a:ext>
+                </a:extLst>
+              </p:cNvPr>
+              <p:cNvPicPr>
+                <a:picLocks noChangeAspect="1"/>
+              </p:cNvPicPr>
+              <p:nvPr/>
+            </p:nvPicPr>
+            <p:blipFill>
+              <a:blip r:embed="rId56">
                 <a:extLst>
                   <a:ext uri="{28A0092B-C50C-407E-A947-70E740481C1C}">
                     <a14:useLocalDpi xmlns:a14="http://schemas.microsoft.com/office/drawing/2010/main" val="0"/>
@@ -5919,30 +8256,30 @@
             </p:blipFill>
             <p:spPr>
               <a:xfrm>
-                <a:off x="6399036" y="1496308"/>
-                <a:ext cx="932400" cy="932400"/>
-              </a:xfrm>
-              <a:prstGeom prst="rect">
-                <a:avLst/>
-              </a:prstGeom>
-            </p:spPr>
-          </p:pic>
-          <p:pic>
-            <p:nvPicPr>
-              <p:cNvPr id="359" name="图片 358" descr="模糊的动物的修图&#10;&#10;中度可信度描述已自动生成">
-                <a:extLst>
-                  <a:ext uri="{FF2B5EF4-FFF2-40B4-BE49-F238E27FC236}">
-                    <a16:creationId xmlns:a16="http://schemas.microsoft.com/office/drawing/2014/main" id="{D86F1323-1877-17DF-DA77-E7EBE95DA38D}"/>
-                  </a:ext>
-                </a:extLst>
-              </p:cNvPr>
-              <p:cNvPicPr>
-                <a:picLocks noChangeAspect="1"/>
-              </p:cNvPicPr>
-              <p:nvPr/>
-            </p:nvPicPr>
-            <p:blipFill>
-              <a:blip r:embed="rId40">
+                <a:off x="874314" y="3102015"/>
+                <a:ext cx="932400" cy="932400"/>
+              </a:xfrm>
+              <a:prstGeom prst="rect">
+                <a:avLst/>
+              </a:prstGeom>
+            </p:spPr>
+          </p:pic>
+          <p:pic>
+            <p:nvPicPr>
+              <p:cNvPr id="34" name="图片 33" descr="图片包含 游戏机, 画, 食物&#10;&#10;描述已自动生成">
+                <a:extLst>
+                  <a:ext uri="{FF2B5EF4-FFF2-40B4-BE49-F238E27FC236}">
+                    <a16:creationId xmlns:a16="http://schemas.microsoft.com/office/drawing/2014/main" id="{246E8FFF-249A-E692-3243-168D2D4CFEDA}"/>
+                  </a:ext>
+                </a:extLst>
+              </p:cNvPr>
+              <p:cNvPicPr>
+                <a:picLocks noChangeAspect="1"/>
+              </p:cNvPicPr>
+              <p:nvPr/>
+            </p:nvPicPr>
+            <p:blipFill>
+              <a:blip r:embed="rId57">
                 <a:extLst>
                   <a:ext uri="{28A0092B-C50C-407E-A947-70E740481C1C}">
                     <a14:useLocalDpi xmlns:a14="http://schemas.microsoft.com/office/drawing/2010/main" val="0"/>
@@ -5955,30 +8292,100 @@
             </p:blipFill>
             <p:spPr>
               <a:xfrm>
-                <a:off x="6399036" y="3369249"/>
-                <a:ext cx="932400" cy="932400"/>
-              </a:xfrm>
-              <a:prstGeom prst="rect">
-                <a:avLst/>
-              </a:prstGeom>
-            </p:spPr>
-          </p:pic>
-          <p:pic>
-            <p:nvPicPr>
-              <p:cNvPr id="54" name="图片 53" descr="图片包含 QR 代码&#10;&#10;描述已自动生成">
-                <a:extLst>
-                  <a:ext uri="{FF2B5EF4-FFF2-40B4-BE49-F238E27FC236}">
-                    <a16:creationId xmlns:a16="http://schemas.microsoft.com/office/drawing/2014/main" id="{1808CF1F-08F3-186E-7A79-90062EB35AED}"/>
-                  </a:ext>
-                </a:extLst>
-              </p:cNvPr>
-              <p:cNvPicPr>
-                <a:picLocks noChangeAspect="1"/>
-              </p:cNvPicPr>
-              <p:nvPr/>
-            </p:nvPicPr>
-            <p:blipFill>
-              <a:blip r:embed="rId41">
+                <a:off x="874314" y="4033304"/>
+                <a:ext cx="932400" cy="932400"/>
+              </a:xfrm>
+              <a:prstGeom prst="rect">
+                <a:avLst/>
+              </a:prstGeom>
+            </p:spPr>
+          </p:pic>
+          <p:pic>
+            <p:nvPicPr>
+              <p:cNvPr id="6" name="图片 5">
+                <a:extLst>
+                  <a:ext uri="{FF2B5EF4-FFF2-40B4-BE49-F238E27FC236}">
+                    <a16:creationId xmlns:a16="http://schemas.microsoft.com/office/drawing/2014/main" id="{02991CE9-F1F7-0F3C-F413-D1CDF2AAB3F9}"/>
+                  </a:ext>
+                </a:extLst>
+              </p:cNvPr>
+              <p:cNvPicPr>
+                <a:picLocks noChangeAspect="1"/>
+              </p:cNvPicPr>
+              <p:nvPr/>
+            </p:nvPicPr>
+            <p:blipFill>
+              <a:blip r:embed="rId58">
+                <a:extLst>
+                  <a:ext uri="{28A0092B-C50C-407E-A947-70E740481C1C}">
+                    <a14:useLocalDpi xmlns:a14="http://schemas.microsoft.com/office/drawing/2010/main" val="0"/>
+                  </a:ext>
+                </a:extLst>
+              </a:blip>
+              <a:srcRect/>
+              <a:stretch/>
+            </p:blipFill>
+            <p:spPr>
+              <a:xfrm>
+                <a:off x="874314" y="2170726"/>
+                <a:ext cx="932400" cy="932400"/>
+              </a:xfrm>
+              <a:prstGeom prst="rect">
+                <a:avLst/>
+              </a:prstGeom>
+            </p:spPr>
+          </p:pic>
+          <p:pic>
+            <p:nvPicPr>
+              <p:cNvPr id="21" name="图片 20">
+                <a:extLst>
+                  <a:ext uri="{FF2B5EF4-FFF2-40B4-BE49-F238E27FC236}">
+                    <a16:creationId xmlns:a16="http://schemas.microsoft.com/office/drawing/2014/main" id="{B1DD313E-138A-CFA4-D1F5-64EFE9DFA825}"/>
+                  </a:ext>
+                </a:extLst>
+              </p:cNvPr>
+              <p:cNvPicPr>
+                <a:picLocks noChangeAspect="1"/>
+              </p:cNvPicPr>
+              <p:nvPr/>
+            </p:nvPicPr>
+            <p:blipFill>
+              <a:blip r:embed="rId59">
+                <a:extLst>
+                  <a:ext uri="{28A0092B-C50C-407E-A947-70E740481C1C}">
+                    <a14:useLocalDpi xmlns:a14="http://schemas.microsoft.com/office/drawing/2010/main" val="0"/>
+                  </a:ext>
+                </a:extLst>
+              </a:blip>
+              <a:srcRect/>
+              <a:stretch/>
+            </p:blipFill>
+            <p:spPr>
+              <a:xfrm>
+                <a:off x="874314" y="4964593"/>
+                <a:ext cx="932400" cy="932400"/>
+              </a:xfrm>
+              <a:prstGeom prst="rect">
+                <a:avLst/>
+              </a:prstGeom>
+            </p:spPr>
+          </p:pic>
+          <p:pic>
+            <p:nvPicPr>
+              <p:cNvPr id="35" name="图片 34" descr="模糊的照片上写着字&#10;&#10;描述已自动生成">
+                <a:extLst>
+                  <a:ext uri="{FF2B5EF4-FFF2-40B4-BE49-F238E27FC236}">
+                    <a16:creationId xmlns:a16="http://schemas.microsoft.com/office/drawing/2014/main" id="{D5901C8E-D591-8BB6-5971-AF428E7F2C42}"/>
+                  </a:ext>
+                </a:extLst>
+              </p:cNvPr>
+              <p:cNvPicPr>
+                <a:picLocks noChangeAspect="1"/>
+              </p:cNvPicPr>
+              <p:nvPr/>
+            </p:nvPicPr>
+            <p:blipFill>
+              <a:blip r:embed="rId60">
                 <a:extLst>
                   <a:ext uri="{28A0092B-C50C-407E-A947-70E740481C1C}">
                     <a14:useLocalDpi xmlns:a14="http://schemas.microsoft.com/office/drawing/2010/main" val="0"/>
@@ -5991,7 +8398,7 @@
             </p:blipFill>
             <p:spPr>
               <a:xfrm>
-                <a:off x="6399036" y="2432779"/>
+                <a:off x="874314" y="308148"/>
                 <a:ext cx="932400" cy="932400"/>
               </a:xfrm>
               <a:prstGeom prst="rect">
@@ -6005,6 +8412,258 @@
     <p:extLst>
       <p:ext uri="{BB962C8B-B14F-4D97-AF65-F5344CB8AC3E}">
         <p14:creationId xmlns:p14="http://schemas.microsoft.com/office/powerpoint/2010/main" val="3726838204"/>
+      </p:ext>
+    </p:extLst>
+  </p:cSld>
+  <p:clrMapOvr>
+    <a:masterClrMapping/>
+  </p:clrMapOvr>
+</p:sld>
+</file>
+
+<file path=ppt/slides/slide3.xml><?xml version="1.0" encoding="utf-8"?>
+<p:sld xmlns:a="http://schemas.openxmlformats.org/drawingml/2006/main" xmlns:r="http://schemas.openxmlformats.org/officeDocument/2006/relationships" xmlns:p="http://schemas.openxmlformats.org/presentationml/2006/main">
+  <p:cSld>
+    <p:spTree>
+      <p:nvGrpSpPr>
+        <p:cNvPr id="1" name=""/>
+        <p:cNvGrpSpPr/>
+        <p:nvPr/>
+      </p:nvGrpSpPr>
+      <p:grpSpPr>
+        <a:xfrm>
+          <a:off x="0" y="0"/>
+          <a:ext cx="0" cy="0"/>
+          <a:chOff x="0" y="0"/>
+          <a:chExt cx="0" cy="0"/>
+        </a:xfrm>
+      </p:grpSpPr>
+      <p:sp>
+        <p:nvSpPr>
+          <p:cNvPr id="2" name="AutoShape 2">
+            <a:extLst>
+              <a:ext uri="{FF2B5EF4-FFF2-40B4-BE49-F238E27FC236}">
+                <a16:creationId xmlns:a16="http://schemas.microsoft.com/office/drawing/2014/main" id="{9F628441-961E-563C-F976-54E4B9165714}"/>
+              </a:ext>
+            </a:extLst>
+          </p:cNvPr>
+          <p:cNvSpPr>
+            <a:spLocks noChangeAspect="1" noChangeArrowheads="1"/>
+          </p:cNvSpPr>
+          <p:nvPr/>
+        </p:nvSpPr>
+        <p:spPr bwMode="auto">
+          <a:xfrm>
+            <a:off x="5943599" y="3276599"/>
+            <a:ext cx="4370439" cy="4370439"/>
+          </a:xfrm>
+          <a:prstGeom prst="rect">
+            <a:avLst/>
+          </a:prstGeom>
+          <a:noFill/>
+          <a:extLst>
+            <a:ext uri="{909E8E84-426E-40DD-AFC4-6F175D3DCCD1}">
+              <a14:hiddenFill xmlns:a14="http://schemas.microsoft.com/office/drawing/2010/main">
+                <a:solidFill>
+                  <a:srgbClr val="FFFFFF"/>
+                </a:solidFill>
+              </a14:hiddenFill>
+            </a:ext>
+          </a:extLst>
+        </p:spPr>
+        <p:txBody>
+          <a:bodyPr vert="horz" wrap="square" lIns="91440" tIns="45720" rIns="91440" bIns="45720" numCol="1" anchor="t" anchorCtr="0" compatLnSpc="1">
+            <a:prstTxWarp prst="textNoShape">
+              <a:avLst/>
+            </a:prstTxWarp>
+          </a:bodyPr>
+          <a:lstStyle/>
+          <a:p>
+            <a:endParaRPr lang="zh-CN" altLang="en-US"/>
+          </a:p>
+        </p:txBody>
+      </p:sp>
+      <p:pic>
+        <p:nvPicPr>
+          <p:cNvPr id="4" name="图片 3">
+            <a:extLst>
+              <a:ext uri="{FF2B5EF4-FFF2-40B4-BE49-F238E27FC236}">
+                <a16:creationId xmlns:a16="http://schemas.microsoft.com/office/drawing/2014/main" id="{46986C50-5430-572D-6C86-9CF3A2032ED5}"/>
+              </a:ext>
+            </a:extLst>
+          </p:cNvPr>
+          <p:cNvPicPr>
+            <a:picLocks noChangeAspect="1"/>
+          </p:cNvPicPr>
+          <p:nvPr/>
+        </p:nvPicPr>
+        <p:blipFill>
+          <a:blip r:embed="rId2"/>
+          <a:stretch>
+            <a:fillRect/>
+          </a:stretch>
+        </p:blipFill>
+        <p:spPr>
+          <a:xfrm>
+            <a:off x="435537" y="0"/>
+            <a:ext cx="8105775" cy="6690949"/>
+          </a:xfrm>
+          <a:prstGeom prst="rect">
+            <a:avLst/>
+          </a:prstGeom>
+        </p:spPr>
+      </p:pic>
+      <p:sp>
+        <p:nvSpPr>
+          <p:cNvPr id="6" name="文本框 5">
+            <a:extLst>
+              <a:ext uri="{FF2B5EF4-FFF2-40B4-BE49-F238E27FC236}">
+                <a16:creationId xmlns:a16="http://schemas.microsoft.com/office/drawing/2014/main" id="{4348C6E6-186F-03EB-DCDA-477A017CD21B}"/>
+              </a:ext>
+            </a:extLst>
+          </p:cNvPr>
+          <p:cNvSpPr txBox="1"/>
+          <p:nvPr/>
+        </p:nvSpPr>
+        <p:spPr>
+          <a:xfrm>
+            <a:off x="3785419" y="143093"/>
+            <a:ext cx="1406013" cy="369332"/>
+          </a:xfrm>
+          <a:prstGeom prst="rect">
+            <a:avLst/>
+          </a:prstGeom>
+          <a:solidFill>
+            <a:schemeClr val="bg1"/>
+          </a:solidFill>
+        </p:spPr>
+        <p:txBody>
+          <a:bodyPr wrap="square" rtlCol="0">
+            <a:spAutoFit/>
+          </a:bodyPr>
+          <a:lstStyle/>
+          <a:p>
+            <a:r>
+              <a:rPr lang="en-US" altLang="zh-CN"/>
+              <a:t>ours</a:t>
+            </a:r>
+            <a:endParaRPr lang="zh-CN" altLang="en-US"/>
+          </a:p>
+        </p:txBody>
+      </p:sp>
+      <p:sp>
+        <p:nvSpPr>
+          <p:cNvPr id="7" name="文本框 6">
+            <a:extLst>
+              <a:ext uri="{FF2B5EF4-FFF2-40B4-BE49-F238E27FC236}">
+                <a16:creationId xmlns:a16="http://schemas.microsoft.com/office/drawing/2014/main" id="{58F63BE9-6825-3240-5F14-796C714CE32A}"/>
+              </a:ext>
+            </a:extLst>
+          </p:cNvPr>
+          <p:cNvSpPr txBox="1"/>
+          <p:nvPr/>
+        </p:nvSpPr>
+        <p:spPr>
+          <a:xfrm>
+            <a:off x="6435213" y="124576"/>
+            <a:ext cx="1406013" cy="369332"/>
+          </a:xfrm>
+          <a:prstGeom prst="rect">
+            <a:avLst/>
+          </a:prstGeom>
+          <a:solidFill>
+            <a:schemeClr val="bg1"/>
+          </a:solidFill>
+        </p:spPr>
+        <p:txBody>
+          <a:bodyPr wrap="square" rtlCol="0">
+            <a:spAutoFit/>
+          </a:bodyPr>
+          <a:lstStyle/>
+          <a:p>
+            <a:r>
+              <a:rPr lang="en-US" altLang="zh-CN"/>
+              <a:t>Sotria</a:t>
+            </a:r>
+            <a:endParaRPr lang="zh-CN" altLang="en-US"/>
+          </a:p>
+        </p:txBody>
+      </p:sp>
+      <p:pic>
+        <p:nvPicPr>
+          <p:cNvPr id="9" name="图片 8">
+            <a:extLst>
+              <a:ext uri="{FF2B5EF4-FFF2-40B4-BE49-F238E27FC236}">
+                <a16:creationId xmlns:a16="http://schemas.microsoft.com/office/drawing/2014/main" id="{317DFAEC-B196-049C-E0DC-981A919928F9}"/>
+              </a:ext>
+            </a:extLst>
+          </p:cNvPr>
+          <p:cNvPicPr>
+            <a:picLocks noChangeAspect="1"/>
+          </p:cNvPicPr>
+          <p:nvPr/>
+        </p:nvPicPr>
+        <p:blipFill>
+          <a:blip r:embed="rId3"/>
+          <a:stretch>
+            <a:fillRect/>
+          </a:stretch>
+        </p:blipFill>
+        <p:spPr>
+          <a:xfrm>
+            <a:off x="8457736" y="83867"/>
+            <a:ext cx="2654713" cy="6690266"/>
+          </a:xfrm>
+          <a:prstGeom prst="rect">
+            <a:avLst/>
+          </a:prstGeom>
+        </p:spPr>
+      </p:pic>
+      <p:sp>
+        <p:nvSpPr>
+          <p:cNvPr id="10" name="文本框 9">
+            <a:extLst>
+              <a:ext uri="{FF2B5EF4-FFF2-40B4-BE49-F238E27FC236}">
+                <a16:creationId xmlns:a16="http://schemas.microsoft.com/office/drawing/2014/main" id="{C5CE5C7E-71DE-EAFF-EC9E-8C0CD08F9C32}"/>
+              </a:ext>
+            </a:extLst>
+          </p:cNvPr>
+          <p:cNvSpPr txBox="1"/>
+          <p:nvPr/>
+        </p:nvSpPr>
+        <p:spPr>
+          <a:xfrm>
+            <a:off x="8956261" y="143093"/>
+            <a:ext cx="1406013" cy="369332"/>
+          </a:xfrm>
+          <a:prstGeom prst="rect">
+            <a:avLst/>
+          </a:prstGeom>
+          <a:solidFill>
+            <a:schemeClr val="bg1"/>
+          </a:solidFill>
+        </p:spPr>
+        <p:txBody>
+          <a:bodyPr wrap="square" rtlCol="0">
+            <a:spAutoFit/>
+          </a:bodyPr>
+          <a:lstStyle/>
+          <a:p>
+            <a:r>
+              <a:rPr lang="en-US" altLang="zh-CN"/>
+              <a:t>DP-</a:t>
+            </a:r>
+            <a:r>
+              <a:rPr lang="zh-CN" altLang="en-US"/>
+              <a:t>高斯</a:t>
+            </a:r>
+          </a:p>
+        </p:txBody>
+      </p:sp>
+    </p:spTree>
+    <p:extLst>
+      <p:ext uri="{BB962C8B-B14F-4D97-AF65-F5344CB8AC3E}">
+        <p14:creationId xmlns:p14="http://schemas.microsoft.com/office/powerpoint/2010/main" val="2807663121"/>
       </p:ext>
     </p:extLst>
   </p:cSld>
@@ -6307,4 +8966,299 @@
     </a:ext>
   </a:extLst>
 </a:theme>
+</file>
+
+<file path=ppt/theme/theme2.xml><?xml version="1.0" encoding="utf-8"?>
+<a:theme xmlns:a="http://schemas.openxmlformats.org/drawingml/2006/main" name="Office 主题​​">
+  <a:themeElements>
+    <a:clrScheme name="Office">
+      <a:dk1>
+        <a:sysClr val="windowText" lastClr="000000"/>
+      </a:dk1>
+      <a:lt1>
+        <a:sysClr val="window" lastClr="FFFFFF"/>
+      </a:lt1>
+      <a:dk2>
+        <a:srgbClr val="44546A"/>
+      </a:dk2>
+      <a:lt2>
+        <a:srgbClr val="E7E6E6"/>
+      </a:lt2>
+      <a:accent1>
+        <a:srgbClr val="4472C4"/>
+      </a:accent1>
+      <a:accent2>
+        <a:srgbClr val="ED7D31"/>
+      </a:accent2>
+      <a:accent3>
+        <a:srgbClr val="A5A5A5"/>
+      </a:accent3>
+      <a:accent4>
+        <a:srgbClr val="FFC000"/>
+      </a:accent4>
+      <a:accent5>
+        <a:srgbClr val="5B9BD5"/>
+      </a:accent5>
+      <a:accent6>
+        <a:srgbClr val="70AD47"/>
+      </a:accent6>
+      <a:hlink>
+        <a:srgbClr val="0563C1"/>
+      </a:hlink>
+      <a:folHlink>
+        <a:srgbClr val="954F72"/>
+      </a:folHlink>
+    </a:clrScheme>
+    <a:fontScheme name="Office">
+      <a:majorFont>
+        <a:latin typeface="等线 Light" panose="020F0302020204030204"/>
+        <a:ea typeface=""/>
+        <a:cs typeface=""/>
+        <a:font script="Jpan" typeface="游ゴシック Light"/>
+        <a:font script="Hang" typeface="맑은 고딕"/>
+        <a:font script="Hans" typeface="等线 Light"/>
+        <a:font script="Hant" typeface="新細明體"/>
+        <a:font script="Arab" typeface="Times New Roman"/>
+        <a:font script="Hebr" typeface="Times New Roman"/>
+        <a:font script="Thai" typeface="Angsana New"/>
+        <a:font script="Ethi" typeface="Nyala"/>
+        <a:font script="Beng" typeface="Vrinda"/>
+        <a:font script="Gujr" typeface="Shruti"/>
+        <a:font script="Khmr" typeface="MoolBoran"/>
+        <a:font script="Knda" typeface="Tunga"/>
+        <a:font script="Guru" typeface="Raavi"/>
+        <a:font script="Cans" typeface="Euphemia"/>
+        <a:font script="Cher" typeface="Plantagenet Cherokee"/>
+        <a:font script="Yiii" typeface="Microsoft Yi Baiti"/>
+        <a:font script="Tibt" typeface="Microsoft Himalaya"/>
+        <a:font script="Thaa" typeface="MV Boli"/>
+        <a:font script="Deva" typeface="Mangal"/>
+        <a:font script="Telu" typeface="Gautami"/>
+        <a:font script="Taml" typeface="Latha"/>
+        <a:font script="Syrc" typeface="Estrangelo Edessa"/>
+        <a:font script="Orya" typeface="Kalinga"/>
+        <a:font script="Mlym" typeface="Kartika"/>
+        <a:font script="Laoo" typeface="DokChampa"/>
+        <a:font script="Sinh" typeface="Iskoola Pota"/>
+        <a:font script="Mong" typeface="Mongolian Baiti"/>
+        <a:font script="Viet" typeface="Times New Roman"/>
+        <a:font script="Uigh" typeface="Microsoft Uighur"/>
+        <a:font script="Geor" typeface="Sylfaen"/>
+        <a:font script="Armn" typeface="Arial"/>
+        <a:font script="Bugi" typeface="Leelawadee UI"/>
+        <a:font script="Bopo" typeface="Microsoft JhengHei"/>
+        <a:font script="Java" typeface="Javanese Text"/>
+        <a:font script="Lisu" typeface="Segoe UI"/>
+        <a:font script="Mymr" typeface="Myanmar Text"/>
+        <a:font script="Nkoo" typeface="Ebrima"/>
+        <a:font script="Olck" typeface="Nirmala UI"/>
+        <a:font script="Osma" typeface="Ebrima"/>
+        <a:font script="Phag" typeface="Phagspa"/>
+        <a:font script="Syrn" typeface="Estrangelo Edessa"/>
+        <a:font script="Syrj" typeface="Estrangelo Edessa"/>
+        <a:font script="Syre" typeface="Estrangelo Edessa"/>
+        <a:font script="Sora" typeface="Nirmala UI"/>
+        <a:font script="Tale" typeface="Microsoft Tai Le"/>
+        <a:font script="Talu" typeface="Microsoft New Tai Lue"/>
+        <a:font script="Tfng" typeface="Ebrima"/>
+      </a:majorFont>
+      <a:minorFont>
+        <a:latin typeface="等线" panose="020F0502020204030204"/>
+        <a:ea typeface=""/>
+        <a:cs typeface=""/>
+        <a:font script="Jpan" typeface="游ゴシック"/>
+        <a:font script="Hang" typeface="맑은 고딕"/>
+        <a:font script="Hans" typeface="等线"/>
+        <a:font script="Hant" typeface="新細明體"/>
+        <a:font script="Arab" typeface="Arial"/>
+        <a:font script="Hebr" typeface="Arial"/>
+        <a:font script="Thai" typeface="Cordia New"/>
+        <a:font script="Ethi" typeface="Nyala"/>
+        <a:font script="Beng" typeface="Vrinda"/>
+        <a:font script="Gujr" typeface="Shruti"/>
+        <a:font script="Khmr" typeface="DaunPenh"/>
+        <a:font script="Knda" typeface="Tunga"/>
+        <a:font script="Guru" typeface="Raavi"/>
+        <a:font script="Cans" typeface="Euphemia"/>
+        <a:font script="Cher" typeface="Plantagenet Cherokee"/>
+        <a:font script="Yiii" typeface="Microsoft Yi Baiti"/>
+        <a:font script="Tibt" typeface="Microsoft Himalaya"/>
+        <a:font script="Thaa" typeface="MV Boli"/>
+        <a:font script="Deva" typeface="Mangal"/>
+        <a:font script="Telu" typeface="Gautami"/>
+        <a:font script="Taml" typeface="Latha"/>
+        <a:font script="Syrc" typeface="Estrangelo Edessa"/>
+        <a:font script="Orya" typeface="Kalinga"/>
+        <a:font script="Mlym" typeface="Kartika"/>
+        <a:font script="Laoo" typeface="DokChampa"/>
+        <a:font script="Sinh" typeface="Iskoola Pota"/>
+        <a:font script="Mong" typeface="Mongolian Baiti"/>
+        <a:font script="Viet" typeface="Arial"/>
+        <a:font script="Uigh" typeface="Microsoft Uighur"/>
+        <a:font script="Geor" typeface="Sylfaen"/>
+        <a:font script="Armn" typeface="Arial"/>
+        <a:font script="Bugi" typeface="Leelawadee UI"/>
+        <a:font script="Bopo" typeface="Microsoft JhengHei"/>
+        <a:font script="Java" typeface="Javanese Text"/>
+        <a:font script="Lisu" typeface="Segoe UI"/>
+        <a:font script="Mymr" typeface="Myanmar Text"/>
+        <a:font script="Nkoo" typeface="Ebrima"/>
+        <a:font script="Olck" typeface="Nirmala UI"/>
+        <a:font script="Osma" typeface="Ebrima"/>
+        <a:font script="Phag" typeface="Phagspa"/>
+        <a:font script="Syrn" typeface="Estrangelo Edessa"/>
+        <a:font script="Syrj" typeface="Estrangelo Edessa"/>
+        <a:font script="Syre" typeface="Estrangelo Edessa"/>
+        <a:font script="Sora" typeface="Nirmala UI"/>
+        <a:font script="Tale" typeface="Microsoft Tai Le"/>
+        <a:font script="Talu" typeface="Microsoft New Tai Lue"/>
+        <a:font script="Tfng" typeface="Ebrima"/>
+      </a:minorFont>
+    </a:fontScheme>
+    <a:fmtScheme name="Office">
+      <a:fillStyleLst>
+        <a:solidFill>
+          <a:schemeClr val="phClr"/>
+        </a:solidFill>
+        <a:gradFill rotWithShape="1">
+          <a:gsLst>
+            <a:gs pos="0">
+              <a:schemeClr val="phClr">
+                <a:lumMod val="110000"/>
+                <a:satMod val="105000"/>
+                <a:tint val="67000"/>
+              </a:schemeClr>
+            </a:gs>
+            <a:gs pos="50000">
+              <a:schemeClr val="phClr">
+                <a:lumMod val="105000"/>
+                <a:satMod val="103000"/>
+                <a:tint val="73000"/>
+              </a:schemeClr>
+            </a:gs>
+            <a:gs pos="100000">
+              <a:schemeClr val="phClr">
+                <a:lumMod val="105000"/>
+                <a:satMod val="109000"/>
+                <a:tint val="81000"/>
+              </a:schemeClr>
+            </a:gs>
+          </a:gsLst>
+          <a:lin ang="5400000" scaled="0"/>
+        </a:gradFill>
+        <a:gradFill rotWithShape="1">
+          <a:gsLst>
+            <a:gs pos="0">
+              <a:schemeClr val="phClr">
+                <a:satMod val="103000"/>
+                <a:lumMod val="102000"/>
+                <a:tint val="94000"/>
+              </a:schemeClr>
+            </a:gs>
+            <a:gs pos="50000">
+              <a:schemeClr val="phClr">
+                <a:satMod val="110000"/>
+                <a:lumMod val="100000"/>
+                <a:shade val="100000"/>
+              </a:schemeClr>
+            </a:gs>
+            <a:gs pos="100000">
+              <a:schemeClr val="phClr">
+                <a:lumMod val="99000"/>
+                <a:satMod val="120000"/>
+                <a:shade val="78000"/>
+              </a:schemeClr>
+            </a:gs>
+          </a:gsLst>
+          <a:lin ang="5400000" scaled="0"/>
+        </a:gradFill>
+      </a:fillStyleLst>
+      <a:lnStyleLst>
+        <a:ln w="6350" cap="flat" cmpd="sng" algn="ctr">
+          <a:solidFill>
+            <a:schemeClr val="phClr"/>
+          </a:solidFill>
+          <a:prstDash val="solid"/>
+          <a:miter lim="800000"/>
+        </a:ln>
+        <a:ln w="12700" cap="flat" cmpd="sng" algn="ctr">
+          <a:solidFill>
+            <a:schemeClr val="phClr"/>
+          </a:solidFill>
+          <a:prstDash val="solid"/>
+          <a:miter lim="800000"/>
+        </a:ln>
+        <a:ln w="19050" cap="flat" cmpd="sng" algn="ctr">
+          <a:solidFill>
+            <a:schemeClr val="phClr"/>
+          </a:solidFill>
+          <a:prstDash val="solid"/>
+          <a:miter lim="800000"/>
+        </a:ln>
+      </a:lnStyleLst>
+      <a:effectStyleLst>
+        <a:effectStyle>
+          <a:effectLst/>
+        </a:effectStyle>
+        <a:effectStyle>
+          <a:effectLst/>
+        </a:effectStyle>
+        <a:effectStyle>
+          <a:effectLst>
+            <a:outerShdw blurRad="57150" dist="19050" dir="5400000" algn="ctr" rotWithShape="0">
+              <a:srgbClr val="000000">
+                <a:alpha val="63000"/>
+              </a:srgbClr>
+            </a:outerShdw>
+          </a:effectLst>
+        </a:effectStyle>
+      </a:effectStyleLst>
+      <a:bgFillStyleLst>
+        <a:solidFill>
+          <a:schemeClr val="phClr"/>
+        </a:solidFill>
+        <a:solidFill>
+          <a:schemeClr val="phClr">
+            <a:tint val="95000"/>
+            <a:satMod val="170000"/>
+          </a:schemeClr>
+        </a:solidFill>
+        <a:gradFill rotWithShape="1">
+          <a:gsLst>
+            <a:gs pos="0">
+              <a:schemeClr val="phClr">
+                <a:tint val="93000"/>
+                <a:satMod val="150000"/>
+                <a:shade val="98000"/>
+                <a:lumMod val="102000"/>
+              </a:schemeClr>
+            </a:gs>
+            <a:gs pos="50000">
+              <a:schemeClr val="phClr">
+                <a:tint val="98000"/>
+                <a:satMod val="130000"/>
+                <a:shade val="90000"/>
+                <a:lumMod val="103000"/>
+              </a:schemeClr>
+            </a:gs>
+            <a:gs pos="100000">
+              <a:schemeClr val="phClr">
+                <a:shade val="63000"/>
+                <a:satMod val="120000"/>
+              </a:schemeClr>
+            </a:gs>
+          </a:gsLst>
+          <a:lin ang="5400000" scaled="0"/>
+        </a:gradFill>
+      </a:bgFillStyleLst>
+    </a:fmtScheme>
+  </a:themeElements>
+  <a:objectDefaults/>
+  <a:extraClrSchemeLst/>
+  <a:extLst>
+    <a:ext uri="{05A4C25C-085E-4340-85A3-A5531E510DB2}">
+      <thm15:themeFamily xmlns:thm15="http://schemas.microsoft.com/office/thememl/2012/main" name="Office Theme" id="{62F939B6-93AF-4DB8-9C6B-D6C7DFDC589F}" vid="{4A3C46E8-61CC-4603-A589-7422A47A8E4A}"/>
+    </a:ext>
+  </a:extLst>
+</a:theme>
 </file>
--- a/02-23组会/演示文稿1.pptx
+++ b/02-23组会/演示文稿1.pptx
@@ -5,12 +5,13 @@
     <p:sldMasterId id="2147483648" r:id="rId1"/>
   </p:sldMasterIdLst>
   <p:notesMasterIdLst>
-    <p:notesMasterId r:id="rId5"/>
+    <p:notesMasterId r:id="rId6"/>
   </p:notesMasterIdLst>
   <p:sldIdLst>
     <p:sldId id="256" r:id="rId2"/>
     <p:sldId id="257" r:id="rId3"/>
     <p:sldId id="258" r:id="rId4"/>
+    <p:sldId id="259" r:id="rId5"/>
   </p:sldIdLst>
   <p:sldSz cx="12192000" cy="6858000"/>
   <p:notesSz cx="6858000" cy="9144000"/>
@@ -464,6 +465,90 @@
     </a:lvl9pPr>
   </p:notesStyle>
 </p:notesMaster>
+</file>
+
+<file path=ppt/notesSlides/notesSlide1.xml><?xml version="1.0" encoding="utf-8"?>
+<p:notes xmlns:a="http://schemas.openxmlformats.org/drawingml/2006/main" xmlns:r="http://schemas.openxmlformats.org/officeDocument/2006/relationships" xmlns:p="http://schemas.openxmlformats.org/presentationml/2006/main">
+  <p:cSld>
+    <p:spTree>
+      <p:nvGrpSpPr>
+        <p:cNvPr id="1" name=""/>
+        <p:cNvGrpSpPr/>
+        <p:nvPr/>
+      </p:nvGrpSpPr>
+      <p:grpSpPr>
+        <a:xfrm>
+          <a:off x="0" y="0"/>
+          <a:ext cx="0" cy="0"/>
+          <a:chOff x="0" y="0"/>
+          <a:chExt cx="0" cy="0"/>
+        </a:xfrm>
+      </p:grpSpPr>
+      <p:sp>
+        <p:nvSpPr>
+          <p:cNvPr id="2" name="幻灯片图像占位符 1"/>
+          <p:cNvSpPr>
+            <a:spLocks noGrp="1" noRot="1" noChangeAspect="1"/>
+          </p:cNvSpPr>
+          <p:nvPr>
+            <p:ph type="sldImg"/>
+          </p:nvPr>
+        </p:nvSpPr>
+        <p:spPr/>
+      </p:sp>
+      <p:sp>
+        <p:nvSpPr>
+          <p:cNvPr id="3" name="备注占位符 2"/>
+          <p:cNvSpPr>
+            <a:spLocks noGrp="1"/>
+          </p:cNvSpPr>
+          <p:nvPr>
+            <p:ph type="body" idx="1"/>
+          </p:nvPr>
+        </p:nvSpPr>
+        <p:spPr/>
+        <p:txBody>
+          <a:bodyPr/>
+          <a:lstStyle/>
+          <a:p>
+            <a:endParaRPr lang="zh-CN" altLang="en-US"/>
+          </a:p>
+        </p:txBody>
+      </p:sp>
+      <p:sp>
+        <p:nvSpPr>
+          <p:cNvPr id="4" name="灯片编号占位符 3"/>
+          <p:cNvSpPr>
+            <a:spLocks noGrp="1"/>
+          </p:cNvSpPr>
+          <p:nvPr>
+            <p:ph type="sldNum" sz="quarter" idx="5"/>
+          </p:nvPr>
+        </p:nvSpPr>
+        <p:spPr/>
+        <p:txBody>
+          <a:bodyPr/>
+          <a:lstStyle/>
+          <a:p>
+            <a:fld id="{4BBBB985-FBE9-44AE-AD73-9F4DFFD0DFE7}" type="slidenum">
+              <a:rPr lang="zh-CN" altLang="en-US" smtClean="0"/>
+              <a:t>4</a:t>
+            </a:fld>
+            <a:endParaRPr lang="zh-CN" altLang="en-US"/>
+          </a:p>
+        </p:txBody>
+      </p:sp>
+    </p:spTree>
+    <p:extLst>
+      <p:ext uri="{BB962C8B-B14F-4D97-AF65-F5344CB8AC3E}">
+        <p14:creationId xmlns:p14="http://schemas.microsoft.com/office/powerpoint/2010/main" val="3853152358"/>
+      </p:ext>
+    </p:extLst>
+  </p:cSld>
+  <p:clrMapOvr>
+    <a:masterClrMapping/>
+  </p:clrMapOvr>
+</p:notes>
 </file>
 
 <file path=ppt/slideLayouts/slideLayout1.xml><?xml version="1.0" encoding="utf-8"?>
@@ -8664,6 +8749,3211 @@
     <p:extLst>
       <p:ext uri="{BB962C8B-B14F-4D97-AF65-F5344CB8AC3E}">
         <p14:creationId xmlns:p14="http://schemas.microsoft.com/office/powerpoint/2010/main" val="2807663121"/>
+      </p:ext>
+    </p:extLst>
+  </p:cSld>
+  <p:clrMapOvr>
+    <a:masterClrMapping/>
+  </p:clrMapOvr>
+</p:sld>
+</file>
+
+<file path=ppt/slides/slide4.xml><?xml version="1.0" encoding="utf-8"?>
+<p:sld xmlns:a="http://schemas.openxmlformats.org/drawingml/2006/main" xmlns:r="http://schemas.openxmlformats.org/officeDocument/2006/relationships" xmlns:p="http://schemas.openxmlformats.org/presentationml/2006/main">
+  <p:cSld>
+    <p:spTree>
+      <p:nvGrpSpPr>
+        <p:cNvPr id="1" name=""/>
+        <p:cNvGrpSpPr/>
+        <p:nvPr/>
+      </p:nvGrpSpPr>
+      <p:grpSpPr>
+        <a:xfrm>
+          <a:off x="0" y="0"/>
+          <a:ext cx="0" cy="0"/>
+          <a:chOff x="0" y="0"/>
+          <a:chExt cx="0" cy="0"/>
+        </a:xfrm>
+      </p:grpSpPr>
+      <p:sp>
+        <p:nvSpPr>
+          <p:cNvPr id="2" name="文本框 1">
+            <a:extLst>
+              <a:ext uri="{FF2B5EF4-FFF2-40B4-BE49-F238E27FC236}">
+                <a16:creationId xmlns:a16="http://schemas.microsoft.com/office/drawing/2014/main" id="{4CE94A17-B40E-E203-F1F4-423EA61BE10D}"/>
+              </a:ext>
+            </a:extLst>
+          </p:cNvPr>
+          <p:cNvSpPr txBox="1"/>
+          <p:nvPr/>
+        </p:nvSpPr>
+        <p:spPr>
+          <a:xfrm>
+            <a:off x="792287" y="665948"/>
+            <a:ext cx="592988" cy="430887"/>
+          </a:xfrm>
+          <a:prstGeom prst="rect">
+            <a:avLst/>
+          </a:prstGeom>
+          <a:noFill/>
+        </p:spPr>
+        <p:txBody>
+          <a:bodyPr wrap="square" rtlCol="0">
+            <a:spAutoFit/>
+          </a:bodyPr>
+          <a:lstStyle/>
+          <a:p>
+            <a:r>
+              <a:rPr lang="zh-CN" altLang="en-US" sz="1100"/>
+              <a:t>原始数据</a:t>
+            </a:r>
+          </a:p>
+        </p:txBody>
+      </p:sp>
+      <p:sp>
+        <p:nvSpPr>
+          <p:cNvPr id="3" name="文本框 2">
+            <a:extLst>
+              <a:ext uri="{FF2B5EF4-FFF2-40B4-BE49-F238E27FC236}">
+                <a16:creationId xmlns:a16="http://schemas.microsoft.com/office/drawing/2014/main" id="{E6988068-B76C-CA78-64B2-5894BCCB1E81}"/>
+              </a:ext>
+            </a:extLst>
+          </p:cNvPr>
+          <p:cNvSpPr txBox="1"/>
+          <p:nvPr/>
+        </p:nvSpPr>
+        <p:spPr>
+          <a:xfrm>
+            <a:off x="1596350" y="675793"/>
+            <a:ext cx="542938" cy="430887"/>
+          </a:xfrm>
+          <a:prstGeom prst="rect">
+            <a:avLst/>
+          </a:prstGeom>
+          <a:noFill/>
+        </p:spPr>
+        <p:txBody>
+          <a:bodyPr wrap="square" rtlCol="0">
+            <a:spAutoFit/>
+          </a:bodyPr>
+          <a:lstStyle/>
+          <a:p>
+            <a:r>
+              <a:rPr lang="zh-CN" altLang="en-US" sz="1100"/>
+              <a:t>初始数据</a:t>
+            </a:r>
+          </a:p>
+        </p:txBody>
+      </p:sp>
+      <p:sp>
+        <p:nvSpPr>
+          <p:cNvPr id="4" name="文本框 3">
+            <a:extLst>
+              <a:ext uri="{FF2B5EF4-FFF2-40B4-BE49-F238E27FC236}">
+                <a16:creationId xmlns:a16="http://schemas.microsoft.com/office/drawing/2014/main" id="{D6600FEB-BE8F-A298-DDC7-E3414B775EF4}"/>
+              </a:ext>
+            </a:extLst>
+          </p:cNvPr>
+          <p:cNvSpPr txBox="1"/>
+          <p:nvPr/>
+        </p:nvSpPr>
+        <p:spPr>
+          <a:xfrm>
+            <a:off x="2234911" y="675793"/>
+            <a:ext cx="542938" cy="430887"/>
+          </a:xfrm>
+          <a:prstGeom prst="rect">
+            <a:avLst/>
+          </a:prstGeom>
+          <a:noFill/>
+        </p:spPr>
+        <p:txBody>
+          <a:bodyPr wrap="square" rtlCol="0">
+            <a:spAutoFit/>
+          </a:bodyPr>
+          <a:lstStyle/>
+          <a:p>
+            <a:r>
+              <a:rPr lang="zh-CN" altLang="en-US" sz="1100"/>
+              <a:t>迭代</a:t>
+            </a:r>
+            <a:r>
+              <a:rPr lang="en-US" altLang="zh-CN" sz="1100"/>
+              <a:t>50</a:t>
+            </a:r>
+            <a:r>
+              <a:rPr lang="zh-CN" altLang="en-US" sz="1100"/>
+              <a:t>轮</a:t>
+            </a:r>
+          </a:p>
+        </p:txBody>
+      </p:sp>
+      <p:sp>
+        <p:nvSpPr>
+          <p:cNvPr id="5" name="文本框 4">
+            <a:extLst>
+              <a:ext uri="{FF2B5EF4-FFF2-40B4-BE49-F238E27FC236}">
+                <a16:creationId xmlns:a16="http://schemas.microsoft.com/office/drawing/2014/main" id="{9AF3994C-E119-88E5-DD82-8F3C9DE59C1F}"/>
+              </a:ext>
+            </a:extLst>
+          </p:cNvPr>
+          <p:cNvSpPr txBox="1"/>
+          <p:nvPr/>
+        </p:nvSpPr>
+        <p:spPr>
+          <a:xfrm>
+            <a:off x="95560" y="1430902"/>
+            <a:ext cx="774017" cy="276999"/>
+          </a:xfrm>
+          <a:prstGeom prst="rect">
+            <a:avLst/>
+          </a:prstGeom>
+          <a:noFill/>
+        </p:spPr>
+        <p:txBody>
+          <a:bodyPr wrap="square" rtlCol="0">
+            <a:spAutoFit/>
+          </a:bodyPr>
+          <a:lstStyle/>
+          <a:p>
+            <a:r>
+              <a:rPr lang="en-US" altLang="zh-CN" sz="1200"/>
+              <a:t>LFW</a:t>
+            </a:r>
+            <a:endParaRPr lang="zh-CN" altLang="en-US" sz="1200"/>
+          </a:p>
+        </p:txBody>
+      </p:sp>
+      <p:cxnSp>
+        <p:nvCxnSpPr>
+          <p:cNvPr id="7" name="直接箭头连接符 6">
+            <a:extLst>
+              <a:ext uri="{FF2B5EF4-FFF2-40B4-BE49-F238E27FC236}">
+                <a16:creationId xmlns:a16="http://schemas.microsoft.com/office/drawing/2014/main" id="{1228820F-F317-2FE0-E84B-AF21CE9669BB}"/>
+              </a:ext>
+            </a:extLst>
+          </p:cNvPr>
+          <p:cNvCxnSpPr>
+            <a:cxnSpLocks/>
+          </p:cNvCxnSpPr>
+          <p:nvPr/>
+        </p:nvCxnSpPr>
+        <p:spPr>
+          <a:xfrm>
+            <a:off x="1477790" y="564512"/>
+            <a:ext cx="0" cy="5995686"/>
+          </a:xfrm>
+          <a:prstGeom prst="straightConnector1">
+            <a:avLst/>
+          </a:prstGeom>
+          <a:ln>
+            <a:headEnd type="none" w="med" len="med"/>
+            <a:tailEnd type="none" w="med" len="med"/>
+          </a:ln>
+        </p:spPr>
+        <p:style>
+          <a:lnRef idx="1">
+            <a:schemeClr val="dk1"/>
+          </a:lnRef>
+          <a:fillRef idx="0">
+            <a:schemeClr val="dk1"/>
+          </a:fillRef>
+          <a:effectRef idx="0">
+            <a:schemeClr val="dk1"/>
+          </a:effectRef>
+          <a:fontRef idx="minor">
+            <a:schemeClr val="tx1"/>
+          </a:fontRef>
+        </p:style>
+      </p:cxnSp>
+      <p:cxnSp>
+        <p:nvCxnSpPr>
+          <p:cNvPr id="8" name="直接箭头连接符 7">
+            <a:extLst>
+              <a:ext uri="{FF2B5EF4-FFF2-40B4-BE49-F238E27FC236}">
+                <a16:creationId xmlns:a16="http://schemas.microsoft.com/office/drawing/2014/main" id="{D84E179B-3F51-1599-DD88-5462F4E513AE}"/>
+              </a:ext>
+            </a:extLst>
+          </p:cNvPr>
+          <p:cNvCxnSpPr>
+            <a:cxnSpLocks/>
+          </p:cNvCxnSpPr>
+          <p:nvPr/>
+        </p:nvCxnSpPr>
+        <p:spPr>
+          <a:xfrm flipH="1">
+            <a:off x="242113" y="1196935"/>
+            <a:ext cx="11190790" cy="0"/>
+          </a:xfrm>
+          <a:prstGeom prst="straightConnector1">
+            <a:avLst/>
+          </a:prstGeom>
+          <a:ln>
+            <a:headEnd type="none" w="med" len="med"/>
+            <a:tailEnd type="none" w="med" len="med"/>
+          </a:ln>
+        </p:spPr>
+        <p:style>
+          <a:lnRef idx="1">
+            <a:schemeClr val="dk1"/>
+          </a:lnRef>
+          <a:fillRef idx="0">
+            <a:schemeClr val="dk1"/>
+          </a:fillRef>
+          <a:effectRef idx="0">
+            <a:schemeClr val="dk1"/>
+          </a:effectRef>
+          <a:fontRef idx="minor">
+            <a:schemeClr val="tx1"/>
+          </a:fontRef>
+        </p:style>
+      </p:cxnSp>
+      <p:sp>
+        <p:nvSpPr>
+          <p:cNvPr id="12" name="文本框 11">
+            <a:extLst>
+              <a:ext uri="{FF2B5EF4-FFF2-40B4-BE49-F238E27FC236}">
+                <a16:creationId xmlns:a16="http://schemas.microsoft.com/office/drawing/2014/main" id="{A3D6E58E-B268-4D18-3814-7DE516BCB7BC}"/>
+              </a:ext>
+            </a:extLst>
+          </p:cNvPr>
+          <p:cNvSpPr txBox="1"/>
+          <p:nvPr/>
+        </p:nvSpPr>
+        <p:spPr>
+          <a:xfrm>
+            <a:off x="2793707" y="675793"/>
+            <a:ext cx="542937" cy="430887"/>
+          </a:xfrm>
+          <a:prstGeom prst="rect">
+            <a:avLst/>
+          </a:prstGeom>
+          <a:noFill/>
+        </p:spPr>
+        <p:txBody>
+          <a:bodyPr wrap="square" rtlCol="0">
+            <a:spAutoFit/>
+          </a:bodyPr>
+          <a:lstStyle/>
+          <a:p>
+            <a:r>
+              <a:rPr lang="zh-CN" altLang="en-US" sz="1100"/>
+              <a:t>迭代</a:t>
+            </a:r>
+            <a:r>
+              <a:rPr lang="en-US" altLang="zh-CN" sz="1100"/>
+              <a:t>100</a:t>
+            </a:r>
+            <a:r>
+              <a:rPr lang="zh-CN" altLang="en-US" sz="1100"/>
+              <a:t>轮</a:t>
+            </a:r>
+          </a:p>
+        </p:txBody>
+      </p:sp>
+      <p:cxnSp>
+        <p:nvCxnSpPr>
+          <p:cNvPr id="13" name="直接箭头连接符 12">
+            <a:extLst>
+              <a:ext uri="{FF2B5EF4-FFF2-40B4-BE49-F238E27FC236}">
+                <a16:creationId xmlns:a16="http://schemas.microsoft.com/office/drawing/2014/main" id="{BA6B21AE-BC5B-2523-808A-280E7EC57FB0}"/>
+              </a:ext>
+            </a:extLst>
+          </p:cNvPr>
+          <p:cNvCxnSpPr>
+            <a:cxnSpLocks/>
+          </p:cNvCxnSpPr>
+          <p:nvPr/>
+        </p:nvCxnSpPr>
+        <p:spPr>
+          <a:xfrm>
+            <a:off x="3554989" y="564512"/>
+            <a:ext cx="0" cy="5995686"/>
+          </a:xfrm>
+          <a:prstGeom prst="straightConnector1">
+            <a:avLst/>
+          </a:prstGeom>
+          <a:ln>
+            <a:headEnd type="none" w="med" len="med"/>
+            <a:tailEnd type="none" w="med" len="med"/>
+          </a:ln>
+        </p:spPr>
+        <p:style>
+          <a:lnRef idx="1">
+            <a:schemeClr val="dk1"/>
+          </a:lnRef>
+          <a:fillRef idx="0">
+            <a:schemeClr val="dk1"/>
+          </a:fillRef>
+          <a:effectRef idx="0">
+            <a:schemeClr val="dk1"/>
+          </a:effectRef>
+          <a:fontRef idx="minor">
+            <a:schemeClr val="tx1"/>
+          </a:fontRef>
+        </p:style>
+      </p:cxnSp>
+      <p:sp>
+        <p:nvSpPr>
+          <p:cNvPr id="14" name="文本框 13">
+            <a:extLst>
+              <a:ext uri="{FF2B5EF4-FFF2-40B4-BE49-F238E27FC236}">
+                <a16:creationId xmlns:a16="http://schemas.microsoft.com/office/drawing/2014/main" id="{5AA5B44A-B314-1256-7494-074F5CC1BA0C}"/>
+              </a:ext>
+            </a:extLst>
+          </p:cNvPr>
+          <p:cNvSpPr txBox="1"/>
+          <p:nvPr/>
+        </p:nvSpPr>
+        <p:spPr>
+          <a:xfrm>
+            <a:off x="2136233" y="230983"/>
+            <a:ext cx="617477" cy="369332"/>
+          </a:xfrm>
+          <a:prstGeom prst="rect">
+            <a:avLst/>
+          </a:prstGeom>
+          <a:noFill/>
+        </p:spPr>
+        <p:txBody>
+          <a:bodyPr wrap="none" rtlCol="0">
+            <a:spAutoFit/>
+          </a:bodyPr>
+          <a:lstStyle/>
+          <a:p>
+            <a:r>
+              <a:rPr lang="en-US" altLang="zh-CN"/>
+              <a:t>ours</a:t>
+            </a:r>
+            <a:endParaRPr lang="zh-CN" altLang="en-US"/>
+          </a:p>
+        </p:txBody>
+      </p:sp>
+      <p:sp>
+        <p:nvSpPr>
+          <p:cNvPr id="15" name="文本框 14">
+            <a:extLst>
+              <a:ext uri="{FF2B5EF4-FFF2-40B4-BE49-F238E27FC236}">
+                <a16:creationId xmlns:a16="http://schemas.microsoft.com/office/drawing/2014/main" id="{AC2FAE3E-BC65-F7F7-B834-D5468EA36879}"/>
+              </a:ext>
+            </a:extLst>
+          </p:cNvPr>
+          <p:cNvSpPr txBox="1"/>
+          <p:nvPr/>
+        </p:nvSpPr>
+        <p:spPr>
+          <a:xfrm>
+            <a:off x="4148481" y="230983"/>
+            <a:ext cx="755335" cy="369332"/>
+          </a:xfrm>
+          <a:prstGeom prst="rect">
+            <a:avLst/>
+          </a:prstGeom>
+          <a:noFill/>
+        </p:spPr>
+        <p:txBody>
+          <a:bodyPr wrap="none" rtlCol="0">
+            <a:spAutoFit/>
+          </a:bodyPr>
+          <a:lstStyle/>
+          <a:p>
+            <a:r>
+              <a:rPr lang="en-US" altLang="zh-CN"/>
+              <a:t>Sotria</a:t>
+            </a:r>
+            <a:endParaRPr lang="zh-CN" altLang="en-US"/>
+          </a:p>
+        </p:txBody>
+      </p:sp>
+      <p:cxnSp>
+        <p:nvCxnSpPr>
+          <p:cNvPr id="19" name="直接箭头连接符 18">
+            <a:extLst>
+              <a:ext uri="{FF2B5EF4-FFF2-40B4-BE49-F238E27FC236}">
+                <a16:creationId xmlns:a16="http://schemas.microsoft.com/office/drawing/2014/main" id="{817860DA-CD91-4A2C-A11B-CD4229AA6E90}"/>
+              </a:ext>
+            </a:extLst>
+          </p:cNvPr>
+          <p:cNvCxnSpPr>
+            <a:cxnSpLocks/>
+          </p:cNvCxnSpPr>
+          <p:nvPr/>
+        </p:nvCxnSpPr>
+        <p:spPr>
+          <a:xfrm>
+            <a:off x="5630085" y="564512"/>
+            <a:ext cx="0" cy="5995686"/>
+          </a:xfrm>
+          <a:prstGeom prst="straightConnector1">
+            <a:avLst/>
+          </a:prstGeom>
+          <a:ln>
+            <a:headEnd type="none" w="med" len="med"/>
+            <a:tailEnd type="none" w="med" len="med"/>
+          </a:ln>
+        </p:spPr>
+        <p:style>
+          <a:lnRef idx="1">
+            <a:schemeClr val="dk1"/>
+          </a:lnRef>
+          <a:fillRef idx="0">
+            <a:schemeClr val="dk1"/>
+          </a:fillRef>
+          <a:effectRef idx="0">
+            <a:schemeClr val="dk1"/>
+          </a:effectRef>
+          <a:fontRef idx="minor">
+            <a:schemeClr val="tx1"/>
+          </a:fontRef>
+        </p:style>
+      </p:cxnSp>
+      <p:pic>
+        <p:nvPicPr>
+          <p:cNvPr id="20" name="图片 19">
+            <a:extLst>
+              <a:ext uri="{FF2B5EF4-FFF2-40B4-BE49-F238E27FC236}">
+                <a16:creationId xmlns:a16="http://schemas.microsoft.com/office/drawing/2014/main" id="{38000956-C6EC-42E8-35D0-A9DC3E095315}"/>
+              </a:ext>
+            </a:extLst>
+          </p:cNvPr>
+          <p:cNvPicPr>
+            <a:picLocks noChangeAspect="1"/>
+          </p:cNvPicPr>
+          <p:nvPr/>
+        </p:nvPicPr>
+        <p:blipFill>
+          <a:blip r:embed="rId3">
+            <a:extLst>
+              <a:ext uri="{28A0092B-C50C-407E-A947-70E740481C1C}">
+                <a14:useLocalDpi xmlns:a14="http://schemas.microsoft.com/office/drawing/2010/main" val="0"/>
+              </a:ext>
+            </a:extLst>
+          </a:blip>
+          <a:srcRect/>
+          <a:stretch/>
+        </p:blipFill>
+        <p:spPr>
+          <a:xfrm>
+            <a:off x="720214" y="1999010"/>
+            <a:ext cx="633211" cy="633211"/>
+          </a:xfrm>
+          <a:prstGeom prst="rect">
+            <a:avLst/>
+          </a:prstGeom>
+        </p:spPr>
+      </p:pic>
+      <p:pic>
+        <p:nvPicPr>
+          <p:cNvPr id="21" name="图片 20">
+            <a:extLst>
+              <a:ext uri="{FF2B5EF4-FFF2-40B4-BE49-F238E27FC236}">
+                <a16:creationId xmlns:a16="http://schemas.microsoft.com/office/drawing/2014/main" id="{0F428275-7A6D-5197-03A5-01D3D7900BC8}"/>
+              </a:ext>
+            </a:extLst>
+          </p:cNvPr>
+          <p:cNvPicPr>
+            <a:picLocks noChangeAspect="1"/>
+          </p:cNvPicPr>
+          <p:nvPr/>
+        </p:nvPicPr>
+        <p:blipFill>
+          <a:blip r:embed="rId4">
+            <a:extLst>
+              <a:ext uri="{28A0092B-C50C-407E-A947-70E740481C1C}">
+                <a14:useLocalDpi xmlns:a14="http://schemas.microsoft.com/office/drawing/2010/main" val="0"/>
+              </a:ext>
+            </a:extLst>
+          </a:blip>
+          <a:srcRect/>
+          <a:stretch/>
+        </p:blipFill>
+        <p:spPr>
+          <a:xfrm>
+            <a:off x="720214" y="2732702"/>
+            <a:ext cx="633211" cy="633211"/>
+          </a:xfrm>
+          <a:prstGeom prst="rect">
+            <a:avLst/>
+          </a:prstGeom>
+        </p:spPr>
+      </p:pic>
+      <p:pic>
+        <p:nvPicPr>
+          <p:cNvPr id="22" name="图片 21">
+            <a:extLst>
+              <a:ext uri="{FF2B5EF4-FFF2-40B4-BE49-F238E27FC236}">
+                <a16:creationId xmlns:a16="http://schemas.microsoft.com/office/drawing/2014/main" id="{4B993ABC-4B2B-A98F-E212-FA561D77AF3D}"/>
+              </a:ext>
+            </a:extLst>
+          </p:cNvPr>
+          <p:cNvPicPr>
+            <a:picLocks noChangeAspect="1"/>
+          </p:cNvPicPr>
+          <p:nvPr/>
+        </p:nvPicPr>
+        <p:blipFill>
+          <a:blip r:embed="rId5">
+            <a:extLst>
+              <a:ext uri="{28A0092B-C50C-407E-A947-70E740481C1C}">
+                <a14:useLocalDpi xmlns:a14="http://schemas.microsoft.com/office/drawing/2010/main" val="0"/>
+              </a:ext>
+            </a:extLst>
+          </a:blip>
+          <a:srcRect/>
+          <a:stretch/>
+        </p:blipFill>
+        <p:spPr>
+          <a:xfrm>
+            <a:off x="756969" y="1298963"/>
+            <a:ext cx="633211" cy="633211"/>
+          </a:xfrm>
+          <a:prstGeom prst="rect">
+            <a:avLst/>
+          </a:prstGeom>
+        </p:spPr>
+      </p:pic>
+      <p:grpSp>
+        <p:nvGrpSpPr>
+          <p:cNvPr id="57" name="组合 56">
+            <a:extLst>
+              <a:ext uri="{FF2B5EF4-FFF2-40B4-BE49-F238E27FC236}">
+                <a16:creationId xmlns:a16="http://schemas.microsoft.com/office/drawing/2014/main" id="{D3C0E7AE-D687-1172-A044-D37A233E84DE}"/>
+              </a:ext>
+            </a:extLst>
+          </p:cNvPr>
+          <p:cNvGrpSpPr/>
+          <p:nvPr/>
+        </p:nvGrpSpPr>
+        <p:grpSpPr>
+          <a:xfrm>
+            <a:off x="1565400" y="1298963"/>
+            <a:ext cx="1901979" cy="633211"/>
+            <a:chOff x="1386080" y="1439674"/>
+            <a:chExt cx="1901979" cy="633211"/>
+          </a:xfrm>
+        </p:grpSpPr>
+        <p:pic>
+          <p:nvPicPr>
+            <p:cNvPr id="23" name="图片 22">
+              <a:extLst>
+                <a:ext uri="{FF2B5EF4-FFF2-40B4-BE49-F238E27FC236}">
+                  <a16:creationId xmlns:a16="http://schemas.microsoft.com/office/drawing/2014/main" id="{50843CBF-FF2B-E077-59FF-812D14DF9721}"/>
+                </a:ext>
+              </a:extLst>
+            </p:cNvPr>
+            <p:cNvPicPr>
+              <a:picLocks noChangeAspect="1"/>
+            </p:cNvPicPr>
+            <p:nvPr/>
+          </p:nvPicPr>
+          <p:blipFill>
+            <a:blip r:embed="rId6">
+              <a:extLst>
+                <a:ext uri="{28A0092B-C50C-407E-A947-70E740481C1C}">
+                  <a14:useLocalDpi xmlns:a14="http://schemas.microsoft.com/office/drawing/2010/main" val="0"/>
+                </a:ext>
+              </a:extLst>
+            </a:blip>
+            <a:srcRect/>
+            <a:stretch/>
+          </p:blipFill>
+          <p:spPr>
+            <a:xfrm>
+              <a:off x="2020464" y="1439674"/>
+              <a:ext cx="633211" cy="633211"/>
+            </a:xfrm>
+            <a:prstGeom prst="rect">
+              <a:avLst/>
+            </a:prstGeom>
+          </p:spPr>
+        </p:pic>
+        <p:pic>
+          <p:nvPicPr>
+            <p:cNvPr id="24" name="图片 23">
+              <a:extLst>
+                <a:ext uri="{FF2B5EF4-FFF2-40B4-BE49-F238E27FC236}">
+                  <a16:creationId xmlns:a16="http://schemas.microsoft.com/office/drawing/2014/main" id="{13F998C3-ED18-41F9-C035-B9F2A6B74555}"/>
+                </a:ext>
+              </a:extLst>
+            </p:cNvPr>
+            <p:cNvPicPr>
+              <a:picLocks noChangeAspect="1"/>
+            </p:cNvPicPr>
+            <p:nvPr/>
+          </p:nvPicPr>
+          <p:blipFill>
+            <a:blip r:embed="rId6">
+              <a:extLst>
+                <a:ext uri="{28A0092B-C50C-407E-A947-70E740481C1C}">
+                  <a14:useLocalDpi xmlns:a14="http://schemas.microsoft.com/office/drawing/2010/main" val="0"/>
+                </a:ext>
+              </a:extLst>
+            </a:blip>
+            <a:srcRect/>
+            <a:stretch/>
+          </p:blipFill>
+          <p:spPr>
+            <a:xfrm>
+              <a:off x="2654848" y="1439674"/>
+              <a:ext cx="633211" cy="633211"/>
+            </a:xfrm>
+            <a:prstGeom prst="rect">
+              <a:avLst/>
+            </a:prstGeom>
+          </p:spPr>
+        </p:pic>
+        <p:pic>
+          <p:nvPicPr>
+            <p:cNvPr id="25" name="图片 24">
+              <a:extLst>
+                <a:ext uri="{FF2B5EF4-FFF2-40B4-BE49-F238E27FC236}">
+                  <a16:creationId xmlns:a16="http://schemas.microsoft.com/office/drawing/2014/main" id="{CAEB0C74-485E-4E9E-9398-52968A88225A}"/>
+                </a:ext>
+              </a:extLst>
+            </p:cNvPr>
+            <p:cNvPicPr>
+              <a:picLocks noChangeAspect="1"/>
+            </p:cNvPicPr>
+            <p:nvPr/>
+          </p:nvPicPr>
+          <p:blipFill>
+            <a:blip r:embed="rId6">
+              <a:extLst>
+                <a:ext uri="{28A0092B-C50C-407E-A947-70E740481C1C}">
+                  <a14:useLocalDpi xmlns:a14="http://schemas.microsoft.com/office/drawing/2010/main" val="0"/>
+                </a:ext>
+              </a:extLst>
+            </a:blip>
+            <a:srcRect/>
+            <a:stretch/>
+          </p:blipFill>
+          <p:spPr>
+            <a:xfrm>
+              <a:off x="1386080" y="1439674"/>
+              <a:ext cx="633211" cy="633211"/>
+            </a:xfrm>
+            <a:prstGeom prst="rect">
+              <a:avLst/>
+            </a:prstGeom>
+          </p:spPr>
+        </p:pic>
+      </p:grpSp>
+      <p:grpSp>
+        <p:nvGrpSpPr>
+          <p:cNvPr id="56" name="组合 55">
+            <a:extLst>
+              <a:ext uri="{FF2B5EF4-FFF2-40B4-BE49-F238E27FC236}">
+                <a16:creationId xmlns:a16="http://schemas.microsoft.com/office/drawing/2014/main" id="{B7696783-713C-0330-D822-9694499200D5}"/>
+              </a:ext>
+            </a:extLst>
+          </p:cNvPr>
+          <p:cNvGrpSpPr/>
+          <p:nvPr/>
+        </p:nvGrpSpPr>
+        <p:grpSpPr>
+          <a:xfrm>
+            <a:off x="3642599" y="1298963"/>
+            <a:ext cx="1899876" cy="633211"/>
+            <a:chOff x="3485195" y="1439674"/>
+            <a:chExt cx="1899876" cy="633211"/>
+          </a:xfrm>
+        </p:grpSpPr>
+        <p:pic>
+          <p:nvPicPr>
+            <p:cNvPr id="26" name="图片 25">
+              <a:extLst>
+                <a:ext uri="{FF2B5EF4-FFF2-40B4-BE49-F238E27FC236}">
+                  <a16:creationId xmlns:a16="http://schemas.microsoft.com/office/drawing/2014/main" id="{FEDB9D2A-7A83-BB07-C26D-E90D081E53F5}"/>
+                </a:ext>
+              </a:extLst>
+            </p:cNvPr>
+            <p:cNvPicPr>
+              <a:picLocks noChangeAspect="1"/>
+            </p:cNvPicPr>
+            <p:nvPr/>
+          </p:nvPicPr>
+          <p:blipFill>
+            <a:blip r:embed="rId7">
+              <a:extLst>
+                <a:ext uri="{28A0092B-C50C-407E-A947-70E740481C1C}">
+                  <a14:useLocalDpi xmlns:a14="http://schemas.microsoft.com/office/drawing/2010/main" val="0"/>
+                </a:ext>
+              </a:extLst>
+            </a:blip>
+            <a:srcRect/>
+            <a:stretch/>
+          </p:blipFill>
+          <p:spPr>
+            <a:xfrm>
+              <a:off x="4118528" y="1439674"/>
+              <a:ext cx="633211" cy="633211"/>
+            </a:xfrm>
+            <a:prstGeom prst="rect">
+              <a:avLst/>
+            </a:prstGeom>
+          </p:spPr>
+        </p:pic>
+        <p:pic>
+          <p:nvPicPr>
+            <p:cNvPr id="27" name="图片 26">
+              <a:extLst>
+                <a:ext uri="{FF2B5EF4-FFF2-40B4-BE49-F238E27FC236}">
+                  <a16:creationId xmlns:a16="http://schemas.microsoft.com/office/drawing/2014/main" id="{8905D484-B4EF-ADC6-DB5C-1DB6D5E696A8}"/>
+                </a:ext>
+              </a:extLst>
+            </p:cNvPr>
+            <p:cNvPicPr>
+              <a:picLocks noChangeAspect="1"/>
+            </p:cNvPicPr>
+            <p:nvPr/>
+          </p:nvPicPr>
+          <p:blipFill>
+            <a:blip r:embed="rId8">
+              <a:extLst>
+                <a:ext uri="{28A0092B-C50C-407E-A947-70E740481C1C}">
+                  <a14:useLocalDpi xmlns:a14="http://schemas.microsoft.com/office/drawing/2010/main" val="0"/>
+                </a:ext>
+              </a:extLst>
+            </a:blip>
+            <a:srcRect/>
+            <a:stretch/>
+          </p:blipFill>
+          <p:spPr>
+            <a:xfrm>
+              <a:off x="4751860" y="1439674"/>
+              <a:ext cx="633211" cy="633211"/>
+            </a:xfrm>
+            <a:prstGeom prst="rect">
+              <a:avLst/>
+            </a:prstGeom>
+          </p:spPr>
+        </p:pic>
+        <p:pic>
+          <p:nvPicPr>
+            <p:cNvPr id="28" name="图片 27">
+              <a:extLst>
+                <a:ext uri="{FF2B5EF4-FFF2-40B4-BE49-F238E27FC236}">
+                  <a16:creationId xmlns:a16="http://schemas.microsoft.com/office/drawing/2014/main" id="{C6A7551C-29B5-2D1D-2689-51DC106FE0AA}"/>
+                </a:ext>
+              </a:extLst>
+            </p:cNvPr>
+            <p:cNvPicPr>
+              <a:picLocks noChangeAspect="1"/>
+            </p:cNvPicPr>
+            <p:nvPr/>
+          </p:nvPicPr>
+          <p:blipFill>
+            <a:blip r:embed="rId9">
+              <a:extLst>
+                <a:ext uri="{28A0092B-C50C-407E-A947-70E740481C1C}">
+                  <a14:useLocalDpi xmlns:a14="http://schemas.microsoft.com/office/drawing/2010/main" val="0"/>
+                </a:ext>
+              </a:extLst>
+            </a:blip>
+            <a:srcRect/>
+            <a:stretch/>
+          </p:blipFill>
+          <p:spPr>
+            <a:xfrm>
+              <a:off x="3485195" y="1439674"/>
+              <a:ext cx="633211" cy="633211"/>
+            </a:xfrm>
+            <a:prstGeom prst="rect">
+              <a:avLst/>
+            </a:prstGeom>
+          </p:spPr>
+        </p:pic>
+      </p:grpSp>
+      <p:grpSp>
+        <p:nvGrpSpPr>
+          <p:cNvPr id="55" name="组合 54">
+            <a:extLst>
+              <a:ext uri="{FF2B5EF4-FFF2-40B4-BE49-F238E27FC236}">
+                <a16:creationId xmlns:a16="http://schemas.microsoft.com/office/drawing/2014/main" id="{E9431264-0C1C-0DCF-89EB-875E26F7A784}"/>
+              </a:ext>
+            </a:extLst>
+          </p:cNvPr>
+          <p:cNvGrpSpPr/>
+          <p:nvPr/>
+        </p:nvGrpSpPr>
+        <p:grpSpPr>
+          <a:xfrm>
+            <a:off x="5717695" y="1298963"/>
+            <a:ext cx="1899876" cy="633211"/>
+            <a:chOff x="5563694" y="1439674"/>
+            <a:chExt cx="1899876" cy="633211"/>
+          </a:xfrm>
+        </p:grpSpPr>
+        <p:pic>
+          <p:nvPicPr>
+            <p:cNvPr id="29" name="图片 28">
+              <a:extLst>
+                <a:ext uri="{FF2B5EF4-FFF2-40B4-BE49-F238E27FC236}">
+                  <a16:creationId xmlns:a16="http://schemas.microsoft.com/office/drawing/2014/main" id="{C27569EF-3D5E-9851-0E30-03C48FC3A5A2}"/>
+                </a:ext>
+              </a:extLst>
+            </p:cNvPr>
+            <p:cNvPicPr>
+              <a:picLocks noChangeAspect="1"/>
+            </p:cNvPicPr>
+            <p:nvPr/>
+          </p:nvPicPr>
+          <p:blipFill>
+            <a:blip r:embed="rId10">
+              <a:extLst>
+                <a:ext uri="{28A0092B-C50C-407E-A947-70E740481C1C}">
+                  <a14:useLocalDpi xmlns:a14="http://schemas.microsoft.com/office/drawing/2010/main" val="0"/>
+                </a:ext>
+              </a:extLst>
+            </a:blip>
+            <a:srcRect/>
+            <a:stretch/>
+          </p:blipFill>
+          <p:spPr>
+            <a:xfrm>
+              <a:off x="6197026" y="1439674"/>
+              <a:ext cx="633211" cy="633211"/>
+            </a:xfrm>
+            <a:prstGeom prst="rect">
+              <a:avLst/>
+            </a:prstGeom>
+          </p:spPr>
+        </p:pic>
+        <p:pic>
+          <p:nvPicPr>
+            <p:cNvPr id="30" name="图片 29">
+              <a:extLst>
+                <a:ext uri="{FF2B5EF4-FFF2-40B4-BE49-F238E27FC236}">
+                  <a16:creationId xmlns:a16="http://schemas.microsoft.com/office/drawing/2014/main" id="{37ABB590-C061-BF57-1745-43B105C54AC9}"/>
+                </a:ext>
+              </a:extLst>
+            </p:cNvPr>
+            <p:cNvPicPr>
+              <a:picLocks noChangeAspect="1"/>
+            </p:cNvPicPr>
+            <p:nvPr/>
+          </p:nvPicPr>
+          <p:blipFill>
+            <a:blip r:embed="rId11">
+              <a:extLst>
+                <a:ext uri="{28A0092B-C50C-407E-A947-70E740481C1C}">
+                  <a14:useLocalDpi xmlns:a14="http://schemas.microsoft.com/office/drawing/2010/main" val="0"/>
+                </a:ext>
+              </a:extLst>
+            </a:blip>
+            <a:srcRect/>
+            <a:stretch/>
+          </p:blipFill>
+          <p:spPr>
+            <a:xfrm>
+              <a:off x="6830359" y="1439674"/>
+              <a:ext cx="633211" cy="633211"/>
+            </a:xfrm>
+            <a:prstGeom prst="rect">
+              <a:avLst/>
+            </a:prstGeom>
+          </p:spPr>
+        </p:pic>
+        <p:pic>
+          <p:nvPicPr>
+            <p:cNvPr id="31" name="图片 30">
+              <a:extLst>
+                <a:ext uri="{FF2B5EF4-FFF2-40B4-BE49-F238E27FC236}">
+                  <a16:creationId xmlns:a16="http://schemas.microsoft.com/office/drawing/2014/main" id="{0889A06D-BFBA-07F9-5ACE-26CFCBA53D09}"/>
+                </a:ext>
+              </a:extLst>
+            </p:cNvPr>
+            <p:cNvPicPr>
+              <a:picLocks noChangeAspect="1"/>
+            </p:cNvPicPr>
+            <p:nvPr/>
+          </p:nvPicPr>
+          <p:blipFill>
+            <a:blip r:embed="rId12">
+              <a:extLst>
+                <a:ext uri="{28A0092B-C50C-407E-A947-70E740481C1C}">
+                  <a14:useLocalDpi xmlns:a14="http://schemas.microsoft.com/office/drawing/2010/main" val="0"/>
+                </a:ext>
+              </a:extLst>
+            </a:blip>
+            <a:srcRect/>
+            <a:stretch/>
+          </p:blipFill>
+          <p:spPr>
+            <a:xfrm>
+              <a:off x="5563694" y="1439674"/>
+              <a:ext cx="633211" cy="633211"/>
+            </a:xfrm>
+            <a:prstGeom prst="rect">
+              <a:avLst/>
+            </a:prstGeom>
+          </p:spPr>
+        </p:pic>
+      </p:grpSp>
+      <p:sp>
+        <p:nvSpPr>
+          <p:cNvPr id="32" name="文本框 31">
+            <a:extLst>
+              <a:ext uri="{FF2B5EF4-FFF2-40B4-BE49-F238E27FC236}">
+                <a16:creationId xmlns:a16="http://schemas.microsoft.com/office/drawing/2014/main" id="{63B54964-7A93-493D-7E38-032D0FEED614}"/>
+              </a:ext>
+            </a:extLst>
+          </p:cNvPr>
+          <p:cNvSpPr txBox="1"/>
+          <p:nvPr/>
+        </p:nvSpPr>
+        <p:spPr>
+          <a:xfrm>
+            <a:off x="6000878" y="230983"/>
+            <a:ext cx="1330814" cy="369332"/>
+          </a:xfrm>
+          <a:prstGeom prst="rect">
+            <a:avLst/>
+          </a:prstGeom>
+          <a:noFill/>
+        </p:spPr>
+        <p:txBody>
+          <a:bodyPr wrap="none" rtlCol="0">
+            <a:spAutoFit/>
+          </a:bodyPr>
+          <a:lstStyle/>
+          <a:p>
+            <a:r>
+              <a:rPr lang="en-US" altLang="zh-CN"/>
+              <a:t>DP-Laplace</a:t>
+            </a:r>
+            <a:endParaRPr lang="zh-CN" altLang="en-US"/>
+          </a:p>
+        </p:txBody>
+      </p:sp>
+      <p:cxnSp>
+        <p:nvCxnSpPr>
+          <p:cNvPr id="40" name="直接箭头连接符 39">
+            <a:extLst>
+              <a:ext uri="{FF2B5EF4-FFF2-40B4-BE49-F238E27FC236}">
+                <a16:creationId xmlns:a16="http://schemas.microsoft.com/office/drawing/2014/main" id="{D59A1715-EFAD-0B7F-5C91-C6AFA1036E28}"/>
+              </a:ext>
+            </a:extLst>
+          </p:cNvPr>
+          <p:cNvCxnSpPr>
+            <a:cxnSpLocks/>
+          </p:cNvCxnSpPr>
+          <p:nvPr/>
+        </p:nvCxnSpPr>
+        <p:spPr>
+          <a:xfrm>
+            <a:off x="7705181" y="564512"/>
+            <a:ext cx="0" cy="5995686"/>
+          </a:xfrm>
+          <a:prstGeom prst="straightConnector1">
+            <a:avLst/>
+          </a:prstGeom>
+          <a:ln>
+            <a:headEnd type="none" w="med" len="med"/>
+            <a:tailEnd type="none" w="med" len="med"/>
+          </a:ln>
+        </p:spPr>
+        <p:style>
+          <a:lnRef idx="1">
+            <a:schemeClr val="dk1"/>
+          </a:lnRef>
+          <a:fillRef idx="0">
+            <a:schemeClr val="dk1"/>
+          </a:fillRef>
+          <a:effectRef idx="0">
+            <a:schemeClr val="dk1"/>
+          </a:effectRef>
+          <a:fontRef idx="minor">
+            <a:schemeClr val="tx1"/>
+          </a:fontRef>
+        </p:style>
+      </p:cxnSp>
+      <p:grpSp>
+        <p:nvGrpSpPr>
+          <p:cNvPr id="54" name="组合 53">
+            <a:extLst>
+              <a:ext uri="{FF2B5EF4-FFF2-40B4-BE49-F238E27FC236}">
+                <a16:creationId xmlns:a16="http://schemas.microsoft.com/office/drawing/2014/main" id="{C8E839FA-32CA-03A1-6AB5-69780ADA993E}"/>
+              </a:ext>
+            </a:extLst>
+          </p:cNvPr>
+          <p:cNvGrpSpPr/>
+          <p:nvPr/>
+        </p:nvGrpSpPr>
+        <p:grpSpPr>
+          <a:xfrm>
+            <a:off x="7792792" y="1298963"/>
+            <a:ext cx="1899876" cy="633211"/>
+            <a:chOff x="7672213" y="1441603"/>
+            <a:chExt cx="1899876" cy="633211"/>
+          </a:xfrm>
+        </p:grpSpPr>
+        <p:pic>
+          <p:nvPicPr>
+            <p:cNvPr id="41" name="图片 40">
+              <a:extLst>
+                <a:ext uri="{FF2B5EF4-FFF2-40B4-BE49-F238E27FC236}">
+                  <a16:creationId xmlns:a16="http://schemas.microsoft.com/office/drawing/2014/main" id="{9DA99CB6-5041-619C-5931-B363A4E9718B}"/>
+                </a:ext>
+              </a:extLst>
+            </p:cNvPr>
+            <p:cNvPicPr>
+              <a:picLocks noChangeAspect="1"/>
+            </p:cNvPicPr>
+            <p:nvPr/>
+          </p:nvPicPr>
+          <p:blipFill>
+            <a:blip r:embed="rId13">
+              <a:extLst>
+                <a:ext uri="{28A0092B-C50C-407E-A947-70E740481C1C}">
+                  <a14:useLocalDpi xmlns:a14="http://schemas.microsoft.com/office/drawing/2010/main" val="0"/>
+                </a:ext>
+              </a:extLst>
+            </a:blip>
+            <a:srcRect/>
+            <a:stretch/>
+          </p:blipFill>
+          <p:spPr>
+            <a:xfrm>
+              <a:off x="8305545" y="1441603"/>
+              <a:ext cx="633211" cy="633211"/>
+            </a:xfrm>
+            <a:prstGeom prst="rect">
+              <a:avLst/>
+            </a:prstGeom>
+          </p:spPr>
+        </p:pic>
+        <p:pic>
+          <p:nvPicPr>
+            <p:cNvPr id="42" name="图片 41">
+              <a:extLst>
+                <a:ext uri="{FF2B5EF4-FFF2-40B4-BE49-F238E27FC236}">
+                  <a16:creationId xmlns:a16="http://schemas.microsoft.com/office/drawing/2014/main" id="{F57AA6ED-E6BB-774E-1B33-97D4F3BAA7C8}"/>
+                </a:ext>
+              </a:extLst>
+            </p:cNvPr>
+            <p:cNvPicPr>
+              <a:picLocks noChangeAspect="1"/>
+            </p:cNvPicPr>
+            <p:nvPr/>
+          </p:nvPicPr>
+          <p:blipFill>
+            <a:blip r:embed="rId14">
+              <a:extLst>
+                <a:ext uri="{28A0092B-C50C-407E-A947-70E740481C1C}">
+                  <a14:useLocalDpi xmlns:a14="http://schemas.microsoft.com/office/drawing/2010/main" val="0"/>
+                </a:ext>
+              </a:extLst>
+            </a:blip>
+            <a:srcRect/>
+            <a:stretch/>
+          </p:blipFill>
+          <p:spPr>
+            <a:xfrm>
+              <a:off x="8938878" y="1441603"/>
+              <a:ext cx="633211" cy="633211"/>
+            </a:xfrm>
+            <a:prstGeom prst="rect">
+              <a:avLst/>
+            </a:prstGeom>
+          </p:spPr>
+        </p:pic>
+        <p:pic>
+          <p:nvPicPr>
+            <p:cNvPr id="43" name="图片 42">
+              <a:extLst>
+                <a:ext uri="{FF2B5EF4-FFF2-40B4-BE49-F238E27FC236}">
+                  <a16:creationId xmlns:a16="http://schemas.microsoft.com/office/drawing/2014/main" id="{4EF45B0B-E364-E76C-8EB8-F40063E49DCA}"/>
+                </a:ext>
+              </a:extLst>
+            </p:cNvPr>
+            <p:cNvPicPr>
+              <a:picLocks noChangeAspect="1"/>
+            </p:cNvPicPr>
+            <p:nvPr/>
+          </p:nvPicPr>
+          <p:blipFill>
+            <a:blip r:embed="rId15">
+              <a:extLst>
+                <a:ext uri="{28A0092B-C50C-407E-A947-70E740481C1C}">
+                  <a14:useLocalDpi xmlns:a14="http://schemas.microsoft.com/office/drawing/2010/main" val="0"/>
+                </a:ext>
+              </a:extLst>
+            </a:blip>
+            <a:srcRect/>
+            <a:stretch/>
+          </p:blipFill>
+          <p:spPr>
+            <a:xfrm>
+              <a:off x="7672213" y="1441603"/>
+              <a:ext cx="633211" cy="633211"/>
+            </a:xfrm>
+            <a:prstGeom prst="rect">
+              <a:avLst/>
+            </a:prstGeom>
+          </p:spPr>
+        </p:pic>
+      </p:grpSp>
+      <p:sp>
+        <p:nvSpPr>
+          <p:cNvPr id="44" name="文本框 43">
+            <a:extLst>
+              <a:ext uri="{FF2B5EF4-FFF2-40B4-BE49-F238E27FC236}">
+                <a16:creationId xmlns:a16="http://schemas.microsoft.com/office/drawing/2014/main" id="{F816503B-ABA4-B58C-DBBF-4D695425E4AE}"/>
+              </a:ext>
+            </a:extLst>
+          </p:cNvPr>
+          <p:cNvSpPr txBox="1"/>
+          <p:nvPr/>
+        </p:nvSpPr>
+        <p:spPr>
+          <a:xfrm>
+            <a:off x="8155696" y="209762"/>
+            <a:ext cx="482824" cy="369332"/>
+          </a:xfrm>
+          <a:prstGeom prst="rect">
+            <a:avLst/>
+          </a:prstGeom>
+          <a:noFill/>
+        </p:spPr>
+        <p:txBody>
+          <a:bodyPr wrap="none" rtlCol="0">
+            <a:spAutoFit/>
+          </a:bodyPr>
+          <a:lstStyle/>
+          <a:p>
+            <a:r>
+              <a:rPr lang="en-US" altLang="zh-CN"/>
+              <a:t>GC</a:t>
+            </a:r>
+            <a:endParaRPr lang="zh-CN" altLang="en-US"/>
+          </a:p>
+        </p:txBody>
+      </p:sp>
+      <p:sp>
+        <p:nvSpPr>
+          <p:cNvPr id="45" name="文本框 44">
+            <a:extLst>
+              <a:ext uri="{FF2B5EF4-FFF2-40B4-BE49-F238E27FC236}">
+                <a16:creationId xmlns:a16="http://schemas.microsoft.com/office/drawing/2014/main" id="{9EB7F7BF-0B7C-FEB0-F437-350B3EEE35E1}"/>
+              </a:ext>
+            </a:extLst>
+          </p:cNvPr>
+          <p:cNvSpPr txBox="1"/>
+          <p:nvPr/>
+        </p:nvSpPr>
+        <p:spPr>
+          <a:xfrm>
+            <a:off x="3715304" y="707713"/>
+            <a:ext cx="542938" cy="430887"/>
+          </a:xfrm>
+          <a:prstGeom prst="rect">
+            <a:avLst/>
+          </a:prstGeom>
+          <a:noFill/>
+        </p:spPr>
+        <p:txBody>
+          <a:bodyPr wrap="square" rtlCol="0">
+            <a:spAutoFit/>
+          </a:bodyPr>
+          <a:lstStyle/>
+          <a:p>
+            <a:r>
+              <a:rPr lang="zh-CN" altLang="en-US" sz="1100"/>
+              <a:t>初始数据</a:t>
+            </a:r>
+          </a:p>
+        </p:txBody>
+      </p:sp>
+      <p:sp>
+        <p:nvSpPr>
+          <p:cNvPr id="46" name="文本框 45">
+            <a:extLst>
+              <a:ext uri="{FF2B5EF4-FFF2-40B4-BE49-F238E27FC236}">
+                <a16:creationId xmlns:a16="http://schemas.microsoft.com/office/drawing/2014/main" id="{C7A75861-508A-E0AA-8A7D-806BDB1DFDB6}"/>
+              </a:ext>
+            </a:extLst>
+          </p:cNvPr>
+          <p:cNvSpPr txBox="1"/>
+          <p:nvPr/>
+        </p:nvSpPr>
+        <p:spPr>
+          <a:xfrm>
+            <a:off x="4353865" y="707713"/>
+            <a:ext cx="542938" cy="430887"/>
+          </a:xfrm>
+          <a:prstGeom prst="rect">
+            <a:avLst/>
+          </a:prstGeom>
+          <a:noFill/>
+        </p:spPr>
+        <p:txBody>
+          <a:bodyPr wrap="square" rtlCol="0">
+            <a:spAutoFit/>
+          </a:bodyPr>
+          <a:lstStyle/>
+          <a:p>
+            <a:r>
+              <a:rPr lang="zh-CN" altLang="en-US" sz="1100"/>
+              <a:t>迭代</a:t>
+            </a:r>
+            <a:r>
+              <a:rPr lang="en-US" altLang="zh-CN" sz="1100"/>
+              <a:t>150</a:t>
+            </a:r>
+            <a:r>
+              <a:rPr lang="zh-CN" altLang="en-US" sz="1100"/>
+              <a:t>轮</a:t>
+            </a:r>
+          </a:p>
+        </p:txBody>
+      </p:sp>
+      <p:sp>
+        <p:nvSpPr>
+          <p:cNvPr id="47" name="文本框 46">
+            <a:extLst>
+              <a:ext uri="{FF2B5EF4-FFF2-40B4-BE49-F238E27FC236}">
+                <a16:creationId xmlns:a16="http://schemas.microsoft.com/office/drawing/2014/main" id="{3A82B68B-5E05-9139-6931-367C02E7771F}"/>
+              </a:ext>
+            </a:extLst>
+          </p:cNvPr>
+          <p:cNvSpPr txBox="1"/>
+          <p:nvPr/>
+        </p:nvSpPr>
+        <p:spPr>
+          <a:xfrm>
+            <a:off x="4912661" y="707713"/>
+            <a:ext cx="542937" cy="430887"/>
+          </a:xfrm>
+          <a:prstGeom prst="rect">
+            <a:avLst/>
+          </a:prstGeom>
+          <a:noFill/>
+        </p:spPr>
+        <p:txBody>
+          <a:bodyPr wrap="square" rtlCol="0">
+            <a:spAutoFit/>
+          </a:bodyPr>
+          <a:lstStyle/>
+          <a:p>
+            <a:r>
+              <a:rPr lang="zh-CN" altLang="en-US" sz="1100"/>
+              <a:t>迭代</a:t>
+            </a:r>
+            <a:r>
+              <a:rPr lang="en-US" altLang="zh-CN" sz="1100"/>
+              <a:t>200</a:t>
+            </a:r>
+            <a:r>
+              <a:rPr lang="zh-CN" altLang="en-US" sz="1100"/>
+              <a:t>轮</a:t>
+            </a:r>
+          </a:p>
+        </p:txBody>
+      </p:sp>
+      <p:sp>
+        <p:nvSpPr>
+          <p:cNvPr id="48" name="文本框 47">
+            <a:extLst>
+              <a:ext uri="{FF2B5EF4-FFF2-40B4-BE49-F238E27FC236}">
+                <a16:creationId xmlns:a16="http://schemas.microsoft.com/office/drawing/2014/main" id="{833486AF-5582-AF65-B074-E8CED656B674}"/>
+              </a:ext>
+            </a:extLst>
+          </p:cNvPr>
+          <p:cNvSpPr txBox="1"/>
+          <p:nvPr/>
+        </p:nvSpPr>
+        <p:spPr>
+          <a:xfrm>
+            <a:off x="5780804" y="699405"/>
+            <a:ext cx="542938" cy="430887"/>
+          </a:xfrm>
+          <a:prstGeom prst="rect">
+            <a:avLst/>
+          </a:prstGeom>
+          <a:noFill/>
+        </p:spPr>
+        <p:txBody>
+          <a:bodyPr wrap="square" rtlCol="0">
+            <a:spAutoFit/>
+          </a:bodyPr>
+          <a:lstStyle/>
+          <a:p>
+            <a:r>
+              <a:rPr lang="zh-CN" altLang="en-US" sz="1100"/>
+              <a:t>初始数据</a:t>
+            </a:r>
+          </a:p>
+        </p:txBody>
+      </p:sp>
+      <p:sp>
+        <p:nvSpPr>
+          <p:cNvPr id="49" name="文本框 48">
+            <a:extLst>
+              <a:ext uri="{FF2B5EF4-FFF2-40B4-BE49-F238E27FC236}">
+                <a16:creationId xmlns:a16="http://schemas.microsoft.com/office/drawing/2014/main" id="{1B10A851-4856-F7D8-6E55-280AECF8023E}"/>
+              </a:ext>
+            </a:extLst>
+          </p:cNvPr>
+          <p:cNvSpPr txBox="1"/>
+          <p:nvPr/>
+        </p:nvSpPr>
+        <p:spPr>
+          <a:xfrm>
+            <a:off x="6419365" y="699405"/>
+            <a:ext cx="542938" cy="430887"/>
+          </a:xfrm>
+          <a:prstGeom prst="rect">
+            <a:avLst/>
+          </a:prstGeom>
+          <a:noFill/>
+        </p:spPr>
+        <p:txBody>
+          <a:bodyPr wrap="square" rtlCol="0">
+            <a:spAutoFit/>
+          </a:bodyPr>
+          <a:lstStyle/>
+          <a:p>
+            <a:r>
+              <a:rPr lang="zh-CN" altLang="en-US" sz="1100"/>
+              <a:t>迭代</a:t>
+            </a:r>
+            <a:r>
+              <a:rPr lang="en-US" altLang="zh-CN" sz="1100"/>
+              <a:t>50</a:t>
+            </a:r>
+            <a:r>
+              <a:rPr lang="zh-CN" altLang="en-US" sz="1100"/>
+              <a:t>轮</a:t>
+            </a:r>
+          </a:p>
+        </p:txBody>
+      </p:sp>
+      <p:sp>
+        <p:nvSpPr>
+          <p:cNvPr id="50" name="文本框 49">
+            <a:extLst>
+              <a:ext uri="{FF2B5EF4-FFF2-40B4-BE49-F238E27FC236}">
+                <a16:creationId xmlns:a16="http://schemas.microsoft.com/office/drawing/2014/main" id="{5F774138-305A-5AE6-581A-2ECA78148AC3}"/>
+              </a:ext>
+            </a:extLst>
+          </p:cNvPr>
+          <p:cNvSpPr txBox="1"/>
+          <p:nvPr/>
+        </p:nvSpPr>
+        <p:spPr>
+          <a:xfrm>
+            <a:off x="6978161" y="699405"/>
+            <a:ext cx="542937" cy="430887"/>
+          </a:xfrm>
+          <a:prstGeom prst="rect">
+            <a:avLst/>
+          </a:prstGeom>
+          <a:noFill/>
+        </p:spPr>
+        <p:txBody>
+          <a:bodyPr wrap="square" rtlCol="0">
+            <a:spAutoFit/>
+          </a:bodyPr>
+          <a:lstStyle/>
+          <a:p>
+            <a:r>
+              <a:rPr lang="zh-CN" altLang="en-US" sz="1100"/>
+              <a:t>迭代</a:t>
+            </a:r>
+            <a:r>
+              <a:rPr lang="en-US" altLang="zh-CN" sz="1100"/>
+              <a:t>100</a:t>
+            </a:r>
+            <a:r>
+              <a:rPr lang="zh-CN" altLang="en-US" sz="1100"/>
+              <a:t>轮</a:t>
+            </a:r>
+          </a:p>
+        </p:txBody>
+      </p:sp>
+      <p:sp>
+        <p:nvSpPr>
+          <p:cNvPr id="51" name="文本框 50">
+            <a:extLst>
+              <a:ext uri="{FF2B5EF4-FFF2-40B4-BE49-F238E27FC236}">
+                <a16:creationId xmlns:a16="http://schemas.microsoft.com/office/drawing/2014/main" id="{3E5BEE93-481A-3E08-7547-D36454789A0F}"/>
+              </a:ext>
+            </a:extLst>
+          </p:cNvPr>
+          <p:cNvSpPr txBox="1"/>
+          <p:nvPr/>
+        </p:nvSpPr>
+        <p:spPr>
+          <a:xfrm>
+            <a:off x="7780611" y="699405"/>
+            <a:ext cx="542938" cy="430887"/>
+          </a:xfrm>
+          <a:prstGeom prst="rect">
+            <a:avLst/>
+          </a:prstGeom>
+          <a:noFill/>
+        </p:spPr>
+        <p:txBody>
+          <a:bodyPr wrap="square" rtlCol="0">
+            <a:spAutoFit/>
+          </a:bodyPr>
+          <a:lstStyle/>
+          <a:p>
+            <a:r>
+              <a:rPr lang="zh-CN" altLang="en-US" sz="1100"/>
+              <a:t>初始数据</a:t>
+            </a:r>
+          </a:p>
+        </p:txBody>
+      </p:sp>
+      <p:sp>
+        <p:nvSpPr>
+          <p:cNvPr id="52" name="文本框 51">
+            <a:extLst>
+              <a:ext uri="{FF2B5EF4-FFF2-40B4-BE49-F238E27FC236}">
+                <a16:creationId xmlns:a16="http://schemas.microsoft.com/office/drawing/2014/main" id="{B0C93823-A735-2E5A-A6B2-68103ADF1BE2}"/>
+              </a:ext>
+            </a:extLst>
+          </p:cNvPr>
+          <p:cNvSpPr txBox="1"/>
+          <p:nvPr/>
+        </p:nvSpPr>
+        <p:spPr>
+          <a:xfrm>
+            <a:off x="8419172" y="699405"/>
+            <a:ext cx="542938" cy="430887"/>
+          </a:xfrm>
+          <a:prstGeom prst="rect">
+            <a:avLst/>
+          </a:prstGeom>
+          <a:noFill/>
+        </p:spPr>
+        <p:txBody>
+          <a:bodyPr wrap="square" rtlCol="0">
+            <a:spAutoFit/>
+          </a:bodyPr>
+          <a:lstStyle/>
+          <a:p>
+            <a:r>
+              <a:rPr lang="zh-CN" altLang="en-US" sz="1100"/>
+              <a:t>迭代</a:t>
+            </a:r>
+            <a:r>
+              <a:rPr lang="en-US" altLang="zh-CN" sz="1100"/>
+              <a:t>50</a:t>
+            </a:r>
+            <a:r>
+              <a:rPr lang="zh-CN" altLang="en-US" sz="1100"/>
+              <a:t>轮</a:t>
+            </a:r>
+          </a:p>
+        </p:txBody>
+      </p:sp>
+      <p:sp>
+        <p:nvSpPr>
+          <p:cNvPr id="53" name="文本框 52">
+            <a:extLst>
+              <a:ext uri="{FF2B5EF4-FFF2-40B4-BE49-F238E27FC236}">
+                <a16:creationId xmlns:a16="http://schemas.microsoft.com/office/drawing/2014/main" id="{98B83ACD-D395-2B67-602F-DB7D8EC27E32}"/>
+              </a:ext>
+            </a:extLst>
+          </p:cNvPr>
+          <p:cNvSpPr txBox="1"/>
+          <p:nvPr/>
+        </p:nvSpPr>
+        <p:spPr>
+          <a:xfrm>
+            <a:off x="8977968" y="699405"/>
+            <a:ext cx="542937" cy="430887"/>
+          </a:xfrm>
+          <a:prstGeom prst="rect">
+            <a:avLst/>
+          </a:prstGeom>
+          <a:noFill/>
+        </p:spPr>
+        <p:txBody>
+          <a:bodyPr wrap="square" rtlCol="0">
+            <a:spAutoFit/>
+          </a:bodyPr>
+          <a:lstStyle/>
+          <a:p>
+            <a:r>
+              <a:rPr lang="zh-CN" altLang="en-US" sz="1100"/>
+              <a:t>迭代</a:t>
+            </a:r>
+            <a:r>
+              <a:rPr lang="en-US" altLang="zh-CN" sz="1100"/>
+              <a:t>100</a:t>
+            </a:r>
+            <a:r>
+              <a:rPr lang="zh-CN" altLang="en-US" sz="1100"/>
+              <a:t>轮</a:t>
+            </a:r>
+          </a:p>
+        </p:txBody>
+      </p:sp>
+      <p:cxnSp>
+        <p:nvCxnSpPr>
+          <p:cNvPr id="58" name="直接箭头连接符 57">
+            <a:extLst>
+              <a:ext uri="{FF2B5EF4-FFF2-40B4-BE49-F238E27FC236}">
+                <a16:creationId xmlns:a16="http://schemas.microsoft.com/office/drawing/2014/main" id="{061BCCB1-B75D-E0C5-00E8-C1EBB3A1D64B}"/>
+              </a:ext>
+            </a:extLst>
+          </p:cNvPr>
+          <p:cNvCxnSpPr>
+            <a:cxnSpLocks/>
+          </p:cNvCxnSpPr>
+          <p:nvPr/>
+        </p:nvCxnSpPr>
+        <p:spPr>
+          <a:xfrm>
+            <a:off x="9773466" y="553629"/>
+            <a:ext cx="0" cy="5995686"/>
+          </a:xfrm>
+          <a:prstGeom prst="straightConnector1">
+            <a:avLst/>
+          </a:prstGeom>
+          <a:ln>
+            <a:headEnd type="none" w="med" len="med"/>
+            <a:tailEnd type="none" w="med" len="med"/>
+          </a:ln>
+        </p:spPr>
+        <p:style>
+          <a:lnRef idx="1">
+            <a:schemeClr val="dk1"/>
+          </a:lnRef>
+          <a:fillRef idx="0">
+            <a:schemeClr val="dk1"/>
+          </a:fillRef>
+          <a:effectRef idx="0">
+            <a:schemeClr val="dk1"/>
+          </a:effectRef>
+          <a:fontRef idx="minor">
+            <a:schemeClr val="tx1"/>
+          </a:fontRef>
+        </p:style>
+      </p:cxnSp>
+      <p:grpSp>
+        <p:nvGrpSpPr>
+          <p:cNvPr id="59" name="组合 58">
+            <a:extLst>
+              <a:ext uri="{FF2B5EF4-FFF2-40B4-BE49-F238E27FC236}">
+                <a16:creationId xmlns:a16="http://schemas.microsoft.com/office/drawing/2014/main" id="{9F6A86D3-D1CE-D372-CA51-B9F29906AE72}"/>
+              </a:ext>
+            </a:extLst>
+          </p:cNvPr>
+          <p:cNvGrpSpPr/>
+          <p:nvPr/>
+        </p:nvGrpSpPr>
+        <p:grpSpPr>
+          <a:xfrm>
+            <a:off x="9861077" y="1288080"/>
+            <a:ext cx="1899876" cy="633211"/>
+            <a:chOff x="7672213" y="1441603"/>
+            <a:chExt cx="1899876" cy="633211"/>
+          </a:xfrm>
+        </p:grpSpPr>
+        <p:pic>
+          <p:nvPicPr>
+            <p:cNvPr id="60" name="图片 59">
+              <a:extLst>
+                <a:ext uri="{FF2B5EF4-FFF2-40B4-BE49-F238E27FC236}">
+                  <a16:creationId xmlns:a16="http://schemas.microsoft.com/office/drawing/2014/main" id="{3F49B1A4-12BF-18C3-8EE6-0161F10A4BB1}"/>
+                </a:ext>
+              </a:extLst>
+            </p:cNvPr>
+            <p:cNvPicPr>
+              <a:picLocks noChangeAspect="1"/>
+            </p:cNvPicPr>
+            <p:nvPr/>
+          </p:nvPicPr>
+          <p:blipFill>
+            <a:blip r:embed="rId16">
+              <a:extLst>
+                <a:ext uri="{28A0092B-C50C-407E-A947-70E740481C1C}">
+                  <a14:useLocalDpi xmlns:a14="http://schemas.microsoft.com/office/drawing/2010/main" val="0"/>
+                </a:ext>
+              </a:extLst>
+            </a:blip>
+            <a:srcRect/>
+            <a:stretch/>
+          </p:blipFill>
+          <p:spPr>
+            <a:xfrm>
+              <a:off x="8305545" y="1441603"/>
+              <a:ext cx="633211" cy="633211"/>
+            </a:xfrm>
+            <a:prstGeom prst="rect">
+              <a:avLst/>
+            </a:prstGeom>
+          </p:spPr>
+        </p:pic>
+        <p:pic>
+          <p:nvPicPr>
+            <p:cNvPr id="61" name="图片 60">
+              <a:extLst>
+                <a:ext uri="{FF2B5EF4-FFF2-40B4-BE49-F238E27FC236}">
+                  <a16:creationId xmlns:a16="http://schemas.microsoft.com/office/drawing/2014/main" id="{D20595CA-E571-ED4C-F6F5-3685D5DED889}"/>
+                </a:ext>
+              </a:extLst>
+            </p:cNvPr>
+            <p:cNvPicPr>
+              <a:picLocks noChangeAspect="1"/>
+            </p:cNvPicPr>
+            <p:nvPr/>
+          </p:nvPicPr>
+          <p:blipFill>
+            <a:blip r:embed="rId17">
+              <a:extLst>
+                <a:ext uri="{28A0092B-C50C-407E-A947-70E740481C1C}">
+                  <a14:useLocalDpi xmlns:a14="http://schemas.microsoft.com/office/drawing/2010/main" val="0"/>
+                </a:ext>
+              </a:extLst>
+            </a:blip>
+            <a:srcRect/>
+            <a:stretch/>
+          </p:blipFill>
+          <p:spPr>
+            <a:xfrm>
+              <a:off x="8938878" y="1441603"/>
+              <a:ext cx="633211" cy="633211"/>
+            </a:xfrm>
+            <a:prstGeom prst="rect">
+              <a:avLst/>
+            </a:prstGeom>
+          </p:spPr>
+        </p:pic>
+        <p:pic>
+          <p:nvPicPr>
+            <p:cNvPr id="62" name="图片 61">
+              <a:extLst>
+                <a:ext uri="{FF2B5EF4-FFF2-40B4-BE49-F238E27FC236}">
+                  <a16:creationId xmlns:a16="http://schemas.microsoft.com/office/drawing/2014/main" id="{B05F53CC-D023-6BF6-35D5-4514032840E4}"/>
+                </a:ext>
+              </a:extLst>
+            </p:cNvPr>
+            <p:cNvPicPr>
+              <a:picLocks noChangeAspect="1"/>
+            </p:cNvPicPr>
+            <p:nvPr/>
+          </p:nvPicPr>
+          <p:blipFill>
+            <a:blip r:embed="rId18">
+              <a:extLst>
+                <a:ext uri="{28A0092B-C50C-407E-A947-70E740481C1C}">
+                  <a14:useLocalDpi xmlns:a14="http://schemas.microsoft.com/office/drawing/2010/main" val="0"/>
+                </a:ext>
+              </a:extLst>
+            </a:blip>
+            <a:srcRect/>
+            <a:stretch/>
+          </p:blipFill>
+          <p:spPr>
+            <a:xfrm>
+              <a:off x="7672213" y="1441603"/>
+              <a:ext cx="633211" cy="633211"/>
+            </a:xfrm>
+            <a:prstGeom prst="rect">
+              <a:avLst/>
+            </a:prstGeom>
+          </p:spPr>
+        </p:pic>
+      </p:grpSp>
+      <p:sp>
+        <p:nvSpPr>
+          <p:cNvPr id="63" name="文本框 62">
+            <a:extLst>
+              <a:ext uri="{FF2B5EF4-FFF2-40B4-BE49-F238E27FC236}">
+                <a16:creationId xmlns:a16="http://schemas.microsoft.com/office/drawing/2014/main" id="{FE752231-6C71-7C6A-1EDE-BE01819AB749}"/>
+              </a:ext>
+            </a:extLst>
+          </p:cNvPr>
+          <p:cNvSpPr txBox="1"/>
+          <p:nvPr/>
+        </p:nvSpPr>
+        <p:spPr>
+          <a:xfrm>
+            <a:off x="10223981" y="198879"/>
+            <a:ext cx="1465466" cy="369332"/>
+          </a:xfrm>
+          <a:prstGeom prst="rect">
+            <a:avLst/>
+          </a:prstGeom>
+          <a:noFill/>
+        </p:spPr>
+        <p:txBody>
+          <a:bodyPr wrap="none" rtlCol="0">
+            <a:spAutoFit/>
+          </a:bodyPr>
+          <a:lstStyle/>
+          <a:p>
+            <a:r>
+              <a:rPr lang="en-US" altLang="zh-CN"/>
+              <a:t>DP-Gaussian</a:t>
+            </a:r>
+            <a:endParaRPr lang="zh-CN" altLang="en-US"/>
+          </a:p>
+        </p:txBody>
+      </p:sp>
+      <p:sp>
+        <p:nvSpPr>
+          <p:cNvPr id="64" name="文本框 63">
+            <a:extLst>
+              <a:ext uri="{FF2B5EF4-FFF2-40B4-BE49-F238E27FC236}">
+                <a16:creationId xmlns:a16="http://schemas.microsoft.com/office/drawing/2014/main" id="{5ADB6536-D7DA-84C8-1651-D8E673657D73}"/>
+              </a:ext>
+            </a:extLst>
+          </p:cNvPr>
+          <p:cNvSpPr txBox="1"/>
+          <p:nvPr/>
+        </p:nvSpPr>
+        <p:spPr>
+          <a:xfrm>
+            <a:off x="9848896" y="688522"/>
+            <a:ext cx="542938" cy="430887"/>
+          </a:xfrm>
+          <a:prstGeom prst="rect">
+            <a:avLst/>
+          </a:prstGeom>
+          <a:noFill/>
+        </p:spPr>
+        <p:txBody>
+          <a:bodyPr wrap="square" rtlCol="0">
+            <a:spAutoFit/>
+          </a:bodyPr>
+          <a:lstStyle/>
+          <a:p>
+            <a:r>
+              <a:rPr lang="zh-CN" altLang="en-US" sz="1100"/>
+              <a:t>初始数据</a:t>
+            </a:r>
+          </a:p>
+        </p:txBody>
+      </p:sp>
+      <p:sp>
+        <p:nvSpPr>
+          <p:cNvPr id="65" name="文本框 64">
+            <a:extLst>
+              <a:ext uri="{FF2B5EF4-FFF2-40B4-BE49-F238E27FC236}">
+                <a16:creationId xmlns:a16="http://schemas.microsoft.com/office/drawing/2014/main" id="{414A8FC0-362C-DA89-1FDD-8239D0F64F7A}"/>
+              </a:ext>
+            </a:extLst>
+          </p:cNvPr>
+          <p:cNvSpPr txBox="1"/>
+          <p:nvPr/>
+        </p:nvSpPr>
+        <p:spPr>
+          <a:xfrm>
+            <a:off x="10487457" y="688522"/>
+            <a:ext cx="542938" cy="430887"/>
+          </a:xfrm>
+          <a:prstGeom prst="rect">
+            <a:avLst/>
+          </a:prstGeom>
+          <a:noFill/>
+        </p:spPr>
+        <p:txBody>
+          <a:bodyPr wrap="square" rtlCol="0">
+            <a:spAutoFit/>
+          </a:bodyPr>
+          <a:lstStyle/>
+          <a:p>
+            <a:r>
+              <a:rPr lang="zh-CN" altLang="en-US" sz="1100"/>
+              <a:t>迭代</a:t>
+            </a:r>
+            <a:r>
+              <a:rPr lang="en-US" altLang="zh-CN" sz="1100"/>
+              <a:t>50</a:t>
+            </a:r>
+            <a:r>
+              <a:rPr lang="zh-CN" altLang="en-US" sz="1100"/>
+              <a:t>轮</a:t>
+            </a:r>
+          </a:p>
+        </p:txBody>
+      </p:sp>
+      <p:sp>
+        <p:nvSpPr>
+          <p:cNvPr id="66" name="文本框 65">
+            <a:extLst>
+              <a:ext uri="{FF2B5EF4-FFF2-40B4-BE49-F238E27FC236}">
+                <a16:creationId xmlns:a16="http://schemas.microsoft.com/office/drawing/2014/main" id="{72F68451-6C06-8941-FE9A-850876301C30}"/>
+              </a:ext>
+            </a:extLst>
+          </p:cNvPr>
+          <p:cNvSpPr txBox="1"/>
+          <p:nvPr/>
+        </p:nvSpPr>
+        <p:spPr>
+          <a:xfrm>
+            <a:off x="11046253" y="688522"/>
+            <a:ext cx="542937" cy="430887"/>
+          </a:xfrm>
+          <a:prstGeom prst="rect">
+            <a:avLst/>
+          </a:prstGeom>
+          <a:noFill/>
+        </p:spPr>
+        <p:txBody>
+          <a:bodyPr wrap="square" rtlCol="0">
+            <a:spAutoFit/>
+          </a:bodyPr>
+          <a:lstStyle/>
+          <a:p>
+            <a:r>
+              <a:rPr lang="zh-CN" altLang="en-US" sz="1100"/>
+              <a:t>迭代</a:t>
+            </a:r>
+            <a:r>
+              <a:rPr lang="en-US" altLang="zh-CN" sz="1100"/>
+              <a:t>100</a:t>
+            </a:r>
+            <a:r>
+              <a:rPr lang="zh-CN" altLang="en-US" sz="1100"/>
+              <a:t>轮</a:t>
+            </a:r>
+          </a:p>
+        </p:txBody>
+      </p:sp>
+      <p:sp>
+        <p:nvSpPr>
+          <p:cNvPr id="67" name="文本框 66">
+            <a:extLst>
+              <a:ext uri="{FF2B5EF4-FFF2-40B4-BE49-F238E27FC236}">
+                <a16:creationId xmlns:a16="http://schemas.microsoft.com/office/drawing/2014/main" id="{AE45B629-48E5-A438-38EC-2DEA4127688B}"/>
+              </a:ext>
+            </a:extLst>
+          </p:cNvPr>
+          <p:cNvSpPr txBox="1"/>
+          <p:nvPr/>
+        </p:nvSpPr>
+        <p:spPr>
+          <a:xfrm>
+            <a:off x="95560" y="2118431"/>
+            <a:ext cx="774017" cy="276999"/>
+          </a:xfrm>
+          <a:prstGeom prst="rect">
+            <a:avLst/>
+          </a:prstGeom>
+          <a:noFill/>
+        </p:spPr>
+        <p:txBody>
+          <a:bodyPr wrap="square" rtlCol="0">
+            <a:spAutoFit/>
+          </a:bodyPr>
+          <a:lstStyle/>
+          <a:p>
+            <a:r>
+              <a:rPr lang="en-US" altLang="zh-CN" sz="1200"/>
+              <a:t>MNIST</a:t>
+            </a:r>
+            <a:endParaRPr lang="zh-CN" altLang="en-US" sz="1200"/>
+          </a:p>
+        </p:txBody>
+      </p:sp>
+      <p:grpSp>
+        <p:nvGrpSpPr>
+          <p:cNvPr id="68" name="组合 67">
+            <a:extLst>
+              <a:ext uri="{FF2B5EF4-FFF2-40B4-BE49-F238E27FC236}">
+                <a16:creationId xmlns:a16="http://schemas.microsoft.com/office/drawing/2014/main" id="{04E6E418-8CCB-6CAF-41A8-851750857EDC}"/>
+              </a:ext>
+            </a:extLst>
+          </p:cNvPr>
+          <p:cNvGrpSpPr/>
+          <p:nvPr/>
+        </p:nvGrpSpPr>
+        <p:grpSpPr>
+          <a:xfrm>
+            <a:off x="1565403" y="2017421"/>
+            <a:ext cx="1901979" cy="633211"/>
+            <a:chOff x="1386080" y="1439674"/>
+            <a:chExt cx="1901979" cy="633211"/>
+          </a:xfrm>
+        </p:grpSpPr>
+        <p:pic>
+          <p:nvPicPr>
+            <p:cNvPr id="69" name="图片 68">
+              <a:extLst>
+                <a:ext uri="{FF2B5EF4-FFF2-40B4-BE49-F238E27FC236}">
+                  <a16:creationId xmlns:a16="http://schemas.microsoft.com/office/drawing/2014/main" id="{ED981C8B-A367-B82A-EBB1-350EB00056A6}"/>
+                </a:ext>
+              </a:extLst>
+            </p:cNvPr>
+            <p:cNvPicPr>
+              <a:picLocks noChangeAspect="1"/>
+            </p:cNvPicPr>
+            <p:nvPr/>
+          </p:nvPicPr>
+          <p:blipFill>
+            <a:blip r:embed="rId19">
+              <a:extLst>
+                <a:ext uri="{28A0092B-C50C-407E-A947-70E740481C1C}">
+                  <a14:useLocalDpi xmlns:a14="http://schemas.microsoft.com/office/drawing/2010/main" val="0"/>
+                </a:ext>
+              </a:extLst>
+            </a:blip>
+            <a:srcRect/>
+            <a:stretch/>
+          </p:blipFill>
+          <p:spPr>
+            <a:xfrm>
+              <a:off x="2020464" y="1439674"/>
+              <a:ext cx="633211" cy="633211"/>
+            </a:xfrm>
+            <a:prstGeom prst="rect">
+              <a:avLst/>
+            </a:prstGeom>
+          </p:spPr>
+        </p:pic>
+        <p:pic>
+          <p:nvPicPr>
+            <p:cNvPr id="70" name="图片 69">
+              <a:extLst>
+                <a:ext uri="{FF2B5EF4-FFF2-40B4-BE49-F238E27FC236}">
+                  <a16:creationId xmlns:a16="http://schemas.microsoft.com/office/drawing/2014/main" id="{280BBDE4-B6FC-3FF6-DBB2-4ABDC9123FA3}"/>
+                </a:ext>
+              </a:extLst>
+            </p:cNvPr>
+            <p:cNvPicPr>
+              <a:picLocks noChangeAspect="1"/>
+            </p:cNvPicPr>
+            <p:nvPr/>
+          </p:nvPicPr>
+          <p:blipFill>
+            <a:blip r:embed="rId20">
+              <a:extLst>
+                <a:ext uri="{28A0092B-C50C-407E-A947-70E740481C1C}">
+                  <a14:useLocalDpi xmlns:a14="http://schemas.microsoft.com/office/drawing/2010/main" val="0"/>
+                </a:ext>
+              </a:extLst>
+            </a:blip>
+            <a:srcRect/>
+            <a:stretch/>
+          </p:blipFill>
+          <p:spPr>
+            <a:xfrm>
+              <a:off x="2654848" y="1439674"/>
+              <a:ext cx="633211" cy="633211"/>
+            </a:xfrm>
+            <a:prstGeom prst="rect">
+              <a:avLst/>
+            </a:prstGeom>
+          </p:spPr>
+        </p:pic>
+        <p:pic>
+          <p:nvPicPr>
+            <p:cNvPr id="71" name="图片 70">
+              <a:extLst>
+                <a:ext uri="{FF2B5EF4-FFF2-40B4-BE49-F238E27FC236}">
+                  <a16:creationId xmlns:a16="http://schemas.microsoft.com/office/drawing/2014/main" id="{EF225567-2DE9-CF8A-CA3F-3725092A3D7E}"/>
+                </a:ext>
+              </a:extLst>
+            </p:cNvPr>
+            <p:cNvPicPr>
+              <a:picLocks noChangeAspect="1"/>
+            </p:cNvPicPr>
+            <p:nvPr/>
+          </p:nvPicPr>
+          <p:blipFill>
+            <a:blip r:embed="rId21">
+              <a:extLst>
+                <a:ext uri="{28A0092B-C50C-407E-A947-70E740481C1C}">
+                  <a14:useLocalDpi xmlns:a14="http://schemas.microsoft.com/office/drawing/2010/main" val="0"/>
+                </a:ext>
+              </a:extLst>
+            </a:blip>
+            <a:srcRect/>
+            <a:stretch/>
+          </p:blipFill>
+          <p:spPr>
+            <a:xfrm>
+              <a:off x="1386080" y="1439674"/>
+              <a:ext cx="633211" cy="633211"/>
+            </a:xfrm>
+            <a:prstGeom prst="rect">
+              <a:avLst/>
+            </a:prstGeom>
+          </p:spPr>
+        </p:pic>
+      </p:grpSp>
+      <p:grpSp>
+        <p:nvGrpSpPr>
+          <p:cNvPr id="72" name="组合 71">
+            <a:extLst>
+              <a:ext uri="{FF2B5EF4-FFF2-40B4-BE49-F238E27FC236}">
+                <a16:creationId xmlns:a16="http://schemas.microsoft.com/office/drawing/2014/main" id="{81E51B50-B962-C882-ABBC-D24340E2361B}"/>
+              </a:ext>
+            </a:extLst>
+          </p:cNvPr>
+          <p:cNvGrpSpPr/>
+          <p:nvPr/>
+        </p:nvGrpSpPr>
+        <p:grpSpPr>
+          <a:xfrm>
+            <a:off x="3642602" y="2017421"/>
+            <a:ext cx="1899876" cy="633211"/>
+            <a:chOff x="3485195" y="1439674"/>
+            <a:chExt cx="1899876" cy="633211"/>
+          </a:xfrm>
+        </p:grpSpPr>
+        <p:pic>
+          <p:nvPicPr>
+            <p:cNvPr id="73" name="图片 72">
+              <a:extLst>
+                <a:ext uri="{FF2B5EF4-FFF2-40B4-BE49-F238E27FC236}">
+                  <a16:creationId xmlns:a16="http://schemas.microsoft.com/office/drawing/2014/main" id="{6A8CE26D-CB68-0BE1-CFE7-8B787625B845}"/>
+                </a:ext>
+              </a:extLst>
+            </p:cNvPr>
+            <p:cNvPicPr>
+              <a:picLocks noChangeAspect="1"/>
+            </p:cNvPicPr>
+            <p:nvPr/>
+          </p:nvPicPr>
+          <p:blipFill>
+            <a:blip r:embed="rId22">
+              <a:extLst>
+                <a:ext uri="{28A0092B-C50C-407E-A947-70E740481C1C}">
+                  <a14:useLocalDpi xmlns:a14="http://schemas.microsoft.com/office/drawing/2010/main" val="0"/>
+                </a:ext>
+              </a:extLst>
+            </a:blip>
+            <a:srcRect/>
+            <a:stretch/>
+          </p:blipFill>
+          <p:spPr>
+            <a:xfrm>
+              <a:off x="4118528" y="1439674"/>
+              <a:ext cx="633211" cy="633211"/>
+            </a:xfrm>
+            <a:prstGeom prst="rect">
+              <a:avLst/>
+            </a:prstGeom>
+          </p:spPr>
+        </p:pic>
+        <p:pic>
+          <p:nvPicPr>
+            <p:cNvPr id="74" name="图片 73">
+              <a:extLst>
+                <a:ext uri="{FF2B5EF4-FFF2-40B4-BE49-F238E27FC236}">
+                  <a16:creationId xmlns:a16="http://schemas.microsoft.com/office/drawing/2014/main" id="{8450D483-2488-2A31-FBED-6E683688CA2E}"/>
+                </a:ext>
+              </a:extLst>
+            </p:cNvPr>
+            <p:cNvPicPr>
+              <a:picLocks noChangeAspect="1"/>
+            </p:cNvPicPr>
+            <p:nvPr/>
+          </p:nvPicPr>
+          <p:blipFill>
+            <a:blip r:embed="rId23">
+              <a:extLst>
+                <a:ext uri="{28A0092B-C50C-407E-A947-70E740481C1C}">
+                  <a14:useLocalDpi xmlns:a14="http://schemas.microsoft.com/office/drawing/2010/main" val="0"/>
+                </a:ext>
+              </a:extLst>
+            </a:blip>
+            <a:srcRect/>
+            <a:stretch/>
+          </p:blipFill>
+          <p:spPr>
+            <a:xfrm>
+              <a:off x="4751860" y="1439674"/>
+              <a:ext cx="633211" cy="633211"/>
+            </a:xfrm>
+            <a:prstGeom prst="rect">
+              <a:avLst/>
+            </a:prstGeom>
+          </p:spPr>
+        </p:pic>
+        <p:pic>
+          <p:nvPicPr>
+            <p:cNvPr id="75" name="图片 74">
+              <a:extLst>
+                <a:ext uri="{FF2B5EF4-FFF2-40B4-BE49-F238E27FC236}">
+                  <a16:creationId xmlns:a16="http://schemas.microsoft.com/office/drawing/2014/main" id="{8D762804-75CE-FA82-C611-E2AB72D8E7C8}"/>
+                </a:ext>
+              </a:extLst>
+            </p:cNvPr>
+            <p:cNvPicPr>
+              <a:picLocks noChangeAspect="1"/>
+            </p:cNvPicPr>
+            <p:nvPr/>
+          </p:nvPicPr>
+          <p:blipFill>
+            <a:blip r:embed="rId24">
+              <a:extLst>
+                <a:ext uri="{28A0092B-C50C-407E-A947-70E740481C1C}">
+                  <a14:useLocalDpi xmlns:a14="http://schemas.microsoft.com/office/drawing/2010/main" val="0"/>
+                </a:ext>
+              </a:extLst>
+            </a:blip>
+            <a:srcRect/>
+            <a:stretch/>
+          </p:blipFill>
+          <p:spPr>
+            <a:xfrm>
+              <a:off x="3485195" y="1439674"/>
+              <a:ext cx="633211" cy="633211"/>
+            </a:xfrm>
+            <a:prstGeom prst="rect">
+              <a:avLst/>
+            </a:prstGeom>
+          </p:spPr>
+        </p:pic>
+      </p:grpSp>
+      <p:grpSp>
+        <p:nvGrpSpPr>
+          <p:cNvPr id="76" name="组合 75">
+            <a:extLst>
+              <a:ext uri="{FF2B5EF4-FFF2-40B4-BE49-F238E27FC236}">
+                <a16:creationId xmlns:a16="http://schemas.microsoft.com/office/drawing/2014/main" id="{59276162-EBEF-A2DD-0A64-673D1F8A3CFE}"/>
+              </a:ext>
+            </a:extLst>
+          </p:cNvPr>
+          <p:cNvGrpSpPr/>
+          <p:nvPr/>
+        </p:nvGrpSpPr>
+        <p:grpSpPr>
+          <a:xfrm>
+            <a:off x="5717698" y="2017421"/>
+            <a:ext cx="1899876" cy="633211"/>
+            <a:chOff x="5563694" y="1439674"/>
+            <a:chExt cx="1899876" cy="633211"/>
+          </a:xfrm>
+        </p:grpSpPr>
+        <p:pic>
+          <p:nvPicPr>
+            <p:cNvPr id="77" name="图片 76">
+              <a:extLst>
+                <a:ext uri="{FF2B5EF4-FFF2-40B4-BE49-F238E27FC236}">
+                  <a16:creationId xmlns:a16="http://schemas.microsoft.com/office/drawing/2014/main" id="{56A0AAAA-5DA5-E95D-4B88-B95AE83C52B3}"/>
+                </a:ext>
+              </a:extLst>
+            </p:cNvPr>
+            <p:cNvPicPr>
+              <a:picLocks noChangeAspect="1"/>
+            </p:cNvPicPr>
+            <p:nvPr/>
+          </p:nvPicPr>
+          <p:blipFill>
+            <a:blip r:embed="rId25">
+              <a:extLst>
+                <a:ext uri="{28A0092B-C50C-407E-A947-70E740481C1C}">
+                  <a14:useLocalDpi xmlns:a14="http://schemas.microsoft.com/office/drawing/2010/main" val="0"/>
+                </a:ext>
+              </a:extLst>
+            </a:blip>
+            <a:srcRect/>
+            <a:stretch/>
+          </p:blipFill>
+          <p:spPr>
+            <a:xfrm>
+              <a:off x="6197026" y="1439674"/>
+              <a:ext cx="633211" cy="633211"/>
+            </a:xfrm>
+            <a:prstGeom prst="rect">
+              <a:avLst/>
+            </a:prstGeom>
+          </p:spPr>
+        </p:pic>
+        <p:pic>
+          <p:nvPicPr>
+            <p:cNvPr id="78" name="图片 77">
+              <a:extLst>
+                <a:ext uri="{FF2B5EF4-FFF2-40B4-BE49-F238E27FC236}">
+                  <a16:creationId xmlns:a16="http://schemas.microsoft.com/office/drawing/2014/main" id="{36BF25D1-948D-1C2F-6ECD-9C727C5D61DD}"/>
+                </a:ext>
+              </a:extLst>
+            </p:cNvPr>
+            <p:cNvPicPr>
+              <a:picLocks noChangeAspect="1"/>
+            </p:cNvPicPr>
+            <p:nvPr/>
+          </p:nvPicPr>
+          <p:blipFill>
+            <a:blip r:embed="rId26">
+              <a:extLst>
+                <a:ext uri="{28A0092B-C50C-407E-A947-70E740481C1C}">
+                  <a14:useLocalDpi xmlns:a14="http://schemas.microsoft.com/office/drawing/2010/main" val="0"/>
+                </a:ext>
+              </a:extLst>
+            </a:blip>
+            <a:srcRect/>
+            <a:stretch/>
+          </p:blipFill>
+          <p:spPr>
+            <a:xfrm>
+              <a:off x="6830359" y="1439674"/>
+              <a:ext cx="633211" cy="633211"/>
+            </a:xfrm>
+            <a:prstGeom prst="rect">
+              <a:avLst/>
+            </a:prstGeom>
+          </p:spPr>
+        </p:pic>
+        <p:pic>
+          <p:nvPicPr>
+            <p:cNvPr id="79" name="图片 78">
+              <a:extLst>
+                <a:ext uri="{FF2B5EF4-FFF2-40B4-BE49-F238E27FC236}">
+                  <a16:creationId xmlns:a16="http://schemas.microsoft.com/office/drawing/2014/main" id="{F98C0FAE-14C6-6B7C-EFBA-F7C020FFA782}"/>
+                </a:ext>
+              </a:extLst>
+            </p:cNvPr>
+            <p:cNvPicPr>
+              <a:picLocks noChangeAspect="1"/>
+            </p:cNvPicPr>
+            <p:nvPr/>
+          </p:nvPicPr>
+          <p:blipFill>
+            <a:blip r:embed="rId27">
+              <a:extLst>
+                <a:ext uri="{28A0092B-C50C-407E-A947-70E740481C1C}">
+                  <a14:useLocalDpi xmlns:a14="http://schemas.microsoft.com/office/drawing/2010/main" val="0"/>
+                </a:ext>
+              </a:extLst>
+            </a:blip>
+            <a:srcRect/>
+            <a:stretch/>
+          </p:blipFill>
+          <p:spPr>
+            <a:xfrm>
+              <a:off x="5563694" y="1439674"/>
+              <a:ext cx="633211" cy="633211"/>
+            </a:xfrm>
+            <a:prstGeom prst="rect">
+              <a:avLst/>
+            </a:prstGeom>
+          </p:spPr>
+        </p:pic>
+      </p:grpSp>
+      <p:grpSp>
+        <p:nvGrpSpPr>
+          <p:cNvPr id="80" name="组合 79">
+            <a:extLst>
+              <a:ext uri="{FF2B5EF4-FFF2-40B4-BE49-F238E27FC236}">
+                <a16:creationId xmlns:a16="http://schemas.microsoft.com/office/drawing/2014/main" id="{9C699CEB-F621-17BC-2FC4-60897DAA3825}"/>
+              </a:ext>
+            </a:extLst>
+          </p:cNvPr>
+          <p:cNvGrpSpPr/>
+          <p:nvPr/>
+        </p:nvGrpSpPr>
+        <p:grpSpPr>
+          <a:xfrm>
+            <a:off x="7792795" y="2017421"/>
+            <a:ext cx="1899876" cy="633211"/>
+            <a:chOff x="7672213" y="1441603"/>
+            <a:chExt cx="1899876" cy="633211"/>
+          </a:xfrm>
+        </p:grpSpPr>
+        <p:pic>
+          <p:nvPicPr>
+            <p:cNvPr id="81" name="图片 80">
+              <a:extLst>
+                <a:ext uri="{FF2B5EF4-FFF2-40B4-BE49-F238E27FC236}">
+                  <a16:creationId xmlns:a16="http://schemas.microsoft.com/office/drawing/2014/main" id="{57D62B18-133D-0376-AFF1-5F671B525530}"/>
+                </a:ext>
+              </a:extLst>
+            </p:cNvPr>
+            <p:cNvPicPr>
+              <a:picLocks noChangeAspect="1"/>
+            </p:cNvPicPr>
+            <p:nvPr/>
+          </p:nvPicPr>
+          <p:blipFill>
+            <a:blip r:embed="rId28">
+              <a:extLst>
+                <a:ext uri="{28A0092B-C50C-407E-A947-70E740481C1C}">
+                  <a14:useLocalDpi xmlns:a14="http://schemas.microsoft.com/office/drawing/2010/main" val="0"/>
+                </a:ext>
+              </a:extLst>
+            </a:blip>
+            <a:srcRect/>
+            <a:stretch/>
+          </p:blipFill>
+          <p:spPr>
+            <a:xfrm>
+              <a:off x="8305545" y="1441603"/>
+              <a:ext cx="633211" cy="633211"/>
+            </a:xfrm>
+            <a:prstGeom prst="rect">
+              <a:avLst/>
+            </a:prstGeom>
+          </p:spPr>
+        </p:pic>
+        <p:pic>
+          <p:nvPicPr>
+            <p:cNvPr id="82" name="图片 81">
+              <a:extLst>
+                <a:ext uri="{FF2B5EF4-FFF2-40B4-BE49-F238E27FC236}">
+                  <a16:creationId xmlns:a16="http://schemas.microsoft.com/office/drawing/2014/main" id="{19B302BE-859F-DA8C-7BE1-21FB195D84EE}"/>
+                </a:ext>
+              </a:extLst>
+            </p:cNvPr>
+            <p:cNvPicPr>
+              <a:picLocks noChangeAspect="1"/>
+            </p:cNvPicPr>
+            <p:nvPr/>
+          </p:nvPicPr>
+          <p:blipFill>
+            <a:blip r:embed="rId29">
+              <a:extLst>
+                <a:ext uri="{28A0092B-C50C-407E-A947-70E740481C1C}">
+                  <a14:useLocalDpi xmlns:a14="http://schemas.microsoft.com/office/drawing/2010/main" val="0"/>
+                </a:ext>
+              </a:extLst>
+            </a:blip>
+            <a:srcRect/>
+            <a:stretch/>
+          </p:blipFill>
+          <p:spPr>
+            <a:xfrm>
+              <a:off x="8938878" y="1441603"/>
+              <a:ext cx="633211" cy="633211"/>
+            </a:xfrm>
+            <a:prstGeom prst="rect">
+              <a:avLst/>
+            </a:prstGeom>
+          </p:spPr>
+        </p:pic>
+        <p:pic>
+          <p:nvPicPr>
+            <p:cNvPr id="83" name="图片 82">
+              <a:extLst>
+                <a:ext uri="{FF2B5EF4-FFF2-40B4-BE49-F238E27FC236}">
+                  <a16:creationId xmlns:a16="http://schemas.microsoft.com/office/drawing/2014/main" id="{9E91195B-5A7A-1A32-91EA-E07ADEE943B2}"/>
+                </a:ext>
+              </a:extLst>
+            </p:cNvPr>
+            <p:cNvPicPr>
+              <a:picLocks noChangeAspect="1"/>
+            </p:cNvPicPr>
+            <p:nvPr/>
+          </p:nvPicPr>
+          <p:blipFill>
+            <a:blip r:embed="rId30">
+              <a:extLst>
+                <a:ext uri="{28A0092B-C50C-407E-A947-70E740481C1C}">
+                  <a14:useLocalDpi xmlns:a14="http://schemas.microsoft.com/office/drawing/2010/main" val="0"/>
+                </a:ext>
+              </a:extLst>
+            </a:blip>
+            <a:srcRect/>
+            <a:stretch/>
+          </p:blipFill>
+          <p:spPr>
+            <a:xfrm>
+              <a:off x="7672213" y="1441603"/>
+              <a:ext cx="633211" cy="633211"/>
+            </a:xfrm>
+            <a:prstGeom prst="rect">
+              <a:avLst/>
+            </a:prstGeom>
+          </p:spPr>
+        </p:pic>
+      </p:grpSp>
+      <p:grpSp>
+        <p:nvGrpSpPr>
+          <p:cNvPr id="84" name="组合 83">
+            <a:extLst>
+              <a:ext uri="{FF2B5EF4-FFF2-40B4-BE49-F238E27FC236}">
+                <a16:creationId xmlns:a16="http://schemas.microsoft.com/office/drawing/2014/main" id="{4F0CC3B2-EB25-4757-AF87-87949390BF4E}"/>
+              </a:ext>
+            </a:extLst>
+          </p:cNvPr>
+          <p:cNvGrpSpPr/>
+          <p:nvPr/>
+        </p:nvGrpSpPr>
+        <p:grpSpPr>
+          <a:xfrm>
+            <a:off x="9861080" y="2006538"/>
+            <a:ext cx="1899876" cy="633211"/>
+            <a:chOff x="7672213" y="1441603"/>
+            <a:chExt cx="1899876" cy="633211"/>
+          </a:xfrm>
+        </p:grpSpPr>
+        <p:pic>
+          <p:nvPicPr>
+            <p:cNvPr id="85" name="图片 84">
+              <a:extLst>
+                <a:ext uri="{FF2B5EF4-FFF2-40B4-BE49-F238E27FC236}">
+                  <a16:creationId xmlns:a16="http://schemas.microsoft.com/office/drawing/2014/main" id="{0A229BBE-E6C5-AF91-F750-9F1209B88862}"/>
+                </a:ext>
+              </a:extLst>
+            </p:cNvPr>
+            <p:cNvPicPr>
+              <a:picLocks noChangeAspect="1"/>
+            </p:cNvPicPr>
+            <p:nvPr/>
+          </p:nvPicPr>
+          <p:blipFill>
+            <a:blip r:embed="rId31">
+              <a:extLst>
+                <a:ext uri="{28A0092B-C50C-407E-A947-70E740481C1C}">
+                  <a14:useLocalDpi xmlns:a14="http://schemas.microsoft.com/office/drawing/2010/main" val="0"/>
+                </a:ext>
+              </a:extLst>
+            </a:blip>
+            <a:srcRect/>
+            <a:stretch/>
+          </p:blipFill>
+          <p:spPr>
+            <a:xfrm>
+              <a:off x="8305545" y="1441603"/>
+              <a:ext cx="633211" cy="633211"/>
+            </a:xfrm>
+            <a:prstGeom prst="rect">
+              <a:avLst/>
+            </a:prstGeom>
+          </p:spPr>
+        </p:pic>
+        <p:pic>
+          <p:nvPicPr>
+            <p:cNvPr id="86" name="图片 85">
+              <a:extLst>
+                <a:ext uri="{FF2B5EF4-FFF2-40B4-BE49-F238E27FC236}">
+                  <a16:creationId xmlns:a16="http://schemas.microsoft.com/office/drawing/2014/main" id="{AAC9D567-C867-A08D-B537-C179EDDD4D7D}"/>
+                </a:ext>
+              </a:extLst>
+            </p:cNvPr>
+            <p:cNvPicPr>
+              <a:picLocks noChangeAspect="1"/>
+            </p:cNvPicPr>
+            <p:nvPr/>
+          </p:nvPicPr>
+          <p:blipFill>
+            <a:blip r:embed="rId31">
+              <a:extLst>
+                <a:ext uri="{28A0092B-C50C-407E-A947-70E740481C1C}">
+                  <a14:useLocalDpi xmlns:a14="http://schemas.microsoft.com/office/drawing/2010/main" val="0"/>
+                </a:ext>
+              </a:extLst>
+            </a:blip>
+            <a:srcRect/>
+            <a:stretch/>
+          </p:blipFill>
+          <p:spPr>
+            <a:xfrm>
+              <a:off x="8938878" y="1441603"/>
+              <a:ext cx="633211" cy="633211"/>
+            </a:xfrm>
+            <a:prstGeom prst="rect">
+              <a:avLst/>
+            </a:prstGeom>
+          </p:spPr>
+        </p:pic>
+        <p:pic>
+          <p:nvPicPr>
+            <p:cNvPr id="87" name="图片 86">
+              <a:extLst>
+                <a:ext uri="{FF2B5EF4-FFF2-40B4-BE49-F238E27FC236}">
+                  <a16:creationId xmlns:a16="http://schemas.microsoft.com/office/drawing/2014/main" id="{0EB08474-FFAD-85E8-C487-295372F45157}"/>
+                </a:ext>
+              </a:extLst>
+            </p:cNvPr>
+            <p:cNvPicPr>
+              <a:picLocks noChangeAspect="1"/>
+            </p:cNvPicPr>
+            <p:nvPr/>
+          </p:nvPicPr>
+          <p:blipFill>
+            <a:blip r:embed="rId31">
+              <a:extLst>
+                <a:ext uri="{28A0092B-C50C-407E-A947-70E740481C1C}">
+                  <a14:useLocalDpi xmlns:a14="http://schemas.microsoft.com/office/drawing/2010/main" val="0"/>
+                </a:ext>
+              </a:extLst>
+            </a:blip>
+            <a:srcRect/>
+            <a:stretch/>
+          </p:blipFill>
+          <p:spPr>
+            <a:xfrm>
+              <a:off x="7672213" y="1441603"/>
+              <a:ext cx="633211" cy="633211"/>
+            </a:xfrm>
+            <a:prstGeom prst="rect">
+              <a:avLst/>
+            </a:prstGeom>
+          </p:spPr>
+        </p:pic>
+      </p:grpSp>
+      <p:sp>
+        <p:nvSpPr>
+          <p:cNvPr id="88" name="文本框 87">
+            <a:extLst>
+              <a:ext uri="{FF2B5EF4-FFF2-40B4-BE49-F238E27FC236}">
+                <a16:creationId xmlns:a16="http://schemas.microsoft.com/office/drawing/2014/main" id="{56B4D0A3-8319-B768-CCF8-42FBA27B3997}"/>
+              </a:ext>
+            </a:extLst>
+          </p:cNvPr>
+          <p:cNvSpPr txBox="1"/>
+          <p:nvPr/>
+        </p:nvSpPr>
+        <p:spPr>
+          <a:xfrm>
+            <a:off x="77137" y="2793344"/>
+            <a:ext cx="678657" cy="461665"/>
+          </a:xfrm>
+          <a:prstGeom prst="rect">
+            <a:avLst/>
+          </a:prstGeom>
+          <a:noFill/>
+        </p:spPr>
+        <p:txBody>
+          <a:bodyPr wrap="square" rtlCol="0">
+            <a:spAutoFit/>
+          </a:bodyPr>
+          <a:lstStyle/>
+          <a:p>
+            <a:r>
+              <a:rPr lang="en-US" altLang="zh-CN" sz="1200"/>
+              <a:t>CIFAR-100</a:t>
+            </a:r>
+            <a:endParaRPr lang="zh-CN" altLang="en-US" sz="1200"/>
+          </a:p>
+        </p:txBody>
+      </p:sp>
+      <p:grpSp>
+        <p:nvGrpSpPr>
+          <p:cNvPr id="89" name="组合 88">
+            <a:extLst>
+              <a:ext uri="{FF2B5EF4-FFF2-40B4-BE49-F238E27FC236}">
+                <a16:creationId xmlns:a16="http://schemas.microsoft.com/office/drawing/2014/main" id="{3E287145-9F12-70C2-E4D1-C9B6F754E6D2}"/>
+              </a:ext>
+            </a:extLst>
+          </p:cNvPr>
+          <p:cNvGrpSpPr/>
+          <p:nvPr/>
+        </p:nvGrpSpPr>
+        <p:grpSpPr>
+          <a:xfrm>
+            <a:off x="1567076" y="2752624"/>
+            <a:ext cx="1901979" cy="633211"/>
+            <a:chOff x="1386080" y="1439674"/>
+            <a:chExt cx="1901979" cy="633211"/>
+          </a:xfrm>
+        </p:grpSpPr>
+        <p:pic>
+          <p:nvPicPr>
+            <p:cNvPr id="90" name="图片 89">
+              <a:extLst>
+                <a:ext uri="{FF2B5EF4-FFF2-40B4-BE49-F238E27FC236}">
+                  <a16:creationId xmlns:a16="http://schemas.microsoft.com/office/drawing/2014/main" id="{DBE7AE7E-091D-0D72-F324-1D544148F876}"/>
+                </a:ext>
+              </a:extLst>
+            </p:cNvPr>
+            <p:cNvPicPr>
+              <a:picLocks noChangeAspect="1"/>
+            </p:cNvPicPr>
+            <p:nvPr/>
+          </p:nvPicPr>
+          <p:blipFill>
+            <a:blip r:embed="rId32">
+              <a:extLst>
+                <a:ext uri="{28A0092B-C50C-407E-A947-70E740481C1C}">
+                  <a14:useLocalDpi xmlns:a14="http://schemas.microsoft.com/office/drawing/2010/main" val="0"/>
+                </a:ext>
+              </a:extLst>
+            </a:blip>
+            <a:srcRect/>
+            <a:stretch/>
+          </p:blipFill>
+          <p:spPr>
+            <a:xfrm>
+              <a:off x="2020464" y="1439674"/>
+              <a:ext cx="633211" cy="633211"/>
+            </a:xfrm>
+            <a:prstGeom prst="rect">
+              <a:avLst/>
+            </a:prstGeom>
+          </p:spPr>
+        </p:pic>
+        <p:pic>
+          <p:nvPicPr>
+            <p:cNvPr id="91" name="图片 90">
+              <a:extLst>
+                <a:ext uri="{FF2B5EF4-FFF2-40B4-BE49-F238E27FC236}">
+                  <a16:creationId xmlns:a16="http://schemas.microsoft.com/office/drawing/2014/main" id="{2BD4F146-A9D7-A65E-67A7-60F80D06A286}"/>
+                </a:ext>
+              </a:extLst>
+            </p:cNvPr>
+            <p:cNvPicPr>
+              <a:picLocks noChangeAspect="1"/>
+            </p:cNvPicPr>
+            <p:nvPr/>
+          </p:nvPicPr>
+          <p:blipFill>
+            <a:blip r:embed="rId32">
+              <a:extLst>
+                <a:ext uri="{28A0092B-C50C-407E-A947-70E740481C1C}">
+                  <a14:useLocalDpi xmlns:a14="http://schemas.microsoft.com/office/drawing/2010/main" val="0"/>
+                </a:ext>
+              </a:extLst>
+            </a:blip>
+            <a:srcRect/>
+            <a:stretch/>
+          </p:blipFill>
+          <p:spPr>
+            <a:xfrm>
+              <a:off x="2654848" y="1439674"/>
+              <a:ext cx="633211" cy="633211"/>
+            </a:xfrm>
+            <a:prstGeom prst="rect">
+              <a:avLst/>
+            </a:prstGeom>
+          </p:spPr>
+        </p:pic>
+        <p:pic>
+          <p:nvPicPr>
+            <p:cNvPr id="92" name="图片 91">
+              <a:extLst>
+                <a:ext uri="{FF2B5EF4-FFF2-40B4-BE49-F238E27FC236}">
+                  <a16:creationId xmlns:a16="http://schemas.microsoft.com/office/drawing/2014/main" id="{ED8692B6-C9EB-09B5-2436-1CC46E0BADF9}"/>
+                </a:ext>
+              </a:extLst>
+            </p:cNvPr>
+            <p:cNvPicPr>
+              <a:picLocks noChangeAspect="1"/>
+            </p:cNvPicPr>
+            <p:nvPr/>
+          </p:nvPicPr>
+          <p:blipFill>
+            <a:blip r:embed="rId33">
+              <a:extLst>
+                <a:ext uri="{28A0092B-C50C-407E-A947-70E740481C1C}">
+                  <a14:useLocalDpi xmlns:a14="http://schemas.microsoft.com/office/drawing/2010/main" val="0"/>
+                </a:ext>
+              </a:extLst>
+            </a:blip>
+            <a:srcRect/>
+            <a:stretch/>
+          </p:blipFill>
+          <p:spPr>
+            <a:xfrm>
+              <a:off x="1386080" y="1439674"/>
+              <a:ext cx="633211" cy="633211"/>
+            </a:xfrm>
+            <a:prstGeom prst="rect">
+              <a:avLst/>
+            </a:prstGeom>
+          </p:spPr>
+        </p:pic>
+      </p:grpSp>
+      <p:grpSp>
+        <p:nvGrpSpPr>
+          <p:cNvPr id="93" name="组合 92">
+            <a:extLst>
+              <a:ext uri="{FF2B5EF4-FFF2-40B4-BE49-F238E27FC236}">
+                <a16:creationId xmlns:a16="http://schemas.microsoft.com/office/drawing/2014/main" id="{63B31610-0076-8C27-8064-C7C64EAADE3A}"/>
+              </a:ext>
+            </a:extLst>
+          </p:cNvPr>
+          <p:cNvGrpSpPr/>
+          <p:nvPr/>
+        </p:nvGrpSpPr>
+        <p:grpSpPr>
+          <a:xfrm>
+            <a:off x="3644275" y="2752624"/>
+            <a:ext cx="1899876" cy="633211"/>
+            <a:chOff x="3485195" y="1439674"/>
+            <a:chExt cx="1899876" cy="633211"/>
+          </a:xfrm>
+        </p:grpSpPr>
+        <p:pic>
+          <p:nvPicPr>
+            <p:cNvPr id="94" name="图片 93">
+              <a:extLst>
+                <a:ext uri="{FF2B5EF4-FFF2-40B4-BE49-F238E27FC236}">
+                  <a16:creationId xmlns:a16="http://schemas.microsoft.com/office/drawing/2014/main" id="{49F153EA-8743-3F42-C428-A5EC7479FA2B}"/>
+                </a:ext>
+              </a:extLst>
+            </p:cNvPr>
+            <p:cNvPicPr>
+              <a:picLocks noChangeAspect="1"/>
+            </p:cNvPicPr>
+            <p:nvPr/>
+          </p:nvPicPr>
+          <p:blipFill>
+            <a:blip r:embed="rId34">
+              <a:extLst>
+                <a:ext uri="{28A0092B-C50C-407E-A947-70E740481C1C}">
+                  <a14:useLocalDpi xmlns:a14="http://schemas.microsoft.com/office/drawing/2010/main" val="0"/>
+                </a:ext>
+              </a:extLst>
+            </a:blip>
+            <a:srcRect/>
+            <a:stretch/>
+          </p:blipFill>
+          <p:spPr>
+            <a:xfrm>
+              <a:off x="4118528" y="1439674"/>
+              <a:ext cx="633211" cy="633211"/>
+            </a:xfrm>
+            <a:prstGeom prst="rect">
+              <a:avLst/>
+            </a:prstGeom>
+          </p:spPr>
+        </p:pic>
+        <p:pic>
+          <p:nvPicPr>
+            <p:cNvPr id="95" name="图片 94">
+              <a:extLst>
+                <a:ext uri="{FF2B5EF4-FFF2-40B4-BE49-F238E27FC236}">
+                  <a16:creationId xmlns:a16="http://schemas.microsoft.com/office/drawing/2014/main" id="{2E5F9E9B-1F7E-7F1E-1607-4AA552C6334D}"/>
+                </a:ext>
+              </a:extLst>
+            </p:cNvPr>
+            <p:cNvPicPr>
+              <a:picLocks noChangeAspect="1"/>
+            </p:cNvPicPr>
+            <p:nvPr/>
+          </p:nvPicPr>
+          <p:blipFill>
+            <a:blip r:embed="rId35">
+              <a:extLst>
+                <a:ext uri="{28A0092B-C50C-407E-A947-70E740481C1C}">
+                  <a14:useLocalDpi xmlns:a14="http://schemas.microsoft.com/office/drawing/2010/main" val="0"/>
+                </a:ext>
+              </a:extLst>
+            </a:blip>
+            <a:srcRect/>
+            <a:stretch/>
+          </p:blipFill>
+          <p:spPr>
+            <a:xfrm>
+              <a:off x="4751860" y="1439674"/>
+              <a:ext cx="633211" cy="633211"/>
+            </a:xfrm>
+            <a:prstGeom prst="rect">
+              <a:avLst/>
+            </a:prstGeom>
+          </p:spPr>
+        </p:pic>
+        <p:pic>
+          <p:nvPicPr>
+            <p:cNvPr id="96" name="图片 95">
+              <a:extLst>
+                <a:ext uri="{FF2B5EF4-FFF2-40B4-BE49-F238E27FC236}">
+                  <a16:creationId xmlns:a16="http://schemas.microsoft.com/office/drawing/2014/main" id="{08C0AAB3-7FA2-2066-B54B-488481261902}"/>
+                </a:ext>
+              </a:extLst>
+            </p:cNvPr>
+            <p:cNvPicPr>
+              <a:picLocks noChangeAspect="1"/>
+            </p:cNvPicPr>
+            <p:nvPr/>
+          </p:nvPicPr>
+          <p:blipFill>
+            <a:blip r:embed="rId36">
+              <a:extLst>
+                <a:ext uri="{28A0092B-C50C-407E-A947-70E740481C1C}">
+                  <a14:useLocalDpi xmlns:a14="http://schemas.microsoft.com/office/drawing/2010/main" val="0"/>
+                </a:ext>
+              </a:extLst>
+            </a:blip>
+            <a:srcRect/>
+            <a:stretch/>
+          </p:blipFill>
+          <p:spPr>
+            <a:xfrm>
+              <a:off x="3485195" y="1439674"/>
+              <a:ext cx="633211" cy="633211"/>
+            </a:xfrm>
+            <a:prstGeom prst="rect">
+              <a:avLst/>
+            </a:prstGeom>
+          </p:spPr>
+        </p:pic>
+      </p:grpSp>
+      <p:grpSp>
+        <p:nvGrpSpPr>
+          <p:cNvPr id="97" name="组合 96">
+            <a:extLst>
+              <a:ext uri="{FF2B5EF4-FFF2-40B4-BE49-F238E27FC236}">
+                <a16:creationId xmlns:a16="http://schemas.microsoft.com/office/drawing/2014/main" id="{9152CA15-7294-8445-10BD-C7E7B1165C81}"/>
+              </a:ext>
+            </a:extLst>
+          </p:cNvPr>
+          <p:cNvGrpSpPr/>
+          <p:nvPr/>
+        </p:nvGrpSpPr>
+        <p:grpSpPr>
+          <a:xfrm>
+            <a:off x="5719371" y="2752624"/>
+            <a:ext cx="1899876" cy="633211"/>
+            <a:chOff x="5563694" y="1439674"/>
+            <a:chExt cx="1899876" cy="633211"/>
+          </a:xfrm>
+        </p:grpSpPr>
+        <p:pic>
+          <p:nvPicPr>
+            <p:cNvPr id="98" name="图片 97">
+              <a:extLst>
+                <a:ext uri="{FF2B5EF4-FFF2-40B4-BE49-F238E27FC236}">
+                  <a16:creationId xmlns:a16="http://schemas.microsoft.com/office/drawing/2014/main" id="{4235D54E-1128-2758-27DC-C9F4B80761AF}"/>
+                </a:ext>
+              </a:extLst>
+            </p:cNvPr>
+            <p:cNvPicPr>
+              <a:picLocks noChangeAspect="1"/>
+            </p:cNvPicPr>
+            <p:nvPr/>
+          </p:nvPicPr>
+          <p:blipFill>
+            <a:blip r:embed="rId37">
+              <a:extLst>
+                <a:ext uri="{28A0092B-C50C-407E-A947-70E740481C1C}">
+                  <a14:useLocalDpi xmlns:a14="http://schemas.microsoft.com/office/drawing/2010/main" val="0"/>
+                </a:ext>
+              </a:extLst>
+            </a:blip>
+            <a:srcRect/>
+            <a:stretch/>
+          </p:blipFill>
+          <p:spPr>
+            <a:xfrm>
+              <a:off x="6197026" y="1439674"/>
+              <a:ext cx="633211" cy="633211"/>
+            </a:xfrm>
+            <a:prstGeom prst="rect">
+              <a:avLst/>
+            </a:prstGeom>
+          </p:spPr>
+        </p:pic>
+        <p:pic>
+          <p:nvPicPr>
+            <p:cNvPr id="99" name="图片 98">
+              <a:extLst>
+                <a:ext uri="{FF2B5EF4-FFF2-40B4-BE49-F238E27FC236}">
+                  <a16:creationId xmlns:a16="http://schemas.microsoft.com/office/drawing/2014/main" id="{053DE522-0095-F9BD-FD80-A5D21F681D21}"/>
+                </a:ext>
+              </a:extLst>
+            </p:cNvPr>
+            <p:cNvPicPr>
+              <a:picLocks noChangeAspect="1"/>
+            </p:cNvPicPr>
+            <p:nvPr/>
+          </p:nvPicPr>
+          <p:blipFill>
+            <a:blip r:embed="rId37">
+              <a:extLst>
+                <a:ext uri="{28A0092B-C50C-407E-A947-70E740481C1C}">
+                  <a14:useLocalDpi xmlns:a14="http://schemas.microsoft.com/office/drawing/2010/main" val="0"/>
+                </a:ext>
+              </a:extLst>
+            </a:blip>
+            <a:srcRect/>
+            <a:stretch/>
+          </p:blipFill>
+          <p:spPr>
+            <a:xfrm>
+              <a:off x="6830359" y="1439674"/>
+              <a:ext cx="633211" cy="633211"/>
+            </a:xfrm>
+            <a:prstGeom prst="rect">
+              <a:avLst/>
+            </a:prstGeom>
+          </p:spPr>
+        </p:pic>
+        <p:pic>
+          <p:nvPicPr>
+            <p:cNvPr id="100" name="图片 99">
+              <a:extLst>
+                <a:ext uri="{FF2B5EF4-FFF2-40B4-BE49-F238E27FC236}">
+                  <a16:creationId xmlns:a16="http://schemas.microsoft.com/office/drawing/2014/main" id="{533CF9F4-3E03-63A4-47D8-0C41D43B8E40}"/>
+                </a:ext>
+              </a:extLst>
+            </p:cNvPr>
+            <p:cNvPicPr>
+              <a:picLocks noChangeAspect="1"/>
+            </p:cNvPicPr>
+            <p:nvPr/>
+          </p:nvPicPr>
+          <p:blipFill>
+            <a:blip r:embed="rId38">
+              <a:extLst>
+                <a:ext uri="{28A0092B-C50C-407E-A947-70E740481C1C}">
+                  <a14:useLocalDpi xmlns:a14="http://schemas.microsoft.com/office/drawing/2010/main" val="0"/>
+                </a:ext>
+              </a:extLst>
+            </a:blip>
+            <a:srcRect/>
+            <a:stretch/>
+          </p:blipFill>
+          <p:spPr>
+            <a:xfrm>
+              <a:off x="5563694" y="1439674"/>
+              <a:ext cx="633211" cy="633211"/>
+            </a:xfrm>
+            <a:prstGeom prst="rect">
+              <a:avLst/>
+            </a:prstGeom>
+          </p:spPr>
+        </p:pic>
+      </p:grpSp>
+      <p:grpSp>
+        <p:nvGrpSpPr>
+          <p:cNvPr id="101" name="组合 100">
+            <a:extLst>
+              <a:ext uri="{FF2B5EF4-FFF2-40B4-BE49-F238E27FC236}">
+                <a16:creationId xmlns:a16="http://schemas.microsoft.com/office/drawing/2014/main" id="{43001D18-0DE0-14AE-7B61-C9071E31118F}"/>
+              </a:ext>
+            </a:extLst>
+          </p:cNvPr>
+          <p:cNvGrpSpPr/>
+          <p:nvPr/>
+        </p:nvGrpSpPr>
+        <p:grpSpPr>
+          <a:xfrm>
+            <a:off x="7794468" y="2752624"/>
+            <a:ext cx="1899876" cy="633211"/>
+            <a:chOff x="7672213" y="1441603"/>
+            <a:chExt cx="1899876" cy="633211"/>
+          </a:xfrm>
+        </p:grpSpPr>
+        <p:pic>
+          <p:nvPicPr>
+            <p:cNvPr id="102" name="图片 101">
+              <a:extLst>
+                <a:ext uri="{FF2B5EF4-FFF2-40B4-BE49-F238E27FC236}">
+                  <a16:creationId xmlns:a16="http://schemas.microsoft.com/office/drawing/2014/main" id="{BDED0056-4432-1194-0E34-41286A17C2EC}"/>
+                </a:ext>
+              </a:extLst>
+            </p:cNvPr>
+            <p:cNvPicPr>
+              <a:picLocks noChangeAspect="1"/>
+            </p:cNvPicPr>
+            <p:nvPr/>
+          </p:nvPicPr>
+          <p:blipFill>
+            <a:blip r:embed="rId28">
+              <a:extLst>
+                <a:ext uri="{28A0092B-C50C-407E-A947-70E740481C1C}">
+                  <a14:useLocalDpi xmlns:a14="http://schemas.microsoft.com/office/drawing/2010/main" val="0"/>
+                </a:ext>
+              </a:extLst>
+            </a:blip>
+            <a:srcRect/>
+            <a:stretch/>
+          </p:blipFill>
+          <p:spPr>
+            <a:xfrm>
+              <a:off x="8305545" y="1441603"/>
+              <a:ext cx="633211" cy="633211"/>
+            </a:xfrm>
+            <a:prstGeom prst="rect">
+              <a:avLst/>
+            </a:prstGeom>
+          </p:spPr>
+        </p:pic>
+        <p:pic>
+          <p:nvPicPr>
+            <p:cNvPr id="103" name="图片 102">
+              <a:extLst>
+                <a:ext uri="{FF2B5EF4-FFF2-40B4-BE49-F238E27FC236}">
+                  <a16:creationId xmlns:a16="http://schemas.microsoft.com/office/drawing/2014/main" id="{2902DDA5-0FB7-8450-FA68-B498196BD106}"/>
+                </a:ext>
+              </a:extLst>
+            </p:cNvPr>
+            <p:cNvPicPr>
+              <a:picLocks noChangeAspect="1"/>
+            </p:cNvPicPr>
+            <p:nvPr/>
+          </p:nvPicPr>
+          <p:blipFill>
+            <a:blip r:embed="rId29">
+              <a:extLst>
+                <a:ext uri="{28A0092B-C50C-407E-A947-70E740481C1C}">
+                  <a14:useLocalDpi xmlns:a14="http://schemas.microsoft.com/office/drawing/2010/main" val="0"/>
+                </a:ext>
+              </a:extLst>
+            </a:blip>
+            <a:srcRect/>
+            <a:stretch/>
+          </p:blipFill>
+          <p:spPr>
+            <a:xfrm>
+              <a:off x="8938878" y="1441603"/>
+              <a:ext cx="633211" cy="633211"/>
+            </a:xfrm>
+            <a:prstGeom prst="rect">
+              <a:avLst/>
+            </a:prstGeom>
+          </p:spPr>
+        </p:pic>
+        <p:pic>
+          <p:nvPicPr>
+            <p:cNvPr id="104" name="图片 103">
+              <a:extLst>
+                <a:ext uri="{FF2B5EF4-FFF2-40B4-BE49-F238E27FC236}">
+                  <a16:creationId xmlns:a16="http://schemas.microsoft.com/office/drawing/2014/main" id="{3D802172-3391-F8BE-C4B4-5F41DCBD49C4}"/>
+                </a:ext>
+              </a:extLst>
+            </p:cNvPr>
+            <p:cNvPicPr>
+              <a:picLocks noChangeAspect="1"/>
+            </p:cNvPicPr>
+            <p:nvPr/>
+          </p:nvPicPr>
+          <p:blipFill>
+            <a:blip r:embed="rId30">
+              <a:extLst>
+                <a:ext uri="{28A0092B-C50C-407E-A947-70E740481C1C}">
+                  <a14:useLocalDpi xmlns:a14="http://schemas.microsoft.com/office/drawing/2010/main" val="0"/>
+                </a:ext>
+              </a:extLst>
+            </a:blip>
+            <a:srcRect/>
+            <a:stretch/>
+          </p:blipFill>
+          <p:spPr>
+            <a:xfrm>
+              <a:off x="7672213" y="1441603"/>
+              <a:ext cx="633211" cy="633211"/>
+            </a:xfrm>
+            <a:prstGeom prst="rect">
+              <a:avLst/>
+            </a:prstGeom>
+          </p:spPr>
+        </p:pic>
+      </p:grpSp>
+      <p:grpSp>
+        <p:nvGrpSpPr>
+          <p:cNvPr id="105" name="组合 104">
+            <a:extLst>
+              <a:ext uri="{FF2B5EF4-FFF2-40B4-BE49-F238E27FC236}">
+                <a16:creationId xmlns:a16="http://schemas.microsoft.com/office/drawing/2014/main" id="{5370919D-0ED8-F7C5-3079-D63DAE1FE9D6}"/>
+              </a:ext>
+            </a:extLst>
+          </p:cNvPr>
+          <p:cNvGrpSpPr/>
+          <p:nvPr/>
+        </p:nvGrpSpPr>
+        <p:grpSpPr>
+          <a:xfrm>
+            <a:off x="9862753" y="2741741"/>
+            <a:ext cx="1899876" cy="633211"/>
+            <a:chOff x="7672213" y="1441603"/>
+            <a:chExt cx="1899876" cy="633211"/>
+          </a:xfrm>
+        </p:grpSpPr>
+        <p:pic>
+          <p:nvPicPr>
+            <p:cNvPr id="106" name="图片 105">
+              <a:extLst>
+                <a:ext uri="{FF2B5EF4-FFF2-40B4-BE49-F238E27FC236}">
+                  <a16:creationId xmlns:a16="http://schemas.microsoft.com/office/drawing/2014/main" id="{FE36597C-D6C5-E9A1-F9D3-81A1247B9902}"/>
+                </a:ext>
+              </a:extLst>
+            </p:cNvPr>
+            <p:cNvPicPr>
+              <a:picLocks noChangeAspect="1"/>
+            </p:cNvPicPr>
+            <p:nvPr/>
+          </p:nvPicPr>
+          <p:blipFill>
+            <a:blip r:embed="rId39">
+              <a:extLst>
+                <a:ext uri="{28A0092B-C50C-407E-A947-70E740481C1C}">
+                  <a14:useLocalDpi xmlns:a14="http://schemas.microsoft.com/office/drawing/2010/main" val="0"/>
+                </a:ext>
+              </a:extLst>
+            </a:blip>
+            <a:srcRect/>
+            <a:stretch/>
+          </p:blipFill>
+          <p:spPr>
+            <a:xfrm>
+              <a:off x="8305545" y="1441603"/>
+              <a:ext cx="633211" cy="633211"/>
+            </a:xfrm>
+            <a:prstGeom prst="rect">
+              <a:avLst/>
+            </a:prstGeom>
+          </p:spPr>
+        </p:pic>
+        <p:pic>
+          <p:nvPicPr>
+            <p:cNvPr id="107" name="图片 106">
+              <a:extLst>
+                <a:ext uri="{FF2B5EF4-FFF2-40B4-BE49-F238E27FC236}">
+                  <a16:creationId xmlns:a16="http://schemas.microsoft.com/office/drawing/2014/main" id="{1642C30B-C1D9-4034-8424-0A86E0C3F712}"/>
+                </a:ext>
+              </a:extLst>
+            </p:cNvPr>
+            <p:cNvPicPr>
+              <a:picLocks noChangeAspect="1"/>
+            </p:cNvPicPr>
+            <p:nvPr/>
+          </p:nvPicPr>
+          <p:blipFill>
+            <a:blip r:embed="rId40">
+              <a:extLst>
+                <a:ext uri="{28A0092B-C50C-407E-A947-70E740481C1C}">
+                  <a14:useLocalDpi xmlns:a14="http://schemas.microsoft.com/office/drawing/2010/main" val="0"/>
+                </a:ext>
+              </a:extLst>
+            </a:blip>
+            <a:srcRect/>
+            <a:stretch/>
+          </p:blipFill>
+          <p:spPr>
+            <a:xfrm>
+              <a:off x="8938878" y="1441603"/>
+              <a:ext cx="633211" cy="633211"/>
+            </a:xfrm>
+            <a:prstGeom prst="rect">
+              <a:avLst/>
+            </a:prstGeom>
+          </p:spPr>
+        </p:pic>
+        <p:pic>
+          <p:nvPicPr>
+            <p:cNvPr id="108" name="图片 107">
+              <a:extLst>
+                <a:ext uri="{FF2B5EF4-FFF2-40B4-BE49-F238E27FC236}">
+                  <a16:creationId xmlns:a16="http://schemas.microsoft.com/office/drawing/2014/main" id="{ABD1A3DD-AFE3-5DE9-1C06-79FF595CE147}"/>
+                </a:ext>
+              </a:extLst>
+            </p:cNvPr>
+            <p:cNvPicPr>
+              <a:picLocks noChangeAspect="1"/>
+            </p:cNvPicPr>
+            <p:nvPr/>
+          </p:nvPicPr>
+          <p:blipFill>
+            <a:blip r:embed="rId41">
+              <a:extLst>
+                <a:ext uri="{28A0092B-C50C-407E-A947-70E740481C1C}">
+                  <a14:useLocalDpi xmlns:a14="http://schemas.microsoft.com/office/drawing/2010/main" val="0"/>
+                </a:ext>
+              </a:extLst>
+            </a:blip>
+            <a:srcRect/>
+            <a:stretch/>
+          </p:blipFill>
+          <p:spPr>
+            <a:xfrm>
+              <a:off x="7672213" y="1441603"/>
+              <a:ext cx="633211" cy="633211"/>
+            </a:xfrm>
+            <a:prstGeom prst="rect">
+              <a:avLst/>
+            </a:prstGeom>
+          </p:spPr>
+        </p:pic>
+      </p:grpSp>
+    </p:spTree>
+    <p:extLst>
+      <p:ext uri="{BB962C8B-B14F-4D97-AF65-F5344CB8AC3E}">
+        <p14:creationId xmlns:p14="http://schemas.microsoft.com/office/powerpoint/2010/main" val="3608726341"/>
       </p:ext>
     </p:extLst>
   </p:cSld>
